--- a/course/compiler/lecture/(Spring2020)Lecture8.pptx
+++ b/course/compiler/lecture/(Spring2020)Lecture8.pptx
@@ -5,10 +5,10 @@
     <p:sldMasterId id="2147483648" r:id="rId4"/>
   </p:sldMasterIdLst>
   <p:notesMasterIdLst>
-    <p:notesMasterId r:id="rId26"/>
+    <p:notesMasterId r:id="rId28"/>
   </p:notesMasterIdLst>
   <p:handoutMasterIdLst>
-    <p:handoutMasterId r:id="rId27"/>
+    <p:handoutMasterId r:id="rId29"/>
   </p:handoutMasterIdLst>
   <p:sldIdLst>
     <p:sldId id="256" r:id="rId5"/>
@@ -30,8 +30,10 @@
     <p:sldId id="295" r:id="rId21"/>
     <p:sldId id="294" r:id="rId22"/>
     <p:sldId id="293" r:id="rId23"/>
-    <p:sldId id="292" r:id="rId24"/>
-    <p:sldId id="296" r:id="rId25"/>
+    <p:sldId id="296" r:id="rId24"/>
+    <p:sldId id="297" r:id="rId25"/>
+    <p:sldId id="299" r:id="rId26"/>
+    <p:sldId id="298" r:id="rId27"/>
   </p:sldIdLst>
   <p:sldSz cx="9144000" cy="6858000" type="screen4x3"/>
   <p:notesSz cx="6858000" cy="9144000"/>
@@ -243,7 +245,7 @@
                 <a:ea typeface="微软雅黑" panose="020B0503020204020204" pitchFamily="34" charset="-122"/>
               </a:rPr>
               <a:pPr algn="r" rtl="0"/>
-              <a:t>2020/5/22</a:t>
+              <a:t>2020/5/24</a:t>
             </a:fld>
             <a:endParaRPr lang="zh-CN" altLang="en-US" dirty="0">
               <a:latin typeface="微软雅黑" panose="020B0503020204020204" pitchFamily="34" charset="-122"/>
@@ -430,7 +432,7 @@
             <a:fld id="{229B22C3-6CB1-491B-AD00-E0837F23A3F3}" type="datetime1">
               <a:rPr lang="zh-CN" altLang="en-US" smtClean="0"/>
               <a:pPr/>
-              <a:t>2020/5/22</a:t>
+              <a:t>2020/5/24</a:t>
             </a:fld>
             <a:endParaRPr lang="zh-CN" altLang="en-US" dirty="0"/>
           </a:p>
@@ -1026,7 +1028,7 @@
             <a:fld id="{A7392AAC-879E-4B39-8824-AF6B730A809E}" type="datetime1">
               <a:rPr lang="zh-CN" altLang="en-US" smtClean="0"/>
               <a:pPr/>
-              <a:t>2020/5/22</a:t>
+              <a:t>2020/5/24</a:t>
             </a:fld>
             <a:endParaRPr lang="zh-CN" altLang="en-US" dirty="0"/>
           </a:p>
@@ -1367,7 +1369,7 @@
             <a:fld id="{7118C275-B304-48F5-8C4F-015CBCF4E7C1}" type="datetime1">
               <a:rPr lang="zh-CN" altLang="en-US" smtClean="0"/>
               <a:pPr/>
-              <a:t>2020/5/22</a:t>
+              <a:t>2020/5/24</a:t>
             </a:fld>
             <a:r>
               <a:rPr lang="zh-CN" altLang="en-US" dirty="0"/>
@@ -1573,7 +1575,7 @@
             <a:fld id="{98791AA9-DDCB-4BA8-AD1D-963A3AA00622}" type="datetime1">
               <a:rPr lang="zh-CN" altLang="en-US" smtClean="0"/>
               <a:pPr/>
-              <a:t>2020/5/22</a:t>
+              <a:t>2020/5/24</a:t>
             </a:fld>
             <a:endParaRPr lang="zh-CN" altLang="en-US" dirty="0"/>
           </a:p>
@@ -1777,7 +1779,7 @@
             <a:fld id="{9170426F-E661-472B-BE42-25E072CD46D9}" type="datetime1">
               <a:rPr lang="zh-CN" altLang="en-US" smtClean="0"/>
               <a:pPr/>
-              <a:t>2020/5/22</a:t>
+              <a:t>2020/5/24</a:t>
             </a:fld>
             <a:endParaRPr lang="zh-CN" altLang="en-US" dirty="0"/>
           </a:p>
@@ -2099,7 +2101,7 @@
             <a:fld id="{9BA78444-6099-4C0A-A3A9-C6F3C5D7F289}" type="datetime1">
               <a:rPr lang="zh-CN" altLang="en-US" smtClean="0"/>
               <a:pPr/>
-              <a:t>2020/5/22</a:t>
+              <a:t>2020/5/24</a:t>
             </a:fld>
             <a:endParaRPr lang="zh-CN" altLang="en-US" dirty="0"/>
           </a:p>
@@ -3211,7 +3213,7 @@
             <a:fld id="{AF5F6A19-70BF-4380-9A40-68C9536408C6}" type="datetime1">
               <a:rPr lang="zh-CN" altLang="en-US" smtClean="0"/>
               <a:pPr/>
-              <a:t>2020/5/22</a:t>
+              <a:t>2020/5/24</a:t>
             </a:fld>
             <a:endParaRPr lang="zh-CN" altLang="en-US" dirty="0"/>
           </a:p>
@@ -3610,7 +3612,7 @@
             <a:fld id="{6017EB90-196C-4C15-BD31-13E0E0436C73}" type="datetime1">
               <a:rPr lang="zh-CN" altLang="en-US" smtClean="0"/>
               <a:pPr/>
-              <a:t>2020/5/22</a:t>
+              <a:t>2020/5/24</a:t>
             </a:fld>
             <a:r>
               <a:rPr lang="zh-CN" altLang="en-US" dirty="0"/>
@@ -4092,7 +4094,7 @@
             <a:fld id="{C2EC0F41-B48F-4298-A7F6-618EB9D22195}" type="datetime1">
               <a:rPr lang="zh-CN" altLang="en-US" smtClean="0"/>
               <a:pPr/>
-              <a:t>2020/5/22</a:t>
+              <a:t>2020/5/24</a:t>
             </a:fld>
             <a:endParaRPr lang="zh-CN" altLang="en-US" dirty="0"/>
           </a:p>
@@ -4243,7 +4245,7 @@
             <a:fld id="{7DB2D836-56E8-4B15-857C-14B1A5B3B67B}" type="datetime1">
               <a:rPr lang="zh-CN" altLang="en-US" smtClean="0"/>
               <a:pPr/>
-              <a:t>2020/5/22</a:t>
+              <a:t>2020/5/24</a:t>
             </a:fld>
             <a:endParaRPr lang="zh-CN" altLang="en-US" dirty="0"/>
           </a:p>
@@ -4361,7 +4363,7 @@
             <a:fld id="{038D929F-7D8C-4CC3-8AC7-BB9B8FE2DEBF}" type="datetime1">
               <a:rPr lang="zh-CN" altLang="en-US" smtClean="0"/>
               <a:pPr/>
-              <a:t>2020/5/22</a:t>
+              <a:t>2020/5/24</a:t>
             </a:fld>
             <a:endParaRPr lang="zh-CN" altLang="en-US" dirty="0"/>
           </a:p>
@@ -4664,7 +4666,7 @@
             <a:fld id="{F7892ACC-8BC8-4C9E-9D2B-0669DA5038B6}" type="datetime1">
               <a:rPr lang="zh-CN" altLang="en-US" smtClean="0"/>
               <a:pPr/>
-              <a:t>2020/5/22</a:t>
+              <a:t>2020/5/24</a:t>
             </a:fld>
             <a:endParaRPr lang="zh-CN" altLang="en-US" dirty="0"/>
           </a:p>
@@ -4930,7 +4932,7 @@
             <a:fld id="{660B6A15-7713-4A08-BBFD-F297CCC2B976}" type="datetime1">
               <a:rPr lang="zh-CN" altLang="en-US" smtClean="0"/>
               <a:pPr/>
-              <a:t>2020/5/22</a:t>
+              <a:t>2020/5/24</a:t>
             </a:fld>
             <a:r>
               <a:rPr lang="zh-CN" altLang="en-US" dirty="0"/>
@@ -7800,12 +7802,8 @@
           <a:lstStyle/>
           <a:p>
             <a:r>
-              <a:rPr lang="en-US" altLang="zh-CN" dirty="0"/>
-              <a:t>8.3 Stack Allocation of Space-Activation </a:t>
-            </a:r>
-            <a:r>
               <a:rPr lang="en-US" altLang="zh-CN" dirty="0" smtClean="0"/>
-              <a:t>Record</a:t>
+              <a:t>8.3 Stack Allocation of Space-Activation Record</a:t>
             </a:r>
             <a:endParaRPr lang="zh-CN" altLang="en-US" dirty="0"/>
           </a:p>
@@ -8430,6 +8428,74 @@
           </a:prstGeom>
         </p:spPr>
       </p:pic>
+      <p:sp>
+        <p:nvSpPr>
+          <p:cNvPr id="6" name="文本框 5"/>
+          <p:cNvSpPr txBox="1"/>
+          <p:nvPr/>
+        </p:nvSpPr>
+        <p:spPr>
+          <a:xfrm>
+            <a:off x="7238289" y="4093436"/>
+            <a:ext cx="1316052" cy="830997"/>
+          </a:xfrm>
+          <a:prstGeom prst="rect">
+            <a:avLst/>
+          </a:prstGeom>
+          <a:noFill/>
+        </p:spPr>
+        <p:txBody>
+          <a:bodyPr wrap="square" rtlCol="0">
+            <a:spAutoFit/>
+          </a:bodyPr>
+          <a:lstStyle/>
+          <a:p>
+            <a:r>
+              <a:rPr lang="en-US" altLang="zh-CN" sz="1200" dirty="0"/>
+              <a:t>pointing to the activation record of the caller</a:t>
+            </a:r>
+            <a:endParaRPr lang="zh-CN" altLang="en-US" sz="1200" dirty="0"/>
+          </a:p>
+        </p:txBody>
+      </p:sp>
+      <p:cxnSp>
+        <p:nvCxnSpPr>
+          <p:cNvPr id="10" name="直接箭头连接符 9"/>
+          <p:cNvCxnSpPr>
+            <a:endCxn id="6" idx="1"/>
+          </p:cNvCxnSpPr>
+          <p:nvPr/>
+        </p:nvCxnSpPr>
+        <p:spPr>
+          <a:xfrm>
+            <a:off x="6383708" y="4119073"/>
+            <a:ext cx="854581" cy="389862"/>
+          </a:xfrm>
+          <a:prstGeom prst="straightConnector1">
+            <a:avLst/>
+          </a:prstGeom>
+          <a:ln>
+            <a:solidFill>
+              <a:schemeClr val="accent1"/>
+            </a:solidFill>
+            <a:tailEnd type="triangle"/>
+          </a:ln>
+        </p:spPr>
+        <p:style>
+          <a:lnRef idx="1">
+            <a:schemeClr val="accent1"/>
+          </a:lnRef>
+          <a:fillRef idx="0">
+            <a:schemeClr val="accent1"/>
+          </a:fillRef>
+          <a:effectRef idx="0">
+            <a:schemeClr val="accent1"/>
+          </a:effectRef>
+          <a:fontRef idx="minor">
+            <a:schemeClr val="tx1"/>
+          </a:fontRef>
+        </p:style>
+      </p:cxnSp>
     </p:spTree>
     <p:extLst>
       <p:ext uri="{BB962C8B-B14F-4D97-AF65-F5344CB8AC3E}">
@@ -8489,9 +8555,874 @@
           <a:p>
             <a:r>
               <a:rPr lang="en-US" altLang="zh-CN" dirty="0"/>
-              <a:t>8.2 Storage Organization</a:t>
+              <a:t>8.3 Stack Allocation of Space-Activation Record</a:t>
             </a:r>
             <a:endParaRPr lang="zh-CN" altLang="en-US" dirty="0"/>
+          </a:p>
+        </p:txBody>
+      </p:sp>
+      <p:sp>
+        <p:nvSpPr>
+          <p:cNvPr id="3" name="Rectangle 3"/>
+          <p:cNvSpPr txBox="1">
+            <a:spLocks noChangeArrowheads="1"/>
+          </p:cNvSpPr>
+          <p:nvPr/>
+        </p:nvSpPr>
+        <p:spPr bwMode="auto">
+          <a:xfrm>
+            <a:off x="822533" y="1504059"/>
+            <a:ext cx="6885774" cy="4814651"/>
+          </a:xfrm>
+          <a:prstGeom prst="rect">
+            <a:avLst/>
+          </a:prstGeom>
+          <a:noFill/>
+          <a:ln>
+            <a:noFill/>
+          </a:ln>
+          <a:effectLst/>
+          <a:extLst>
+            <a:ext uri="{909E8E84-426E-40DD-AFC4-6F175D3DCCD1}">
+              <a14:hiddenFill xmlns:a14="http://schemas.microsoft.com/office/drawing/2010/main">
+                <a:solidFill>
+                  <a:schemeClr val="accent1"/>
+                </a:solidFill>
+              </a14:hiddenFill>
+            </a:ext>
+            <a:ext uri="{91240B29-F687-4F45-9708-019B960494DF}">
+              <a14:hiddenLine xmlns:a14="http://schemas.microsoft.com/office/drawing/2010/main" w="9525">
+                <a:solidFill>
+                  <a:schemeClr val="tx1"/>
+                </a:solidFill>
+                <a:miter lim="800000"/>
+                <a:headEnd/>
+                <a:tailEnd/>
+              </a14:hiddenLine>
+            </a:ext>
+            <a:ext uri="{AF507438-7753-43E0-B8FC-AC1667EBCBE1}">
+              <a14:hiddenEffects xmlns:a14="http://schemas.microsoft.com/office/drawing/2010/main">
+                <a:effectLst>
+                  <a:outerShdw dist="35921" dir="2700000" algn="ctr" rotWithShape="0">
+                    <a:schemeClr val="bg2"/>
+                  </a:outerShdw>
+                </a:effectLst>
+              </a14:hiddenEffects>
+            </a:ext>
+          </a:extLst>
+        </p:spPr>
+        <p:txBody>
+          <a:bodyPr vert="horz" wrap="square" lIns="91440" tIns="45720" rIns="91440" bIns="45720" numCol="1" anchor="t" anchorCtr="0" compatLnSpc="1">
+            <a:prstTxWarp prst="textNoShape">
+              <a:avLst/>
+            </a:prstTxWarp>
+          </a:bodyPr>
+          <a:lstStyle>
+            <a:lvl1pPr marL="342900" indent="-342900" algn="l" rtl="0" eaLnBrk="0" fontAlgn="base" hangingPunct="0">
+              <a:spcBef>
+                <a:spcPct val="20000"/>
+              </a:spcBef>
+              <a:spcAft>
+                <a:spcPct val="0"/>
+              </a:spcAft>
+              <a:buChar char="•"/>
+              <a:defRPr sz="3200" kern="1200">
+                <a:solidFill>
+                  <a:schemeClr val="tx1"/>
+                </a:solidFill>
+                <a:latin typeface="+mn-lt"/>
+                <a:ea typeface="+mn-ea"/>
+                <a:cs typeface="+mn-cs"/>
+              </a:defRPr>
+            </a:lvl1pPr>
+            <a:lvl2pPr marL="742950" indent="-285750" algn="l" rtl="0" eaLnBrk="0" fontAlgn="base" hangingPunct="0">
+              <a:spcBef>
+                <a:spcPct val="20000"/>
+              </a:spcBef>
+              <a:spcAft>
+                <a:spcPct val="0"/>
+              </a:spcAft>
+              <a:buChar char="–"/>
+              <a:defRPr sz="2800" kern="1200">
+                <a:solidFill>
+                  <a:schemeClr val="tx1"/>
+                </a:solidFill>
+                <a:latin typeface="+mn-lt"/>
+                <a:ea typeface="+mn-ea"/>
+                <a:cs typeface="+mn-cs"/>
+              </a:defRPr>
+            </a:lvl2pPr>
+            <a:lvl3pPr marL="1143000" indent="-228600" algn="l" rtl="0" eaLnBrk="0" fontAlgn="base" hangingPunct="0">
+              <a:spcBef>
+                <a:spcPct val="20000"/>
+              </a:spcBef>
+              <a:spcAft>
+                <a:spcPct val="0"/>
+              </a:spcAft>
+              <a:buChar char="•"/>
+              <a:defRPr sz="2400" kern="1200">
+                <a:solidFill>
+                  <a:schemeClr val="tx1"/>
+                </a:solidFill>
+                <a:latin typeface="+mn-lt"/>
+                <a:ea typeface="+mn-ea"/>
+                <a:cs typeface="+mn-cs"/>
+              </a:defRPr>
+            </a:lvl3pPr>
+            <a:lvl4pPr marL="1600200" indent="-228600" algn="l" rtl="0" eaLnBrk="0" fontAlgn="base" hangingPunct="0">
+              <a:spcBef>
+                <a:spcPct val="20000"/>
+              </a:spcBef>
+              <a:spcAft>
+                <a:spcPct val="0"/>
+              </a:spcAft>
+              <a:buChar char="–"/>
+              <a:defRPr sz="2000" kern="1200">
+                <a:solidFill>
+                  <a:schemeClr val="tx1"/>
+                </a:solidFill>
+                <a:latin typeface="+mn-lt"/>
+                <a:ea typeface="+mn-ea"/>
+                <a:cs typeface="+mn-cs"/>
+              </a:defRPr>
+            </a:lvl4pPr>
+            <a:lvl5pPr marL="2057400" indent="-228600" algn="l" rtl="0" eaLnBrk="0" fontAlgn="base" hangingPunct="0">
+              <a:spcBef>
+                <a:spcPct val="20000"/>
+              </a:spcBef>
+              <a:spcAft>
+                <a:spcPct val="0"/>
+              </a:spcAft>
+              <a:buChar char="»"/>
+              <a:defRPr sz="2000" kern="1200">
+                <a:solidFill>
+                  <a:schemeClr val="tx1"/>
+                </a:solidFill>
+                <a:latin typeface="+mn-lt"/>
+                <a:ea typeface="+mn-ea"/>
+                <a:cs typeface="+mn-cs"/>
+              </a:defRPr>
+            </a:lvl5pPr>
+            <a:lvl6pPr marL="2514600" indent="-228600" algn="l" defTabSz="914400" rtl="0" eaLnBrk="1" latinLnBrk="0" hangingPunct="1">
+              <a:lnSpc>
+                <a:spcPct val="90000"/>
+              </a:lnSpc>
+              <a:spcBef>
+                <a:spcPts val="500"/>
+              </a:spcBef>
+              <a:buFont typeface="Arial" panose="020B0604020202020204" pitchFamily="34" charset="0"/>
+              <a:buChar char="•"/>
+              <a:defRPr sz="1800" kern="1200">
+                <a:solidFill>
+                  <a:schemeClr val="tx1"/>
+                </a:solidFill>
+                <a:latin typeface="+mn-lt"/>
+                <a:ea typeface="+mn-ea"/>
+                <a:cs typeface="+mn-cs"/>
+              </a:defRPr>
+            </a:lvl6pPr>
+            <a:lvl7pPr marL="2971800" indent="-228600" algn="l" defTabSz="914400" rtl="0" eaLnBrk="1" latinLnBrk="0" hangingPunct="1">
+              <a:lnSpc>
+                <a:spcPct val="90000"/>
+              </a:lnSpc>
+              <a:spcBef>
+                <a:spcPts val="500"/>
+              </a:spcBef>
+              <a:buFont typeface="Arial" panose="020B0604020202020204" pitchFamily="34" charset="0"/>
+              <a:buChar char="•"/>
+              <a:defRPr sz="1800" kern="1200">
+                <a:solidFill>
+                  <a:schemeClr val="tx1"/>
+                </a:solidFill>
+                <a:latin typeface="+mn-lt"/>
+                <a:ea typeface="+mn-ea"/>
+                <a:cs typeface="+mn-cs"/>
+              </a:defRPr>
+            </a:lvl7pPr>
+            <a:lvl8pPr marL="3429000" indent="-228600" algn="l" defTabSz="914400" rtl="0" eaLnBrk="1" latinLnBrk="0" hangingPunct="1">
+              <a:lnSpc>
+                <a:spcPct val="90000"/>
+              </a:lnSpc>
+              <a:spcBef>
+                <a:spcPts val="500"/>
+              </a:spcBef>
+              <a:buFont typeface="Arial" panose="020B0604020202020204" pitchFamily="34" charset="0"/>
+              <a:buChar char="•"/>
+              <a:defRPr sz="1800" kern="1200">
+                <a:solidFill>
+                  <a:schemeClr val="tx1"/>
+                </a:solidFill>
+                <a:latin typeface="+mn-lt"/>
+                <a:ea typeface="+mn-ea"/>
+                <a:cs typeface="+mn-cs"/>
+              </a:defRPr>
+            </a:lvl8pPr>
+            <a:lvl9pPr marL="3886200" indent="-228600" algn="l" defTabSz="914400" rtl="0" eaLnBrk="1" latinLnBrk="0" hangingPunct="1">
+              <a:lnSpc>
+                <a:spcPct val="90000"/>
+              </a:lnSpc>
+              <a:spcBef>
+                <a:spcPts val="500"/>
+              </a:spcBef>
+              <a:buFont typeface="Arial" panose="020B0604020202020204" pitchFamily="34" charset="0"/>
+              <a:buChar char="•"/>
+              <a:defRPr sz="1800" kern="1200">
+                <a:solidFill>
+                  <a:schemeClr val="tx1"/>
+                </a:solidFill>
+                <a:latin typeface="+mn-lt"/>
+                <a:ea typeface="+mn-ea"/>
+                <a:cs typeface="+mn-cs"/>
+              </a:defRPr>
+            </a:lvl9pPr>
+          </a:lstStyle>
+          <a:p>
+            <a:pPr marL="342900" marR="0" lvl="0" indent="-342900" algn="l" defTabSz="914400" rtl="0" eaLnBrk="1" fontAlgn="base" latinLnBrk="0" hangingPunct="1">
+              <a:lnSpc>
+                <a:spcPct val="80000"/>
+              </a:lnSpc>
+              <a:spcBef>
+                <a:spcPct val="20000"/>
+              </a:spcBef>
+              <a:spcAft>
+                <a:spcPct val="0"/>
+              </a:spcAft>
+              <a:buClrTx/>
+              <a:buSzTx/>
+              <a:buFontTx/>
+              <a:buChar char="•"/>
+              <a:tabLst/>
+              <a:defRPr/>
+            </a:pPr>
+            <a:r>
+              <a:rPr kumimoji="0" lang="en-US" altLang="zh-CN" sz="1800" b="0" i="0" u="none" strike="noStrike" kern="1200" cap="none" spc="0" normalizeH="0" baseline="0" noProof="0" dirty="0" smtClean="0">
+                <a:ln>
+                  <a:noFill/>
+                </a:ln>
+                <a:solidFill>
+                  <a:srgbClr val="000000"/>
+                </a:solidFill>
+                <a:effectLst/>
+                <a:uLnTx/>
+                <a:uFillTx/>
+                <a:latin typeface="Times New Roman"/>
+                <a:ea typeface="宋体"/>
+                <a:cs typeface="+mn-cs"/>
+              </a:rPr>
+              <a:t>Some parts of an activation record have the </a:t>
+            </a:r>
+            <a:r>
+              <a:rPr kumimoji="0" lang="en-US" altLang="zh-CN" sz="1800" b="1" i="0" u="none" strike="noStrike" kern="1200" cap="none" spc="0" normalizeH="0" baseline="0" noProof="0" dirty="0" smtClean="0">
+                <a:ln>
+                  <a:noFill/>
+                </a:ln>
+                <a:solidFill>
+                  <a:srgbClr val="000000"/>
+                </a:solidFill>
+                <a:effectLst/>
+                <a:uLnTx/>
+                <a:uFillTx/>
+                <a:latin typeface="Times New Roman"/>
+                <a:ea typeface="宋体"/>
+                <a:cs typeface="+mn-cs"/>
+              </a:rPr>
+              <a:t>same size for all procedures</a:t>
+            </a:r>
+          </a:p>
+          <a:p>
+            <a:pPr marL="742950" marR="0" lvl="1" indent="-285750" algn="l" defTabSz="914400" rtl="0" eaLnBrk="1" fontAlgn="base" latinLnBrk="0" hangingPunct="1">
+              <a:lnSpc>
+                <a:spcPct val="80000"/>
+              </a:lnSpc>
+              <a:spcBef>
+                <a:spcPct val="20000"/>
+              </a:spcBef>
+              <a:spcAft>
+                <a:spcPct val="0"/>
+              </a:spcAft>
+              <a:buClrTx/>
+              <a:buSzTx/>
+              <a:buFontTx/>
+              <a:buChar char="–"/>
+              <a:tabLst/>
+              <a:defRPr/>
+            </a:pPr>
+            <a:r>
+              <a:rPr kumimoji="0" lang="en-US" altLang="zh-CN" sz="1800" b="0" i="0" u="none" strike="noStrike" kern="1200" cap="none" spc="0" normalizeH="0" baseline="0" noProof="0" dirty="0" smtClean="0">
+                <a:ln>
+                  <a:noFill/>
+                </a:ln>
+                <a:solidFill>
+                  <a:srgbClr val="000000"/>
+                </a:solidFill>
+                <a:effectLst/>
+                <a:uLnTx/>
+                <a:uFillTx/>
+                <a:latin typeface="Times New Roman"/>
+                <a:ea typeface="宋体"/>
+                <a:cs typeface="+mn-cs"/>
+              </a:rPr>
+              <a:t>Space for bookkeeping information</a:t>
+            </a:r>
+          </a:p>
+          <a:p>
+            <a:pPr marL="342900" marR="0" lvl="0" indent="-342900" algn="l" defTabSz="914400" rtl="0" eaLnBrk="1" fontAlgn="base" latinLnBrk="0" hangingPunct="1">
+              <a:lnSpc>
+                <a:spcPct val="80000"/>
+              </a:lnSpc>
+              <a:spcBef>
+                <a:spcPct val="20000"/>
+              </a:spcBef>
+              <a:spcAft>
+                <a:spcPct val="0"/>
+              </a:spcAft>
+              <a:buClrTx/>
+              <a:buSzTx/>
+              <a:buFontTx/>
+              <a:buChar char="•"/>
+              <a:tabLst/>
+              <a:defRPr/>
+            </a:pPr>
+            <a:r>
+              <a:rPr kumimoji="0" lang="en-US" altLang="zh-CN" sz="1800" b="0" i="0" u="none" strike="noStrike" kern="1200" cap="none" spc="0" normalizeH="0" baseline="0" noProof="0" dirty="0" smtClean="0">
+                <a:ln>
+                  <a:noFill/>
+                </a:ln>
+                <a:solidFill>
+                  <a:srgbClr val="000000"/>
+                </a:solidFill>
+                <a:effectLst/>
+                <a:uLnTx/>
+                <a:uFillTx/>
+                <a:latin typeface="Times New Roman"/>
+                <a:ea typeface="宋体"/>
+                <a:cs typeface="+mn-cs"/>
+              </a:rPr>
+              <a:t>Other parts of an activation record may </a:t>
+            </a:r>
+            <a:r>
+              <a:rPr kumimoji="0" lang="en-US" altLang="zh-CN" sz="1800" b="1" i="0" u="none" strike="noStrike" kern="1200" cap="none" spc="0" normalizeH="0" baseline="0" noProof="0" dirty="0" smtClean="0">
+                <a:ln>
+                  <a:noFill/>
+                </a:ln>
+                <a:solidFill>
+                  <a:srgbClr val="000000"/>
+                </a:solidFill>
+                <a:effectLst/>
+                <a:uLnTx/>
+                <a:uFillTx/>
+                <a:latin typeface="Times New Roman"/>
+                <a:ea typeface="宋体"/>
+                <a:cs typeface="+mn-cs"/>
+              </a:rPr>
+              <a:t>remain fixed for each individual procedure</a:t>
+            </a:r>
+            <a:r>
+              <a:rPr kumimoji="0" lang="en-US" altLang="zh-CN" sz="1800" b="0" i="0" u="none" strike="noStrike" kern="1200" cap="none" spc="0" normalizeH="0" baseline="0" noProof="0" dirty="0" smtClean="0">
+                <a:ln>
+                  <a:noFill/>
+                </a:ln>
+                <a:solidFill>
+                  <a:srgbClr val="000000"/>
+                </a:solidFill>
+                <a:effectLst/>
+                <a:uLnTx/>
+                <a:uFillTx/>
+                <a:latin typeface="Times New Roman"/>
+                <a:ea typeface="宋体"/>
+                <a:cs typeface="+mn-cs"/>
+              </a:rPr>
+              <a:t> </a:t>
+            </a:r>
+          </a:p>
+          <a:p>
+            <a:pPr marL="742950" marR="0" lvl="1" indent="-285750" algn="l" defTabSz="914400" rtl="0" eaLnBrk="1" fontAlgn="base" latinLnBrk="0" hangingPunct="1">
+              <a:lnSpc>
+                <a:spcPct val="80000"/>
+              </a:lnSpc>
+              <a:spcBef>
+                <a:spcPct val="20000"/>
+              </a:spcBef>
+              <a:spcAft>
+                <a:spcPct val="0"/>
+              </a:spcAft>
+              <a:buClrTx/>
+              <a:buSzTx/>
+              <a:buFontTx/>
+              <a:buChar char="–"/>
+              <a:tabLst/>
+              <a:defRPr/>
+            </a:pPr>
+            <a:r>
+              <a:rPr kumimoji="0" lang="en-US" altLang="zh-CN" sz="1800" b="0" i="0" u="none" strike="noStrike" kern="1200" cap="none" spc="0" normalizeH="0" baseline="0" noProof="0" dirty="0" smtClean="0">
+                <a:ln>
+                  <a:noFill/>
+                </a:ln>
+                <a:solidFill>
+                  <a:srgbClr val="000000"/>
+                </a:solidFill>
+                <a:effectLst/>
+                <a:uLnTx/>
+                <a:uFillTx/>
+                <a:latin typeface="Times New Roman"/>
+                <a:ea typeface="宋体"/>
+                <a:cs typeface="+mn-cs"/>
+              </a:rPr>
+              <a:t>Space for arguments and local data</a:t>
+            </a:r>
+          </a:p>
+          <a:p>
+            <a:pPr marL="342900" marR="0" lvl="0" indent="-342900" algn="l" defTabSz="914400" rtl="0" eaLnBrk="1" fontAlgn="base" latinLnBrk="0" hangingPunct="1">
+              <a:lnSpc>
+                <a:spcPct val="80000"/>
+              </a:lnSpc>
+              <a:spcBef>
+                <a:spcPct val="20000"/>
+              </a:spcBef>
+              <a:spcAft>
+                <a:spcPct val="0"/>
+              </a:spcAft>
+              <a:buClrTx/>
+              <a:buSzTx/>
+              <a:buFontTx/>
+              <a:buNone/>
+              <a:tabLst/>
+              <a:defRPr/>
+            </a:pPr>
+            <a:endParaRPr kumimoji="0" lang="en-US" altLang="zh-CN" sz="1800" b="0" i="0" u="none" strike="noStrike" kern="1200" cap="none" spc="0" normalizeH="0" baseline="0" noProof="0" dirty="0" smtClean="0">
+              <a:ln>
+                <a:noFill/>
+              </a:ln>
+              <a:solidFill>
+                <a:srgbClr val="000000"/>
+              </a:solidFill>
+              <a:effectLst/>
+              <a:uLnTx/>
+              <a:uFillTx/>
+              <a:latin typeface="Times New Roman"/>
+              <a:ea typeface="宋体"/>
+              <a:cs typeface="+mn-cs"/>
+            </a:endParaRPr>
+          </a:p>
+          <a:p>
+            <a:pPr marL="342900" marR="0" lvl="0" indent="-342900" algn="l" defTabSz="914400" rtl="0" eaLnBrk="1" fontAlgn="base" latinLnBrk="0" hangingPunct="1">
+              <a:lnSpc>
+                <a:spcPct val="80000"/>
+              </a:lnSpc>
+              <a:spcBef>
+                <a:spcPct val="20000"/>
+              </a:spcBef>
+              <a:spcAft>
+                <a:spcPct val="0"/>
+              </a:spcAft>
+              <a:buClrTx/>
+              <a:buSzTx/>
+              <a:buFontTx/>
+              <a:buChar char="•"/>
+              <a:tabLst/>
+              <a:defRPr/>
+            </a:pPr>
+            <a:r>
+              <a:rPr kumimoji="0" lang="en-US" altLang="zh-CN" sz="1800" b="0" i="0" u="none" strike="noStrike" kern="1200" cap="none" spc="0" normalizeH="0" baseline="0" noProof="0" dirty="0" smtClean="0">
+                <a:ln>
+                  <a:noFill/>
+                </a:ln>
+                <a:solidFill>
+                  <a:srgbClr val="000000"/>
+                </a:solidFill>
+                <a:effectLst/>
+                <a:uLnTx/>
+                <a:uFillTx/>
+                <a:latin typeface="Times New Roman"/>
+                <a:ea typeface="宋体"/>
+                <a:cs typeface="+mn-cs"/>
+              </a:rPr>
+              <a:t>Some parts of activation record may be </a:t>
+            </a:r>
+            <a:r>
+              <a:rPr kumimoji="0" lang="en-US" altLang="zh-CN" sz="1800" b="1" i="0" u="none" strike="noStrike" kern="1200" cap="none" spc="0" normalizeH="0" baseline="0" noProof="0" dirty="0" smtClean="0">
+                <a:ln>
+                  <a:noFill/>
+                </a:ln>
+                <a:solidFill>
+                  <a:srgbClr val="000000"/>
+                </a:solidFill>
+                <a:effectLst/>
+                <a:uLnTx/>
+                <a:uFillTx/>
+                <a:latin typeface="Times New Roman"/>
+                <a:ea typeface="宋体"/>
+                <a:cs typeface="+mn-cs"/>
+              </a:rPr>
+              <a:t>allocated automatically</a:t>
+            </a:r>
+            <a:r>
+              <a:rPr kumimoji="0" lang="en-US" altLang="zh-CN" sz="1800" b="0" i="0" u="none" strike="noStrike" kern="1200" cap="none" spc="0" normalizeH="0" baseline="0" noProof="0" dirty="0" smtClean="0">
+                <a:ln>
+                  <a:noFill/>
+                </a:ln>
+                <a:solidFill>
+                  <a:srgbClr val="000000"/>
+                </a:solidFill>
+                <a:effectLst/>
+                <a:uLnTx/>
+                <a:uFillTx/>
+                <a:latin typeface="Times New Roman"/>
+                <a:ea typeface="宋体"/>
+                <a:cs typeface="+mn-cs"/>
+              </a:rPr>
+              <a:t> on procedure calls:</a:t>
+            </a:r>
+          </a:p>
+          <a:p>
+            <a:pPr marL="742950" marR="0" lvl="1" indent="-285750" algn="l" defTabSz="914400" rtl="0" eaLnBrk="1" fontAlgn="base" latinLnBrk="0" hangingPunct="1">
+              <a:lnSpc>
+                <a:spcPct val="80000"/>
+              </a:lnSpc>
+              <a:spcBef>
+                <a:spcPct val="20000"/>
+              </a:spcBef>
+              <a:spcAft>
+                <a:spcPct val="0"/>
+              </a:spcAft>
+              <a:buClrTx/>
+              <a:buSzTx/>
+              <a:buFontTx/>
+              <a:buChar char="–"/>
+              <a:tabLst/>
+              <a:defRPr/>
+            </a:pPr>
+            <a:r>
+              <a:rPr kumimoji="0" lang="en-US" altLang="zh-CN" sz="1800" b="0" i="0" u="none" strike="noStrike" kern="1200" cap="none" spc="0" normalizeH="0" baseline="0" noProof="0" dirty="0" smtClean="0">
+                <a:ln>
+                  <a:noFill/>
+                </a:ln>
+                <a:solidFill>
+                  <a:srgbClr val="000000"/>
+                </a:solidFill>
+                <a:effectLst/>
+                <a:uLnTx/>
+                <a:uFillTx/>
+                <a:latin typeface="Times New Roman"/>
+                <a:ea typeface="宋体"/>
+                <a:cs typeface="+mn-cs"/>
+              </a:rPr>
+              <a:t> Storing the return address</a:t>
+            </a:r>
+          </a:p>
+          <a:p>
+            <a:pPr marL="342900" marR="0" lvl="0" indent="-342900" algn="l" defTabSz="914400" rtl="0" eaLnBrk="1" fontAlgn="base" latinLnBrk="0" hangingPunct="1">
+              <a:lnSpc>
+                <a:spcPct val="80000"/>
+              </a:lnSpc>
+              <a:spcBef>
+                <a:spcPct val="20000"/>
+              </a:spcBef>
+              <a:spcAft>
+                <a:spcPct val="0"/>
+              </a:spcAft>
+              <a:buClrTx/>
+              <a:buSzTx/>
+              <a:buFontTx/>
+              <a:buChar char="•"/>
+              <a:tabLst/>
+              <a:defRPr/>
+            </a:pPr>
+            <a:r>
+              <a:rPr kumimoji="0" lang="en-US" altLang="zh-CN" sz="1800" b="0" i="0" u="none" strike="noStrike" kern="1200" cap="none" spc="0" normalizeH="0" baseline="0" noProof="0" dirty="0" smtClean="0">
+                <a:ln>
+                  <a:noFill/>
+                </a:ln>
+                <a:solidFill>
+                  <a:srgbClr val="000000"/>
+                </a:solidFill>
+                <a:effectLst/>
+                <a:uLnTx/>
+                <a:uFillTx/>
+                <a:latin typeface="Times New Roman"/>
+                <a:ea typeface="宋体"/>
+                <a:cs typeface="+mn-cs"/>
+              </a:rPr>
+              <a:t>Other parts of activation record may need to be </a:t>
+            </a:r>
+            <a:r>
+              <a:rPr kumimoji="0" lang="en-US" altLang="zh-CN" sz="1800" b="1" i="0" u="none" strike="noStrike" kern="1200" cap="none" spc="0" normalizeH="0" baseline="0" noProof="0" dirty="0" smtClean="0">
+                <a:ln>
+                  <a:noFill/>
+                </a:ln>
+                <a:solidFill>
+                  <a:srgbClr val="000000"/>
+                </a:solidFill>
+                <a:effectLst/>
+                <a:uLnTx/>
+                <a:uFillTx/>
+                <a:latin typeface="Times New Roman"/>
+                <a:ea typeface="宋体"/>
+                <a:cs typeface="+mn-cs"/>
+              </a:rPr>
+              <a:t>allocated explicitly</a:t>
+            </a:r>
+            <a:r>
+              <a:rPr kumimoji="0" lang="en-US" altLang="zh-CN" sz="1800" b="0" i="0" u="none" strike="noStrike" kern="1200" cap="none" spc="0" normalizeH="0" baseline="0" noProof="0" dirty="0" smtClean="0">
+                <a:ln>
+                  <a:noFill/>
+                </a:ln>
+                <a:solidFill>
+                  <a:srgbClr val="000000"/>
+                </a:solidFill>
+                <a:effectLst/>
+                <a:uLnTx/>
+                <a:uFillTx/>
+                <a:latin typeface="Times New Roman"/>
+                <a:ea typeface="宋体"/>
+                <a:cs typeface="+mn-cs"/>
+              </a:rPr>
+              <a:t> by instructions generated by the compiler:</a:t>
+            </a:r>
+          </a:p>
+          <a:p>
+            <a:pPr marL="742950" marR="0" lvl="1" indent="-285750" algn="l" defTabSz="914400" rtl="0" eaLnBrk="1" fontAlgn="base" latinLnBrk="0" hangingPunct="1">
+              <a:lnSpc>
+                <a:spcPct val="80000"/>
+              </a:lnSpc>
+              <a:spcBef>
+                <a:spcPct val="20000"/>
+              </a:spcBef>
+              <a:spcAft>
+                <a:spcPct val="0"/>
+              </a:spcAft>
+              <a:buClrTx/>
+              <a:buSzTx/>
+              <a:buFontTx/>
+              <a:buChar char="–"/>
+              <a:tabLst/>
+              <a:defRPr/>
+            </a:pPr>
+            <a:r>
+              <a:rPr kumimoji="0" lang="en-US" altLang="zh-CN" sz="1800" b="0" i="0" u="none" strike="noStrike" kern="1200" cap="none" spc="0" normalizeH="0" baseline="0" noProof="0" dirty="0" smtClean="0">
+                <a:ln>
+                  <a:noFill/>
+                </a:ln>
+                <a:solidFill>
+                  <a:srgbClr val="000000"/>
+                </a:solidFill>
+                <a:effectLst/>
+                <a:uLnTx/>
+                <a:uFillTx/>
+                <a:latin typeface="Times New Roman"/>
+                <a:ea typeface="宋体"/>
+                <a:cs typeface="+mn-cs"/>
+              </a:rPr>
+              <a:t>Local temporary space</a:t>
+            </a:r>
+          </a:p>
+          <a:p>
+            <a:pPr marL="342900" marR="0" lvl="0" indent="-342900" algn="l" defTabSz="914400" rtl="0" eaLnBrk="1" fontAlgn="base" latinLnBrk="0" hangingPunct="1">
+              <a:lnSpc>
+                <a:spcPct val="80000"/>
+              </a:lnSpc>
+              <a:spcBef>
+                <a:spcPct val="20000"/>
+              </a:spcBef>
+              <a:spcAft>
+                <a:spcPct val="0"/>
+              </a:spcAft>
+              <a:buClrTx/>
+              <a:buSzTx/>
+              <a:buFontTx/>
+              <a:buNone/>
+              <a:tabLst/>
+              <a:defRPr/>
+            </a:pPr>
+            <a:endParaRPr kumimoji="0" lang="en-US" altLang="zh-CN" sz="1800" b="0" i="0" u="none" strike="noStrike" kern="1200" cap="none" spc="0" normalizeH="0" baseline="0" noProof="0" dirty="0" smtClean="0">
+              <a:ln>
+                <a:noFill/>
+              </a:ln>
+              <a:solidFill>
+                <a:srgbClr val="000000"/>
+              </a:solidFill>
+              <a:effectLst/>
+              <a:uLnTx/>
+              <a:uFillTx/>
+              <a:latin typeface="Times New Roman"/>
+              <a:ea typeface="宋体"/>
+              <a:cs typeface="+mn-cs"/>
+            </a:endParaRPr>
+          </a:p>
+          <a:p>
+            <a:pPr marL="342900" marR="0" lvl="0" indent="-342900" algn="l" defTabSz="914400" rtl="0" eaLnBrk="1" fontAlgn="base" latinLnBrk="0" hangingPunct="1">
+              <a:lnSpc>
+                <a:spcPct val="80000"/>
+              </a:lnSpc>
+              <a:spcBef>
+                <a:spcPct val="20000"/>
+              </a:spcBef>
+              <a:spcAft>
+                <a:spcPct val="0"/>
+              </a:spcAft>
+              <a:buClrTx/>
+              <a:buSzTx/>
+              <a:buFontTx/>
+              <a:buChar char="•"/>
+              <a:tabLst/>
+              <a:defRPr/>
+            </a:pPr>
+            <a:r>
+              <a:rPr kumimoji="0" lang="en-US" altLang="zh-CN" sz="1800" b="1" i="0" u="none" strike="noStrike" kern="1200" cap="none" spc="0" normalizeH="0" baseline="0" noProof="0" dirty="0" smtClean="0">
+                <a:ln>
+                  <a:noFill/>
+                </a:ln>
+                <a:solidFill>
+                  <a:srgbClr val="000000"/>
+                </a:solidFill>
+                <a:effectLst/>
+                <a:uLnTx/>
+                <a:uFillTx/>
+                <a:latin typeface="Times New Roman"/>
+                <a:ea typeface="宋体"/>
+                <a:cs typeface="+mn-cs"/>
+              </a:rPr>
+              <a:t>Depending on the language</a:t>
+            </a:r>
+            <a:r>
+              <a:rPr kumimoji="0" lang="en-US" altLang="zh-CN" sz="1800" b="0" i="0" u="none" strike="noStrike" kern="1200" cap="none" spc="0" normalizeH="0" baseline="0" noProof="0" dirty="0" smtClean="0">
+                <a:ln>
+                  <a:noFill/>
+                </a:ln>
+                <a:solidFill>
+                  <a:srgbClr val="000000"/>
+                </a:solidFill>
+                <a:effectLst/>
+                <a:uLnTx/>
+                <a:uFillTx/>
+                <a:latin typeface="Times New Roman"/>
+                <a:ea typeface="宋体"/>
+                <a:cs typeface="+mn-cs"/>
+              </a:rPr>
+              <a:t>, activation records may be allocated in different areas:</a:t>
+            </a:r>
+          </a:p>
+          <a:p>
+            <a:pPr marL="742950" marR="0" lvl="1" indent="-285750" algn="l" defTabSz="914400" rtl="0" eaLnBrk="1" fontAlgn="base" latinLnBrk="0" hangingPunct="1">
+              <a:lnSpc>
+                <a:spcPct val="80000"/>
+              </a:lnSpc>
+              <a:spcBef>
+                <a:spcPct val="20000"/>
+              </a:spcBef>
+              <a:spcAft>
+                <a:spcPct val="0"/>
+              </a:spcAft>
+              <a:buClrTx/>
+              <a:buSzTx/>
+              <a:buFontTx/>
+              <a:buChar char="–"/>
+              <a:tabLst/>
+              <a:defRPr/>
+            </a:pPr>
+            <a:r>
+              <a:rPr kumimoji="0" lang="en-US" altLang="zh-CN" sz="1800" b="0" i="0" u="none" strike="noStrike" kern="1200" cap="none" spc="0" normalizeH="0" baseline="0" noProof="0" dirty="0" smtClean="0">
+                <a:ln>
+                  <a:noFill/>
+                </a:ln>
+                <a:solidFill>
+                  <a:srgbClr val="000000"/>
+                </a:solidFill>
+                <a:effectLst/>
+                <a:uLnTx/>
+                <a:uFillTx/>
+                <a:latin typeface="Times New Roman"/>
+                <a:ea typeface="宋体"/>
+                <a:cs typeface="+mn-cs"/>
+              </a:rPr>
+              <a:t>Fortran77 in the static area;</a:t>
+            </a:r>
+          </a:p>
+          <a:p>
+            <a:pPr marL="742950" marR="0" lvl="1" indent="-285750" algn="l" defTabSz="914400" rtl="0" eaLnBrk="1" fontAlgn="base" latinLnBrk="0" hangingPunct="1">
+              <a:lnSpc>
+                <a:spcPct val="80000"/>
+              </a:lnSpc>
+              <a:spcBef>
+                <a:spcPct val="20000"/>
+              </a:spcBef>
+              <a:spcAft>
+                <a:spcPct val="0"/>
+              </a:spcAft>
+              <a:buClrTx/>
+              <a:buSzTx/>
+              <a:buFontTx/>
+              <a:buChar char="–"/>
+              <a:tabLst/>
+              <a:defRPr/>
+            </a:pPr>
+            <a:r>
+              <a:rPr kumimoji="0" lang="en-US" altLang="zh-CN" sz="1800" b="0" i="0" u="none" strike="noStrike" kern="1200" cap="none" spc="0" normalizeH="0" baseline="0" noProof="0" dirty="0" smtClean="0">
+                <a:ln>
+                  <a:noFill/>
+                </a:ln>
+                <a:solidFill>
+                  <a:srgbClr val="000000"/>
+                </a:solidFill>
+                <a:effectLst/>
+                <a:uLnTx/>
+                <a:uFillTx/>
+                <a:latin typeface="Times New Roman"/>
+                <a:ea typeface="宋体"/>
+                <a:cs typeface="+mn-cs"/>
+              </a:rPr>
+              <a:t>C and Pascal in the stack area; referred to as stack frames</a:t>
+            </a:r>
+          </a:p>
+          <a:p>
+            <a:pPr marL="742950" marR="0" lvl="1" indent="-285750" algn="l" defTabSz="914400" rtl="0" eaLnBrk="1" fontAlgn="base" latinLnBrk="0" hangingPunct="1">
+              <a:lnSpc>
+                <a:spcPct val="80000"/>
+              </a:lnSpc>
+              <a:spcBef>
+                <a:spcPct val="20000"/>
+              </a:spcBef>
+              <a:spcAft>
+                <a:spcPct val="0"/>
+              </a:spcAft>
+              <a:buClrTx/>
+              <a:buSzTx/>
+              <a:buFontTx/>
+              <a:buChar char="–"/>
+              <a:tabLst/>
+              <a:defRPr/>
+            </a:pPr>
+            <a:r>
+              <a:rPr kumimoji="0" lang="en-US" altLang="zh-CN" sz="1800" b="0" i="0" u="none" strike="noStrike" kern="1200" cap="none" spc="0" normalizeH="0" baseline="0" noProof="0" dirty="0" smtClean="0">
+                <a:ln>
+                  <a:noFill/>
+                </a:ln>
+                <a:solidFill>
+                  <a:srgbClr val="000000"/>
+                </a:solidFill>
+                <a:effectLst/>
+                <a:uLnTx/>
+                <a:uFillTx/>
+                <a:latin typeface="Times New Roman"/>
+                <a:ea typeface="宋体"/>
+                <a:cs typeface="+mn-cs"/>
+              </a:rPr>
+              <a:t>LISP in the heap area.</a:t>
+            </a:r>
+            <a:endParaRPr kumimoji="0" lang="zh-CN" altLang="en-US" sz="1800" b="0" i="0" u="none" strike="noStrike" kern="1200" cap="none" spc="0" normalizeH="0" baseline="0" noProof="0" dirty="0" smtClean="0">
+              <a:ln>
+                <a:noFill/>
+              </a:ln>
+              <a:solidFill>
+                <a:srgbClr val="000000"/>
+              </a:solidFill>
+              <a:effectLst/>
+              <a:uLnTx/>
+              <a:uFillTx/>
+              <a:latin typeface="Times New Roman"/>
+              <a:ea typeface="宋体"/>
+              <a:cs typeface="+mn-cs"/>
+            </a:endParaRPr>
           </a:p>
         </p:txBody>
       </p:sp>
@@ -8554,9 +9485,253 @@
           <a:p>
             <a:r>
               <a:rPr lang="en-US" altLang="zh-CN" dirty="0"/>
-              <a:t>8.2 Storage Organization</a:t>
+              <a:t>8.3 Stack Allocation of Space-Activation Record</a:t>
             </a:r>
             <a:endParaRPr lang="zh-CN" altLang="en-US" dirty="0"/>
+          </a:p>
+        </p:txBody>
+      </p:sp>
+      <p:sp>
+        <p:nvSpPr>
+          <p:cNvPr id="3" name="Rectangle 3"/>
+          <p:cNvSpPr txBox="1">
+            <a:spLocks noChangeArrowheads="1"/>
+          </p:cNvSpPr>
+          <p:nvPr/>
+        </p:nvSpPr>
+        <p:spPr>
+          <a:xfrm>
+            <a:off x="728529" y="1528006"/>
+            <a:ext cx="7772400" cy="4824413"/>
+          </a:xfrm>
+          <a:prstGeom prst="rect">
+            <a:avLst/>
+          </a:prstGeom>
+        </p:spPr>
+        <p:txBody>
+          <a:bodyPr vert="horz" lIns="0" tIns="45720" rIns="0" bIns="45720" rtlCol="0">
+            <a:normAutofit/>
+          </a:bodyPr>
+          <a:lstStyle>
+            <a:lvl1pPr marL="171450" indent="-171450" algn="l" defTabSz="685800" rtl="0" eaLnBrk="1" latinLnBrk="0" hangingPunct="1">
+              <a:lnSpc>
+                <a:spcPct val="90000"/>
+              </a:lnSpc>
+              <a:spcBef>
+                <a:spcPts val="1350"/>
+              </a:spcBef>
+              <a:buFont typeface="Wingdings" panose="05000000000000000000" pitchFamily="2" charset="2"/>
+              <a:buChar char="§"/>
+              <a:defRPr sz="1500" kern="1200">
+                <a:solidFill>
+                  <a:schemeClr val="tx1"/>
+                </a:solidFill>
+                <a:latin typeface="微软雅黑" panose="020B0503020204020204" pitchFamily="34" charset="-122"/>
+                <a:ea typeface="微软雅黑" panose="020B0503020204020204" pitchFamily="34" charset="-122"/>
+                <a:cs typeface="+mn-cs"/>
+              </a:defRPr>
+            </a:lvl1pPr>
+            <a:lvl2pPr marL="514350" indent="-171450" algn="l" defTabSz="685800" rtl="0" eaLnBrk="1" latinLnBrk="0" hangingPunct="1">
+              <a:lnSpc>
+                <a:spcPct val="90000"/>
+              </a:lnSpc>
+              <a:spcBef>
+                <a:spcPts val="450"/>
+              </a:spcBef>
+              <a:buFont typeface="Wingdings" panose="05000000000000000000" pitchFamily="2" charset="2"/>
+              <a:buChar char="§"/>
+              <a:defRPr sz="1200" kern="1200">
+                <a:solidFill>
+                  <a:schemeClr val="tx1"/>
+                </a:solidFill>
+                <a:latin typeface="微软雅黑" panose="020B0503020204020204" pitchFamily="34" charset="-122"/>
+                <a:ea typeface="微软雅黑" panose="020B0503020204020204" pitchFamily="34" charset="-122"/>
+                <a:cs typeface="+mn-cs"/>
+              </a:defRPr>
+            </a:lvl2pPr>
+            <a:lvl3pPr marL="857250" indent="-171450" algn="l" defTabSz="685800" rtl="0" eaLnBrk="1" latinLnBrk="0" hangingPunct="1">
+              <a:lnSpc>
+                <a:spcPct val="90000"/>
+              </a:lnSpc>
+              <a:spcBef>
+                <a:spcPts val="450"/>
+              </a:spcBef>
+              <a:buFont typeface="Wingdings" panose="05000000000000000000" pitchFamily="2" charset="2"/>
+              <a:buChar char="§"/>
+              <a:defRPr sz="1050" kern="1200">
+                <a:solidFill>
+                  <a:schemeClr val="tx1"/>
+                </a:solidFill>
+                <a:latin typeface="微软雅黑" panose="020B0503020204020204" pitchFamily="34" charset="-122"/>
+                <a:ea typeface="微软雅黑" panose="020B0503020204020204" pitchFamily="34" charset="-122"/>
+                <a:cs typeface="+mn-cs"/>
+              </a:defRPr>
+            </a:lvl3pPr>
+            <a:lvl4pPr marL="1200150" indent="-171450" algn="l" defTabSz="685800" rtl="0" eaLnBrk="1" latinLnBrk="0" hangingPunct="1">
+              <a:lnSpc>
+                <a:spcPct val="90000"/>
+              </a:lnSpc>
+              <a:spcBef>
+                <a:spcPts val="450"/>
+              </a:spcBef>
+              <a:buFont typeface="Wingdings" panose="05000000000000000000" pitchFamily="2" charset="2"/>
+              <a:buChar char="§"/>
+              <a:defRPr sz="1050" kern="1200">
+                <a:solidFill>
+                  <a:schemeClr val="tx1"/>
+                </a:solidFill>
+                <a:latin typeface="微软雅黑" panose="020B0503020204020204" pitchFamily="34" charset="-122"/>
+                <a:ea typeface="微软雅黑" panose="020B0503020204020204" pitchFamily="34" charset="-122"/>
+                <a:cs typeface="+mn-cs"/>
+              </a:defRPr>
+            </a:lvl4pPr>
+            <a:lvl5pPr marL="1543050" indent="-171450" algn="l" defTabSz="685800" rtl="0" eaLnBrk="1" latinLnBrk="0" hangingPunct="1">
+              <a:lnSpc>
+                <a:spcPct val="90000"/>
+              </a:lnSpc>
+              <a:spcBef>
+                <a:spcPts val="450"/>
+              </a:spcBef>
+              <a:buFont typeface="Wingdings" panose="05000000000000000000" pitchFamily="2" charset="2"/>
+              <a:buChar char="§"/>
+              <a:defRPr sz="1050" kern="1200">
+                <a:solidFill>
+                  <a:schemeClr val="tx1"/>
+                </a:solidFill>
+                <a:latin typeface="微软雅黑" panose="020B0503020204020204" pitchFamily="34" charset="-122"/>
+                <a:ea typeface="微软雅黑" panose="020B0503020204020204" pitchFamily="34" charset="-122"/>
+                <a:cs typeface="+mn-cs"/>
+              </a:defRPr>
+            </a:lvl5pPr>
+            <a:lvl6pPr marL="1885950" indent="-171450" algn="l" defTabSz="685800" rtl="0" eaLnBrk="1" latinLnBrk="0" hangingPunct="1">
+              <a:lnSpc>
+                <a:spcPct val="90000"/>
+              </a:lnSpc>
+              <a:spcBef>
+                <a:spcPts val="375"/>
+              </a:spcBef>
+              <a:buFont typeface="Wingdings" panose="05000000000000000000" pitchFamily="2" charset="2"/>
+              <a:buChar char="§"/>
+              <a:defRPr sz="1050" kern="1200">
+                <a:solidFill>
+                  <a:schemeClr val="tx1"/>
+                </a:solidFill>
+                <a:latin typeface="微软雅黑" panose="020B0503020204020204" pitchFamily="34" charset="-122"/>
+                <a:ea typeface="微软雅黑" panose="020B0503020204020204" pitchFamily="34" charset="-122"/>
+                <a:cs typeface="+mn-cs"/>
+              </a:defRPr>
+            </a:lvl6pPr>
+            <a:lvl7pPr marL="2228850" indent="-171450" algn="l" defTabSz="685800" rtl="0" eaLnBrk="1" latinLnBrk="0" hangingPunct="1">
+              <a:lnSpc>
+                <a:spcPct val="90000"/>
+              </a:lnSpc>
+              <a:spcBef>
+                <a:spcPts val="375"/>
+              </a:spcBef>
+              <a:buFont typeface="Wingdings" panose="05000000000000000000" pitchFamily="2" charset="2"/>
+              <a:buChar char="§"/>
+              <a:defRPr sz="1050" kern="1200">
+                <a:solidFill>
+                  <a:schemeClr val="tx1"/>
+                </a:solidFill>
+                <a:latin typeface="微软雅黑" panose="020B0503020204020204" pitchFamily="34" charset="-122"/>
+                <a:ea typeface="微软雅黑" panose="020B0503020204020204" pitchFamily="34" charset="-122"/>
+                <a:cs typeface="+mn-cs"/>
+              </a:defRPr>
+            </a:lvl7pPr>
+            <a:lvl8pPr marL="2571750" indent="-171450" algn="l" defTabSz="685800" rtl="0" eaLnBrk="1" latinLnBrk="0" hangingPunct="1">
+              <a:lnSpc>
+                <a:spcPct val="90000"/>
+              </a:lnSpc>
+              <a:spcBef>
+                <a:spcPts val="375"/>
+              </a:spcBef>
+              <a:buFont typeface="Wingdings" panose="05000000000000000000" pitchFamily="2" charset="2"/>
+              <a:buChar char="§"/>
+              <a:defRPr sz="1050" kern="1200">
+                <a:solidFill>
+                  <a:schemeClr val="tx1"/>
+                </a:solidFill>
+                <a:latin typeface="微软雅黑" panose="020B0503020204020204" pitchFamily="34" charset="-122"/>
+                <a:ea typeface="微软雅黑" panose="020B0503020204020204" pitchFamily="34" charset="-122"/>
+                <a:cs typeface="+mn-cs"/>
+              </a:defRPr>
+            </a:lvl8pPr>
+            <a:lvl9pPr marL="2914650" indent="-171450" algn="l" defTabSz="685800" rtl="0" eaLnBrk="1" latinLnBrk="0" hangingPunct="1">
+              <a:lnSpc>
+                <a:spcPct val="90000"/>
+              </a:lnSpc>
+              <a:spcBef>
+                <a:spcPts val="375"/>
+              </a:spcBef>
+              <a:buFont typeface="Wingdings" panose="05000000000000000000" pitchFamily="2" charset="2"/>
+              <a:buChar char="§"/>
+              <a:defRPr sz="1050" kern="1200">
+                <a:solidFill>
+                  <a:schemeClr val="tx1"/>
+                </a:solidFill>
+                <a:latin typeface="微软雅黑" panose="020B0503020204020204" pitchFamily="34" charset="-122"/>
+                <a:ea typeface="微软雅黑" panose="020B0503020204020204" pitchFamily="34" charset="-122"/>
+                <a:cs typeface="+mn-cs"/>
+              </a:defRPr>
+            </a:lvl9pPr>
+          </a:lstStyle>
+          <a:p>
+            <a:r>
+              <a:rPr lang="en-US" altLang="zh-CN" sz="2800" b="1" dirty="0" smtClean="0"/>
+              <a:t>Processor registers are also part of the structure of the runtime environment</a:t>
+            </a:r>
+            <a:endParaRPr lang="en-US" altLang="zh-CN" sz="2800" dirty="0" smtClean="0"/>
+          </a:p>
+          <a:p>
+            <a:pPr lvl="1"/>
+            <a:r>
+              <a:rPr lang="en-US" altLang="zh-CN" sz="2400" dirty="0" smtClean="0"/>
+              <a:t>Registers may be used to store temporaries, local variables, or even global variables;</a:t>
+            </a:r>
+          </a:p>
+          <a:p>
+            <a:pPr lvl="1"/>
+            <a:r>
+              <a:rPr lang="en-US" altLang="zh-CN" sz="2400" dirty="0" smtClean="0"/>
+              <a:t>In newer RISC processor, keep entire static area and whole activation records;</a:t>
+            </a:r>
+          </a:p>
+          <a:p>
+            <a:pPr lvl="1"/>
+            <a:r>
+              <a:rPr lang="en-US" altLang="zh-CN" sz="2400" dirty="0" smtClean="0"/>
+              <a:t>Special-purpose registers to keep track of execution</a:t>
+            </a:r>
+          </a:p>
+          <a:p>
+            <a:pPr lvl="2"/>
+            <a:r>
+              <a:rPr lang="en-US" altLang="zh-CN" sz="1800" dirty="0" smtClean="0"/>
+              <a:t>PC 	program counter;</a:t>
+            </a:r>
+          </a:p>
+          <a:p>
+            <a:pPr lvl="2"/>
+            <a:r>
+              <a:rPr lang="en-US" altLang="zh-CN" sz="1800" dirty="0" smtClean="0"/>
+              <a:t>SP	stack pointer;</a:t>
+            </a:r>
+          </a:p>
+          <a:p>
+            <a:pPr lvl="2"/>
+            <a:r>
+              <a:rPr lang="en-US" altLang="zh-CN" sz="1800" dirty="0" smtClean="0"/>
+              <a:t>FP	frame pointer;</a:t>
+            </a:r>
+          </a:p>
+          <a:p>
+            <a:pPr lvl="2"/>
+            <a:r>
+              <a:rPr lang="en-US" altLang="zh-CN" sz="1800" dirty="0" smtClean="0"/>
+              <a:t>AP	argument pointer</a:t>
+            </a:r>
+            <a:endParaRPr lang="zh-CN" altLang="en-US" sz="1800" dirty="0" smtClean="0"/>
           </a:p>
         </p:txBody>
       </p:sp>
@@ -8604,7 +9779,7 @@
       </p:grpSpPr>
       <p:sp>
         <p:nvSpPr>
-          <p:cNvPr id="2" name="标题 1"/>
+          <p:cNvPr id="4" name="标题 1"/>
           <p:cNvSpPr>
             <a:spLocks noGrp="1"/>
           </p:cNvSpPr>
@@ -8612,16 +9787,303 @@
             <p:ph type="title"/>
           </p:nvPr>
         </p:nvSpPr>
-        <p:spPr/>
+        <p:spPr>
+          <a:xfrm>
+            <a:off x="828675" y="76200"/>
+            <a:ext cx="7485512" cy="1096962"/>
+          </a:xfrm>
+        </p:spPr>
         <p:txBody>
           <a:bodyPr/>
           <a:lstStyle/>
           <a:p>
             <a:r>
               <a:rPr lang="en-US" altLang="zh-CN" dirty="0"/>
-              <a:t>8.2 Storage Organization</a:t>
+              <a:t>8.3 Stack Allocation of </a:t>
+            </a:r>
+            <a:r>
+              <a:rPr lang="en-US" altLang="zh-CN" dirty="0" smtClean="0"/>
+              <a:t>Space-Calling Sequence</a:t>
             </a:r>
             <a:endParaRPr lang="zh-CN" altLang="en-US" dirty="0"/>
+          </a:p>
+        </p:txBody>
+      </p:sp>
+      <p:sp>
+        <p:nvSpPr>
+          <p:cNvPr id="5" name="Rectangle 3"/>
+          <p:cNvSpPr txBox="1">
+            <a:spLocks noChangeArrowheads="1"/>
+          </p:cNvSpPr>
+          <p:nvPr/>
+        </p:nvSpPr>
+        <p:spPr>
+          <a:xfrm>
+            <a:off x="668708" y="1454150"/>
+            <a:ext cx="7772400" cy="5403850"/>
+          </a:xfrm>
+          <a:prstGeom prst="rect">
+            <a:avLst/>
+          </a:prstGeom>
+        </p:spPr>
+        <p:txBody>
+          <a:bodyPr vert="horz" lIns="0" tIns="45720" rIns="0" bIns="45720" rtlCol="0">
+            <a:normAutofit fontScale="92500"/>
+          </a:bodyPr>
+          <a:lstStyle>
+            <a:lvl1pPr marL="171450" indent="-171450" algn="l" defTabSz="685800" rtl="0" eaLnBrk="1" latinLnBrk="0" hangingPunct="1">
+              <a:lnSpc>
+                <a:spcPct val="90000"/>
+              </a:lnSpc>
+              <a:spcBef>
+                <a:spcPts val="1350"/>
+              </a:spcBef>
+              <a:buFont typeface="Wingdings" panose="05000000000000000000" pitchFamily="2" charset="2"/>
+              <a:buChar char="§"/>
+              <a:defRPr sz="1500" kern="1200">
+                <a:solidFill>
+                  <a:schemeClr val="tx1"/>
+                </a:solidFill>
+                <a:latin typeface="微软雅黑" panose="020B0503020204020204" pitchFamily="34" charset="-122"/>
+                <a:ea typeface="微软雅黑" panose="020B0503020204020204" pitchFamily="34" charset="-122"/>
+                <a:cs typeface="+mn-cs"/>
+              </a:defRPr>
+            </a:lvl1pPr>
+            <a:lvl2pPr marL="514350" indent="-171450" algn="l" defTabSz="685800" rtl="0" eaLnBrk="1" latinLnBrk="0" hangingPunct="1">
+              <a:lnSpc>
+                <a:spcPct val="90000"/>
+              </a:lnSpc>
+              <a:spcBef>
+                <a:spcPts val="450"/>
+              </a:spcBef>
+              <a:buFont typeface="Wingdings" panose="05000000000000000000" pitchFamily="2" charset="2"/>
+              <a:buChar char="§"/>
+              <a:defRPr sz="1200" kern="1200">
+                <a:solidFill>
+                  <a:schemeClr val="tx1"/>
+                </a:solidFill>
+                <a:latin typeface="微软雅黑" panose="020B0503020204020204" pitchFamily="34" charset="-122"/>
+                <a:ea typeface="微软雅黑" panose="020B0503020204020204" pitchFamily="34" charset="-122"/>
+                <a:cs typeface="+mn-cs"/>
+              </a:defRPr>
+            </a:lvl2pPr>
+            <a:lvl3pPr marL="857250" indent="-171450" algn="l" defTabSz="685800" rtl="0" eaLnBrk="1" latinLnBrk="0" hangingPunct="1">
+              <a:lnSpc>
+                <a:spcPct val="90000"/>
+              </a:lnSpc>
+              <a:spcBef>
+                <a:spcPts val="450"/>
+              </a:spcBef>
+              <a:buFont typeface="Wingdings" panose="05000000000000000000" pitchFamily="2" charset="2"/>
+              <a:buChar char="§"/>
+              <a:defRPr sz="1050" kern="1200">
+                <a:solidFill>
+                  <a:schemeClr val="tx1"/>
+                </a:solidFill>
+                <a:latin typeface="微软雅黑" panose="020B0503020204020204" pitchFamily="34" charset="-122"/>
+                <a:ea typeface="微软雅黑" panose="020B0503020204020204" pitchFamily="34" charset="-122"/>
+                <a:cs typeface="+mn-cs"/>
+              </a:defRPr>
+            </a:lvl3pPr>
+            <a:lvl4pPr marL="1200150" indent="-171450" algn="l" defTabSz="685800" rtl="0" eaLnBrk="1" latinLnBrk="0" hangingPunct="1">
+              <a:lnSpc>
+                <a:spcPct val="90000"/>
+              </a:lnSpc>
+              <a:spcBef>
+                <a:spcPts val="450"/>
+              </a:spcBef>
+              <a:buFont typeface="Wingdings" panose="05000000000000000000" pitchFamily="2" charset="2"/>
+              <a:buChar char="§"/>
+              <a:defRPr sz="1050" kern="1200">
+                <a:solidFill>
+                  <a:schemeClr val="tx1"/>
+                </a:solidFill>
+                <a:latin typeface="微软雅黑" panose="020B0503020204020204" pitchFamily="34" charset="-122"/>
+                <a:ea typeface="微软雅黑" panose="020B0503020204020204" pitchFamily="34" charset="-122"/>
+                <a:cs typeface="+mn-cs"/>
+              </a:defRPr>
+            </a:lvl4pPr>
+            <a:lvl5pPr marL="1543050" indent="-171450" algn="l" defTabSz="685800" rtl="0" eaLnBrk="1" latinLnBrk="0" hangingPunct="1">
+              <a:lnSpc>
+                <a:spcPct val="90000"/>
+              </a:lnSpc>
+              <a:spcBef>
+                <a:spcPts val="450"/>
+              </a:spcBef>
+              <a:buFont typeface="Wingdings" panose="05000000000000000000" pitchFamily="2" charset="2"/>
+              <a:buChar char="§"/>
+              <a:defRPr sz="1050" kern="1200">
+                <a:solidFill>
+                  <a:schemeClr val="tx1"/>
+                </a:solidFill>
+                <a:latin typeface="微软雅黑" panose="020B0503020204020204" pitchFamily="34" charset="-122"/>
+                <a:ea typeface="微软雅黑" panose="020B0503020204020204" pitchFamily="34" charset="-122"/>
+                <a:cs typeface="+mn-cs"/>
+              </a:defRPr>
+            </a:lvl5pPr>
+            <a:lvl6pPr marL="1885950" indent="-171450" algn="l" defTabSz="685800" rtl="0" eaLnBrk="1" latinLnBrk="0" hangingPunct="1">
+              <a:lnSpc>
+                <a:spcPct val="90000"/>
+              </a:lnSpc>
+              <a:spcBef>
+                <a:spcPts val="375"/>
+              </a:spcBef>
+              <a:buFont typeface="Wingdings" panose="05000000000000000000" pitchFamily="2" charset="2"/>
+              <a:buChar char="§"/>
+              <a:defRPr sz="1050" kern="1200">
+                <a:solidFill>
+                  <a:schemeClr val="tx1"/>
+                </a:solidFill>
+                <a:latin typeface="微软雅黑" panose="020B0503020204020204" pitchFamily="34" charset="-122"/>
+                <a:ea typeface="微软雅黑" panose="020B0503020204020204" pitchFamily="34" charset="-122"/>
+                <a:cs typeface="+mn-cs"/>
+              </a:defRPr>
+            </a:lvl6pPr>
+            <a:lvl7pPr marL="2228850" indent="-171450" algn="l" defTabSz="685800" rtl="0" eaLnBrk="1" latinLnBrk="0" hangingPunct="1">
+              <a:lnSpc>
+                <a:spcPct val="90000"/>
+              </a:lnSpc>
+              <a:spcBef>
+                <a:spcPts val="375"/>
+              </a:spcBef>
+              <a:buFont typeface="Wingdings" panose="05000000000000000000" pitchFamily="2" charset="2"/>
+              <a:buChar char="§"/>
+              <a:defRPr sz="1050" kern="1200">
+                <a:solidFill>
+                  <a:schemeClr val="tx1"/>
+                </a:solidFill>
+                <a:latin typeface="微软雅黑" panose="020B0503020204020204" pitchFamily="34" charset="-122"/>
+                <a:ea typeface="微软雅黑" panose="020B0503020204020204" pitchFamily="34" charset="-122"/>
+                <a:cs typeface="+mn-cs"/>
+              </a:defRPr>
+            </a:lvl7pPr>
+            <a:lvl8pPr marL="2571750" indent="-171450" algn="l" defTabSz="685800" rtl="0" eaLnBrk="1" latinLnBrk="0" hangingPunct="1">
+              <a:lnSpc>
+                <a:spcPct val="90000"/>
+              </a:lnSpc>
+              <a:spcBef>
+                <a:spcPts val="375"/>
+              </a:spcBef>
+              <a:buFont typeface="Wingdings" panose="05000000000000000000" pitchFamily="2" charset="2"/>
+              <a:buChar char="§"/>
+              <a:defRPr sz="1050" kern="1200">
+                <a:solidFill>
+                  <a:schemeClr val="tx1"/>
+                </a:solidFill>
+                <a:latin typeface="微软雅黑" panose="020B0503020204020204" pitchFamily="34" charset="-122"/>
+                <a:ea typeface="微软雅黑" panose="020B0503020204020204" pitchFamily="34" charset="-122"/>
+                <a:cs typeface="+mn-cs"/>
+              </a:defRPr>
+            </a:lvl8pPr>
+            <a:lvl9pPr marL="2914650" indent="-171450" algn="l" defTabSz="685800" rtl="0" eaLnBrk="1" latinLnBrk="0" hangingPunct="1">
+              <a:lnSpc>
+                <a:spcPct val="90000"/>
+              </a:lnSpc>
+              <a:spcBef>
+                <a:spcPts val="375"/>
+              </a:spcBef>
+              <a:buFont typeface="Wingdings" panose="05000000000000000000" pitchFamily="2" charset="2"/>
+              <a:buChar char="§"/>
+              <a:defRPr sz="1050" kern="1200">
+                <a:solidFill>
+                  <a:schemeClr val="tx1"/>
+                </a:solidFill>
+                <a:latin typeface="微软雅黑" panose="020B0503020204020204" pitchFamily="34" charset="-122"/>
+                <a:ea typeface="微软雅黑" panose="020B0503020204020204" pitchFamily="34" charset="-122"/>
+                <a:cs typeface="+mn-cs"/>
+              </a:defRPr>
+            </a:lvl9pPr>
+          </a:lstStyle>
+          <a:p>
+            <a:r>
+              <a:rPr lang="en-US" altLang="zh-CN" sz="2800" b="1" dirty="0" smtClean="0"/>
+              <a:t>The sequence of operations when calling the functions</a:t>
+            </a:r>
+            <a:r>
+              <a:rPr lang="en-US" altLang="zh-CN" sz="2800" dirty="0" smtClean="0"/>
+              <a:t>: </a:t>
+            </a:r>
+            <a:r>
+              <a:rPr lang="en-US" altLang="zh-CN" sz="2800" b="1" i="1" dirty="0" smtClean="0">
+                <a:solidFill>
+                  <a:srgbClr val="FF3300"/>
+                </a:solidFill>
+              </a:rPr>
+              <a:t>calling sequence</a:t>
+            </a:r>
+            <a:endParaRPr lang="en-US" altLang="zh-CN" sz="2800" b="1" dirty="0" smtClean="0">
+              <a:solidFill>
+                <a:srgbClr val="FF3300"/>
+              </a:solidFill>
+            </a:endParaRPr>
+          </a:p>
+          <a:p>
+            <a:pPr lvl="1"/>
+            <a:r>
+              <a:rPr lang="en-US" altLang="zh-CN" sz="2400" dirty="0" smtClean="0"/>
+              <a:t>The allocation of memory for the activation record;</a:t>
+            </a:r>
+          </a:p>
+          <a:p>
+            <a:pPr lvl="1"/>
+            <a:r>
+              <a:rPr lang="en-US" altLang="zh-CN" sz="2400" dirty="0" smtClean="0"/>
+              <a:t>The computation and storing of the arguments;</a:t>
+            </a:r>
+          </a:p>
+          <a:p>
+            <a:pPr lvl="1"/>
+            <a:r>
+              <a:rPr lang="en-US" altLang="zh-CN" sz="2400" dirty="0" smtClean="0"/>
+              <a:t>The storing and setting of necessary registers to affect the call</a:t>
+            </a:r>
+          </a:p>
+          <a:p>
+            <a:endParaRPr lang="en-US" altLang="zh-CN" sz="2800" dirty="0" smtClean="0"/>
+          </a:p>
+          <a:p>
+            <a:r>
+              <a:rPr lang="en-US" altLang="zh-CN" sz="2800" b="1" dirty="0" smtClean="0"/>
+              <a:t>The additional operations when a procedure or function returns: </a:t>
+            </a:r>
+            <a:r>
+              <a:rPr lang="en-US" altLang="zh-CN" sz="2800" b="1" i="1" dirty="0" smtClean="0">
+                <a:solidFill>
+                  <a:srgbClr val="FF3300"/>
+                </a:solidFill>
+              </a:rPr>
+              <a:t>return sequence (VS call</a:t>
+            </a:r>
+            <a:r>
+              <a:rPr lang="en-US" altLang="zh-CN" sz="2800" i="1" dirty="0" smtClean="0">
+                <a:solidFill>
+                  <a:srgbClr val="FF3300"/>
+                </a:solidFill>
+              </a:rPr>
+              <a:t>)</a:t>
+            </a:r>
+          </a:p>
+          <a:p>
+            <a:pPr lvl="1"/>
+            <a:r>
+              <a:rPr lang="en-US" altLang="zh-CN" sz="2400" dirty="0" smtClean="0"/>
+              <a:t>The placing of the return value where the caller can access it;</a:t>
+            </a:r>
+          </a:p>
+          <a:p>
+            <a:pPr lvl="1"/>
+            <a:r>
+              <a:rPr lang="en-US" altLang="zh-CN" sz="2400" dirty="0" smtClean="0"/>
+              <a:t>The readjustment of registers;</a:t>
+            </a:r>
+          </a:p>
+          <a:p>
+            <a:pPr lvl="1"/>
+            <a:r>
+              <a:rPr lang="en-US" altLang="zh-CN" sz="2400" dirty="0" smtClean="0"/>
+              <a:t>The possible releasing for activation record memory</a:t>
+            </a:r>
+            <a:endParaRPr lang="zh-CN" altLang="en-US" sz="2400" dirty="0" smtClean="0"/>
           </a:p>
         </p:txBody>
       </p:sp>
@@ -8754,7 +10216,7 @@
       </p:grpSpPr>
       <p:sp>
         <p:nvSpPr>
-          <p:cNvPr id="2" name="标题 1"/>
+          <p:cNvPr id="4" name="标题 1"/>
           <p:cNvSpPr>
             <a:spLocks noGrp="1"/>
           </p:cNvSpPr>
@@ -8762,23 +10224,566 @@
             <p:ph type="title"/>
           </p:nvPr>
         </p:nvSpPr>
-        <p:spPr/>
+        <p:spPr>
+          <a:xfrm>
+            <a:off x="828675" y="76200"/>
+            <a:ext cx="7485512" cy="1096962"/>
+          </a:xfrm>
+        </p:spPr>
         <p:txBody>
           <a:bodyPr/>
           <a:lstStyle/>
           <a:p>
             <a:r>
               <a:rPr lang="en-US" altLang="zh-CN" dirty="0"/>
-              <a:t>8.2 Storage Organization</a:t>
+              <a:t>8.3 Stack Allocation of </a:t>
+            </a:r>
+            <a:r>
+              <a:rPr lang="en-US" altLang="zh-CN" dirty="0" smtClean="0"/>
+              <a:t>Space-Calling Sequence</a:t>
             </a:r>
             <a:endParaRPr lang="zh-CN" altLang="en-US" dirty="0"/>
+          </a:p>
+        </p:txBody>
+      </p:sp>
+      <p:sp>
+        <p:nvSpPr>
+          <p:cNvPr id="6" name="Rectangle 3"/>
+          <p:cNvSpPr txBox="1">
+            <a:spLocks noChangeArrowheads="1"/>
+          </p:cNvSpPr>
+          <p:nvPr/>
+        </p:nvSpPr>
+        <p:spPr bwMode="auto">
+          <a:xfrm>
+            <a:off x="643071" y="1476731"/>
+            <a:ext cx="7772400" cy="5114925"/>
+          </a:xfrm>
+          <a:prstGeom prst="rect">
+            <a:avLst/>
+          </a:prstGeom>
+          <a:noFill/>
+          <a:ln>
+            <a:noFill/>
+          </a:ln>
+          <a:effectLst/>
+          <a:extLst>
+            <a:ext uri="{909E8E84-426E-40DD-AFC4-6F175D3DCCD1}">
+              <a14:hiddenFill xmlns:a14="http://schemas.microsoft.com/office/drawing/2010/main">
+                <a:solidFill>
+                  <a:schemeClr val="accent1"/>
+                </a:solidFill>
+              </a14:hiddenFill>
+            </a:ext>
+            <a:ext uri="{91240B29-F687-4F45-9708-019B960494DF}">
+              <a14:hiddenLine xmlns:a14="http://schemas.microsoft.com/office/drawing/2010/main" w="9525">
+                <a:solidFill>
+                  <a:schemeClr val="tx1"/>
+                </a:solidFill>
+                <a:miter lim="800000"/>
+                <a:headEnd/>
+                <a:tailEnd/>
+              </a14:hiddenLine>
+            </a:ext>
+            <a:ext uri="{AF507438-7753-43E0-B8FC-AC1667EBCBE1}">
+              <a14:hiddenEffects xmlns:a14="http://schemas.microsoft.com/office/drawing/2010/main">
+                <a:effectLst>
+                  <a:outerShdw dist="35921" dir="2700000" algn="ctr" rotWithShape="0">
+                    <a:schemeClr val="bg2"/>
+                  </a:outerShdw>
+                </a:effectLst>
+              </a14:hiddenEffects>
+            </a:ext>
+          </a:extLst>
+        </p:spPr>
+        <p:txBody>
+          <a:bodyPr vert="horz" wrap="square" lIns="91440" tIns="45720" rIns="91440" bIns="45720" numCol="1" anchor="t" anchorCtr="0" compatLnSpc="1">
+            <a:prstTxWarp prst="textNoShape">
+              <a:avLst/>
+            </a:prstTxWarp>
+          </a:bodyPr>
+          <a:lstStyle>
+            <a:lvl1pPr marL="342900" indent="-342900" algn="l" rtl="0" eaLnBrk="0" fontAlgn="base" hangingPunct="0">
+              <a:spcBef>
+                <a:spcPct val="20000"/>
+              </a:spcBef>
+              <a:spcAft>
+                <a:spcPct val="0"/>
+              </a:spcAft>
+              <a:buChar char="•"/>
+              <a:defRPr sz="3200" kern="1200">
+                <a:solidFill>
+                  <a:schemeClr val="tx1"/>
+                </a:solidFill>
+                <a:latin typeface="+mn-lt"/>
+                <a:ea typeface="+mn-ea"/>
+                <a:cs typeface="+mn-cs"/>
+              </a:defRPr>
+            </a:lvl1pPr>
+            <a:lvl2pPr marL="742950" indent="-285750" algn="l" rtl="0" eaLnBrk="0" fontAlgn="base" hangingPunct="0">
+              <a:spcBef>
+                <a:spcPct val="20000"/>
+              </a:spcBef>
+              <a:spcAft>
+                <a:spcPct val="0"/>
+              </a:spcAft>
+              <a:buChar char="–"/>
+              <a:defRPr sz="2800" kern="1200">
+                <a:solidFill>
+                  <a:schemeClr val="tx1"/>
+                </a:solidFill>
+                <a:latin typeface="+mn-lt"/>
+                <a:ea typeface="+mn-ea"/>
+                <a:cs typeface="+mn-cs"/>
+              </a:defRPr>
+            </a:lvl2pPr>
+            <a:lvl3pPr marL="1143000" indent="-228600" algn="l" rtl="0" eaLnBrk="0" fontAlgn="base" hangingPunct="0">
+              <a:spcBef>
+                <a:spcPct val="20000"/>
+              </a:spcBef>
+              <a:spcAft>
+                <a:spcPct val="0"/>
+              </a:spcAft>
+              <a:buChar char="•"/>
+              <a:defRPr sz="2400" kern="1200">
+                <a:solidFill>
+                  <a:schemeClr val="tx1"/>
+                </a:solidFill>
+                <a:latin typeface="+mn-lt"/>
+                <a:ea typeface="+mn-ea"/>
+                <a:cs typeface="+mn-cs"/>
+              </a:defRPr>
+            </a:lvl3pPr>
+            <a:lvl4pPr marL="1600200" indent="-228600" algn="l" rtl="0" eaLnBrk="0" fontAlgn="base" hangingPunct="0">
+              <a:spcBef>
+                <a:spcPct val="20000"/>
+              </a:spcBef>
+              <a:spcAft>
+                <a:spcPct val="0"/>
+              </a:spcAft>
+              <a:buChar char="–"/>
+              <a:defRPr sz="2000" kern="1200">
+                <a:solidFill>
+                  <a:schemeClr val="tx1"/>
+                </a:solidFill>
+                <a:latin typeface="+mn-lt"/>
+                <a:ea typeface="+mn-ea"/>
+                <a:cs typeface="+mn-cs"/>
+              </a:defRPr>
+            </a:lvl4pPr>
+            <a:lvl5pPr marL="2057400" indent="-228600" algn="l" rtl="0" eaLnBrk="0" fontAlgn="base" hangingPunct="0">
+              <a:spcBef>
+                <a:spcPct val="20000"/>
+              </a:spcBef>
+              <a:spcAft>
+                <a:spcPct val="0"/>
+              </a:spcAft>
+              <a:buChar char="»"/>
+              <a:defRPr sz="2000" kern="1200">
+                <a:solidFill>
+                  <a:schemeClr val="tx1"/>
+                </a:solidFill>
+                <a:latin typeface="+mn-lt"/>
+                <a:ea typeface="+mn-ea"/>
+                <a:cs typeface="+mn-cs"/>
+              </a:defRPr>
+            </a:lvl5pPr>
+            <a:lvl6pPr marL="2514600" indent="-228600" algn="l" defTabSz="914400" rtl="0" eaLnBrk="1" latinLnBrk="0" hangingPunct="1">
+              <a:lnSpc>
+                <a:spcPct val="90000"/>
+              </a:lnSpc>
+              <a:spcBef>
+                <a:spcPts val="500"/>
+              </a:spcBef>
+              <a:buFont typeface="Arial" panose="020B0604020202020204" pitchFamily="34" charset="0"/>
+              <a:buChar char="•"/>
+              <a:defRPr sz="1800" kern="1200">
+                <a:solidFill>
+                  <a:schemeClr val="tx1"/>
+                </a:solidFill>
+                <a:latin typeface="+mn-lt"/>
+                <a:ea typeface="+mn-ea"/>
+                <a:cs typeface="+mn-cs"/>
+              </a:defRPr>
+            </a:lvl6pPr>
+            <a:lvl7pPr marL="2971800" indent="-228600" algn="l" defTabSz="914400" rtl="0" eaLnBrk="1" latinLnBrk="0" hangingPunct="1">
+              <a:lnSpc>
+                <a:spcPct val="90000"/>
+              </a:lnSpc>
+              <a:spcBef>
+                <a:spcPts val="500"/>
+              </a:spcBef>
+              <a:buFont typeface="Arial" panose="020B0604020202020204" pitchFamily="34" charset="0"/>
+              <a:buChar char="•"/>
+              <a:defRPr sz="1800" kern="1200">
+                <a:solidFill>
+                  <a:schemeClr val="tx1"/>
+                </a:solidFill>
+                <a:latin typeface="+mn-lt"/>
+                <a:ea typeface="+mn-ea"/>
+                <a:cs typeface="+mn-cs"/>
+              </a:defRPr>
+            </a:lvl7pPr>
+            <a:lvl8pPr marL="3429000" indent="-228600" algn="l" defTabSz="914400" rtl="0" eaLnBrk="1" latinLnBrk="0" hangingPunct="1">
+              <a:lnSpc>
+                <a:spcPct val="90000"/>
+              </a:lnSpc>
+              <a:spcBef>
+                <a:spcPts val="500"/>
+              </a:spcBef>
+              <a:buFont typeface="Arial" panose="020B0604020202020204" pitchFamily="34" charset="0"/>
+              <a:buChar char="•"/>
+              <a:defRPr sz="1800" kern="1200">
+                <a:solidFill>
+                  <a:schemeClr val="tx1"/>
+                </a:solidFill>
+                <a:latin typeface="+mn-lt"/>
+                <a:ea typeface="+mn-ea"/>
+                <a:cs typeface="+mn-cs"/>
+              </a:defRPr>
+            </a:lvl8pPr>
+            <a:lvl9pPr marL="3886200" indent="-228600" algn="l" defTabSz="914400" rtl="0" eaLnBrk="1" latinLnBrk="0" hangingPunct="1">
+              <a:lnSpc>
+                <a:spcPct val="90000"/>
+              </a:lnSpc>
+              <a:spcBef>
+                <a:spcPts val="500"/>
+              </a:spcBef>
+              <a:buFont typeface="Arial" panose="020B0604020202020204" pitchFamily="34" charset="0"/>
+              <a:buChar char="•"/>
+              <a:defRPr sz="1800" kern="1200">
+                <a:solidFill>
+                  <a:schemeClr val="tx1"/>
+                </a:solidFill>
+                <a:latin typeface="+mn-lt"/>
+                <a:ea typeface="+mn-ea"/>
+                <a:cs typeface="+mn-cs"/>
+              </a:defRPr>
+            </a:lvl9pPr>
+          </a:lstStyle>
+          <a:p>
+            <a:pPr marL="342900" marR="0" lvl="0" indent="-342900" algn="l" defTabSz="914400" rtl="0" eaLnBrk="1" fontAlgn="base" latinLnBrk="0" hangingPunct="1">
+              <a:lnSpc>
+                <a:spcPct val="100000"/>
+              </a:lnSpc>
+              <a:spcBef>
+                <a:spcPct val="20000"/>
+              </a:spcBef>
+              <a:spcAft>
+                <a:spcPct val="0"/>
+              </a:spcAft>
+              <a:buClrTx/>
+              <a:buSzTx/>
+              <a:buFontTx/>
+              <a:buChar char="•"/>
+              <a:tabLst>
+                <a:tab pos="631825" algn="l"/>
+              </a:tabLst>
+              <a:defRPr/>
+            </a:pPr>
+            <a:r>
+              <a:rPr kumimoji="0" lang="en-US" altLang="zh-CN" sz="2400" b="1" i="0" u="none" strike="noStrike" kern="1200" cap="none" spc="0" normalizeH="0" baseline="0" noProof="0" dirty="0" smtClean="0">
+                <a:ln>
+                  <a:noFill/>
+                </a:ln>
+                <a:solidFill>
+                  <a:srgbClr val="000000"/>
+                </a:solidFill>
+                <a:effectLst/>
+                <a:uLnTx/>
+                <a:uFillTx/>
+                <a:latin typeface="微软雅黑" panose="020B0503020204020204" pitchFamily="34" charset="-122"/>
+                <a:ea typeface="微软雅黑" panose="020B0503020204020204" pitchFamily="34" charset="-122"/>
+              </a:rPr>
+              <a:t>The important aspects of the design of the calling sequence:</a:t>
+            </a:r>
+          </a:p>
+          <a:p>
+            <a:pPr marL="1076325" marR="0" lvl="1" indent="-554038" algn="l" defTabSz="914400" rtl="0" eaLnBrk="1" fontAlgn="base" latinLnBrk="0" hangingPunct="1">
+              <a:lnSpc>
+                <a:spcPct val="100000"/>
+              </a:lnSpc>
+              <a:spcBef>
+                <a:spcPct val="20000"/>
+              </a:spcBef>
+              <a:spcAft>
+                <a:spcPct val="0"/>
+              </a:spcAft>
+              <a:buClrTx/>
+              <a:buSzTx/>
+              <a:buFontTx/>
+              <a:buNone/>
+              <a:tabLst>
+                <a:tab pos="631825" algn="l"/>
+              </a:tabLst>
+              <a:defRPr/>
+            </a:pPr>
+            <a:r>
+              <a:rPr kumimoji="0" lang="en-US" altLang="zh-CN" sz="2400" b="0" i="0" u="none" strike="noStrike" kern="1200" cap="none" spc="0" normalizeH="0" baseline="0" noProof="0" dirty="0" smtClean="0">
+                <a:ln>
+                  <a:noFill/>
+                </a:ln>
+                <a:solidFill>
+                  <a:srgbClr val="000000"/>
+                </a:solidFill>
+                <a:effectLst/>
+                <a:uLnTx/>
+                <a:uFillTx/>
+                <a:latin typeface="微软雅黑" panose="020B0503020204020204" pitchFamily="34" charset="-122"/>
+                <a:ea typeface="微软雅黑" panose="020B0503020204020204" pitchFamily="34" charset="-122"/>
+              </a:rPr>
+              <a:t>(1) How to </a:t>
+            </a:r>
+            <a:r>
+              <a:rPr kumimoji="0" lang="en-US" altLang="zh-CN" sz="2400" b="1" i="0" u="none" strike="noStrike" kern="1200" cap="none" spc="0" normalizeH="0" baseline="0" noProof="0" dirty="0" smtClean="0">
+                <a:ln>
+                  <a:noFill/>
+                </a:ln>
+                <a:solidFill>
+                  <a:srgbClr val="000000"/>
+                </a:solidFill>
+                <a:effectLst/>
+                <a:uLnTx/>
+                <a:uFillTx/>
+                <a:latin typeface="微软雅黑" panose="020B0503020204020204" pitchFamily="34" charset="-122"/>
+                <a:ea typeface="微软雅黑" panose="020B0503020204020204" pitchFamily="34" charset="-122"/>
+              </a:rPr>
+              <a:t>divide the calling sequence</a:t>
+            </a:r>
+            <a:r>
+              <a:rPr kumimoji="0" lang="en-US" altLang="zh-CN" sz="2400" b="0" i="0" u="none" strike="noStrike" kern="1200" cap="none" spc="0" normalizeH="0" baseline="0" noProof="0" dirty="0" smtClean="0">
+                <a:ln>
+                  <a:noFill/>
+                </a:ln>
+                <a:solidFill>
+                  <a:srgbClr val="000000"/>
+                </a:solidFill>
+                <a:effectLst/>
+                <a:uLnTx/>
+                <a:uFillTx/>
+                <a:latin typeface="微软雅黑" panose="020B0503020204020204" pitchFamily="34" charset="-122"/>
+                <a:ea typeface="微软雅黑" panose="020B0503020204020204" pitchFamily="34" charset="-122"/>
+              </a:rPr>
+              <a:t> operations between the caller and </a:t>
+            </a:r>
+            <a:r>
+              <a:rPr kumimoji="0" lang="en-US" altLang="zh-CN" sz="2400" b="0" i="0" u="none" strike="noStrike" kern="1200" cap="none" spc="0" normalizeH="0" baseline="0" noProof="0" dirty="0" err="1" smtClean="0">
+                <a:ln>
+                  <a:noFill/>
+                </a:ln>
+                <a:solidFill>
+                  <a:srgbClr val="000000"/>
+                </a:solidFill>
+                <a:effectLst/>
+                <a:uLnTx/>
+                <a:uFillTx/>
+                <a:latin typeface="微软雅黑" panose="020B0503020204020204" pitchFamily="34" charset="-122"/>
+                <a:ea typeface="微软雅黑" panose="020B0503020204020204" pitchFamily="34" charset="-122"/>
+              </a:rPr>
+              <a:t>callee</a:t>
+            </a:r>
+            <a:endParaRPr kumimoji="0" lang="en-US" altLang="zh-CN" sz="2400" b="0" i="0" u="none" strike="noStrike" kern="1200" cap="none" spc="0" normalizeH="0" baseline="0" noProof="0" dirty="0" smtClean="0">
+              <a:ln>
+                <a:noFill/>
+              </a:ln>
+              <a:solidFill>
+                <a:srgbClr val="000000"/>
+              </a:solidFill>
+              <a:effectLst/>
+              <a:uLnTx/>
+              <a:uFillTx/>
+              <a:latin typeface="微软雅黑" panose="020B0503020204020204" pitchFamily="34" charset="-122"/>
+              <a:ea typeface="微软雅黑" panose="020B0503020204020204" pitchFamily="34" charset="-122"/>
+            </a:endParaRPr>
+          </a:p>
+          <a:p>
+            <a:pPr marL="1417638" marR="0" lvl="2" indent="-161925" algn="l" defTabSz="914400" rtl="0" eaLnBrk="1" fontAlgn="base" latinLnBrk="0" hangingPunct="1">
+              <a:lnSpc>
+                <a:spcPct val="100000"/>
+              </a:lnSpc>
+              <a:spcBef>
+                <a:spcPct val="20000"/>
+              </a:spcBef>
+              <a:spcAft>
+                <a:spcPct val="0"/>
+              </a:spcAft>
+              <a:buClrTx/>
+              <a:buSzTx/>
+              <a:buFontTx/>
+              <a:buChar char="•"/>
+              <a:tabLst>
+                <a:tab pos="631825" algn="l"/>
+              </a:tabLst>
+              <a:defRPr/>
+            </a:pPr>
+            <a:r>
+              <a:rPr kumimoji="0" lang="en-US" altLang="zh-CN" b="0" i="0" u="none" strike="noStrike" kern="1200" cap="none" spc="0" normalizeH="0" baseline="0" noProof="0" dirty="0" smtClean="0">
+                <a:ln>
+                  <a:noFill/>
+                </a:ln>
+                <a:solidFill>
+                  <a:srgbClr val="000000"/>
+                </a:solidFill>
+                <a:effectLst/>
+                <a:uLnTx/>
+                <a:uFillTx/>
+                <a:latin typeface="微软雅黑" panose="020B0503020204020204" pitchFamily="34" charset="-122"/>
+                <a:ea typeface="微软雅黑" panose="020B0503020204020204" pitchFamily="34" charset="-122"/>
+              </a:rPr>
+              <a:t>At a minimum, the caller is responsible for computing the arguments and placing them in locations where they may be found by the </a:t>
+            </a:r>
+            <a:r>
+              <a:rPr kumimoji="0" lang="en-US" altLang="zh-CN" b="0" i="0" u="none" strike="noStrike" kern="1200" cap="none" spc="0" normalizeH="0" baseline="0" noProof="0" dirty="0" err="1" smtClean="0">
+                <a:ln>
+                  <a:noFill/>
+                </a:ln>
+                <a:solidFill>
+                  <a:srgbClr val="000000"/>
+                </a:solidFill>
+                <a:effectLst/>
+                <a:uLnTx/>
+                <a:uFillTx/>
+                <a:latin typeface="微软雅黑" panose="020B0503020204020204" pitchFamily="34" charset="-122"/>
+                <a:ea typeface="微软雅黑" panose="020B0503020204020204" pitchFamily="34" charset="-122"/>
+              </a:rPr>
+              <a:t>callee</a:t>
+            </a:r>
+            <a:endParaRPr kumimoji="0" lang="en-US" altLang="zh-CN" b="0" i="0" u="none" strike="noStrike" kern="1200" cap="none" spc="0" normalizeH="0" baseline="0" noProof="0" dirty="0" smtClean="0">
+              <a:ln>
+                <a:noFill/>
+              </a:ln>
+              <a:solidFill>
+                <a:srgbClr val="000000"/>
+              </a:solidFill>
+              <a:effectLst/>
+              <a:uLnTx/>
+              <a:uFillTx/>
+              <a:latin typeface="微软雅黑" panose="020B0503020204020204" pitchFamily="34" charset="-122"/>
+              <a:ea typeface="微软雅黑" panose="020B0503020204020204" pitchFamily="34" charset="-122"/>
+            </a:endParaRPr>
+          </a:p>
+          <a:p>
+            <a:pPr marL="1417638" marR="0" lvl="2" indent="-161925" algn="l" defTabSz="914400" rtl="0" eaLnBrk="1" fontAlgn="base" latinLnBrk="0" hangingPunct="1">
+              <a:lnSpc>
+                <a:spcPct val="100000"/>
+              </a:lnSpc>
+              <a:spcBef>
+                <a:spcPct val="20000"/>
+              </a:spcBef>
+              <a:spcAft>
+                <a:spcPct val="0"/>
+              </a:spcAft>
+              <a:buClrTx/>
+              <a:buSzTx/>
+              <a:buFontTx/>
+              <a:buNone/>
+              <a:tabLst>
+                <a:tab pos="631825" algn="l"/>
+              </a:tabLst>
+              <a:defRPr/>
+            </a:pPr>
+            <a:endParaRPr kumimoji="0" lang="en-US" altLang="zh-CN" b="0" i="0" u="none" strike="noStrike" kern="1200" cap="none" spc="0" normalizeH="0" baseline="0" noProof="0" dirty="0" smtClean="0">
+              <a:ln>
+                <a:noFill/>
+              </a:ln>
+              <a:solidFill>
+                <a:srgbClr val="000000"/>
+              </a:solidFill>
+              <a:effectLst/>
+              <a:uLnTx/>
+              <a:uFillTx/>
+              <a:latin typeface="微软雅黑" panose="020B0503020204020204" pitchFamily="34" charset="-122"/>
+              <a:ea typeface="微软雅黑" panose="020B0503020204020204" pitchFamily="34" charset="-122"/>
+            </a:endParaRPr>
+          </a:p>
+          <a:p>
+            <a:pPr marL="1076325" marR="0" lvl="1" indent="-554038" algn="l" defTabSz="914400" rtl="0" eaLnBrk="1" fontAlgn="base" latinLnBrk="0" hangingPunct="1">
+              <a:lnSpc>
+                <a:spcPct val="100000"/>
+              </a:lnSpc>
+              <a:spcBef>
+                <a:spcPct val="20000"/>
+              </a:spcBef>
+              <a:spcAft>
+                <a:spcPct val="0"/>
+              </a:spcAft>
+              <a:buClrTx/>
+              <a:buSzTx/>
+              <a:buFontTx/>
+              <a:buNone/>
+              <a:tabLst>
+                <a:tab pos="631825" algn="l"/>
+              </a:tabLst>
+              <a:defRPr/>
+            </a:pPr>
+            <a:r>
+              <a:rPr kumimoji="0" lang="en-US" altLang="zh-CN" sz="2400" b="0" i="0" u="none" strike="noStrike" kern="1200" cap="none" spc="0" normalizeH="0" baseline="0" noProof="0" dirty="0" smtClean="0">
+                <a:ln>
+                  <a:noFill/>
+                </a:ln>
+                <a:solidFill>
+                  <a:srgbClr val="000000"/>
+                </a:solidFill>
+                <a:effectLst/>
+                <a:uLnTx/>
+                <a:uFillTx/>
+                <a:latin typeface="微软雅黑" panose="020B0503020204020204" pitchFamily="34" charset="-122"/>
+                <a:ea typeface="微软雅黑" panose="020B0503020204020204" pitchFamily="34" charset="-122"/>
+              </a:rPr>
+              <a:t>(2) To what extent to </a:t>
+            </a:r>
+            <a:r>
+              <a:rPr kumimoji="0" lang="en-US" altLang="zh-CN" sz="2400" b="1" i="0" u="none" strike="noStrike" kern="1200" cap="none" spc="0" normalizeH="0" baseline="0" noProof="0" dirty="0" smtClean="0">
+                <a:ln>
+                  <a:noFill/>
+                </a:ln>
+                <a:solidFill>
+                  <a:srgbClr val="000000"/>
+                </a:solidFill>
+                <a:effectLst/>
+                <a:uLnTx/>
+                <a:uFillTx/>
+                <a:latin typeface="微软雅黑" panose="020B0503020204020204" pitchFamily="34" charset="-122"/>
+                <a:ea typeface="微软雅黑" panose="020B0503020204020204" pitchFamily="34" charset="-122"/>
+              </a:rPr>
+              <a:t>rely on processor support for calls</a:t>
+            </a:r>
+            <a:r>
+              <a:rPr kumimoji="0" lang="en-US" altLang="zh-CN" sz="2400" b="0" i="0" u="none" strike="noStrike" kern="1200" cap="none" spc="0" normalizeH="0" baseline="0" noProof="0" dirty="0" smtClean="0">
+                <a:ln>
+                  <a:noFill/>
+                </a:ln>
+                <a:solidFill>
+                  <a:srgbClr val="000000"/>
+                </a:solidFill>
+                <a:effectLst/>
+                <a:uLnTx/>
+                <a:uFillTx/>
+                <a:latin typeface="微软雅黑" panose="020B0503020204020204" pitchFamily="34" charset="-122"/>
+                <a:ea typeface="微软雅黑" panose="020B0503020204020204" pitchFamily="34" charset="-122"/>
+              </a:rPr>
+              <a:t> rather that generating explicit code for each step of the calling sequence</a:t>
+            </a:r>
+            <a:endParaRPr kumimoji="0" lang="zh-CN" altLang="en-US" sz="2400" b="0" i="0" u="none" strike="noStrike" kern="1200" cap="none" spc="0" normalizeH="0" baseline="0" noProof="0" dirty="0" smtClean="0">
+              <a:ln>
+                <a:noFill/>
+              </a:ln>
+              <a:solidFill>
+                <a:srgbClr val="000000"/>
+              </a:solidFill>
+              <a:effectLst/>
+              <a:uLnTx/>
+              <a:uFillTx/>
+              <a:latin typeface="微软雅黑" panose="020B0503020204020204" pitchFamily="34" charset="-122"/>
+              <a:ea typeface="微软雅黑" panose="020B0503020204020204" pitchFamily="34" charset="-122"/>
+            </a:endParaRPr>
           </a:p>
         </p:txBody>
       </p:sp>
     </p:spTree>
     <p:extLst>
       <p:ext uri="{BB962C8B-B14F-4D97-AF65-F5344CB8AC3E}">
-        <p14:creationId xmlns:p14="http://schemas.microsoft.com/office/powerpoint/2010/main" val="3539965839"/>
+        <p14:creationId xmlns:p14="http://schemas.microsoft.com/office/powerpoint/2010/main" val="2746686899"/>
       </p:ext>
     </p:extLst>
   </p:cSld>
@@ -8832,7 +10837,422 @@
           <a:bodyPr/>
           <a:lstStyle/>
           <a:p>
-            <a:endParaRPr lang="zh-CN" altLang="en-US"/>
+            <a:r>
+              <a:rPr lang="en-US" altLang="zh-CN" dirty="0"/>
+              <a:t>8.3 Stack Allocation of Space-Calling Sequence</a:t>
+            </a:r>
+            <a:endParaRPr lang="zh-CN" altLang="en-US" dirty="0"/>
+          </a:p>
+        </p:txBody>
+      </p:sp>
+      <p:pic>
+        <p:nvPicPr>
+          <p:cNvPr id="4" name="图片 3"/>
+          <p:cNvPicPr>
+            <a:picLocks noChangeAspect="1"/>
+          </p:cNvPicPr>
+          <p:nvPr/>
+        </p:nvPicPr>
+        <p:blipFill>
+          <a:blip r:embed="rId2"/>
+          <a:stretch>
+            <a:fillRect/>
+          </a:stretch>
+        </p:blipFill>
+        <p:spPr>
+          <a:xfrm>
+            <a:off x="811540" y="1401512"/>
+            <a:ext cx="3872313" cy="2820112"/>
+          </a:xfrm>
+          <a:prstGeom prst="rect">
+            <a:avLst/>
+          </a:prstGeom>
+        </p:spPr>
+      </p:pic>
+      <p:pic>
+        <p:nvPicPr>
+          <p:cNvPr id="5" name="图片 4"/>
+          <p:cNvPicPr>
+            <a:picLocks noChangeAspect="1"/>
+          </p:cNvPicPr>
+          <p:nvPr/>
+        </p:nvPicPr>
+        <p:blipFill>
+          <a:blip r:embed="rId3"/>
+          <a:stretch>
+            <a:fillRect/>
+          </a:stretch>
+        </p:blipFill>
+        <p:spPr>
+          <a:xfrm>
+            <a:off x="722252" y="4799061"/>
+            <a:ext cx="2986622" cy="317051"/>
+          </a:xfrm>
+          <a:prstGeom prst="rect">
+            <a:avLst/>
+          </a:prstGeom>
+        </p:spPr>
+      </p:pic>
+      <p:sp>
+        <p:nvSpPr>
+          <p:cNvPr id="7" name="文本框 6"/>
+          <p:cNvSpPr txBox="1"/>
+          <p:nvPr/>
+        </p:nvSpPr>
+        <p:spPr>
+          <a:xfrm>
+            <a:off x="658026" y="4392538"/>
+            <a:ext cx="1685077" cy="369332"/>
+          </a:xfrm>
+          <a:prstGeom prst="rect">
+            <a:avLst/>
+          </a:prstGeom>
+          <a:noFill/>
+        </p:spPr>
+        <p:txBody>
+          <a:bodyPr wrap="none" rtlCol="0">
+            <a:spAutoFit/>
+          </a:bodyPr>
+          <a:lstStyle/>
+          <a:p>
+            <a:r>
+              <a:rPr lang="en-US" altLang="zh-CN" dirty="0" smtClean="0"/>
+              <a:t>Function call</a:t>
+            </a:r>
+            <a:endParaRPr lang="zh-CN" altLang="en-US" dirty="0"/>
+          </a:p>
+        </p:txBody>
+      </p:sp>
+      <p:pic>
+        <p:nvPicPr>
+          <p:cNvPr id="9" name="图片 8"/>
+          <p:cNvPicPr>
+            <a:picLocks noChangeAspect="1"/>
+          </p:cNvPicPr>
+          <p:nvPr/>
+        </p:nvPicPr>
+        <p:blipFill>
+          <a:blip r:embed="rId4"/>
+          <a:stretch>
+            <a:fillRect/>
+          </a:stretch>
+        </p:blipFill>
+        <p:spPr>
+          <a:xfrm>
+            <a:off x="4773315" y="3324804"/>
+            <a:ext cx="4304186" cy="1341200"/>
+          </a:xfrm>
+          <a:prstGeom prst="rect">
+            <a:avLst/>
+          </a:prstGeom>
+        </p:spPr>
+      </p:pic>
+      <p:sp>
+        <p:nvSpPr>
+          <p:cNvPr id="10" name="文本框 9"/>
+          <p:cNvSpPr txBox="1"/>
+          <p:nvPr/>
+        </p:nvSpPr>
+        <p:spPr>
+          <a:xfrm>
+            <a:off x="4732946" y="2912690"/>
+            <a:ext cx="1915909" cy="369332"/>
+          </a:xfrm>
+          <a:prstGeom prst="rect">
+            <a:avLst/>
+          </a:prstGeom>
+          <a:noFill/>
+        </p:spPr>
+        <p:txBody>
+          <a:bodyPr wrap="none" rtlCol="0">
+            <a:spAutoFit/>
+          </a:bodyPr>
+          <a:lstStyle/>
+          <a:p>
+            <a:r>
+              <a:rPr lang="en-US" altLang="zh-CN" dirty="0" smtClean="0"/>
+              <a:t>Function return</a:t>
+            </a:r>
+            <a:endParaRPr lang="zh-CN" altLang="en-US" dirty="0"/>
+          </a:p>
+        </p:txBody>
+      </p:sp>
+      <p:pic>
+        <p:nvPicPr>
+          <p:cNvPr id="11" name="图片 10"/>
+          <p:cNvPicPr>
+            <a:picLocks noChangeAspect="1"/>
+          </p:cNvPicPr>
+          <p:nvPr/>
+        </p:nvPicPr>
+        <p:blipFill>
+          <a:blip r:embed="rId5"/>
+          <a:stretch>
+            <a:fillRect/>
+          </a:stretch>
+        </p:blipFill>
+        <p:spPr>
+          <a:xfrm>
+            <a:off x="750206" y="5101839"/>
+            <a:ext cx="4985384" cy="1300251"/>
+          </a:xfrm>
+          <a:prstGeom prst="rect">
+            <a:avLst/>
+          </a:prstGeom>
+        </p:spPr>
+      </p:pic>
+      <p:sp>
+        <p:nvSpPr>
+          <p:cNvPr id="12" name="矩形 11"/>
+          <p:cNvSpPr/>
+          <p:nvPr/>
+        </p:nvSpPr>
+        <p:spPr>
+          <a:xfrm>
+            <a:off x="4695914" y="1418780"/>
+            <a:ext cx="4572000" cy="738664"/>
+          </a:xfrm>
+          <a:prstGeom prst="rect">
+            <a:avLst/>
+          </a:prstGeom>
+        </p:spPr>
+        <p:txBody>
+          <a:bodyPr>
+            <a:spAutoFit/>
+          </a:bodyPr>
+          <a:lstStyle/>
+          <a:p>
+            <a:r>
+              <a:rPr lang="en-US" altLang="zh-CN" sz="1400" dirty="0">
+                <a:latin typeface="微软雅黑" panose="020B0503020204020204" pitchFamily="34" charset="-122"/>
+                <a:ea typeface="微软雅黑" panose="020B0503020204020204" pitchFamily="34" charset="-122"/>
+              </a:rPr>
+              <a:t>A register </a:t>
+            </a:r>
+            <a:r>
+              <a:rPr lang="en-US" altLang="zh-CN" sz="1400" i="1" dirty="0" err="1">
+                <a:latin typeface="微软雅黑" panose="020B0503020204020204" pitchFamily="34" charset="-122"/>
+                <a:ea typeface="微软雅黑" panose="020B0503020204020204" pitchFamily="34" charset="-122"/>
+              </a:rPr>
+              <a:t>top_sp</a:t>
+            </a:r>
+            <a:r>
+              <a:rPr lang="en-US" altLang="zh-CN" sz="1400" dirty="0">
+                <a:latin typeface="微软雅黑" panose="020B0503020204020204" pitchFamily="34" charset="-122"/>
+                <a:ea typeface="微软雅黑" panose="020B0503020204020204" pitchFamily="34" charset="-122"/>
+              </a:rPr>
+              <a:t> </a:t>
+            </a:r>
+            <a:r>
+              <a:rPr lang="en-US" altLang="zh-CN" sz="1400" dirty="0" smtClean="0">
+                <a:latin typeface="微软雅黑" panose="020B0503020204020204" pitchFamily="34" charset="-122"/>
+                <a:ea typeface="微软雅黑" panose="020B0503020204020204" pitchFamily="34" charset="-122"/>
+              </a:rPr>
+              <a:t>(</a:t>
+            </a:r>
+            <a:r>
+              <a:rPr lang="en-US" altLang="zh-CN" sz="1400" dirty="0" err="1" smtClean="0">
+                <a:latin typeface="微软雅黑" panose="020B0503020204020204" pitchFamily="34" charset="-122"/>
+                <a:ea typeface="微软雅黑" panose="020B0503020204020204" pitchFamily="34" charset="-122"/>
+              </a:rPr>
+              <a:t>fp</a:t>
+            </a:r>
+            <a:r>
+              <a:rPr lang="en-US" altLang="zh-CN" sz="1400" dirty="0" smtClean="0">
+                <a:latin typeface="微软雅黑" panose="020B0503020204020204" pitchFamily="34" charset="-122"/>
+                <a:ea typeface="微软雅黑" panose="020B0503020204020204" pitchFamily="34" charset="-122"/>
+              </a:rPr>
+              <a:t>) points </a:t>
+            </a:r>
+            <a:r>
+              <a:rPr lang="en-US" altLang="zh-CN" sz="1400" dirty="0">
+                <a:latin typeface="微软雅黑" panose="020B0503020204020204" pitchFamily="34" charset="-122"/>
+                <a:ea typeface="微软雅黑" panose="020B0503020204020204" pitchFamily="34" charset="-122"/>
+              </a:rPr>
+              <a:t>to the end of the </a:t>
+            </a:r>
+            <a:r>
+              <a:rPr lang="en-US" altLang="zh-CN" sz="1400" dirty="0" smtClean="0">
+                <a:latin typeface="微软雅黑" panose="020B0503020204020204" pitchFamily="34" charset="-122"/>
+                <a:ea typeface="微软雅黑" panose="020B0503020204020204" pitchFamily="34" charset="-122"/>
+              </a:rPr>
+              <a:t>machine status field </a:t>
+            </a:r>
+            <a:r>
+              <a:rPr lang="en-US" altLang="zh-CN" sz="1400" dirty="0">
+                <a:latin typeface="微软雅黑" panose="020B0503020204020204" pitchFamily="34" charset="-122"/>
+                <a:ea typeface="微软雅黑" panose="020B0503020204020204" pitchFamily="34" charset="-122"/>
+              </a:rPr>
+              <a:t>in the current top activation record.</a:t>
+            </a:r>
+            <a:endParaRPr lang="zh-CN" altLang="en-US" sz="1400" dirty="0">
+              <a:latin typeface="微软雅黑" panose="020B0503020204020204" pitchFamily="34" charset="-122"/>
+              <a:ea typeface="微软雅黑" panose="020B0503020204020204" pitchFamily="34" charset="-122"/>
+            </a:endParaRPr>
+          </a:p>
+        </p:txBody>
+      </p:sp>
+    </p:spTree>
+    <p:extLst>
+      <p:ext uri="{BB962C8B-B14F-4D97-AF65-F5344CB8AC3E}">
+        <p14:creationId xmlns:p14="http://schemas.microsoft.com/office/powerpoint/2010/main" val="2664768602"/>
+      </p:ext>
+    </p:extLst>
+  </p:cSld>
+  <p:clrMapOvr>
+    <a:masterClrMapping/>
+  </p:clrMapOvr>
+  <mc:AlternateContent xmlns:mc="http://schemas.openxmlformats.org/markup-compatibility/2006" xmlns:p14="http://schemas.microsoft.com/office/powerpoint/2010/main">
+    <mc:Choice Requires="p14">
+      <p:transition spd="med" p14:dur="700">
+        <p:fade/>
+      </p:transition>
+    </mc:Choice>
+    <mc:Fallback xmlns="">
+      <p:transition spd="med">
+        <p:fade/>
+      </p:transition>
+    </mc:Fallback>
+  </mc:AlternateContent>
+</p:sld>
+</file>
+
+<file path=ppt/slides/slide22.xml><?xml version="1.0" encoding="utf-8"?>
+<p:sld xmlns:a="http://schemas.openxmlformats.org/drawingml/2006/main" xmlns:r="http://schemas.openxmlformats.org/officeDocument/2006/relationships" xmlns:p="http://schemas.openxmlformats.org/presentationml/2006/main">
+  <p:cSld>
+    <p:spTree>
+      <p:nvGrpSpPr>
+        <p:cNvPr id="1" name=""/>
+        <p:cNvGrpSpPr/>
+        <p:nvPr/>
+      </p:nvGrpSpPr>
+      <p:grpSpPr>
+        <a:xfrm>
+          <a:off x="0" y="0"/>
+          <a:ext cx="0" cy="0"/>
+          <a:chOff x="0" y="0"/>
+          <a:chExt cx="0" cy="0"/>
+        </a:xfrm>
+      </p:grpSpPr>
+      <p:sp>
+        <p:nvSpPr>
+          <p:cNvPr id="2" name="标题 1"/>
+          <p:cNvSpPr>
+            <a:spLocks noGrp="1"/>
+          </p:cNvSpPr>
+          <p:nvPr>
+            <p:ph type="title"/>
+          </p:nvPr>
+        </p:nvSpPr>
+        <p:spPr/>
+        <p:txBody>
+          <a:bodyPr/>
+          <a:lstStyle/>
+          <a:p>
+            <a:r>
+              <a:rPr lang="en-US" altLang="zh-CN" dirty="0"/>
+              <a:t>8.3 Stack Allocation of Space-Calling Sequence</a:t>
+            </a:r>
+            <a:endParaRPr lang="zh-CN" altLang="en-US" dirty="0"/>
+          </a:p>
+        </p:txBody>
+      </p:sp>
+      <p:pic>
+        <p:nvPicPr>
+          <p:cNvPr id="4" name="图片 3"/>
+          <p:cNvPicPr>
+            <a:picLocks noChangeAspect="1"/>
+          </p:cNvPicPr>
+          <p:nvPr/>
+        </p:nvPicPr>
+        <p:blipFill>
+          <a:blip r:embed="rId2">
+            <a:extLst>
+              <a:ext uri="{28A0092B-C50C-407E-A947-70E740481C1C}">
+                <a14:useLocalDpi xmlns:a14="http://schemas.microsoft.com/office/drawing/2010/main" val="0"/>
+              </a:ext>
+            </a:extLst>
+          </a:blip>
+          <a:stretch>
+            <a:fillRect/>
+          </a:stretch>
+        </p:blipFill>
+        <p:spPr>
+          <a:xfrm>
+            <a:off x="2109866" y="1679244"/>
+            <a:ext cx="5249008" cy="4525006"/>
+          </a:xfrm>
+          <a:prstGeom prst="rect">
+            <a:avLst/>
+          </a:prstGeom>
+        </p:spPr>
+      </p:pic>
+    </p:spTree>
+    <p:extLst>
+      <p:ext uri="{BB962C8B-B14F-4D97-AF65-F5344CB8AC3E}">
+        <p14:creationId xmlns:p14="http://schemas.microsoft.com/office/powerpoint/2010/main" val="165346706"/>
+      </p:ext>
+    </p:extLst>
+  </p:cSld>
+  <p:clrMapOvr>
+    <a:masterClrMapping/>
+  </p:clrMapOvr>
+  <mc:AlternateContent xmlns:mc="http://schemas.openxmlformats.org/markup-compatibility/2006" xmlns:p14="http://schemas.microsoft.com/office/powerpoint/2010/main">
+    <mc:Choice Requires="p14">
+      <p:transition spd="med" p14:dur="700">
+        <p:fade/>
+      </p:transition>
+    </mc:Choice>
+    <mc:Fallback xmlns="">
+      <p:transition spd="med">
+        <p:fade/>
+      </p:transition>
+    </mc:Fallback>
+  </mc:AlternateContent>
+</p:sld>
+</file>
+
+<file path=ppt/slides/slide23.xml><?xml version="1.0" encoding="utf-8"?>
+<p:sld xmlns:a="http://schemas.openxmlformats.org/drawingml/2006/main" xmlns:r="http://schemas.openxmlformats.org/officeDocument/2006/relationships" xmlns:p="http://schemas.openxmlformats.org/presentationml/2006/main">
+  <p:cSld>
+    <p:spTree>
+      <p:nvGrpSpPr>
+        <p:cNvPr id="1" name=""/>
+        <p:cNvGrpSpPr/>
+        <p:nvPr/>
+      </p:nvGrpSpPr>
+      <p:grpSpPr>
+        <a:xfrm>
+          <a:off x="0" y="0"/>
+          <a:ext cx="0" cy="0"/>
+          <a:chOff x="0" y="0"/>
+          <a:chExt cx="0" cy="0"/>
+        </a:xfrm>
+      </p:grpSpPr>
+      <p:sp>
+        <p:nvSpPr>
+          <p:cNvPr id="2" name="标题 1"/>
+          <p:cNvSpPr>
+            <a:spLocks noGrp="1"/>
+          </p:cNvSpPr>
+          <p:nvPr>
+            <p:ph type="title"/>
+          </p:nvPr>
+        </p:nvSpPr>
+        <p:spPr/>
+        <p:txBody>
+          <a:bodyPr/>
+          <a:lstStyle/>
+          <a:p>
+            <a:r>
+              <a:rPr lang="en-US" altLang="zh-CN" dirty="0" smtClean="0"/>
+              <a:t>8.4 </a:t>
+            </a:r>
+            <a:r>
+              <a:rPr lang="en-US" altLang="zh-CN" dirty="0"/>
+              <a:t>Fully Static Runtime Environments</a:t>
+            </a:r>
+            <a:endParaRPr lang="zh-CN" altLang="en-US" dirty="0"/>
           </a:p>
         </p:txBody>
       </p:sp>
@@ -8851,14 +11271,14 @@
           <a:bodyPr/>
           <a:lstStyle/>
           <a:p>
-            <a:endParaRPr lang="zh-CN" altLang="en-US" dirty="0"/>
+            <a:endParaRPr lang="zh-CN" altLang="en-US"/>
           </a:p>
         </p:txBody>
       </p:sp>
     </p:spTree>
     <p:extLst>
       <p:ext uri="{BB962C8B-B14F-4D97-AF65-F5344CB8AC3E}">
-        <p14:creationId xmlns:p14="http://schemas.microsoft.com/office/powerpoint/2010/main" val="2944016506"/>
+        <p14:creationId xmlns:p14="http://schemas.microsoft.com/office/powerpoint/2010/main" val="1389765212"/>
       </p:ext>
     </p:extLst>
   </p:cSld>
@@ -12621,141 +15041,6 @@
 </file>
 
 <file path=customXml/item1.xml><?xml version="1.0" encoding="utf-8"?>
-<p:properties xmlns:p="http://schemas.microsoft.com/office/2006/metadata/properties" xmlns:xsi="http://www.w3.org/2001/XMLSchema-instance" xmlns:pc="http://schemas.microsoft.com/office/infopath/2007/PartnerControls">
-  <documentManagement>
-    <APDescription xmlns="4873beb7-5857-4685-be1f-d57550cc96cc" xsi:nil="true"/>
-    <AssetExpire xmlns="4873beb7-5857-4685-be1f-d57550cc96cc">2029-01-01T08:00:00+00:00</AssetExpire>
-    <CampaignTagsTaxHTField0 xmlns="4873beb7-5857-4685-be1f-d57550cc96cc">
-      <Terms xmlns="http://schemas.microsoft.com/office/infopath/2007/PartnerControls"/>
-    </CampaignTagsTaxHTField0>
-    <IntlLangReviewDate xmlns="4873beb7-5857-4685-be1f-d57550cc96cc" xsi:nil="true"/>
-    <TPFriendlyName xmlns="4873beb7-5857-4685-be1f-d57550cc96cc" xsi:nil="true"/>
-    <IntlLangReview xmlns="4873beb7-5857-4685-be1f-d57550cc96cc">false</IntlLangReview>
-    <LocLastLocAttemptVersionLookup xmlns="4873beb7-5857-4685-be1f-d57550cc96cc">855024</LocLastLocAttemptVersionLookup>
-    <PolicheckWords xmlns="4873beb7-5857-4685-be1f-d57550cc96cc" xsi:nil="true"/>
-    <SubmitterId xmlns="4873beb7-5857-4685-be1f-d57550cc96cc" xsi:nil="true"/>
-    <AcquiredFrom xmlns="4873beb7-5857-4685-be1f-d57550cc96cc">Internal MS</AcquiredFrom>
-    <EditorialStatus xmlns="4873beb7-5857-4685-be1f-d57550cc96cc">Complete</EditorialStatus>
-    <Markets xmlns="4873beb7-5857-4685-be1f-d57550cc96cc"/>
-    <OriginAsset xmlns="4873beb7-5857-4685-be1f-d57550cc96cc" xsi:nil="true"/>
-    <AssetStart xmlns="4873beb7-5857-4685-be1f-d57550cc96cc">2012-08-31T08:50:00+00:00</AssetStart>
-    <FriendlyTitle xmlns="4873beb7-5857-4685-be1f-d57550cc96cc" xsi:nil="true"/>
-    <MarketSpecific xmlns="4873beb7-5857-4685-be1f-d57550cc96cc">false</MarketSpecific>
-    <TPNamespace xmlns="4873beb7-5857-4685-be1f-d57550cc96cc" xsi:nil="true"/>
-    <PublishStatusLookup xmlns="4873beb7-5857-4685-be1f-d57550cc96cc">
-      <Value>1616423</Value>
-    </PublishStatusLookup>
-    <APAuthor xmlns="4873beb7-5857-4685-be1f-d57550cc96cc">
-      <UserInfo>
-        <DisplayName>REDMOND\kristaa</DisplayName>
-        <AccountId>136</AccountId>
-        <AccountType/>
-      </UserInfo>
-    </APAuthor>
-    <TPCommandLine xmlns="4873beb7-5857-4685-be1f-d57550cc96cc" xsi:nil="true"/>
-    <IntlLangReviewer xmlns="4873beb7-5857-4685-be1f-d57550cc96cc" xsi:nil="true"/>
-    <OpenTemplate xmlns="4873beb7-5857-4685-be1f-d57550cc96cc">true</OpenTemplate>
-    <CSXSubmissionDate xmlns="4873beb7-5857-4685-be1f-d57550cc96cc" xsi:nil="true"/>
-    <TaxCatchAll xmlns="4873beb7-5857-4685-be1f-d57550cc96cc"/>
-    <Manager xmlns="4873beb7-5857-4685-be1f-d57550cc96cc" xsi:nil="true"/>
-    <NumericId xmlns="4873beb7-5857-4685-be1f-d57550cc96cc" xsi:nil="true"/>
-    <ParentAssetId xmlns="4873beb7-5857-4685-be1f-d57550cc96cc" xsi:nil="true"/>
-    <OriginalSourceMarket xmlns="4873beb7-5857-4685-be1f-d57550cc96cc" xsi:nil="true"/>
-    <ApprovalStatus xmlns="4873beb7-5857-4685-be1f-d57550cc96cc">InProgress</ApprovalStatus>
-    <TPComponent xmlns="4873beb7-5857-4685-be1f-d57550cc96cc" xsi:nil="true"/>
-    <EditorialTags xmlns="4873beb7-5857-4685-be1f-d57550cc96cc" xsi:nil="true"/>
-    <TPExecutable xmlns="4873beb7-5857-4685-be1f-d57550cc96cc" xsi:nil="true"/>
-    <TPLaunchHelpLink xmlns="4873beb7-5857-4685-be1f-d57550cc96cc" xsi:nil="true"/>
-    <LocComments xmlns="4873beb7-5857-4685-be1f-d57550cc96cc" xsi:nil="true"/>
-    <LocRecommendedHandoff xmlns="4873beb7-5857-4685-be1f-d57550cc96cc" xsi:nil="true"/>
-    <SourceTitle xmlns="4873beb7-5857-4685-be1f-d57550cc96cc" xsi:nil="true"/>
-    <CSXUpdate xmlns="4873beb7-5857-4685-be1f-d57550cc96cc">false</CSXUpdate>
-    <IntlLocPriority xmlns="4873beb7-5857-4685-be1f-d57550cc96cc" xsi:nil="true"/>
-    <UAProjectedTotalWords xmlns="4873beb7-5857-4685-be1f-d57550cc96cc" xsi:nil="true"/>
-    <AssetType xmlns="4873beb7-5857-4685-be1f-d57550cc96cc">TP</AssetType>
-    <MachineTranslated xmlns="4873beb7-5857-4685-be1f-d57550cc96cc">false</MachineTranslated>
-    <OutputCachingOn xmlns="4873beb7-5857-4685-be1f-d57550cc96cc">false</OutputCachingOn>
-    <TemplateStatus xmlns="4873beb7-5857-4685-be1f-d57550cc96cc">Complete</TemplateStatus>
-    <IsSearchable xmlns="4873beb7-5857-4685-be1f-d57550cc96cc">true</IsSearchable>
-    <ContentItem xmlns="4873beb7-5857-4685-be1f-d57550cc96cc" xsi:nil="true"/>
-    <HandoffToMSDN xmlns="4873beb7-5857-4685-be1f-d57550cc96cc" xsi:nil="true"/>
-    <ShowIn xmlns="4873beb7-5857-4685-be1f-d57550cc96cc">Show everywhere</ShowIn>
-    <ThumbnailAssetId xmlns="4873beb7-5857-4685-be1f-d57550cc96cc" xsi:nil="true"/>
-    <UALocComments xmlns="4873beb7-5857-4685-be1f-d57550cc96cc" xsi:nil="true"/>
-    <UALocRecommendation xmlns="4873beb7-5857-4685-be1f-d57550cc96cc">Localize</UALocRecommendation>
-    <LastModifiedDateTime xmlns="4873beb7-5857-4685-be1f-d57550cc96cc" xsi:nil="true"/>
-    <LegacyData xmlns="4873beb7-5857-4685-be1f-d57550cc96cc" xsi:nil="true"/>
-    <LocManualTestRequired xmlns="4873beb7-5857-4685-be1f-d57550cc96cc">false</LocManualTestRequired>
-    <LocMarketGroupTiers2 xmlns="4873beb7-5857-4685-be1f-d57550cc96cc" xsi:nil="true"/>
-    <ClipArtFilename xmlns="4873beb7-5857-4685-be1f-d57550cc96cc" xsi:nil="true"/>
-    <TPApplication xmlns="4873beb7-5857-4685-be1f-d57550cc96cc" xsi:nil="true"/>
-    <CSXHash xmlns="4873beb7-5857-4685-be1f-d57550cc96cc" xsi:nil="true"/>
-    <DirectSourceMarket xmlns="4873beb7-5857-4685-be1f-d57550cc96cc" xsi:nil="true"/>
-    <PrimaryImageGen xmlns="4873beb7-5857-4685-be1f-d57550cc96cc">true</PrimaryImageGen>
-    <PlannedPubDate xmlns="4873beb7-5857-4685-be1f-d57550cc96cc" xsi:nil="true"/>
-    <CSXSubmissionMarket xmlns="4873beb7-5857-4685-be1f-d57550cc96cc" xsi:nil="true"/>
-    <Downloads xmlns="4873beb7-5857-4685-be1f-d57550cc96cc">0</Downloads>
-    <ArtSampleDocs xmlns="4873beb7-5857-4685-be1f-d57550cc96cc" xsi:nil="true"/>
-    <TrustLevel xmlns="4873beb7-5857-4685-be1f-d57550cc96cc">1 Microsoft Managed Content</TrustLevel>
-    <BlockPublish xmlns="4873beb7-5857-4685-be1f-d57550cc96cc">false</BlockPublish>
-    <TPLaunchHelpLinkType xmlns="4873beb7-5857-4685-be1f-d57550cc96cc">Template</TPLaunchHelpLinkType>
-    <LocalizationTagsTaxHTField0 xmlns="4873beb7-5857-4685-be1f-d57550cc96cc">
-      <Terms xmlns="http://schemas.microsoft.com/office/infopath/2007/PartnerControls"/>
-    </LocalizationTagsTaxHTField0>
-    <BusinessGroup xmlns="4873beb7-5857-4685-be1f-d57550cc96cc" xsi:nil="true"/>
-    <Providers xmlns="4873beb7-5857-4685-be1f-d57550cc96cc" xsi:nil="true"/>
-    <TemplateTemplateType xmlns="4873beb7-5857-4685-be1f-d57550cc96cc">PowerPoint Presentation Template</TemplateTemplateType>
-    <TimesCloned xmlns="4873beb7-5857-4685-be1f-d57550cc96cc" xsi:nil="true"/>
-    <TPAppVersion xmlns="4873beb7-5857-4685-be1f-d57550cc96cc" xsi:nil="true"/>
-    <VoteCount xmlns="4873beb7-5857-4685-be1f-d57550cc96cc" xsi:nil="true"/>
-    <AverageRating xmlns="4873beb7-5857-4685-be1f-d57550cc96cc" xsi:nil="true"/>
-    <FeatureTagsTaxHTField0 xmlns="4873beb7-5857-4685-be1f-d57550cc96cc">
-      <Terms xmlns="http://schemas.microsoft.com/office/infopath/2007/PartnerControls"/>
-    </FeatureTagsTaxHTField0>
-    <Provider xmlns="4873beb7-5857-4685-be1f-d57550cc96cc" xsi:nil="true"/>
-    <UACurrentWords xmlns="4873beb7-5857-4685-be1f-d57550cc96cc" xsi:nil="true"/>
-    <AssetId xmlns="4873beb7-5857-4685-be1f-d57550cc96cc">TP103431361</AssetId>
-    <TPClientViewer xmlns="4873beb7-5857-4685-be1f-d57550cc96cc" xsi:nil="true"/>
-    <DSATActionTaken xmlns="4873beb7-5857-4685-be1f-d57550cc96cc" xsi:nil="true"/>
-    <APEditor xmlns="4873beb7-5857-4685-be1f-d57550cc96cc">
-      <UserInfo>
-        <DisplayName/>
-        <AccountId xsi:nil="true"/>
-        <AccountType/>
-      </UserInfo>
-    </APEditor>
-    <TPInstallLocation xmlns="4873beb7-5857-4685-be1f-d57550cc96cc" xsi:nil="true"/>
-    <OOCacheId xmlns="4873beb7-5857-4685-be1f-d57550cc96cc" xsi:nil="true"/>
-    <IsDeleted xmlns="4873beb7-5857-4685-be1f-d57550cc96cc">false</IsDeleted>
-    <PublishTargets xmlns="4873beb7-5857-4685-be1f-d57550cc96cc">OfficeOnlineVNext</PublishTargets>
-    <ApprovalLog xmlns="4873beb7-5857-4685-be1f-d57550cc96cc" xsi:nil="true"/>
-    <BugNumber xmlns="4873beb7-5857-4685-be1f-d57550cc96cc" xsi:nil="true"/>
-    <CrawlForDependencies xmlns="4873beb7-5857-4685-be1f-d57550cc96cc">false</CrawlForDependencies>
-    <InternalTagsTaxHTField0 xmlns="4873beb7-5857-4685-be1f-d57550cc96cc">
-      <Terms xmlns="http://schemas.microsoft.com/office/infopath/2007/PartnerControls"/>
-    </InternalTagsTaxHTField0>
-    <LastHandOff xmlns="4873beb7-5857-4685-be1f-d57550cc96cc" xsi:nil="true"/>
-    <Milestone xmlns="4873beb7-5857-4685-be1f-d57550cc96cc" xsi:nil="true"/>
-    <OriginalRelease xmlns="4873beb7-5857-4685-be1f-d57550cc96cc">15</OriginalRelease>
-    <RecommendationsModifier xmlns="4873beb7-5857-4685-be1f-d57550cc96cc" xsi:nil="true"/>
-    <ScenarioTagsTaxHTField0 xmlns="4873beb7-5857-4685-be1f-d57550cc96cc">
-      <Terms xmlns="http://schemas.microsoft.com/office/infopath/2007/PartnerControls"/>
-    </ScenarioTagsTaxHTField0>
-    <UANotes xmlns="4873beb7-5857-4685-be1f-d57550cc96cc" xsi:nil="true"/>
-  </documentManagement>
-</p:properties>
-</file>
-
-<file path=customXml/item2.xml><?xml version="1.0" encoding="utf-8"?>
-<?mso-contentType ?>
-<FormTemplates xmlns="http://schemas.microsoft.com/sharepoint/v3/contenttype/forms">
-  <Display>DocumentLibraryForm</Display>
-  <Edit>AssetEditForm</Edit>
-  <New>DocumentLibraryForm</New>
-</FormTemplates>
-</file>
-
-<file path=customXml/item3.xml><?xml version="1.0" encoding="utf-8"?>
 <ct:contentTypeSchema xmlns:ct="http://schemas.microsoft.com/office/2006/metadata/contentType" xmlns:ma="http://schemas.microsoft.com/office/2006/metadata/properties/metaAttributes" ct:_="" ma:_="" ma:contentTypeName="TemplateFile" ma:contentTypeID="0x0101006EDDDB5EE6D98C44930B742096920B300400F5B6D36B3EF94B4E9A635CDF2A18F5B8" ma:contentTypeVersion="72" ma:contentTypeDescription="Create a new document." ma:contentTypeScope="" ma:versionID="a23e56308344d904b51738559c3d67c9">
   <xsd:schema xmlns:xsd="http://www.w3.org/2001/XMLSchema" xmlns:xs="http://www.w3.org/2001/XMLSchema" xmlns:p="http://schemas.microsoft.com/office/2006/metadata/properties" xmlns:ns2="4873beb7-5857-4685-be1f-d57550cc96cc" targetNamespace="http://schemas.microsoft.com/office/2006/metadata/properties" ma:root="true" ma:fieldsID="cd0908cc4600e77bf5da051303e00c8d" ns2:_="">
     <xsd:import namespace="4873beb7-5857-4685-be1f-d57550cc96cc"/>
@@ -13795,31 +16080,142 @@
 </ct:contentTypeSchema>
 </file>
 
-<file path=customXml/itemProps1.xml><?xml version="1.0" encoding="utf-8"?>
-<ds:datastoreItem xmlns:ds="http://schemas.openxmlformats.org/officeDocument/2006/customXml" ds:itemID="{8CDDBB83-77C1-4099-A0AA-289882E745E2}">
-  <ds:schemaRefs>
-    <ds:schemaRef ds:uri="http://purl.org/dc/terms/"/>
-    <ds:schemaRef ds:uri="http://purl.org/dc/dcmitype/"/>
-    <ds:schemaRef ds:uri="http://www.w3.org/XML/1998/namespace"/>
-    <ds:schemaRef ds:uri="http://purl.org/dc/elements/1.1/"/>
-    <ds:schemaRef ds:uri="http://schemas.microsoft.com/office/infopath/2007/PartnerControls"/>
-    <ds:schemaRef ds:uri="http://schemas.microsoft.com/office/2006/documentManagement/types"/>
-    <ds:schemaRef ds:uri="http://schemas.openxmlformats.org/package/2006/metadata/core-properties"/>
-    <ds:schemaRef ds:uri="4873beb7-5857-4685-be1f-d57550cc96cc"/>
-    <ds:schemaRef ds:uri="http://schemas.microsoft.com/office/2006/metadata/properties"/>
-  </ds:schemaRefs>
-</ds:datastoreItem>
+<file path=customXml/item2.xml><?xml version="1.0" encoding="utf-8"?>
+<?mso-contentType ?>
+<FormTemplates xmlns="http://schemas.microsoft.com/sharepoint/v3/contenttype/forms">
+  <Display>DocumentLibraryForm</Display>
+  <Edit>AssetEditForm</Edit>
+  <New>DocumentLibraryForm</New>
+</FormTemplates>
 </file>
 
-<file path=customXml/itemProps2.xml><?xml version="1.0" encoding="utf-8"?>
-<ds:datastoreItem xmlns:ds="http://schemas.openxmlformats.org/officeDocument/2006/customXml" ds:itemID="{561E720F-F05D-4536-9C34-0CFCED65D3B7}">
-  <ds:schemaRefs>
-    <ds:schemaRef ds:uri="http://schemas.microsoft.com/sharepoint/v3/contenttype/forms"/>
-  </ds:schemaRefs>
-</ds:datastoreItem>
+<file path=customXml/item3.xml><?xml version="1.0" encoding="utf-8"?>
+<p:properties xmlns:p="http://schemas.microsoft.com/office/2006/metadata/properties" xmlns:xsi="http://www.w3.org/2001/XMLSchema-instance" xmlns:pc="http://schemas.microsoft.com/office/infopath/2007/PartnerControls">
+  <documentManagement>
+    <APDescription xmlns="4873beb7-5857-4685-be1f-d57550cc96cc" xsi:nil="true"/>
+    <AssetExpire xmlns="4873beb7-5857-4685-be1f-d57550cc96cc">2029-01-01T08:00:00+00:00</AssetExpire>
+    <CampaignTagsTaxHTField0 xmlns="4873beb7-5857-4685-be1f-d57550cc96cc">
+      <Terms xmlns="http://schemas.microsoft.com/office/infopath/2007/PartnerControls"/>
+    </CampaignTagsTaxHTField0>
+    <IntlLangReviewDate xmlns="4873beb7-5857-4685-be1f-d57550cc96cc" xsi:nil="true"/>
+    <TPFriendlyName xmlns="4873beb7-5857-4685-be1f-d57550cc96cc" xsi:nil="true"/>
+    <IntlLangReview xmlns="4873beb7-5857-4685-be1f-d57550cc96cc">false</IntlLangReview>
+    <LocLastLocAttemptVersionLookup xmlns="4873beb7-5857-4685-be1f-d57550cc96cc">855024</LocLastLocAttemptVersionLookup>
+    <PolicheckWords xmlns="4873beb7-5857-4685-be1f-d57550cc96cc" xsi:nil="true"/>
+    <SubmitterId xmlns="4873beb7-5857-4685-be1f-d57550cc96cc" xsi:nil="true"/>
+    <AcquiredFrom xmlns="4873beb7-5857-4685-be1f-d57550cc96cc">Internal MS</AcquiredFrom>
+    <EditorialStatus xmlns="4873beb7-5857-4685-be1f-d57550cc96cc">Complete</EditorialStatus>
+    <Markets xmlns="4873beb7-5857-4685-be1f-d57550cc96cc"/>
+    <OriginAsset xmlns="4873beb7-5857-4685-be1f-d57550cc96cc" xsi:nil="true"/>
+    <AssetStart xmlns="4873beb7-5857-4685-be1f-d57550cc96cc">2012-08-31T08:50:00+00:00</AssetStart>
+    <FriendlyTitle xmlns="4873beb7-5857-4685-be1f-d57550cc96cc" xsi:nil="true"/>
+    <MarketSpecific xmlns="4873beb7-5857-4685-be1f-d57550cc96cc">false</MarketSpecific>
+    <TPNamespace xmlns="4873beb7-5857-4685-be1f-d57550cc96cc" xsi:nil="true"/>
+    <PublishStatusLookup xmlns="4873beb7-5857-4685-be1f-d57550cc96cc">
+      <Value>1616423</Value>
+    </PublishStatusLookup>
+    <APAuthor xmlns="4873beb7-5857-4685-be1f-d57550cc96cc">
+      <UserInfo>
+        <DisplayName>REDMOND\kristaa</DisplayName>
+        <AccountId>136</AccountId>
+        <AccountType/>
+      </UserInfo>
+    </APAuthor>
+    <TPCommandLine xmlns="4873beb7-5857-4685-be1f-d57550cc96cc" xsi:nil="true"/>
+    <IntlLangReviewer xmlns="4873beb7-5857-4685-be1f-d57550cc96cc" xsi:nil="true"/>
+    <OpenTemplate xmlns="4873beb7-5857-4685-be1f-d57550cc96cc">true</OpenTemplate>
+    <CSXSubmissionDate xmlns="4873beb7-5857-4685-be1f-d57550cc96cc" xsi:nil="true"/>
+    <TaxCatchAll xmlns="4873beb7-5857-4685-be1f-d57550cc96cc"/>
+    <Manager xmlns="4873beb7-5857-4685-be1f-d57550cc96cc" xsi:nil="true"/>
+    <NumericId xmlns="4873beb7-5857-4685-be1f-d57550cc96cc" xsi:nil="true"/>
+    <ParentAssetId xmlns="4873beb7-5857-4685-be1f-d57550cc96cc" xsi:nil="true"/>
+    <OriginalSourceMarket xmlns="4873beb7-5857-4685-be1f-d57550cc96cc" xsi:nil="true"/>
+    <ApprovalStatus xmlns="4873beb7-5857-4685-be1f-d57550cc96cc">InProgress</ApprovalStatus>
+    <TPComponent xmlns="4873beb7-5857-4685-be1f-d57550cc96cc" xsi:nil="true"/>
+    <EditorialTags xmlns="4873beb7-5857-4685-be1f-d57550cc96cc" xsi:nil="true"/>
+    <TPExecutable xmlns="4873beb7-5857-4685-be1f-d57550cc96cc" xsi:nil="true"/>
+    <TPLaunchHelpLink xmlns="4873beb7-5857-4685-be1f-d57550cc96cc" xsi:nil="true"/>
+    <LocComments xmlns="4873beb7-5857-4685-be1f-d57550cc96cc" xsi:nil="true"/>
+    <LocRecommendedHandoff xmlns="4873beb7-5857-4685-be1f-d57550cc96cc" xsi:nil="true"/>
+    <SourceTitle xmlns="4873beb7-5857-4685-be1f-d57550cc96cc" xsi:nil="true"/>
+    <CSXUpdate xmlns="4873beb7-5857-4685-be1f-d57550cc96cc">false</CSXUpdate>
+    <IntlLocPriority xmlns="4873beb7-5857-4685-be1f-d57550cc96cc" xsi:nil="true"/>
+    <UAProjectedTotalWords xmlns="4873beb7-5857-4685-be1f-d57550cc96cc" xsi:nil="true"/>
+    <AssetType xmlns="4873beb7-5857-4685-be1f-d57550cc96cc">TP</AssetType>
+    <MachineTranslated xmlns="4873beb7-5857-4685-be1f-d57550cc96cc">false</MachineTranslated>
+    <OutputCachingOn xmlns="4873beb7-5857-4685-be1f-d57550cc96cc">false</OutputCachingOn>
+    <TemplateStatus xmlns="4873beb7-5857-4685-be1f-d57550cc96cc">Complete</TemplateStatus>
+    <IsSearchable xmlns="4873beb7-5857-4685-be1f-d57550cc96cc">true</IsSearchable>
+    <ContentItem xmlns="4873beb7-5857-4685-be1f-d57550cc96cc" xsi:nil="true"/>
+    <HandoffToMSDN xmlns="4873beb7-5857-4685-be1f-d57550cc96cc" xsi:nil="true"/>
+    <ShowIn xmlns="4873beb7-5857-4685-be1f-d57550cc96cc">Show everywhere</ShowIn>
+    <ThumbnailAssetId xmlns="4873beb7-5857-4685-be1f-d57550cc96cc" xsi:nil="true"/>
+    <UALocComments xmlns="4873beb7-5857-4685-be1f-d57550cc96cc" xsi:nil="true"/>
+    <UALocRecommendation xmlns="4873beb7-5857-4685-be1f-d57550cc96cc">Localize</UALocRecommendation>
+    <LastModifiedDateTime xmlns="4873beb7-5857-4685-be1f-d57550cc96cc" xsi:nil="true"/>
+    <LegacyData xmlns="4873beb7-5857-4685-be1f-d57550cc96cc" xsi:nil="true"/>
+    <LocManualTestRequired xmlns="4873beb7-5857-4685-be1f-d57550cc96cc">false</LocManualTestRequired>
+    <LocMarketGroupTiers2 xmlns="4873beb7-5857-4685-be1f-d57550cc96cc" xsi:nil="true"/>
+    <ClipArtFilename xmlns="4873beb7-5857-4685-be1f-d57550cc96cc" xsi:nil="true"/>
+    <TPApplication xmlns="4873beb7-5857-4685-be1f-d57550cc96cc" xsi:nil="true"/>
+    <CSXHash xmlns="4873beb7-5857-4685-be1f-d57550cc96cc" xsi:nil="true"/>
+    <DirectSourceMarket xmlns="4873beb7-5857-4685-be1f-d57550cc96cc" xsi:nil="true"/>
+    <PrimaryImageGen xmlns="4873beb7-5857-4685-be1f-d57550cc96cc">true</PrimaryImageGen>
+    <PlannedPubDate xmlns="4873beb7-5857-4685-be1f-d57550cc96cc" xsi:nil="true"/>
+    <CSXSubmissionMarket xmlns="4873beb7-5857-4685-be1f-d57550cc96cc" xsi:nil="true"/>
+    <Downloads xmlns="4873beb7-5857-4685-be1f-d57550cc96cc">0</Downloads>
+    <ArtSampleDocs xmlns="4873beb7-5857-4685-be1f-d57550cc96cc" xsi:nil="true"/>
+    <TrustLevel xmlns="4873beb7-5857-4685-be1f-d57550cc96cc">1 Microsoft Managed Content</TrustLevel>
+    <BlockPublish xmlns="4873beb7-5857-4685-be1f-d57550cc96cc">false</BlockPublish>
+    <TPLaunchHelpLinkType xmlns="4873beb7-5857-4685-be1f-d57550cc96cc">Template</TPLaunchHelpLinkType>
+    <LocalizationTagsTaxHTField0 xmlns="4873beb7-5857-4685-be1f-d57550cc96cc">
+      <Terms xmlns="http://schemas.microsoft.com/office/infopath/2007/PartnerControls"/>
+    </LocalizationTagsTaxHTField0>
+    <BusinessGroup xmlns="4873beb7-5857-4685-be1f-d57550cc96cc" xsi:nil="true"/>
+    <Providers xmlns="4873beb7-5857-4685-be1f-d57550cc96cc" xsi:nil="true"/>
+    <TemplateTemplateType xmlns="4873beb7-5857-4685-be1f-d57550cc96cc">PowerPoint Presentation Template</TemplateTemplateType>
+    <TimesCloned xmlns="4873beb7-5857-4685-be1f-d57550cc96cc" xsi:nil="true"/>
+    <TPAppVersion xmlns="4873beb7-5857-4685-be1f-d57550cc96cc" xsi:nil="true"/>
+    <VoteCount xmlns="4873beb7-5857-4685-be1f-d57550cc96cc" xsi:nil="true"/>
+    <AverageRating xmlns="4873beb7-5857-4685-be1f-d57550cc96cc" xsi:nil="true"/>
+    <FeatureTagsTaxHTField0 xmlns="4873beb7-5857-4685-be1f-d57550cc96cc">
+      <Terms xmlns="http://schemas.microsoft.com/office/infopath/2007/PartnerControls"/>
+    </FeatureTagsTaxHTField0>
+    <Provider xmlns="4873beb7-5857-4685-be1f-d57550cc96cc" xsi:nil="true"/>
+    <UACurrentWords xmlns="4873beb7-5857-4685-be1f-d57550cc96cc" xsi:nil="true"/>
+    <AssetId xmlns="4873beb7-5857-4685-be1f-d57550cc96cc">TP103431361</AssetId>
+    <TPClientViewer xmlns="4873beb7-5857-4685-be1f-d57550cc96cc" xsi:nil="true"/>
+    <DSATActionTaken xmlns="4873beb7-5857-4685-be1f-d57550cc96cc" xsi:nil="true"/>
+    <APEditor xmlns="4873beb7-5857-4685-be1f-d57550cc96cc">
+      <UserInfo>
+        <DisplayName/>
+        <AccountId xsi:nil="true"/>
+        <AccountType/>
+      </UserInfo>
+    </APEditor>
+    <TPInstallLocation xmlns="4873beb7-5857-4685-be1f-d57550cc96cc" xsi:nil="true"/>
+    <OOCacheId xmlns="4873beb7-5857-4685-be1f-d57550cc96cc" xsi:nil="true"/>
+    <IsDeleted xmlns="4873beb7-5857-4685-be1f-d57550cc96cc">false</IsDeleted>
+    <PublishTargets xmlns="4873beb7-5857-4685-be1f-d57550cc96cc">OfficeOnlineVNext</PublishTargets>
+    <ApprovalLog xmlns="4873beb7-5857-4685-be1f-d57550cc96cc" xsi:nil="true"/>
+    <BugNumber xmlns="4873beb7-5857-4685-be1f-d57550cc96cc" xsi:nil="true"/>
+    <CrawlForDependencies xmlns="4873beb7-5857-4685-be1f-d57550cc96cc">false</CrawlForDependencies>
+    <InternalTagsTaxHTField0 xmlns="4873beb7-5857-4685-be1f-d57550cc96cc">
+      <Terms xmlns="http://schemas.microsoft.com/office/infopath/2007/PartnerControls"/>
+    </InternalTagsTaxHTField0>
+    <LastHandOff xmlns="4873beb7-5857-4685-be1f-d57550cc96cc" xsi:nil="true"/>
+    <Milestone xmlns="4873beb7-5857-4685-be1f-d57550cc96cc" xsi:nil="true"/>
+    <OriginalRelease xmlns="4873beb7-5857-4685-be1f-d57550cc96cc">15</OriginalRelease>
+    <RecommendationsModifier xmlns="4873beb7-5857-4685-be1f-d57550cc96cc" xsi:nil="true"/>
+    <ScenarioTagsTaxHTField0 xmlns="4873beb7-5857-4685-be1f-d57550cc96cc">
+      <Terms xmlns="http://schemas.microsoft.com/office/infopath/2007/PartnerControls"/>
+    </ScenarioTagsTaxHTField0>
+    <UANotes xmlns="4873beb7-5857-4685-be1f-d57550cc96cc" xsi:nil="true"/>
+  </documentManagement>
+</p:properties>
 </file>
 
-<file path=customXml/itemProps3.xml><?xml version="1.0" encoding="utf-8"?>
+<file path=customXml/itemProps1.xml><?xml version="1.0" encoding="utf-8"?>
 <ds:datastoreItem xmlns:ds="http://schemas.openxmlformats.org/officeDocument/2006/customXml" ds:itemID="{28C8B9CA-0273-4370-889A-FC05DA5C2FA5}">
   <ds:schemaRefs>
     <ds:schemaRef ds:uri="http://schemas.microsoft.com/office/2006/metadata/contentType"/>
@@ -13835,4 +16231,28 @@
     <ds:schemaRef ds:uri="http://schemas.microsoft.com/internal/obd"/>
   </ds:schemaRefs>
 </ds:datastoreItem>
+</file>
+
+<file path=customXml/itemProps2.xml><?xml version="1.0" encoding="utf-8"?>
+<ds:datastoreItem xmlns:ds="http://schemas.openxmlformats.org/officeDocument/2006/customXml" ds:itemID="{561E720F-F05D-4536-9C34-0CFCED65D3B7}">
+  <ds:schemaRefs>
+    <ds:schemaRef ds:uri="http://schemas.microsoft.com/sharepoint/v3/contenttype/forms"/>
+  </ds:schemaRefs>
+</ds:datastoreItem>
+</file>
+
+<file path=customXml/itemProps3.xml><?xml version="1.0" encoding="utf-8"?>
+<ds:datastoreItem xmlns:ds="http://schemas.openxmlformats.org/officeDocument/2006/customXml" ds:itemID="{8CDDBB83-77C1-4099-A0AA-289882E745E2}">
+  <ds:schemaRefs>
+    <ds:schemaRef ds:uri="http://purl.org/dc/terms/"/>
+    <ds:schemaRef ds:uri="http://purl.org/dc/dcmitype/"/>
+    <ds:schemaRef ds:uri="http://www.w3.org/XML/1998/namespace"/>
+    <ds:schemaRef ds:uri="http://purl.org/dc/elements/1.1/"/>
+    <ds:schemaRef ds:uri="http://schemas.microsoft.com/office/infopath/2007/PartnerControls"/>
+    <ds:schemaRef ds:uri="http://schemas.microsoft.com/office/2006/documentManagement/types"/>
+    <ds:schemaRef ds:uri="http://schemas.openxmlformats.org/package/2006/metadata/core-properties"/>
+    <ds:schemaRef ds:uri="4873beb7-5857-4685-be1f-d57550cc96cc"/>
+    <ds:schemaRef ds:uri="http://schemas.microsoft.com/office/2006/metadata/properties"/>
+  </ds:schemaRefs>
+</ds:datastoreItem>
 </file>
--- a/course/compiler/lecture/(Spring2020)Lecture8.pptx
+++ b/course/compiler/lecture/(Spring2020)Lecture8.pptx
@@ -6527,27 +6527,7 @@
                 <a:latin typeface="Times New Roman"/>
                 <a:ea typeface="宋体"/>
               </a:rPr>
-              <a:t> and i</a:t>
-            </a:r>
-            <a:r>
-              <a:rPr lang="en-US" altLang="zh-CN" sz="2000" dirty="0" smtClean="0">
-                <a:solidFill>
-                  <a:srgbClr val="000000"/>
-                </a:solidFill>
-                <a:latin typeface="Times New Roman"/>
-                <a:ea typeface="宋体"/>
-              </a:rPr>
-              <a:t>nteger </a:t>
-            </a:r>
-            <a:r>
-              <a:rPr lang="en-US" altLang="zh-CN" sz="2000" dirty="0">
-                <a:solidFill>
-                  <a:srgbClr val="000000"/>
-                </a:solidFill>
-                <a:latin typeface="Times New Roman"/>
-                <a:ea typeface="宋体"/>
-              </a:rPr>
-              <a:t>value 12345:</a:t>
+              <a:t> and integer value 12345:</a:t>
             </a:r>
           </a:p>
           <a:p>
@@ -6933,7 +6913,7 @@
               <a:defRPr/>
             </a:pPr>
             <a:r>
-              <a:rPr kumimoji="0" lang="en-US" altLang="zh-CN" sz="2800" b="0" i="0" u="none" strike="noStrike" kern="1200" cap="none" spc="0" normalizeH="0" baseline="0" noProof="0" dirty="0" smtClean="0">
+              <a:rPr kumimoji="0" lang="en-US" altLang="zh-CN" sz="2800" b="0" i="0" u="none" strike="noStrike" kern="1200" cap="none" spc="0" normalizeH="0" baseline="0" noProof="0" dirty="0">
                 <a:ln>
                   <a:noFill/>
                 </a:ln>
@@ -6950,7 +6930,7 @@
               <a:t>The memory area used for </a:t>
             </a:r>
             <a:r>
-              <a:rPr kumimoji="0" lang="en-US" altLang="zh-CN" sz="2800" b="1" i="0" u="none" strike="noStrike" kern="1200" cap="none" spc="0" normalizeH="0" baseline="0" noProof="0" dirty="0" smtClean="0">
+              <a:rPr kumimoji="0" lang="en-US" altLang="zh-CN" sz="2800" b="1" i="0" u="none" strike="noStrike" kern="1200" cap="none" spc="0" normalizeH="0" baseline="0" noProof="0" dirty="0">
                 <a:ln>
                   <a:noFill/>
                 </a:ln>
@@ -6967,7 +6947,7 @@
               <a:t>dynamic data</a:t>
             </a:r>
             <a:r>
-              <a:rPr kumimoji="0" lang="en-US" altLang="zh-CN" sz="2800" b="0" i="0" u="none" strike="noStrike" kern="1200" cap="none" spc="0" normalizeH="0" baseline="0" noProof="0" dirty="0" smtClean="0">
+              <a:rPr kumimoji="0" lang="en-US" altLang="zh-CN" sz="2800" b="0" i="0" u="none" strike="noStrike" kern="1200" cap="none" spc="0" normalizeH="0" baseline="0" noProof="0" dirty="0">
                 <a:ln>
                   <a:noFill/>
                 </a:ln>
@@ -7003,7 +6983,7 @@
               <a:defRPr/>
             </a:pPr>
             <a:r>
-              <a:rPr kumimoji="0" lang="en-US" altLang="zh-CN" sz="2400" b="0" i="0" u="none" strike="noStrike" kern="1200" cap="none" spc="0" normalizeH="0" baseline="0" noProof="0" dirty="0" smtClean="0">
+              <a:rPr kumimoji="0" lang="en-US" altLang="zh-CN" sz="2400" b="0" i="0" u="none" strike="noStrike" kern="1200" cap="none" spc="0" normalizeH="0" baseline="0" noProof="0" dirty="0">
                 <a:ln>
                   <a:noFill/>
                 </a:ln>
@@ -7039,7 +7019,7 @@
               <a:defRPr/>
             </a:pPr>
             <a:r>
-              <a:rPr kumimoji="0" lang="en-US" altLang="zh-CN" sz="2000" b="1" i="0" u="none" strike="noStrike" kern="1200" cap="none" spc="0" normalizeH="0" baseline="0" noProof="0" dirty="0" smtClean="0">
+              <a:rPr kumimoji="0" lang="en-US" altLang="zh-CN" sz="2000" b="1" i="0" u="none" strike="noStrike" kern="1200" cap="none" spc="0" normalizeH="0" baseline="0" noProof="0" dirty="0">
                 <a:ln>
                   <a:noFill/>
                 </a:ln>
@@ -7056,7 +7036,7 @@
               <a:t>A stack area</a:t>
             </a:r>
             <a:r>
-              <a:rPr kumimoji="0" lang="en-US" altLang="zh-CN" sz="2000" b="0" i="0" u="none" strike="noStrike" kern="1200" cap="none" spc="0" normalizeH="0" baseline="0" noProof="0" dirty="0" smtClean="0">
+              <a:rPr kumimoji="0" lang="en-US" altLang="zh-CN" sz="2000" b="0" i="0" u="none" strike="noStrike" kern="1200" cap="none" spc="0" normalizeH="0" baseline="0" noProof="0" dirty="0">
                 <a:ln>
                   <a:noFill/>
                 </a:ln>
@@ -7092,7 +7072,7 @@
               <a:defRPr/>
             </a:pPr>
             <a:r>
-              <a:rPr kumimoji="0" lang="en-US" altLang="zh-CN" sz="2000" b="1" i="0" u="none" strike="noStrike" kern="1200" cap="none" spc="0" normalizeH="0" baseline="0" noProof="0" dirty="0" smtClean="0">
+              <a:rPr kumimoji="0" lang="en-US" altLang="zh-CN" sz="2000" b="1" i="0" u="none" strike="noStrike" kern="1200" cap="none" spc="0" normalizeH="0" baseline="0" noProof="0" dirty="0">
                 <a:ln>
                   <a:noFill/>
                 </a:ln>
@@ -7109,7 +7089,7 @@
               <a:t>A heap area</a:t>
             </a:r>
             <a:r>
-              <a:rPr kumimoji="0" lang="en-US" altLang="zh-CN" sz="2000" b="0" i="0" u="none" strike="noStrike" kern="1200" cap="none" spc="0" normalizeH="0" baseline="0" noProof="0" dirty="0" smtClean="0">
+              <a:rPr kumimoji="0" lang="en-US" altLang="zh-CN" sz="2000" b="0" i="0" u="none" strike="noStrike" kern="1200" cap="none" spc="0" normalizeH="0" baseline="0" noProof="0" dirty="0">
                 <a:ln>
                   <a:noFill/>
                 </a:ln>
@@ -7144,7 +7124,7 @@
               <a:tabLst/>
               <a:defRPr/>
             </a:pPr>
-            <a:endParaRPr kumimoji="0" lang="en-US" altLang="zh-CN" sz="2000" b="0" i="0" u="none" strike="noStrike" kern="1200" cap="none" spc="0" normalizeH="0" baseline="0" noProof="0" dirty="0" smtClean="0">
+            <a:endParaRPr kumimoji="0" lang="en-US" altLang="zh-CN" sz="2000" b="0" i="0" u="none" strike="noStrike" kern="1200" cap="none" spc="0" normalizeH="0" baseline="0" noProof="0" dirty="0">
               <a:ln>
                 <a:noFill/>
               </a:ln>
@@ -7178,7 +7158,7 @@
               <a:defRPr/>
             </a:pPr>
             <a:r>
-              <a:rPr kumimoji="0" lang="en-US" altLang="zh-CN" sz="2800" b="0" i="0" u="none" strike="noStrike" kern="1200" cap="none" spc="0" normalizeH="0" baseline="0" noProof="0" dirty="0" smtClean="0">
+              <a:rPr kumimoji="0" lang="en-US" altLang="zh-CN" sz="2800" b="0" i="0" u="none" strike="noStrike" kern="1200" cap="none" spc="0" normalizeH="0" baseline="0" noProof="0" dirty="0">
                 <a:ln>
                   <a:noFill/>
                 </a:ln>
@@ -7214,7 +7194,7 @@
               <a:defRPr/>
             </a:pPr>
             <a:r>
-              <a:rPr kumimoji="0" lang="en-US" altLang="zh-CN" sz="2400" b="0" i="0" u="none" strike="noStrike" kern="1200" cap="none" spc="0" normalizeH="0" baseline="0" noProof="0" dirty="0" smtClean="0">
+              <a:rPr kumimoji="0" lang="en-US" altLang="zh-CN" sz="2400" b="0" i="0" u="none" strike="noStrike" kern="1200" cap="none" spc="0" normalizeH="0" baseline="0" noProof="0" dirty="0">
                 <a:ln>
                   <a:noFill/>
                 </a:ln>
@@ -7231,7 +7211,7 @@
               <a:t>Sometimes, a compiler will have to arrange for the </a:t>
             </a:r>
             <a:r>
-              <a:rPr kumimoji="0" lang="en-US" altLang="zh-CN" sz="2400" b="1" i="0" u="none" strike="noStrike" kern="1200" cap="none" spc="0" normalizeH="0" baseline="0" noProof="0" dirty="0" smtClean="0">
+              <a:rPr kumimoji="0" lang="en-US" altLang="zh-CN" sz="2400" b="1" i="0" u="none" strike="noStrike" kern="1200" cap="none" spc="0" normalizeH="0" baseline="0" noProof="0" dirty="0">
                 <a:ln>
                   <a:noFill/>
                 </a:ln>
@@ -7248,7 +7228,7 @@
               <a:t>explicit allocation of the processor stack</a:t>
             </a:r>
             <a:r>
-              <a:rPr kumimoji="0" lang="en-US" altLang="zh-CN" sz="2400" b="0" i="0" u="none" strike="noStrike" kern="1200" cap="none" spc="0" normalizeH="0" baseline="0" noProof="0" dirty="0" smtClean="0">
+              <a:rPr kumimoji="0" lang="en-US" altLang="zh-CN" sz="2400" b="0" i="0" u="none" strike="noStrike" kern="1200" cap="none" spc="0" normalizeH="0" baseline="0" noProof="0" dirty="0">
                 <a:ln>
                   <a:noFill/>
                 </a:ln>
@@ -7264,7 +7244,7 @@
               </a:rPr>
               <a:t> in an appropriate place in memory.</a:t>
             </a:r>
-            <a:endParaRPr kumimoji="0" lang="zh-CN" altLang="en-US" sz="2400" b="0" i="0" u="none" strike="noStrike" kern="1200" cap="none" spc="0" normalizeH="0" baseline="0" noProof="0" dirty="0" smtClean="0">
+            <a:endParaRPr kumimoji="0" lang="zh-CN" altLang="en-US" sz="2400" b="0" i="0" u="none" strike="noStrike" kern="1200" cap="none" spc="0" normalizeH="0" baseline="0" noProof="0" dirty="0">
               <a:ln>
                 <a:noFill/>
               </a:ln>
@@ -7429,15 +7409,7 @@
           <a:p>
             <a:r>
               <a:rPr lang="en-US" altLang="zh-CN" dirty="0"/>
-              <a:t>8.3 Stack </a:t>
-            </a:r>
-            <a:r>
-              <a:rPr lang="en-US" altLang="zh-CN" dirty="0" smtClean="0"/>
-              <a:t>Allocation </a:t>
-            </a:r>
-            <a:r>
-              <a:rPr lang="en-US" altLang="zh-CN" dirty="0"/>
-              <a:t>of Space-Activation Trees</a:t>
+              <a:t>8.3 Stack Allocation of Space-Activation Trees</a:t>
             </a:r>
             <a:endParaRPr lang="zh-CN" altLang="en-US" dirty="0"/>
           </a:p>
@@ -7465,65 +7437,13 @@
           <a:p>
             <a:r>
               <a:rPr lang="en-US" altLang="zh-CN" dirty="0"/>
-              <a:t>Almost all compilers for languages that use procedures, </a:t>
-            </a:r>
-            <a:r>
-              <a:rPr lang="en-US" altLang="zh-CN" dirty="0" smtClean="0"/>
-              <a:t>functions</a:t>
-            </a:r>
+              <a:t>Almost all compilers for languages that use procedures, functions, or methods as units of user-defined actions manage at least part of their run-time memory as a stack. Each time a procedure1 is called, space for its local variables is pushed onto a stack, and when the procedure terminates, that space is popped off the stack.</a:t>
+            </a:r>
+          </a:p>
+          <a:p>
             <a:r>
               <a:rPr lang="en-US" altLang="zh-CN" dirty="0"/>
-              <a:t>, or </a:t>
-            </a:r>
-            <a:r>
-              <a:rPr lang="en-US" altLang="zh-CN" dirty="0" smtClean="0"/>
-              <a:t>methods as </a:t>
-            </a:r>
-            <a:r>
-              <a:rPr lang="en-US" altLang="zh-CN" dirty="0"/>
-              <a:t>units of user-defined actions manage at least part of their run-time </a:t>
-            </a:r>
-            <a:r>
-              <a:rPr lang="en-US" altLang="zh-CN" dirty="0" smtClean="0"/>
-              <a:t>memory as </a:t>
-            </a:r>
-            <a:r>
-              <a:rPr lang="en-US" altLang="zh-CN" dirty="0"/>
-              <a:t>a stack. Each time a procedure1 is called, space for its local variables </a:t>
-            </a:r>
-            <a:r>
-              <a:rPr lang="en-US" altLang="zh-CN" dirty="0" smtClean="0"/>
-              <a:t>is pushed </a:t>
-            </a:r>
-            <a:r>
-              <a:rPr lang="en-US" altLang="zh-CN" dirty="0"/>
-              <a:t>onto a stack, and when the procedure terminates, that space is </a:t>
-            </a:r>
-            <a:r>
-              <a:rPr lang="en-US" altLang="zh-CN" dirty="0" smtClean="0"/>
-              <a:t>popped off </a:t>
-            </a:r>
-            <a:r>
-              <a:rPr lang="en-US" altLang="zh-CN" dirty="0"/>
-              <a:t>the stack</a:t>
-            </a:r>
-            <a:r>
-              <a:rPr lang="en-US" altLang="zh-CN" dirty="0" smtClean="0"/>
-              <a:t>.</a:t>
-            </a:r>
-          </a:p>
-          <a:p>
-            <a:r>
-              <a:rPr lang="en-US" altLang="zh-CN" dirty="0"/>
-              <a:t>The following example illustrates nesting </a:t>
-            </a:r>
-            <a:r>
-              <a:rPr lang="en-US" altLang="zh-CN" dirty="0" smtClean="0"/>
-              <a:t>of procedure </a:t>
-            </a:r>
-            <a:r>
-              <a:rPr lang="en-US" altLang="zh-CN" dirty="0"/>
-              <a:t>calls.</a:t>
+              <a:t>The following example illustrates nesting of procedure calls.</a:t>
             </a:r>
             <a:endParaRPr lang="zh-CN" altLang="en-US" dirty="0"/>
           </a:p>
@@ -7642,18 +7562,11 @@
               <a:buAutoNum type="arabicPeriod"/>
             </a:pPr>
             <a:r>
-              <a:rPr lang="en-US" altLang="zh-CN" sz="1200" dirty="0" smtClean="0">
-                <a:latin typeface="微软雅黑" panose="020B0503020204020204" pitchFamily="34" charset="-122"/>
-                <a:ea typeface="微软雅黑" panose="020B0503020204020204" pitchFamily="34" charset="-122"/>
-              </a:rPr>
-              <a:t>The </a:t>
-            </a:r>
-            <a:r>
               <a:rPr lang="en-US" altLang="zh-CN" sz="1200" dirty="0">
                 <a:latin typeface="微软雅黑" panose="020B0503020204020204" pitchFamily="34" charset="-122"/>
                 <a:ea typeface="微软雅黑" panose="020B0503020204020204" pitchFamily="34" charset="-122"/>
               </a:rPr>
-              <a:t>sequence of procedure </a:t>
+              <a:t>The sequence of procedure </a:t>
             </a:r>
             <a:r>
               <a:rPr lang="en-US" altLang="zh-CN" sz="1200" b="1" dirty="0">
@@ -7667,33 +7580,19 @@
                 <a:latin typeface="微软雅黑" panose="020B0503020204020204" pitchFamily="34" charset="-122"/>
                 <a:ea typeface="微软雅黑" panose="020B0503020204020204" pitchFamily="34" charset="-122"/>
               </a:rPr>
-              <a:t> corresponds to a preorder traversal of </a:t>
-            </a:r>
-            <a:r>
-              <a:rPr lang="en-US" altLang="zh-CN" sz="1200" dirty="0" smtClean="0">
-                <a:latin typeface="微软雅黑" panose="020B0503020204020204" pitchFamily="34" charset="-122"/>
-                <a:ea typeface="微软雅黑" panose="020B0503020204020204" pitchFamily="34" charset="-122"/>
-              </a:rPr>
-              <a:t>the activation tree.</a:t>
+              <a:t> corresponds to a preorder traversal of the activation tree.</a:t>
             </a:r>
           </a:p>
           <a:p>
             <a:pPr marL="228600" indent="-228600">
               <a:buAutoNum type="arabicPeriod"/>
             </a:pPr>
-            <a:r>
-              <a:rPr lang="en-US" altLang="zh-CN" sz="1200" dirty="0" smtClean="0">
-                <a:latin typeface="微软雅黑" panose="020B0503020204020204" pitchFamily="34" charset="-122"/>
-                <a:ea typeface="微软雅黑" panose="020B0503020204020204" pitchFamily="34" charset="-122"/>
-              </a:rPr>
-              <a:t>The </a:t>
-            </a:r>
             <a:r>
               <a:rPr lang="en-US" altLang="zh-CN" sz="1200" dirty="0">
                 <a:latin typeface="微软雅黑" panose="020B0503020204020204" pitchFamily="34" charset="-122"/>
                 <a:ea typeface="微软雅黑" panose="020B0503020204020204" pitchFamily="34" charset="-122"/>
               </a:rPr>
-              <a:t>sequence of </a:t>
+              <a:t>The sequence of </a:t>
             </a:r>
             <a:r>
               <a:rPr lang="en-US" altLang="zh-CN" sz="1200" b="1" dirty="0">
@@ -7721,21 +7620,7 @@
                 <a:latin typeface="微软雅黑" panose="020B0503020204020204" pitchFamily="34" charset="-122"/>
                 <a:ea typeface="微软雅黑" panose="020B0503020204020204" pitchFamily="34" charset="-122"/>
               </a:rPr>
-              <a:t> traversal of the </a:t>
-            </a:r>
-            <a:r>
-              <a:rPr lang="en-US" altLang="zh-CN" sz="1200" dirty="0" smtClean="0">
-                <a:latin typeface="微软雅黑" panose="020B0503020204020204" pitchFamily="34" charset="-122"/>
-                <a:ea typeface="微软雅黑" panose="020B0503020204020204" pitchFamily="34" charset="-122"/>
-              </a:rPr>
-              <a:t>activation tree </a:t>
-            </a:r>
-            <a:r>
-              <a:rPr lang="en-US" altLang="zh-CN" sz="1200" dirty="0">
-                <a:latin typeface="微软雅黑" panose="020B0503020204020204" pitchFamily="34" charset="-122"/>
-                <a:ea typeface="微软雅黑" panose="020B0503020204020204" pitchFamily="34" charset="-122"/>
-              </a:rPr>
-              <a:t>.</a:t>
+              <a:t> traversal of the activation tree .</a:t>
             </a:r>
             <a:endParaRPr lang="zh-CN" altLang="en-US" sz="1200" dirty="0">
               <a:latin typeface="微软雅黑" panose="020B0503020204020204" pitchFamily="34" charset="-122"/>
@@ -7802,7 +7687,7 @@
           <a:lstStyle/>
           <a:p>
             <a:r>
-              <a:rPr lang="en-US" altLang="zh-CN" dirty="0" smtClean="0"/>
+              <a:rPr lang="en-US" altLang="zh-CN" dirty="0"/>
               <a:t>8.3 Stack Allocation of Space-Activation Record</a:t>
             </a:r>
             <a:endParaRPr lang="zh-CN" altLang="en-US" dirty="0"/>
@@ -7831,15 +7716,7 @@
           <a:p>
             <a:r>
               <a:rPr lang="en-US" altLang="zh-CN" dirty="0"/>
-              <a:t>Procedure calls and returns are usually managed by a run-time stack called </a:t>
-            </a:r>
-            <a:r>
-              <a:rPr lang="en-US" altLang="zh-CN" dirty="0" smtClean="0"/>
-              <a:t>the control </a:t>
-            </a:r>
-            <a:r>
-              <a:rPr lang="en-US" altLang="zh-CN" dirty="0"/>
-              <a:t>stack. Each live activation has an </a:t>
+              <a:t>Procedure calls and returns are usually managed by a run-time stack called the control stack. Each live activation has an </a:t>
             </a:r>
             <a:r>
               <a:rPr lang="en-US" altLang="zh-CN" b="1" dirty="0">
@@ -7851,14 +7728,10 @@
             </a:r>
             <a:r>
               <a:rPr lang="en-US" altLang="zh-CN" dirty="0"/>
-              <a:t>( sometimes called </a:t>
-            </a:r>
-            <a:r>
-              <a:rPr lang="en-US" altLang="zh-CN" dirty="0" smtClean="0"/>
-              <a:t>a </a:t>
-            </a:r>
-            <a:r>
-              <a:rPr lang="en-US" altLang="zh-CN" b="1" dirty="0" smtClean="0">
+              <a:t>( sometimes called a </a:t>
+            </a:r>
+            <a:r>
+              <a:rPr lang="en-US" altLang="zh-CN" b="1" dirty="0">
                 <a:solidFill>
                   <a:srgbClr val="7030A0"/>
                 </a:solidFill>
@@ -7867,31 +7740,7 @@
             </a:r>
             <a:r>
               <a:rPr lang="en-US" altLang="zh-CN" dirty="0"/>
-              <a:t>) on the control stack, with the root of the activation tree at the </a:t>
-            </a:r>
-            <a:r>
-              <a:rPr lang="en-US" altLang="zh-CN" dirty="0" smtClean="0"/>
-              <a:t>bottom, and </a:t>
-            </a:r>
-            <a:r>
-              <a:rPr lang="en-US" altLang="zh-CN" dirty="0"/>
-              <a:t>the entire sequence of activation records on the stack corresponding to </a:t>
-            </a:r>
-            <a:r>
-              <a:rPr lang="en-US" altLang="zh-CN" dirty="0" smtClean="0"/>
-              <a:t>the path </a:t>
-            </a:r>
-            <a:r>
-              <a:rPr lang="en-US" altLang="zh-CN" dirty="0"/>
-              <a:t>in the activation tree to the activation where control currently </a:t>
-            </a:r>
-            <a:r>
-              <a:rPr lang="en-US" altLang="zh-CN" dirty="0" smtClean="0"/>
-              <a:t>resides. The </a:t>
-            </a:r>
-            <a:r>
-              <a:rPr lang="en-US" altLang="zh-CN" dirty="0"/>
-              <a:t>latter activation has its record at the top of the stack.</a:t>
+              <a:t>) on the control stack, with the root of the activation tree at the bottom, and the entire sequence of activation records on the stack corresponding to the path in the activation tree to the activation where control currently resides. The latter activation has its record at the top of the stack.</a:t>
             </a:r>
             <a:endParaRPr lang="zh-CN" altLang="en-US" dirty="0"/>
           </a:p>
@@ -7920,7 +7769,13 @@
             <a:tbl>
               <a:tblPr/>
               <a:tblGrid>
-                <a:gridCol w="2954709"/>
+                <a:gridCol w="2954709">
+                  <a:extLst>
+                    <a:ext uri="{9D8B030D-6E8A-4147-A177-3AD203B41FA5}">
+                      <a16:colId xmlns:a16="http://schemas.microsoft.com/office/drawing/2014/main" val="20000"/>
+                    </a:ext>
+                  </a:extLst>
+                </a:gridCol>
               </a:tblGrid>
               <a:tr h="522880">
                 <a:tc>
@@ -8007,6 +7862,11 @@
                     </a:lnB>
                   </a:tcPr>
                 </a:tc>
+                <a:extLst>
+                  <a:ext uri="{0D108BD9-81ED-4DB2-BD59-A6C34878D82A}">
+                    <a16:rowId xmlns:a16="http://schemas.microsoft.com/office/drawing/2014/main" val="10000"/>
+                  </a:ext>
+                </a:extLst>
               </a:tr>
               <a:tr h="486806">
                 <a:tc>
@@ -8073,6 +7933,11 @@
                     </a:lnB>
                   </a:tcPr>
                 </a:tc>
+                <a:extLst>
+                  <a:ext uri="{0D108BD9-81ED-4DB2-BD59-A6C34878D82A}">
+                    <a16:rowId xmlns:a16="http://schemas.microsoft.com/office/drawing/2014/main" val="10001"/>
+                  </a:ext>
+                </a:extLst>
               </a:tr>
               <a:tr h="261441">
                 <a:tc>
@@ -8139,6 +8004,11 @@
                     </a:lnB>
                   </a:tcPr>
                 </a:tc>
+                <a:extLst>
+                  <a:ext uri="{0D108BD9-81ED-4DB2-BD59-A6C34878D82A}">
+                    <a16:rowId xmlns:a16="http://schemas.microsoft.com/office/drawing/2014/main" val="10002"/>
+                  </a:ext>
+                </a:extLst>
               </a:tr>
               <a:tr h="261441">
                 <a:tc>
@@ -8205,6 +8075,11 @@
                     </a:lnB>
                   </a:tcPr>
                 </a:tc>
+                <a:extLst>
+                  <a:ext uri="{0D108BD9-81ED-4DB2-BD59-A6C34878D82A}">
+                    <a16:rowId xmlns:a16="http://schemas.microsoft.com/office/drawing/2014/main" val="10003"/>
+                  </a:ext>
+                </a:extLst>
               </a:tr>
             </a:tbl>
           </a:graphicData>
@@ -8795,7 +8670,7 @@
               <a:defRPr/>
             </a:pPr>
             <a:r>
-              <a:rPr kumimoji="0" lang="en-US" altLang="zh-CN" sz="1800" b="0" i="0" u="none" strike="noStrike" kern="1200" cap="none" spc="0" normalizeH="0" baseline="0" noProof="0" dirty="0" smtClean="0">
+              <a:rPr kumimoji="0" lang="en-US" altLang="zh-CN" sz="1800" b="0" i="0" u="none" strike="noStrike" kern="1200" cap="none" spc="0" normalizeH="0" baseline="0" noProof="0" dirty="0">
                 <a:ln>
                   <a:noFill/>
                 </a:ln>
@@ -8812,7 +8687,7 @@
               <a:t>Some parts of an activation record have the </a:t>
             </a:r>
             <a:r>
-              <a:rPr kumimoji="0" lang="en-US" altLang="zh-CN" sz="1800" b="1" i="0" u="none" strike="noStrike" kern="1200" cap="none" spc="0" normalizeH="0" baseline="0" noProof="0" dirty="0" smtClean="0">
+              <a:rPr kumimoji="0" lang="en-US" altLang="zh-CN" sz="1800" b="1" i="0" u="none" strike="noStrike" kern="1200" cap="none" spc="0" normalizeH="0" baseline="0" noProof="0" dirty="0">
                 <a:ln>
                   <a:noFill/>
                 </a:ln>
@@ -8848,7 +8723,7 @@
               <a:defRPr/>
             </a:pPr>
             <a:r>
-              <a:rPr kumimoji="0" lang="en-US" altLang="zh-CN" sz="1800" b="0" i="0" u="none" strike="noStrike" kern="1200" cap="none" spc="0" normalizeH="0" baseline="0" noProof="0" dirty="0" smtClean="0">
+              <a:rPr kumimoji="0" lang="en-US" altLang="zh-CN" sz="1800" b="0" i="0" u="none" strike="noStrike" kern="1200" cap="none" spc="0" normalizeH="0" baseline="0" noProof="0" dirty="0">
                 <a:ln>
                   <a:noFill/>
                 </a:ln>
@@ -8884,7 +8759,7 @@
               <a:defRPr/>
             </a:pPr>
             <a:r>
-              <a:rPr kumimoji="0" lang="en-US" altLang="zh-CN" sz="1800" b="0" i="0" u="none" strike="noStrike" kern="1200" cap="none" spc="0" normalizeH="0" baseline="0" noProof="0" dirty="0" smtClean="0">
+              <a:rPr kumimoji="0" lang="en-US" altLang="zh-CN" sz="1800" b="0" i="0" u="none" strike="noStrike" kern="1200" cap="none" spc="0" normalizeH="0" baseline="0" noProof="0" dirty="0">
                 <a:ln>
                   <a:noFill/>
                 </a:ln>
@@ -8901,7 +8776,7 @@
               <a:t>Other parts of an activation record may </a:t>
             </a:r>
             <a:r>
-              <a:rPr kumimoji="0" lang="en-US" altLang="zh-CN" sz="1800" b="1" i="0" u="none" strike="noStrike" kern="1200" cap="none" spc="0" normalizeH="0" baseline="0" noProof="0" dirty="0" smtClean="0">
+              <a:rPr kumimoji="0" lang="en-US" altLang="zh-CN" sz="1800" b="1" i="0" u="none" strike="noStrike" kern="1200" cap="none" spc="0" normalizeH="0" baseline="0" noProof="0" dirty="0">
                 <a:ln>
                   <a:noFill/>
                 </a:ln>
@@ -8918,7 +8793,7 @@
               <a:t>remain fixed for each individual procedure</a:t>
             </a:r>
             <a:r>
-              <a:rPr kumimoji="0" lang="en-US" altLang="zh-CN" sz="1800" b="0" i="0" u="none" strike="noStrike" kern="1200" cap="none" spc="0" normalizeH="0" baseline="0" noProof="0" dirty="0" smtClean="0">
+              <a:rPr kumimoji="0" lang="en-US" altLang="zh-CN" sz="1800" b="0" i="0" u="none" strike="noStrike" kern="1200" cap="none" spc="0" normalizeH="0" baseline="0" noProof="0" dirty="0">
                 <a:ln>
                   <a:noFill/>
                 </a:ln>
@@ -8954,7 +8829,7 @@
               <a:defRPr/>
             </a:pPr>
             <a:r>
-              <a:rPr kumimoji="0" lang="en-US" altLang="zh-CN" sz="1800" b="0" i="0" u="none" strike="noStrike" kern="1200" cap="none" spc="0" normalizeH="0" baseline="0" noProof="0" dirty="0" smtClean="0">
+              <a:rPr kumimoji="0" lang="en-US" altLang="zh-CN" sz="1800" b="0" i="0" u="none" strike="noStrike" kern="1200" cap="none" spc="0" normalizeH="0" baseline="0" noProof="0" dirty="0">
                 <a:ln>
                   <a:noFill/>
                 </a:ln>
@@ -8989,7 +8864,7 @@
               <a:tabLst/>
               <a:defRPr/>
             </a:pPr>
-            <a:endParaRPr kumimoji="0" lang="en-US" altLang="zh-CN" sz="1800" b="0" i="0" u="none" strike="noStrike" kern="1200" cap="none" spc="0" normalizeH="0" baseline="0" noProof="0" dirty="0" smtClean="0">
+            <a:endParaRPr kumimoji="0" lang="en-US" altLang="zh-CN" sz="1800" b="0" i="0" u="none" strike="noStrike" kern="1200" cap="none" spc="0" normalizeH="0" baseline="0" noProof="0" dirty="0">
               <a:ln>
                 <a:noFill/>
               </a:ln>
@@ -9023,7 +8898,7 @@
               <a:defRPr/>
             </a:pPr>
             <a:r>
-              <a:rPr kumimoji="0" lang="en-US" altLang="zh-CN" sz="1800" b="0" i="0" u="none" strike="noStrike" kern="1200" cap="none" spc="0" normalizeH="0" baseline="0" noProof="0" dirty="0" smtClean="0">
+              <a:rPr kumimoji="0" lang="en-US" altLang="zh-CN" sz="1800" b="0" i="0" u="none" strike="noStrike" kern="1200" cap="none" spc="0" normalizeH="0" baseline="0" noProof="0" dirty="0">
                 <a:ln>
                   <a:noFill/>
                 </a:ln>
@@ -9040,7 +8915,7 @@
               <a:t>Some parts of activation record may be </a:t>
             </a:r>
             <a:r>
-              <a:rPr kumimoji="0" lang="en-US" altLang="zh-CN" sz="1800" b="1" i="0" u="none" strike="noStrike" kern="1200" cap="none" spc="0" normalizeH="0" baseline="0" noProof="0" dirty="0" smtClean="0">
+              <a:rPr kumimoji="0" lang="en-US" altLang="zh-CN" sz="1800" b="1" i="0" u="none" strike="noStrike" kern="1200" cap="none" spc="0" normalizeH="0" baseline="0" noProof="0" dirty="0">
                 <a:ln>
                   <a:noFill/>
                 </a:ln>
@@ -9057,7 +8932,7 @@
               <a:t>allocated automatically</a:t>
             </a:r>
             <a:r>
-              <a:rPr kumimoji="0" lang="en-US" altLang="zh-CN" sz="1800" b="0" i="0" u="none" strike="noStrike" kern="1200" cap="none" spc="0" normalizeH="0" baseline="0" noProof="0" dirty="0" smtClean="0">
+              <a:rPr kumimoji="0" lang="en-US" altLang="zh-CN" sz="1800" b="0" i="0" u="none" strike="noStrike" kern="1200" cap="none" spc="0" normalizeH="0" baseline="0" noProof="0" dirty="0">
                 <a:ln>
                   <a:noFill/>
                 </a:ln>
@@ -9093,7 +8968,7 @@
               <a:defRPr/>
             </a:pPr>
             <a:r>
-              <a:rPr kumimoji="0" lang="en-US" altLang="zh-CN" sz="1800" b="0" i="0" u="none" strike="noStrike" kern="1200" cap="none" spc="0" normalizeH="0" baseline="0" noProof="0" dirty="0" smtClean="0">
+              <a:rPr kumimoji="0" lang="en-US" altLang="zh-CN" sz="1800" b="0" i="0" u="none" strike="noStrike" kern="1200" cap="none" spc="0" normalizeH="0" baseline="0" noProof="0" dirty="0">
                 <a:ln>
                   <a:noFill/>
                 </a:ln>
@@ -9129,7 +9004,7 @@
               <a:defRPr/>
             </a:pPr>
             <a:r>
-              <a:rPr kumimoji="0" lang="en-US" altLang="zh-CN" sz="1800" b="0" i="0" u="none" strike="noStrike" kern="1200" cap="none" spc="0" normalizeH="0" baseline="0" noProof="0" dirty="0" smtClean="0">
+              <a:rPr kumimoji="0" lang="en-US" altLang="zh-CN" sz="1800" b="0" i="0" u="none" strike="noStrike" kern="1200" cap="none" spc="0" normalizeH="0" baseline="0" noProof="0" dirty="0">
                 <a:ln>
                   <a:noFill/>
                 </a:ln>
@@ -9146,7 +9021,7 @@
               <a:t>Other parts of activation record may need to be </a:t>
             </a:r>
             <a:r>
-              <a:rPr kumimoji="0" lang="en-US" altLang="zh-CN" sz="1800" b="1" i="0" u="none" strike="noStrike" kern="1200" cap="none" spc="0" normalizeH="0" baseline="0" noProof="0" dirty="0" smtClean="0">
+              <a:rPr kumimoji="0" lang="en-US" altLang="zh-CN" sz="1800" b="1" i="0" u="none" strike="noStrike" kern="1200" cap="none" spc="0" normalizeH="0" baseline="0" noProof="0" dirty="0">
                 <a:ln>
                   <a:noFill/>
                 </a:ln>
@@ -9163,7 +9038,7 @@
               <a:t>allocated explicitly</a:t>
             </a:r>
             <a:r>
-              <a:rPr kumimoji="0" lang="en-US" altLang="zh-CN" sz="1800" b="0" i="0" u="none" strike="noStrike" kern="1200" cap="none" spc="0" normalizeH="0" baseline="0" noProof="0" dirty="0" smtClean="0">
+              <a:rPr kumimoji="0" lang="en-US" altLang="zh-CN" sz="1800" b="0" i="0" u="none" strike="noStrike" kern="1200" cap="none" spc="0" normalizeH="0" baseline="0" noProof="0" dirty="0">
                 <a:ln>
                   <a:noFill/>
                 </a:ln>
@@ -9199,7 +9074,7 @@
               <a:defRPr/>
             </a:pPr>
             <a:r>
-              <a:rPr kumimoji="0" lang="en-US" altLang="zh-CN" sz="1800" b="0" i="0" u="none" strike="noStrike" kern="1200" cap="none" spc="0" normalizeH="0" baseline="0" noProof="0" dirty="0" smtClean="0">
+              <a:rPr kumimoji="0" lang="en-US" altLang="zh-CN" sz="1800" b="0" i="0" u="none" strike="noStrike" kern="1200" cap="none" spc="0" normalizeH="0" baseline="0" noProof="0" dirty="0">
                 <a:ln>
                   <a:noFill/>
                 </a:ln>
@@ -9234,7 +9109,7 @@
               <a:tabLst/>
               <a:defRPr/>
             </a:pPr>
-            <a:endParaRPr kumimoji="0" lang="en-US" altLang="zh-CN" sz="1800" b="0" i="0" u="none" strike="noStrike" kern="1200" cap="none" spc="0" normalizeH="0" baseline="0" noProof="0" dirty="0" smtClean="0">
+            <a:endParaRPr kumimoji="0" lang="en-US" altLang="zh-CN" sz="1800" b="0" i="0" u="none" strike="noStrike" kern="1200" cap="none" spc="0" normalizeH="0" baseline="0" noProof="0" dirty="0">
               <a:ln>
                 <a:noFill/>
               </a:ln>
@@ -9268,7 +9143,7 @@
               <a:defRPr/>
             </a:pPr>
             <a:r>
-              <a:rPr kumimoji="0" lang="en-US" altLang="zh-CN" sz="1800" b="1" i="0" u="none" strike="noStrike" kern="1200" cap="none" spc="0" normalizeH="0" baseline="0" noProof="0" dirty="0" smtClean="0">
+              <a:rPr kumimoji="0" lang="en-US" altLang="zh-CN" sz="1800" b="1" i="0" u="none" strike="noStrike" kern="1200" cap="none" spc="0" normalizeH="0" baseline="0" noProof="0" dirty="0">
                 <a:ln>
                   <a:noFill/>
                 </a:ln>
@@ -9285,7 +9160,7 @@
               <a:t>Depending on the language</a:t>
             </a:r>
             <a:r>
-              <a:rPr kumimoji="0" lang="en-US" altLang="zh-CN" sz="1800" b="0" i="0" u="none" strike="noStrike" kern="1200" cap="none" spc="0" normalizeH="0" baseline="0" noProof="0" dirty="0" smtClean="0">
+              <a:rPr kumimoji="0" lang="en-US" altLang="zh-CN" sz="1800" b="0" i="0" u="none" strike="noStrike" kern="1200" cap="none" spc="0" normalizeH="0" baseline="0" noProof="0" dirty="0">
                 <a:ln>
                   <a:noFill/>
                 </a:ln>
@@ -9321,7 +9196,7 @@
               <a:defRPr/>
             </a:pPr>
             <a:r>
-              <a:rPr kumimoji="0" lang="en-US" altLang="zh-CN" sz="1800" b="0" i="0" u="none" strike="noStrike" kern="1200" cap="none" spc="0" normalizeH="0" baseline="0" noProof="0" dirty="0" smtClean="0">
+              <a:rPr kumimoji="0" lang="en-US" altLang="zh-CN" sz="1800" b="0" i="0" u="none" strike="noStrike" kern="1200" cap="none" spc="0" normalizeH="0" baseline="0" noProof="0" dirty="0">
                 <a:ln>
                   <a:noFill/>
                 </a:ln>
@@ -9357,7 +9232,7 @@
               <a:defRPr/>
             </a:pPr>
             <a:r>
-              <a:rPr kumimoji="0" lang="en-US" altLang="zh-CN" sz="1800" b="0" i="0" u="none" strike="noStrike" kern="1200" cap="none" spc="0" normalizeH="0" baseline="0" noProof="0" dirty="0" smtClean="0">
+              <a:rPr kumimoji="0" lang="en-US" altLang="zh-CN" sz="1800" b="0" i="0" u="none" strike="noStrike" kern="1200" cap="none" spc="0" normalizeH="0" baseline="0" noProof="0" dirty="0">
                 <a:ln>
                   <a:noFill/>
                 </a:ln>
@@ -9393,7 +9268,7 @@
               <a:defRPr/>
             </a:pPr>
             <a:r>
-              <a:rPr kumimoji="0" lang="en-US" altLang="zh-CN" sz="1800" b="0" i="0" u="none" strike="noStrike" kern="1200" cap="none" spc="0" normalizeH="0" baseline="0" noProof="0" dirty="0" smtClean="0">
+              <a:rPr kumimoji="0" lang="en-US" altLang="zh-CN" sz="1800" b="0" i="0" u="none" strike="noStrike" kern="1200" cap="none" spc="0" normalizeH="0" baseline="0" noProof="0" dirty="0">
                 <a:ln>
                   <a:noFill/>
                 </a:ln>
@@ -9409,7 +9284,7 @@
               </a:rPr>
               <a:t>LISP in the heap area.</a:t>
             </a:r>
-            <a:endParaRPr kumimoji="0" lang="zh-CN" altLang="en-US" sz="1800" b="0" i="0" u="none" strike="noStrike" kern="1200" cap="none" spc="0" normalizeH="0" baseline="0" noProof="0" dirty="0" smtClean="0">
+            <a:endParaRPr kumimoji="0" lang="zh-CN" altLang="en-US" sz="1800" b="0" i="0" u="none" strike="noStrike" kern="1200" cap="none" spc="0" normalizeH="0" baseline="0" noProof="0" dirty="0">
               <a:ln>
                 <a:noFill/>
               </a:ln>
@@ -9678,60 +9553,60 @@
           </a:lstStyle>
           <a:p>
             <a:r>
-              <a:rPr lang="en-US" altLang="zh-CN" sz="2800" b="1" dirty="0" smtClean="0"/>
+              <a:rPr lang="en-US" altLang="zh-CN" sz="2800" b="1" dirty="0"/>
               <a:t>Processor registers are also part of the structure of the runtime environment</a:t>
             </a:r>
-            <a:endParaRPr lang="en-US" altLang="zh-CN" sz="2800" dirty="0" smtClean="0"/>
+            <a:endParaRPr lang="en-US" altLang="zh-CN" sz="2800" dirty="0"/>
           </a:p>
           <a:p>
             <a:pPr lvl="1"/>
             <a:r>
-              <a:rPr lang="en-US" altLang="zh-CN" sz="2400" dirty="0" smtClean="0"/>
+              <a:rPr lang="en-US" altLang="zh-CN" sz="2400" dirty="0"/>
               <a:t>Registers may be used to store temporaries, local variables, or even global variables;</a:t>
             </a:r>
           </a:p>
           <a:p>
             <a:pPr lvl="1"/>
             <a:r>
-              <a:rPr lang="en-US" altLang="zh-CN" sz="2400" dirty="0" smtClean="0"/>
+              <a:rPr lang="en-US" altLang="zh-CN" sz="2400" dirty="0"/>
               <a:t>In newer RISC processor, keep entire static area and whole activation records;</a:t>
             </a:r>
           </a:p>
           <a:p>
             <a:pPr lvl="1"/>
             <a:r>
-              <a:rPr lang="en-US" altLang="zh-CN" sz="2400" dirty="0" smtClean="0"/>
+              <a:rPr lang="en-US" altLang="zh-CN" sz="2400" dirty="0"/>
               <a:t>Special-purpose registers to keep track of execution</a:t>
             </a:r>
           </a:p>
           <a:p>
             <a:pPr lvl="2"/>
             <a:r>
-              <a:rPr lang="en-US" altLang="zh-CN" sz="1800" dirty="0" smtClean="0"/>
+              <a:rPr lang="en-US" altLang="zh-CN" sz="1800" dirty="0"/>
               <a:t>PC 	program counter;</a:t>
             </a:r>
           </a:p>
           <a:p>
             <a:pPr lvl="2"/>
             <a:r>
-              <a:rPr lang="en-US" altLang="zh-CN" sz="1800" dirty="0" smtClean="0"/>
+              <a:rPr lang="en-US" altLang="zh-CN" sz="1800" dirty="0"/>
               <a:t>SP	stack pointer;</a:t>
             </a:r>
           </a:p>
           <a:p>
             <a:pPr lvl="2"/>
             <a:r>
-              <a:rPr lang="en-US" altLang="zh-CN" sz="1800" dirty="0" smtClean="0"/>
+              <a:rPr lang="en-US" altLang="zh-CN" sz="1800" dirty="0"/>
               <a:t>FP	frame pointer;</a:t>
             </a:r>
           </a:p>
           <a:p>
             <a:pPr lvl="2"/>
             <a:r>
-              <a:rPr lang="en-US" altLang="zh-CN" sz="1800" dirty="0" smtClean="0"/>
+              <a:rPr lang="en-US" altLang="zh-CN" sz="1800" dirty="0"/>
               <a:t>AP	argument pointer</a:t>
             </a:r>
-            <a:endParaRPr lang="zh-CN" altLang="en-US" sz="1800" dirty="0" smtClean="0"/>
+            <a:endParaRPr lang="zh-CN" altLang="en-US" sz="1800" dirty="0"/>
           </a:p>
         </p:txBody>
       </p:sp>
@@ -9799,11 +9674,7 @@
           <a:p>
             <a:r>
               <a:rPr lang="en-US" altLang="zh-CN" dirty="0"/>
-              <a:t>8.3 Stack Allocation of </a:t>
-            </a:r>
-            <a:r>
-              <a:rPr lang="en-US" altLang="zh-CN" dirty="0" smtClean="0"/>
-              <a:t>Space-Calling Sequence</a:t>
+              <a:t>8.3 Stack Allocation of Space-Calling Sequence</a:t>
             </a:r>
             <a:endParaRPr lang="zh-CN" altLang="en-US" dirty="0"/>
           </a:p>
@@ -9996,22 +9867,22 @@
           </a:lstStyle>
           <a:p>
             <a:r>
-              <a:rPr lang="en-US" altLang="zh-CN" sz="2800" b="1" dirty="0" smtClean="0"/>
+              <a:rPr lang="en-US" altLang="zh-CN" sz="2800" b="1" dirty="0"/>
               <a:t>The sequence of operations when calling the functions</a:t>
             </a:r>
             <a:r>
-              <a:rPr lang="en-US" altLang="zh-CN" sz="2800" dirty="0" smtClean="0"/>
+              <a:rPr lang="en-US" altLang="zh-CN" sz="2800" dirty="0"/>
               <a:t>: </a:t>
             </a:r>
             <a:r>
-              <a:rPr lang="en-US" altLang="zh-CN" sz="2800" b="1" i="1" dirty="0" smtClean="0">
+              <a:rPr lang="en-US" altLang="zh-CN" sz="2800" b="1" i="1" dirty="0">
                 <a:solidFill>
                   <a:srgbClr val="FF3300"/>
                 </a:solidFill>
               </a:rPr>
               <a:t>calling sequence</a:t>
             </a:r>
-            <a:endParaRPr lang="en-US" altLang="zh-CN" sz="2800" b="1" dirty="0" smtClean="0">
+            <a:endParaRPr lang="en-US" altLang="zh-CN" sz="2800" b="1" dirty="0">
               <a:solidFill>
                 <a:srgbClr val="FF3300"/>
               </a:solidFill>
@@ -10020,34 +9891,34 @@
           <a:p>
             <a:pPr lvl="1"/>
             <a:r>
-              <a:rPr lang="en-US" altLang="zh-CN" sz="2400" dirty="0" smtClean="0"/>
+              <a:rPr lang="en-US" altLang="zh-CN" sz="2400" dirty="0"/>
               <a:t>The allocation of memory for the activation record;</a:t>
             </a:r>
           </a:p>
           <a:p>
             <a:pPr lvl="1"/>
             <a:r>
-              <a:rPr lang="en-US" altLang="zh-CN" sz="2400" dirty="0" smtClean="0"/>
+              <a:rPr lang="en-US" altLang="zh-CN" sz="2400" dirty="0"/>
               <a:t>The computation and storing of the arguments;</a:t>
             </a:r>
           </a:p>
           <a:p>
             <a:pPr lvl="1"/>
             <a:r>
-              <a:rPr lang="en-US" altLang="zh-CN" sz="2400" dirty="0" smtClean="0"/>
+              <a:rPr lang="en-US" altLang="zh-CN" sz="2400" dirty="0"/>
               <a:t>The storing and setting of necessary registers to affect the call</a:t>
             </a:r>
           </a:p>
           <a:p>
-            <a:endParaRPr lang="en-US" altLang="zh-CN" sz="2800" dirty="0" smtClean="0"/>
-          </a:p>
-          <a:p>
-            <a:r>
-              <a:rPr lang="en-US" altLang="zh-CN" sz="2800" b="1" dirty="0" smtClean="0"/>
+            <a:endParaRPr lang="en-US" altLang="zh-CN" sz="2800" dirty="0"/>
+          </a:p>
+          <a:p>
+            <a:r>
+              <a:rPr lang="en-US" altLang="zh-CN" sz="2800" b="1" dirty="0"/>
               <a:t>The additional operations when a procedure or function returns: </a:t>
             </a:r>
             <a:r>
-              <a:rPr lang="en-US" altLang="zh-CN" sz="2800" b="1" i="1" dirty="0" smtClean="0">
+              <a:rPr lang="en-US" altLang="zh-CN" sz="2800" b="1" i="1" dirty="0">
                 <a:solidFill>
                   <a:srgbClr val="FF3300"/>
                 </a:solidFill>
@@ -10055,7 +9926,7 @@
               <a:t>return sequence (VS call</a:t>
             </a:r>
             <a:r>
-              <a:rPr lang="en-US" altLang="zh-CN" sz="2800" i="1" dirty="0" smtClean="0">
+              <a:rPr lang="en-US" altLang="zh-CN" sz="2800" i="1" dirty="0">
                 <a:solidFill>
                   <a:srgbClr val="FF3300"/>
                 </a:solidFill>
@@ -10066,24 +9937,24 @@
           <a:p>
             <a:pPr lvl="1"/>
             <a:r>
-              <a:rPr lang="en-US" altLang="zh-CN" sz="2400" dirty="0" smtClean="0"/>
+              <a:rPr lang="en-US" altLang="zh-CN" sz="2400" dirty="0"/>
               <a:t>The placing of the return value where the caller can access it;</a:t>
             </a:r>
           </a:p>
           <a:p>
             <a:pPr lvl="1"/>
             <a:r>
-              <a:rPr lang="en-US" altLang="zh-CN" sz="2400" dirty="0" smtClean="0"/>
+              <a:rPr lang="en-US" altLang="zh-CN" sz="2400" dirty="0"/>
               <a:t>The readjustment of registers;</a:t>
             </a:r>
           </a:p>
           <a:p>
             <a:pPr lvl="1"/>
             <a:r>
-              <a:rPr lang="en-US" altLang="zh-CN" sz="2400" dirty="0" smtClean="0"/>
+              <a:rPr lang="en-US" altLang="zh-CN" sz="2400" dirty="0"/>
               <a:t>The possible releasing for activation record memory</a:t>
             </a:r>
-            <a:endParaRPr lang="zh-CN" altLang="en-US" sz="2400" dirty="0" smtClean="0"/>
+            <a:endParaRPr lang="zh-CN" altLang="en-US" sz="2400" dirty="0"/>
           </a:p>
         </p:txBody>
       </p:sp>
@@ -10145,7 +10016,7 @@
           <a:lstStyle/>
           <a:p>
             <a:r>
-              <a:rPr lang="en-US" altLang="zh-CN" dirty="0" smtClean="0"/>
+              <a:rPr lang="en-US" altLang="zh-CN" dirty="0"/>
               <a:t>RUN-TIME Environments</a:t>
             </a:r>
             <a:endParaRPr lang="en-US" dirty="0"/>
@@ -10236,11 +10107,7 @@
           <a:p>
             <a:r>
               <a:rPr lang="en-US" altLang="zh-CN" dirty="0"/>
-              <a:t>8.3 Stack Allocation of </a:t>
-            </a:r>
-            <a:r>
-              <a:rPr lang="en-US" altLang="zh-CN" dirty="0" smtClean="0"/>
-              <a:t>Space-Calling Sequence</a:t>
+              <a:t>8.3 Stack Allocation of Space-Calling Sequence</a:t>
             </a:r>
             <a:endParaRPr lang="zh-CN" altLang="en-US" dirty="0"/>
           </a:p>
@@ -10482,7 +10349,7 @@
               <a:defRPr/>
             </a:pPr>
             <a:r>
-              <a:rPr kumimoji="0" lang="en-US" altLang="zh-CN" sz="2400" b="1" i="0" u="none" strike="noStrike" kern="1200" cap="none" spc="0" normalizeH="0" baseline="0" noProof="0" dirty="0" smtClean="0">
+              <a:rPr kumimoji="0" lang="en-US" altLang="zh-CN" sz="2400" b="1" i="0" u="none" strike="noStrike" kern="1200" cap="none" spc="0" normalizeH="0" baseline="0" noProof="0" dirty="0">
                 <a:ln>
                   <a:noFill/>
                 </a:ln>
@@ -10519,7 +10386,7 @@
               <a:defRPr/>
             </a:pPr>
             <a:r>
-              <a:rPr kumimoji="0" lang="en-US" altLang="zh-CN" sz="2400" b="0" i="0" u="none" strike="noStrike" kern="1200" cap="none" spc="0" normalizeH="0" baseline="0" noProof="0" dirty="0" smtClean="0">
+              <a:rPr kumimoji="0" lang="en-US" altLang="zh-CN" sz="2400" b="0" i="0" u="none" strike="noStrike" kern="1200" cap="none" spc="0" normalizeH="0" baseline="0" noProof="0" dirty="0">
                 <a:ln>
                   <a:noFill/>
                 </a:ln>
@@ -10535,7 +10402,7 @@
               <a:t>(1) How to </a:t>
             </a:r>
             <a:r>
-              <a:rPr kumimoji="0" lang="en-US" altLang="zh-CN" sz="2400" b="1" i="0" u="none" strike="noStrike" kern="1200" cap="none" spc="0" normalizeH="0" baseline="0" noProof="0" dirty="0" smtClean="0">
+              <a:rPr kumimoji="0" lang="en-US" altLang="zh-CN" sz="2400" b="1" i="0" u="none" strike="noStrike" kern="1200" cap="none" spc="0" normalizeH="0" baseline="0" noProof="0" dirty="0">
                 <a:ln>
                   <a:noFill/>
                 </a:ln>
@@ -10551,7 +10418,7 @@
               <a:t>divide the calling sequence</a:t>
             </a:r>
             <a:r>
-              <a:rPr kumimoji="0" lang="en-US" altLang="zh-CN" sz="2400" b="0" i="0" u="none" strike="noStrike" kern="1200" cap="none" spc="0" normalizeH="0" baseline="0" noProof="0" dirty="0" smtClean="0">
+              <a:rPr kumimoji="0" lang="en-US" altLang="zh-CN" sz="2400" b="0" i="0" u="none" strike="noStrike" kern="1200" cap="none" spc="0" normalizeH="0" baseline="0" noProof="0" dirty="0">
                 <a:ln>
                   <a:noFill/>
                 </a:ln>
@@ -10567,7 +10434,7 @@
               <a:t> operations between the caller and </a:t>
             </a:r>
             <a:r>
-              <a:rPr kumimoji="0" lang="en-US" altLang="zh-CN" sz="2400" b="0" i="0" u="none" strike="noStrike" kern="1200" cap="none" spc="0" normalizeH="0" baseline="0" noProof="0" dirty="0" err="1" smtClean="0">
+              <a:rPr kumimoji="0" lang="en-US" altLang="zh-CN" sz="2400" b="0" i="0" u="none" strike="noStrike" kern="1200" cap="none" spc="0" normalizeH="0" baseline="0" noProof="0" dirty="0" err="1">
                 <a:ln>
                   <a:noFill/>
                 </a:ln>
@@ -10582,7 +10449,7 @@
               </a:rPr>
               <a:t>callee</a:t>
             </a:r>
-            <a:endParaRPr kumimoji="0" lang="en-US" altLang="zh-CN" sz="2400" b="0" i="0" u="none" strike="noStrike" kern="1200" cap="none" spc="0" normalizeH="0" baseline="0" noProof="0" dirty="0" smtClean="0">
+            <a:endParaRPr kumimoji="0" lang="en-US" altLang="zh-CN" sz="2400" b="0" i="0" u="none" strike="noStrike" kern="1200" cap="none" spc="0" normalizeH="0" baseline="0" noProof="0" dirty="0">
               <a:ln>
                 <a:noFill/>
               </a:ln>
@@ -10617,7 +10484,7 @@
               <a:defRPr/>
             </a:pPr>
             <a:r>
-              <a:rPr kumimoji="0" lang="en-US" altLang="zh-CN" b="0" i="0" u="none" strike="noStrike" kern="1200" cap="none" spc="0" normalizeH="0" baseline="0" noProof="0" dirty="0" smtClean="0">
+              <a:rPr kumimoji="0" lang="en-US" altLang="zh-CN" b="0" i="0" u="none" strike="noStrike" kern="1200" cap="none" spc="0" normalizeH="0" baseline="0" noProof="0" dirty="0">
                 <a:ln>
                   <a:noFill/>
                 </a:ln>
@@ -10633,7 +10500,7 @@
               <a:t>At a minimum, the caller is responsible for computing the arguments and placing them in locations where they may be found by the </a:t>
             </a:r>
             <a:r>
-              <a:rPr kumimoji="0" lang="en-US" altLang="zh-CN" b="0" i="0" u="none" strike="noStrike" kern="1200" cap="none" spc="0" normalizeH="0" baseline="0" noProof="0" dirty="0" err="1" smtClean="0">
+              <a:rPr kumimoji="0" lang="en-US" altLang="zh-CN" b="0" i="0" u="none" strike="noStrike" kern="1200" cap="none" spc="0" normalizeH="0" baseline="0" noProof="0" dirty="0" err="1">
                 <a:ln>
                   <a:noFill/>
                 </a:ln>
@@ -10648,7 +10515,7 @@
               </a:rPr>
               <a:t>callee</a:t>
             </a:r>
-            <a:endParaRPr kumimoji="0" lang="en-US" altLang="zh-CN" b="0" i="0" u="none" strike="noStrike" kern="1200" cap="none" spc="0" normalizeH="0" baseline="0" noProof="0" dirty="0" smtClean="0">
+            <a:endParaRPr kumimoji="0" lang="en-US" altLang="zh-CN" b="0" i="0" u="none" strike="noStrike" kern="1200" cap="none" spc="0" normalizeH="0" baseline="0" noProof="0" dirty="0">
               <a:ln>
                 <a:noFill/>
               </a:ln>
@@ -10682,7 +10549,7 @@
               </a:tabLst>
               <a:defRPr/>
             </a:pPr>
-            <a:endParaRPr kumimoji="0" lang="en-US" altLang="zh-CN" b="0" i="0" u="none" strike="noStrike" kern="1200" cap="none" spc="0" normalizeH="0" baseline="0" noProof="0" dirty="0" smtClean="0">
+            <a:endParaRPr kumimoji="0" lang="en-US" altLang="zh-CN" b="0" i="0" u="none" strike="noStrike" kern="1200" cap="none" spc="0" normalizeH="0" baseline="0" noProof="0" dirty="0">
               <a:ln>
                 <a:noFill/>
               </a:ln>
@@ -10717,7 +10584,7 @@
               <a:defRPr/>
             </a:pPr>
             <a:r>
-              <a:rPr kumimoji="0" lang="en-US" altLang="zh-CN" sz="2400" b="0" i="0" u="none" strike="noStrike" kern="1200" cap="none" spc="0" normalizeH="0" baseline="0" noProof="0" dirty="0" smtClean="0">
+              <a:rPr kumimoji="0" lang="en-US" altLang="zh-CN" sz="2400" b="0" i="0" u="none" strike="noStrike" kern="1200" cap="none" spc="0" normalizeH="0" baseline="0" noProof="0" dirty="0">
                 <a:ln>
                   <a:noFill/>
                 </a:ln>
@@ -10733,7 +10600,7 @@
               <a:t>(2) To what extent to </a:t>
             </a:r>
             <a:r>
-              <a:rPr kumimoji="0" lang="en-US" altLang="zh-CN" sz="2400" b="1" i="0" u="none" strike="noStrike" kern="1200" cap="none" spc="0" normalizeH="0" baseline="0" noProof="0" dirty="0" smtClean="0">
+              <a:rPr kumimoji="0" lang="en-US" altLang="zh-CN" sz="2400" b="1" i="0" u="none" strike="noStrike" kern="1200" cap="none" spc="0" normalizeH="0" baseline="0" noProof="0" dirty="0">
                 <a:ln>
                   <a:noFill/>
                 </a:ln>
@@ -10749,7 +10616,7 @@
               <a:t>rely on processor support for calls</a:t>
             </a:r>
             <a:r>
-              <a:rPr kumimoji="0" lang="en-US" altLang="zh-CN" sz="2400" b="0" i="0" u="none" strike="noStrike" kern="1200" cap="none" spc="0" normalizeH="0" baseline="0" noProof="0" dirty="0" smtClean="0">
+              <a:rPr kumimoji="0" lang="en-US" altLang="zh-CN" sz="2400" b="0" i="0" u="none" strike="noStrike" kern="1200" cap="none" spc="0" normalizeH="0" baseline="0" noProof="0" dirty="0">
                 <a:ln>
                   <a:noFill/>
                 </a:ln>
@@ -10764,7 +10631,7 @@
               </a:rPr>
               <a:t> rather that generating explicit code for each step of the calling sequence</a:t>
             </a:r>
-            <a:endParaRPr kumimoji="0" lang="zh-CN" altLang="en-US" sz="2400" b="0" i="0" u="none" strike="noStrike" kern="1200" cap="none" spc="0" normalizeH="0" baseline="0" noProof="0" dirty="0" smtClean="0">
+            <a:endParaRPr kumimoji="0" lang="zh-CN" altLang="en-US" sz="2400" b="0" i="0" u="none" strike="noStrike" kern="1200" cap="none" spc="0" normalizeH="0" baseline="0" noProof="0" dirty="0">
               <a:ln>
                 <a:noFill/>
               </a:ln>
@@ -10916,7 +10783,7 @@
           <a:lstStyle/>
           <a:p>
             <a:r>
-              <a:rPr lang="en-US" altLang="zh-CN" dirty="0" smtClean="0"/>
+              <a:rPr lang="en-US" altLang="zh-CN" dirty="0"/>
               <a:t>Function call</a:t>
             </a:r>
             <a:endParaRPr lang="zh-CN" altLang="en-US" dirty="0"/>
@@ -10970,7 +10837,7 @@
           <a:lstStyle/>
           <a:p>
             <a:r>
-              <a:rPr lang="en-US" altLang="zh-CN" dirty="0" smtClean="0"/>
+              <a:rPr lang="en-US" altLang="zh-CN" dirty="0"/>
               <a:t>Function return</a:t>
             </a:r>
             <a:endParaRPr lang="zh-CN" altLang="en-US" dirty="0"/>
@@ -11010,7 +10877,7 @@
         <p:spPr>
           <a:xfrm>
             <a:off x="4695914" y="1418780"/>
-            <a:ext cx="4572000" cy="738664"/>
+            <a:ext cx="4572000" cy="523220"/>
           </a:xfrm>
           <a:prstGeom prst="rect">
             <a:avLst/>
@@ -11037,53 +10904,18 @@
               <a:t>top_sp</a:t>
             </a:r>
             <a:r>
+              <a:rPr lang="en-US" altLang="zh-CN" sz="1400">
+                <a:latin typeface="微软雅黑" panose="020B0503020204020204" pitchFamily="34" charset="-122"/>
+                <a:ea typeface="微软雅黑" panose="020B0503020204020204" pitchFamily="34" charset="-122"/>
+              </a:rPr>
+              <a:t> points </a:t>
+            </a:r>
+            <a:r>
               <a:rPr lang="en-US" altLang="zh-CN" sz="1400" dirty="0">
                 <a:latin typeface="微软雅黑" panose="020B0503020204020204" pitchFamily="34" charset="-122"/>
                 <a:ea typeface="微软雅黑" panose="020B0503020204020204" pitchFamily="34" charset="-122"/>
               </a:rPr>
-              <a:t> </a:t>
-            </a:r>
-            <a:r>
-              <a:rPr lang="en-US" altLang="zh-CN" sz="1400" dirty="0" smtClean="0">
-                <a:latin typeface="微软雅黑" panose="020B0503020204020204" pitchFamily="34" charset="-122"/>
-                <a:ea typeface="微软雅黑" panose="020B0503020204020204" pitchFamily="34" charset="-122"/>
-              </a:rPr>
-              <a:t>(</a:t>
-            </a:r>
-            <a:r>
-              <a:rPr lang="en-US" altLang="zh-CN" sz="1400" dirty="0" err="1" smtClean="0">
-                <a:latin typeface="微软雅黑" panose="020B0503020204020204" pitchFamily="34" charset="-122"/>
-                <a:ea typeface="微软雅黑" panose="020B0503020204020204" pitchFamily="34" charset="-122"/>
-              </a:rPr>
-              <a:t>fp</a:t>
-            </a:r>
-            <a:r>
-              <a:rPr lang="en-US" altLang="zh-CN" sz="1400" dirty="0" smtClean="0">
-                <a:latin typeface="微软雅黑" panose="020B0503020204020204" pitchFamily="34" charset="-122"/>
-                <a:ea typeface="微软雅黑" panose="020B0503020204020204" pitchFamily="34" charset="-122"/>
-              </a:rPr>
-              <a:t>) points </a:t>
-            </a:r>
-            <a:r>
-              <a:rPr lang="en-US" altLang="zh-CN" sz="1400" dirty="0">
-                <a:latin typeface="微软雅黑" panose="020B0503020204020204" pitchFamily="34" charset="-122"/>
-                <a:ea typeface="微软雅黑" panose="020B0503020204020204" pitchFamily="34" charset="-122"/>
-              </a:rPr>
-              <a:t>to the end of the </a:t>
-            </a:r>
-            <a:r>
-              <a:rPr lang="en-US" altLang="zh-CN" sz="1400" dirty="0" smtClean="0">
-                <a:latin typeface="微软雅黑" panose="020B0503020204020204" pitchFamily="34" charset="-122"/>
-                <a:ea typeface="微软雅黑" panose="020B0503020204020204" pitchFamily="34" charset="-122"/>
-              </a:rPr>
-              <a:t>machine status field </a:t>
-            </a:r>
-            <a:r>
-              <a:rPr lang="en-US" altLang="zh-CN" sz="1400" dirty="0">
-                <a:latin typeface="微软雅黑" panose="020B0503020204020204" pitchFamily="34" charset="-122"/>
-                <a:ea typeface="微软雅黑" panose="020B0503020204020204" pitchFamily="34" charset="-122"/>
-              </a:rPr>
-              <a:t>in the current top activation record.</a:t>
+              <a:t>to the end of the machine status field in the current top activation record.</a:t>
             </a:r>
             <a:endParaRPr lang="zh-CN" altLang="en-US" sz="1400" dirty="0">
               <a:latin typeface="微软雅黑" panose="020B0503020204020204" pitchFamily="34" charset="-122"/>
@@ -11245,12 +11077,8 @@
           <a:lstStyle/>
           <a:p>
             <a:r>
-              <a:rPr lang="en-US" altLang="zh-CN" dirty="0" smtClean="0"/>
-              <a:t>8.4 </a:t>
-            </a:r>
-            <a:r>
               <a:rPr lang="en-US" altLang="zh-CN" dirty="0"/>
-              <a:t>Fully Static Runtime Environments</a:t>
+              <a:t>8.4 Fully Static Runtime Environments</a:t>
             </a:r>
             <a:endParaRPr lang="zh-CN" altLang="en-US" dirty="0"/>
           </a:p>
@@ -11356,45 +11184,32 @@
           <a:lstStyle/>
           <a:p>
             <a:r>
-              <a:rPr lang="en-US" altLang="zh-CN" dirty="0" smtClean="0"/>
+              <a:rPr lang="en-US" altLang="zh-CN" dirty="0"/>
               <a:t>Symbol Table</a:t>
             </a:r>
-            <a:endParaRPr lang="en-US" altLang="zh-CN" dirty="0"/>
-          </a:p>
-          <a:p>
-            <a:r>
-              <a:rPr lang="en-US" altLang="zh-CN" dirty="0" smtClean="0"/>
+          </a:p>
+          <a:p>
+            <a:r>
+              <a:rPr lang="en-US" altLang="zh-CN" dirty="0"/>
               <a:t>Storage Organization</a:t>
             </a:r>
           </a:p>
           <a:p>
             <a:r>
               <a:rPr lang="en-US" altLang="zh-CN" dirty="0"/>
-              <a:t>Stack Allocation of </a:t>
-            </a:r>
-            <a:r>
-              <a:rPr lang="en-US" altLang="zh-CN" dirty="0" smtClean="0"/>
-              <a:t>Space</a:t>
+              <a:t>Stack Allocation of Space</a:t>
             </a:r>
           </a:p>
           <a:p>
             <a:r>
               <a:rPr lang="en-US" altLang="zh-CN" dirty="0"/>
-              <a:t>Fully Static Runtime </a:t>
-            </a:r>
-            <a:r>
-              <a:rPr lang="en-US" altLang="zh-CN" dirty="0" smtClean="0"/>
-              <a:t>Environments</a:t>
+              <a:t>Fully Static Runtime Environments</a:t>
             </a:r>
           </a:p>
           <a:p>
             <a:r>
               <a:rPr lang="en-US" altLang="zh-CN" dirty="0"/>
-              <a:t>Stack-Based Runtime </a:t>
-            </a:r>
-            <a:r>
-              <a:rPr lang="en-US" altLang="zh-CN" dirty="0" smtClean="0"/>
-              <a:t>Environments</a:t>
+              <a:t>Stack-Based Runtime Environments</a:t>
             </a:r>
           </a:p>
           <a:p>
@@ -11402,7 +11217,6 @@
               <a:rPr lang="en-US" altLang="zh-CN" dirty="0"/>
               <a:t>Dynamic Memory</a:t>
             </a:r>
-            <a:endParaRPr lang="en-US" altLang="zh-CN" dirty="0" smtClean="0"/>
           </a:p>
           <a:p>
             <a:endParaRPr lang="en-US" altLang="zh-CN" dirty="0"/>
@@ -11494,7 +11308,7 @@
           <a:lstStyle/>
           <a:p>
             <a:r>
-              <a:rPr lang="en-US" altLang="zh-CN" dirty="0" smtClean="0"/>
+              <a:rPr lang="en-US" altLang="zh-CN" dirty="0"/>
               <a:t>8.1 Symbol Table</a:t>
             </a:r>
             <a:endParaRPr lang="zh-CN" altLang="en-US" dirty="0"/>
@@ -11531,31 +11345,7 @@
             </a:r>
             <a:r>
               <a:rPr lang="en-US" altLang="zh-CN" dirty="0"/>
-              <a:t>are data structures that are used by compilers to hold </a:t>
-            </a:r>
-            <a:r>
-              <a:rPr lang="en-US" altLang="zh-CN" dirty="0" smtClean="0"/>
-              <a:t>information about </a:t>
-            </a:r>
-            <a:r>
-              <a:rPr lang="en-US" altLang="zh-CN" dirty="0"/>
-              <a:t>source-program constructs. The information is collected incrementally </a:t>
-            </a:r>
-            <a:r>
-              <a:rPr lang="en-US" altLang="zh-CN" dirty="0" smtClean="0"/>
-              <a:t>by the </a:t>
-            </a:r>
-            <a:r>
-              <a:rPr lang="en-US" altLang="zh-CN" dirty="0"/>
-              <a:t>analysis phases of a compiler and used by the synthesis phases to </a:t>
-            </a:r>
-            <a:r>
-              <a:rPr lang="en-US" altLang="zh-CN" dirty="0" smtClean="0"/>
-              <a:t>generate the </a:t>
-            </a:r>
-            <a:r>
-              <a:rPr lang="en-US" altLang="zh-CN" dirty="0"/>
-              <a:t>target code.</a:t>
+              <a:t>are data structures that are used by compilers to hold information about source-program constructs. The information is collected incrementally by the analysis phases of a compiler and used by the synthesis phases to generate the target code.</a:t>
             </a:r>
             <a:endParaRPr lang="zh-CN" altLang="en-US" dirty="0"/>
           </a:p>
@@ -11726,12 +11516,8 @@
           <a:lstStyle/>
           <a:p>
             <a:r>
-              <a:rPr lang="en-US" altLang="zh-CN" b="1" dirty="0" smtClean="0"/>
-              <a:t>Symbol Table is NOT a part of run-time environments but can provide information to create run-time environments</a:t>
-            </a:r>
-            <a:r>
               <a:rPr lang="en-US" altLang="zh-CN" b="1" dirty="0"/>
-              <a:t>.</a:t>
+              <a:t>Symbol Table is NOT a part of run-time environments but can provide information to create run-time environments.</a:t>
             </a:r>
             <a:endParaRPr lang="zh-CN" altLang="en-US" b="1" dirty="0"/>
           </a:p>
@@ -11796,11 +11582,7 @@
           <a:p>
             <a:r>
               <a:rPr lang="en-US" altLang="zh-CN" dirty="0"/>
-              <a:t>8.1 Symbol </a:t>
-            </a:r>
-            <a:r>
-              <a:rPr lang="en-US" altLang="zh-CN" dirty="0" smtClean="0"/>
-              <a:t>Table-Structure</a:t>
+              <a:t>8.1 Symbol Table-Structure</a:t>
             </a:r>
             <a:endParaRPr lang="zh-CN" altLang="en-US" dirty="0"/>
           </a:p>
@@ -11831,10 +11613,34 @@
                 <a:tableStyleId>{5940675A-B579-460E-94D1-54222C63F5DA}</a:tableStyleId>
               </a:tblPr>
               <a:tblGrid>
-                <a:gridCol w="1524000"/>
-                <a:gridCol w="1524000"/>
-                <a:gridCol w="1524000"/>
-                <a:gridCol w="1524000"/>
+                <a:gridCol w="1524000">
+                  <a:extLst>
+                    <a:ext uri="{9D8B030D-6E8A-4147-A177-3AD203B41FA5}">
+                      <a16:colId xmlns:a16="http://schemas.microsoft.com/office/drawing/2014/main" val="20000"/>
+                    </a:ext>
+                  </a:extLst>
+                </a:gridCol>
+                <a:gridCol w="1524000">
+                  <a:extLst>
+                    <a:ext uri="{9D8B030D-6E8A-4147-A177-3AD203B41FA5}">
+                      <a16:colId xmlns:a16="http://schemas.microsoft.com/office/drawing/2014/main" val="20001"/>
+                    </a:ext>
+                  </a:extLst>
+                </a:gridCol>
+                <a:gridCol w="1524000">
+                  <a:extLst>
+                    <a:ext uri="{9D8B030D-6E8A-4147-A177-3AD203B41FA5}">
+                      <a16:colId xmlns:a16="http://schemas.microsoft.com/office/drawing/2014/main" val="20002"/>
+                    </a:ext>
+                  </a:extLst>
+                </a:gridCol>
+                <a:gridCol w="1524000">
+                  <a:extLst>
+                    <a:ext uri="{9D8B030D-6E8A-4147-A177-3AD203B41FA5}">
+                      <a16:colId xmlns:a16="http://schemas.microsoft.com/office/drawing/2014/main" val="20003"/>
+                    </a:ext>
+                  </a:extLst>
+                </a:gridCol>
               </a:tblGrid>
               <a:tr h="370840">
                 <a:tc rowSpan="2">
@@ -11844,7 +11650,7 @@
                     <a:p>
                       <a:pPr algn="ctr"/>
                       <a:r>
-                        <a:rPr lang="en-US" altLang="zh-CN" b="1" dirty="0" smtClean="0"/>
+                        <a:rPr lang="en-US" altLang="zh-CN" b="1" dirty="0"/>
                         <a:t>NAME</a:t>
                       </a:r>
                       <a:endParaRPr lang="zh-CN" altLang="en-US" b="1" dirty="0"/>
@@ -11859,7 +11665,7 @@
                     <a:p>
                       <a:pPr algn="ctr"/>
                       <a:r>
-                        <a:rPr lang="en-US" altLang="zh-CN" dirty="0" smtClean="0"/>
+                        <a:rPr lang="en-US" altLang="zh-CN" dirty="0"/>
                         <a:t>INFORMATION</a:t>
                       </a:r>
                       <a:endParaRPr lang="zh-CN" altLang="en-US" dirty="0"/>
@@ -11887,6 +11693,11 @@
                   </a:txBody>
                   <a:tcPr/>
                 </a:tc>
+                <a:extLst>
+                  <a:ext uri="{0D108BD9-81ED-4DB2-BD59-A6C34878D82A}">
+                    <a16:rowId xmlns:a16="http://schemas.microsoft.com/office/drawing/2014/main" val="10000"/>
+                  </a:ext>
+                </a:extLst>
               </a:tr>
               <a:tr h="370840">
                 <a:tc vMerge="1">
@@ -11895,7 +11706,7 @@
                     <a:lstStyle/>
                     <a:p>
                       <a:pPr algn="l"/>
-                      <a:endParaRPr lang="en-US" altLang="zh-CN" dirty="0" smtClean="0"/>
+                      <a:endParaRPr lang="en-US" altLang="zh-CN" dirty="0"/>
                     </a:p>
                   </a:txBody>
                   <a:tcPr anchor="ctr"/>
@@ -11907,7 +11718,7 @@
                     <a:p>
                       <a:pPr algn="ctr"/>
                       <a:r>
-                        <a:rPr lang="en-US" altLang="zh-CN" dirty="0" smtClean="0"/>
+                        <a:rPr lang="en-US" altLang="zh-CN" dirty="0"/>
                         <a:t>Category</a:t>
                       </a:r>
                       <a:endParaRPr lang="zh-CN" altLang="en-US" dirty="0"/>
@@ -11922,7 +11733,7 @@
                     <a:p>
                       <a:pPr algn="ctr"/>
                       <a:r>
-                        <a:rPr lang="en-US" altLang="zh-CN" dirty="0" smtClean="0"/>
+                        <a:rPr lang="en-US" altLang="zh-CN" dirty="0"/>
                         <a:t>……</a:t>
                       </a:r>
                       <a:endParaRPr lang="zh-CN" altLang="en-US" dirty="0"/>
@@ -11937,7 +11748,7 @@
                     <a:p>
                       <a:pPr algn="ctr"/>
                       <a:r>
-                        <a:rPr lang="en-US" altLang="zh-CN" dirty="0" err="1" smtClean="0"/>
+                        <a:rPr lang="en-US" altLang="zh-CN" dirty="0" err="1"/>
                         <a:t>addr</a:t>
                       </a:r>
                       <a:endParaRPr lang="zh-CN" altLang="en-US" dirty="0"/>
@@ -11945,6 +11756,11 @@
                   </a:txBody>
                   <a:tcPr anchor="ctr"/>
                 </a:tc>
+                <a:extLst>
+                  <a:ext uri="{0D108BD9-81ED-4DB2-BD59-A6C34878D82A}">
+                    <a16:rowId xmlns:a16="http://schemas.microsoft.com/office/drawing/2014/main" val="10001"/>
+                  </a:ext>
+                </a:extLst>
               </a:tr>
               <a:tr h="370840">
                 <a:tc>
@@ -11954,7 +11770,7 @@
                     <a:p>
                       <a:pPr algn="l"/>
                       <a:r>
-                        <a:rPr lang="en-US" altLang="zh-CN" dirty="0" smtClean="0"/>
+                        <a:rPr lang="en-US" altLang="zh-CN" dirty="0"/>
                         <a:t>     , 6</a:t>
                       </a:r>
                       <a:endParaRPr lang="zh-CN" altLang="en-US" dirty="0"/>
@@ -11992,6 +11808,11 @@
                   </a:txBody>
                   <a:tcPr/>
                 </a:tc>
+                <a:extLst>
+                  <a:ext uri="{0D108BD9-81ED-4DB2-BD59-A6C34878D82A}">
+                    <a16:rowId xmlns:a16="http://schemas.microsoft.com/office/drawing/2014/main" val="10002"/>
+                  </a:ext>
+                </a:extLst>
               </a:tr>
               <a:tr h="370840">
                 <a:tc>
@@ -12001,7 +11822,7 @@
                     <a:p>
                       <a:pPr algn="l"/>
                       <a:r>
-                        <a:rPr lang="en-US" altLang="zh-CN" dirty="0" smtClean="0"/>
+                        <a:rPr lang="en-US" altLang="zh-CN" dirty="0"/>
                         <a:t>     , 4</a:t>
                       </a:r>
                       <a:endParaRPr lang="zh-CN" altLang="en-US" dirty="0"/>
@@ -12039,6 +11860,11 @@
                   </a:txBody>
                   <a:tcPr/>
                 </a:tc>
+                <a:extLst>
+                  <a:ext uri="{0D108BD9-81ED-4DB2-BD59-A6C34878D82A}">
+                    <a16:rowId xmlns:a16="http://schemas.microsoft.com/office/drawing/2014/main" val="10003"/>
+                  </a:ext>
+                </a:extLst>
               </a:tr>
               <a:tr h="324313">
                 <a:tc>
@@ -12048,7 +11874,7 @@
                     <a:p>
                       <a:pPr algn="l"/>
                       <a:r>
-                        <a:rPr lang="en-US" altLang="zh-CN" dirty="0" smtClean="0"/>
+                        <a:rPr lang="en-US" altLang="zh-CN" dirty="0"/>
                         <a:t>     , 1</a:t>
                       </a:r>
                       <a:endParaRPr lang="zh-CN" altLang="en-US" dirty="0"/>
@@ -12062,11 +11888,11 @@
                     <a:lstStyle/>
                     <a:p>
                       <a:r>
-                        <a:rPr lang="en-US" altLang="zh-CN" dirty="0" smtClean="0"/>
+                        <a:rPr lang="en-US" altLang="zh-CN" dirty="0"/>
                         <a:t>      array            ……</a:t>
                       </a:r>
                       <a:r>
-                        <a:rPr lang="en-US" altLang="zh-CN" baseline="0" dirty="0" smtClean="0"/>
+                        <a:rPr lang="en-US" altLang="zh-CN" baseline="0" dirty="0"/>
                         <a:t>                </a:t>
                       </a:r>
                       <a:endParaRPr lang="zh-CN" altLang="en-US" dirty="0"/>
@@ -12094,6 +11920,11 @@
                   </a:txBody>
                   <a:tcPr/>
                 </a:tc>
+                <a:extLst>
+                  <a:ext uri="{0D108BD9-81ED-4DB2-BD59-A6C34878D82A}">
+                    <a16:rowId xmlns:a16="http://schemas.microsoft.com/office/drawing/2014/main" val="10004"/>
+                  </a:ext>
+                </a:extLst>
               </a:tr>
             </a:tbl>
           </a:graphicData>
@@ -12124,21 +11955,111 @@
                 <a:tableStyleId>{5940675A-B579-460E-94D1-54222C63F5DA}</a:tableStyleId>
               </a:tblPr>
               <a:tblGrid>
-                <a:gridCol w="208280"/>
-                <a:gridCol w="208280"/>
-                <a:gridCol w="208280"/>
-                <a:gridCol w="208280"/>
-                <a:gridCol w="208280"/>
-                <a:gridCol w="208280"/>
-                <a:gridCol w="208280"/>
-                <a:gridCol w="208280"/>
-                <a:gridCol w="208280"/>
-                <a:gridCol w="208280"/>
-                <a:gridCol w="208280"/>
-                <a:gridCol w="208280"/>
-                <a:gridCol w="208280"/>
-                <a:gridCol w="208280"/>
-                <a:gridCol w="208280"/>
+                <a:gridCol w="208280">
+                  <a:extLst>
+                    <a:ext uri="{9D8B030D-6E8A-4147-A177-3AD203B41FA5}">
+                      <a16:colId xmlns:a16="http://schemas.microsoft.com/office/drawing/2014/main" val="20000"/>
+                    </a:ext>
+                  </a:extLst>
+                </a:gridCol>
+                <a:gridCol w="208280">
+                  <a:extLst>
+                    <a:ext uri="{9D8B030D-6E8A-4147-A177-3AD203B41FA5}">
+                      <a16:colId xmlns:a16="http://schemas.microsoft.com/office/drawing/2014/main" val="20001"/>
+                    </a:ext>
+                  </a:extLst>
+                </a:gridCol>
+                <a:gridCol w="208280">
+                  <a:extLst>
+                    <a:ext uri="{9D8B030D-6E8A-4147-A177-3AD203B41FA5}">
+                      <a16:colId xmlns:a16="http://schemas.microsoft.com/office/drawing/2014/main" val="20002"/>
+                    </a:ext>
+                  </a:extLst>
+                </a:gridCol>
+                <a:gridCol w="208280">
+                  <a:extLst>
+                    <a:ext uri="{9D8B030D-6E8A-4147-A177-3AD203B41FA5}">
+                      <a16:colId xmlns:a16="http://schemas.microsoft.com/office/drawing/2014/main" val="20003"/>
+                    </a:ext>
+                  </a:extLst>
+                </a:gridCol>
+                <a:gridCol w="208280">
+                  <a:extLst>
+                    <a:ext uri="{9D8B030D-6E8A-4147-A177-3AD203B41FA5}">
+                      <a16:colId xmlns:a16="http://schemas.microsoft.com/office/drawing/2014/main" val="20004"/>
+                    </a:ext>
+                  </a:extLst>
+                </a:gridCol>
+                <a:gridCol w="208280">
+                  <a:extLst>
+                    <a:ext uri="{9D8B030D-6E8A-4147-A177-3AD203B41FA5}">
+                      <a16:colId xmlns:a16="http://schemas.microsoft.com/office/drawing/2014/main" val="20005"/>
+                    </a:ext>
+                  </a:extLst>
+                </a:gridCol>
+                <a:gridCol w="208280">
+                  <a:extLst>
+                    <a:ext uri="{9D8B030D-6E8A-4147-A177-3AD203B41FA5}">
+                      <a16:colId xmlns:a16="http://schemas.microsoft.com/office/drawing/2014/main" val="20006"/>
+                    </a:ext>
+                  </a:extLst>
+                </a:gridCol>
+                <a:gridCol w="208280">
+                  <a:extLst>
+                    <a:ext uri="{9D8B030D-6E8A-4147-A177-3AD203B41FA5}">
+                      <a16:colId xmlns:a16="http://schemas.microsoft.com/office/drawing/2014/main" val="20007"/>
+                    </a:ext>
+                  </a:extLst>
+                </a:gridCol>
+                <a:gridCol w="208280">
+                  <a:extLst>
+                    <a:ext uri="{9D8B030D-6E8A-4147-A177-3AD203B41FA5}">
+                      <a16:colId xmlns:a16="http://schemas.microsoft.com/office/drawing/2014/main" val="20008"/>
+                    </a:ext>
+                  </a:extLst>
+                </a:gridCol>
+                <a:gridCol w="208280">
+                  <a:extLst>
+                    <a:ext uri="{9D8B030D-6E8A-4147-A177-3AD203B41FA5}">
+                      <a16:colId xmlns:a16="http://schemas.microsoft.com/office/drawing/2014/main" val="20009"/>
+                    </a:ext>
+                  </a:extLst>
+                </a:gridCol>
+                <a:gridCol w="208280">
+                  <a:extLst>
+                    <a:ext uri="{9D8B030D-6E8A-4147-A177-3AD203B41FA5}">
+                      <a16:colId xmlns:a16="http://schemas.microsoft.com/office/drawing/2014/main" val="20010"/>
+                    </a:ext>
+                  </a:extLst>
+                </a:gridCol>
+                <a:gridCol w="208280">
+                  <a:extLst>
+                    <a:ext uri="{9D8B030D-6E8A-4147-A177-3AD203B41FA5}">
+                      <a16:colId xmlns:a16="http://schemas.microsoft.com/office/drawing/2014/main" val="20011"/>
+                    </a:ext>
+                  </a:extLst>
+                </a:gridCol>
+                <a:gridCol w="208280">
+                  <a:extLst>
+                    <a:ext uri="{9D8B030D-6E8A-4147-A177-3AD203B41FA5}">
+                      <a16:colId xmlns:a16="http://schemas.microsoft.com/office/drawing/2014/main" val="20012"/>
+                    </a:ext>
+                  </a:extLst>
+                </a:gridCol>
+                <a:gridCol w="208280">
+                  <a:extLst>
+                    <a:ext uri="{9D8B030D-6E8A-4147-A177-3AD203B41FA5}">
+                      <a16:colId xmlns:a16="http://schemas.microsoft.com/office/drawing/2014/main" val="20013"/>
+                    </a:ext>
+                  </a:extLst>
+                </a:gridCol>
+                <a:gridCol w="208280">
+                  <a:extLst>
+                    <a:ext uri="{9D8B030D-6E8A-4147-A177-3AD203B41FA5}">
+                      <a16:colId xmlns:a16="http://schemas.microsoft.com/office/drawing/2014/main" val="20014"/>
+                    </a:ext>
+                  </a:extLst>
+                </a:gridCol>
               </a:tblGrid>
               <a:tr h="370840">
                 <a:tc>
@@ -12148,7 +12069,7 @@
                     <a:p>
                       <a:pPr algn="ctr"/>
                       <a:r>
-                        <a:rPr lang="en-US" altLang="zh-CN" dirty="0" smtClean="0"/>
+                        <a:rPr lang="en-US" altLang="zh-CN" dirty="0"/>
                         <a:t>…</a:t>
                       </a:r>
                       <a:endParaRPr lang="zh-CN" altLang="en-US" dirty="0"/>
@@ -12163,7 +12084,7 @@
                     <a:p>
                       <a:pPr algn="ctr"/>
                       <a:r>
-                        <a:rPr lang="en-US" altLang="zh-CN" dirty="0" smtClean="0"/>
+                        <a:rPr lang="en-US" altLang="zh-CN" dirty="0"/>
                         <a:t>S</a:t>
                       </a:r>
                       <a:endParaRPr lang="zh-CN" altLang="en-US" dirty="0"/>
@@ -12178,7 +12099,7 @@
                     <a:p>
                       <a:pPr algn="ctr"/>
                       <a:r>
-                        <a:rPr lang="en-US" altLang="zh-CN" dirty="0" smtClean="0"/>
+                        <a:rPr lang="en-US" altLang="zh-CN" dirty="0"/>
                         <a:t>a</a:t>
                       </a:r>
                       <a:endParaRPr lang="zh-CN" altLang="en-US" dirty="0"/>
@@ -12193,7 +12114,7 @@
                     <a:p>
                       <a:pPr algn="ctr"/>
                       <a:r>
-                        <a:rPr lang="en-US" altLang="zh-CN" dirty="0" smtClean="0"/>
+                        <a:rPr lang="en-US" altLang="zh-CN" dirty="0"/>
                         <a:t>m</a:t>
                       </a:r>
                       <a:endParaRPr lang="zh-CN" altLang="en-US" dirty="0"/>
@@ -12208,7 +12129,7 @@
                     <a:p>
                       <a:pPr algn="ctr"/>
                       <a:r>
-                        <a:rPr lang="en-US" altLang="zh-CN" dirty="0" smtClean="0"/>
+                        <a:rPr lang="en-US" altLang="zh-CN" dirty="0"/>
                         <a:t>p</a:t>
                       </a:r>
                       <a:endParaRPr lang="zh-CN" altLang="en-US" dirty="0"/>
@@ -12223,7 +12144,7 @@
                     <a:p>
                       <a:pPr algn="ctr"/>
                       <a:r>
-                        <a:rPr lang="en-US" altLang="zh-CN" dirty="0" smtClean="0"/>
+                        <a:rPr lang="en-US" altLang="zh-CN" dirty="0"/>
                         <a:t>l</a:t>
                       </a:r>
                       <a:endParaRPr lang="zh-CN" altLang="en-US" dirty="0"/>
@@ -12238,7 +12159,7 @@
                     <a:p>
                       <a:pPr algn="ctr"/>
                       <a:r>
-                        <a:rPr lang="en-US" altLang="zh-CN" dirty="0" smtClean="0"/>
+                        <a:rPr lang="en-US" altLang="zh-CN" dirty="0"/>
                         <a:t>e</a:t>
                       </a:r>
                       <a:endParaRPr lang="zh-CN" altLang="en-US" dirty="0"/>
@@ -12253,7 +12174,7 @@
                     <a:p>
                       <a:pPr algn="ctr"/>
                       <a:r>
-                        <a:rPr lang="en-US" altLang="zh-CN" dirty="0" smtClean="0"/>
+                        <a:rPr lang="en-US" altLang="zh-CN" dirty="0"/>
                         <a:t>L</a:t>
                       </a:r>
                       <a:endParaRPr lang="zh-CN" altLang="en-US" dirty="0"/>
@@ -12268,7 +12189,7 @@
                     <a:p>
                       <a:pPr algn="ctr"/>
                       <a:r>
-                        <a:rPr lang="en-US" altLang="zh-CN" dirty="0" smtClean="0"/>
+                        <a:rPr lang="en-US" altLang="zh-CN" dirty="0"/>
                         <a:t>e</a:t>
                       </a:r>
                       <a:endParaRPr lang="zh-CN" altLang="en-US" dirty="0"/>
@@ -12283,7 +12204,7 @@
                     <a:p>
                       <a:pPr algn="ctr"/>
                       <a:r>
-                        <a:rPr lang="en-US" altLang="zh-CN" dirty="0" smtClean="0"/>
+                        <a:rPr lang="en-US" altLang="zh-CN" dirty="0"/>
                         <a:t>n</a:t>
                       </a:r>
                       <a:endParaRPr lang="zh-CN" altLang="en-US" dirty="0"/>
@@ -12298,7 +12219,7 @@
                     <a:p>
                       <a:pPr algn="ctr"/>
                       <a:r>
-                        <a:rPr lang="en-US" altLang="zh-CN" dirty="0" smtClean="0"/>
+                        <a:rPr lang="en-US" altLang="zh-CN" dirty="0"/>
                         <a:t>…</a:t>
                       </a:r>
                       <a:endParaRPr lang="zh-CN" altLang="en-US" dirty="0"/>
@@ -12313,7 +12234,7 @@
                     <a:p>
                       <a:pPr algn="ctr"/>
                       <a:r>
-                        <a:rPr lang="en-US" altLang="zh-CN" dirty="0" smtClean="0"/>
+                        <a:rPr lang="en-US" altLang="zh-CN" dirty="0"/>
                         <a:t>a</a:t>
                       </a:r>
                       <a:endParaRPr lang="zh-CN" altLang="en-US" dirty="0"/>
@@ -12328,7 +12249,7 @@
                     <a:p>
                       <a:pPr algn="ctr"/>
                       <a:r>
-                        <a:rPr lang="en-US" altLang="zh-CN" dirty="0" smtClean="0"/>
+                        <a:rPr lang="en-US" altLang="zh-CN" dirty="0"/>
                         <a:t>…</a:t>
                       </a:r>
                       <a:endParaRPr lang="zh-CN" altLang="en-US" dirty="0"/>
@@ -12358,6 +12279,11 @@
                   </a:txBody>
                   <a:tcPr anchor="ctr"/>
                 </a:tc>
+                <a:extLst>
+                  <a:ext uri="{0D108BD9-81ED-4DB2-BD59-A6C34878D82A}">
+                    <a16:rowId xmlns:a16="http://schemas.microsoft.com/office/drawing/2014/main" val="10000"/>
+                  </a:ext>
+                </a:extLst>
               </a:tr>
             </a:tbl>
           </a:graphicData>
@@ -12683,7 +12609,7 @@
         </p:nvGraphicFramePr>
         <p:xfrm>
           <a:off x="4691639" y="4541855"/>
-          <a:ext cx="3273040" cy="1112520"/>
+          <a:ext cx="3273040" cy="1244600"/>
         </p:xfrm>
         <a:graphic>
           <a:graphicData uri="http://schemas.openxmlformats.org/drawingml/2006/table">
@@ -12692,10 +12618,34 @@
                 <a:tableStyleId>{5940675A-B579-460E-94D1-54222C63F5DA}</a:tableStyleId>
               </a:tblPr>
               <a:tblGrid>
-                <a:gridCol w="818260"/>
-                <a:gridCol w="818260"/>
-                <a:gridCol w="818260"/>
-                <a:gridCol w="818260"/>
+                <a:gridCol w="818260">
+                  <a:extLst>
+                    <a:ext uri="{9D8B030D-6E8A-4147-A177-3AD203B41FA5}">
+                      <a16:colId xmlns:a16="http://schemas.microsoft.com/office/drawing/2014/main" val="20000"/>
+                    </a:ext>
+                  </a:extLst>
+                </a:gridCol>
+                <a:gridCol w="818260">
+                  <a:extLst>
+                    <a:ext uri="{9D8B030D-6E8A-4147-A177-3AD203B41FA5}">
+                      <a16:colId xmlns:a16="http://schemas.microsoft.com/office/drawing/2014/main" val="20001"/>
+                    </a:ext>
+                  </a:extLst>
+                </a:gridCol>
+                <a:gridCol w="818260">
+                  <a:extLst>
+                    <a:ext uri="{9D8B030D-6E8A-4147-A177-3AD203B41FA5}">
+                      <a16:colId xmlns:a16="http://schemas.microsoft.com/office/drawing/2014/main" val="20002"/>
+                    </a:ext>
+                  </a:extLst>
+                </a:gridCol>
+                <a:gridCol w="818260">
+                  <a:extLst>
+                    <a:ext uri="{9D8B030D-6E8A-4147-A177-3AD203B41FA5}">
+                      <a16:colId xmlns:a16="http://schemas.microsoft.com/office/drawing/2014/main" val="20003"/>
+                    </a:ext>
+                  </a:extLst>
+                </a:gridCol>
               </a:tblGrid>
               <a:tr h="370840">
                 <a:tc gridSpan="2">
@@ -12705,7 +12655,7 @@
                     <a:p>
                       <a:pPr algn="ctr"/>
                       <a:r>
-                        <a:rPr lang="en-US" altLang="zh-CN" dirty="0" smtClean="0"/>
+                        <a:rPr lang="en-US" altLang="zh-CN" dirty="0"/>
                         <a:t>Dimension</a:t>
                       </a:r>
                       <a:endParaRPr lang="zh-CN" altLang="en-US" dirty="0"/>
@@ -12730,11 +12680,11 @@
                     <a:p>
                       <a:pPr algn="ctr"/>
                       <a:r>
-                        <a:rPr lang="en-US" altLang="zh-CN" dirty="0" smtClean="0"/>
+                        <a:rPr lang="en-US" altLang="zh-CN" dirty="0"/>
                         <a:t>First </a:t>
                       </a:r>
                       <a:r>
-                        <a:rPr lang="en-US" altLang="zh-CN" dirty="0" err="1" smtClean="0"/>
+                        <a:rPr lang="en-US" altLang="zh-CN" dirty="0" err="1"/>
                         <a:t>Addr</a:t>
                       </a:r>
                       <a:endParaRPr lang="zh-CN" altLang="en-US" dirty="0"/>
@@ -12752,6 +12702,11 @@
                   </a:txBody>
                   <a:tcPr/>
                 </a:tc>
+                <a:extLst>
+                  <a:ext uri="{0D108BD9-81ED-4DB2-BD59-A6C34878D82A}">
+                    <a16:rowId xmlns:a16="http://schemas.microsoft.com/office/drawing/2014/main" val="10000"/>
+                  </a:ext>
+                </a:extLst>
               </a:tr>
               <a:tr h="370840">
                 <a:tc>
@@ -12761,7 +12716,7 @@
                     <a:p>
                       <a:pPr algn="ctr"/>
                       <a:r>
-                        <a:rPr lang="en-US" altLang="zh-CN" dirty="0" smtClean="0"/>
+                        <a:rPr lang="en-US" altLang="zh-CN" dirty="0"/>
                         <a:t>Upper 1</a:t>
                       </a:r>
                       <a:endParaRPr lang="zh-CN" altLang="en-US" dirty="0"/>
@@ -12776,11 +12731,11 @@
                     <a:p>
                       <a:pPr algn="ctr"/>
                       <a:r>
-                        <a:rPr lang="en-US" altLang="zh-CN" dirty="0" smtClean="0"/>
+                        <a:rPr lang="en-US" altLang="zh-CN" dirty="0"/>
                         <a:t>Upper</a:t>
                       </a:r>
                       <a:r>
-                        <a:rPr lang="en-US" altLang="zh-CN" baseline="0" dirty="0" smtClean="0"/>
+                        <a:rPr lang="en-US" altLang="zh-CN" baseline="0" dirty="0"/>
                         <a:t> 2</a:t>
                       </a:r>
                       <a:endParaRPr lang="zh-CN" altLang="en-US" dirty="0"/>
@@ -12795,7 +12750,7 @@
                     <a:p>
                       <a:pPr algn="ctr"/>
                       <a:r>
-                        <a:rPr lang="en-US" altLang="zh-CN" dirty="0" smtClean="0"/>
+                        <a:rPr lang="en-US" altLang="zh-CN" dirty="0"/>
                         <a:t>…</a:t>
                       </a:r>
                       <a:endParaRPr lang="zh-CN" altLang="en-US" dirty="0"/>
@@ -12810,11 +12765,11 @@
                     <a:p>
                       <a:pPr algn="ctr"/>
                       <a:r>
-                        <a:rPr lang="en-US" altLang="zh-CN" dirty="0" smtClean="0"/>
+                        <a:rPr lang="en-US" altLang="zh-CN" dirty="0"/>
                         <a:t>Upper</a:t>
                       </a:r>
                       <a:r>
-                        <a:rPr lang="en-US" altLang="zh-CN" baseline="0" dirty="0" smtClean="0"/>
+                        <a:rPr lang="en-US" altLang="zh-CN" baseline="0" dirty="0"/>
                         <a:t> N</a:t>
                       </a:r>
                       <a:endParaRPr lang="zh-CN" altLang="en-US" dirty="0"/>
@@ -12822,6 +12777,11 @@
                   </a:txBody>
                   <a:tcPr anchor="ctr"/>
                 </a:tc>
+                <a:extLst>
+                  <a:ext uri="{0D108BD9-81ED-4DB2-BD59-A6C34878D82A}">
+                    <a16:rowId xmlns:a16="http://schemas.microsoft.com/office/drawing/2014/main" val="10001"/>
+                  </a:ext>
+                </a:extLst>
               </a:tr>
               <a:tr h="370840">
                 <a:tc>
@@ -12831,7 +12791,7 @@
                     <a:p>
                       <a:pPr algn="ctr"/>
                       <a:r>
-                        <a:rPr lang="en-US" altLang="zh-CN" dirty="0" smtClean="0"/>
+                        <a:rPr lang="en-US" altLang="zh-CN" dirty="0"/>
                         <a:t>Lower 1</a:t>
                       </a:r>
                       <a:endParaRPr lang="zh-CN" altLang="en-US" dirty="0"/>
@@ -12846,7 +12806,7 @@
                     <a:p>
                       <a:pPr algn="ctr"/>
                       <a:r>
-                        <a:rPr lang="en-US" altLang="zh-CN" dirty="0" smtClean="0"/>
+                        <a:rPr lang="en-US" altLang="zh-CN" dirty="0"/>
                         <a:t>Lower 2</a:t>
                       </a:r>
                       <a:endParaRPr lang="zh-CN" altLang="en-US" dirty="0"/>
@@ -12861,7 +12821,7 @@
                     <a:p>
                       <a:pPr algn="ctr"/>
                       <a:r>
-                        <a:rPr lang="en-US" altLang="zh-CN" dirty="0" smtClean="0"/>
+                        <a:rPr lang="en-US" altLang="zh-CN" dirty="0"/>
                         <a:t>…</a:t>
                       </a:r>
                       <a:endParaRPr lang="zh-CN" altLang="en-US" dirty="0"/>
@@ -12876,7 +12836,7 @@
                     <a:p>
                       <a:pPr algn="ctr"/>
                       <a:r>
-                        <a:rPr lang="en-US" altLang="zh-CN" dirty="0" smtClean="0"/>
+                        <a:rPr lang="en-US" altLang="zh-CN" dirty="0"/>
                         <a:t>Lower N</a:t>
                       </a:r>
                       <a:endParaRPr lang="zh-CN" altLang="en-US" dirty="0"/>
@@ -12884,6 +12844,11 @@
                   </a:txBody>
                   <a:tcPr anchor="ctr"/>
                 </a:tc>
+                <a:extLst>
+                  <a:ext uri="{0D108BD9-81ED-4DB2-BD59-A6C34878D82A}">
+                    <a16:rowId xmlns:a16="http://schemas.microsoft.com/office/drawing/2014/main" val="10002"/>
+                  </a:ext>
+                </a:extLst>
               </a:tr>
             </a:tbl>
           </a:graphicData>
@@ -12912,7 +12877,7 @@
           <a:lstStyle/>
           <a:p>
             <a:r>
-              <a:rPr lang="en-US" altLang="zh-CN" b="1" dirty="0" smtClean="0"/>
+              <a:rPr lang="en-US" altLang="zh-CN" b="1" dirty="0"/>
               <a:t>Symbol Table </a:t>
             </a:r>
             <a:endParaRPr lang="zh-CN" altLang="en-US" b="1" dirty="0"/>
@@ -13227,11 +13192,7 @@
             </a:r>
             <a:r>
               <a:rPr lang="en-US" altLang="zh-CN" dirty="0"/>
-              <a:t>' really refers to the scope of a particular </a:t>
-            </a:r>
-            <a:r>
-              <a:rPr lang="en-US" altLang="zh-CN" dirty="0" smtClean="0"/>
-              <a:t>declaration of </a:t>
+              <a:t>' really refers to the scope of a particular declaration of </a:t>
             </a:r>
             <a:r>
               <a:rPr lang="en-US" altLang="zh-CN" i="1" dirty="0"/>
@@ -13239,37 +13200,13 @@
             </a:r>
             <a:r>
               <a:rPr lang="en-US" altLang="zh-CN" dirty="0"/>
-              <a:t>. The term scope by itself refers to a portion of a program that </a:t>
-            </a:r>
-            <a:r>
-              <a:rPr lang="en-US" altLang="zh-CN" dirty="0" smtClean="0"/>
-              <a:t>is the </a:t>
-            </a:r>
+              <a:t>. The term scope by itself refers to a portion of a program that is the scope of one or more declarations.</a:t>
+            </a:r>
+          </a:p>
+          <a:p>
             <a:r>
               <a:rPr lang="en-US" altLang="zh-CN" dirty="0"/>
-              <a:t>scope of one or more </a:t>
-            </a:r>
-            <a:r>
-              <a:rPr lang="en-US" altLang="zh-CN" dirty="0" smtClean="0"/>
-              <a:t>declarations.</a:t>
-            </a:r>
-          </a:p>
-          <a:p>
-            <a:r>
-              <a:rPr lang="en-US" altLang="zh-CN" dirty="0" smtClean="0"/>
-              <a:t>Scopes </a:t>
-            </a:r>
-            <a:r>
-              <a:rPr lang="en-US" altLang="zh-CN" dirty="0"/>
-              <a:t>are important, because the same identifier can be declared for </a:t>
-            </a:r>
-            <a:r>
-              <a:rPr lang="en-US" altLang="zh-CN" dirty="0" smtClean="0"/>
-              <a:t>different purposes </a:t>
-            </a:r>
-            <a:r>
-              <a:rPr lang="en-US" altLang="zh-CN" dirty="0"/>
-              <a:t>in different parts of a program. Common names like </a:t>
+              <a:t>Scopes are important, because the same identifier can be declared for different purposes in different parts of a program. Common names like </a:t>
             </a:r>
             <a:r>
               <a:rPr lang="en-US" altLang="zh-CN" i="1" dirty="0" err="1"/>
@@ -13284,12 +13221,8 @@
               <a:t>x </a:t>
             </a:r>
             <a:r>
-              <a:rPr lang="en-US" altLang="zh-CN" dirty="0" smtClean="0"/>
-              <a:t>often have </a:t>
-            </a:r>
-            <a:r>
               <a:rPr lang="en-US" altLang="zh-CN" dirty="0"/>
-              <a:t>multiple uses. As another example, subclasses can </a:t>
+              <a:t>often have multiple uses. As another example, subclasses can </a:t>
             </a:r>
             <a:r>
               <a:rPr lang="en-US" altLang="zh-CN" dirty="0" err="1"/>
@@ -13297,49 +13230,21 @@
             </a:r>
             <a:r>
               <a:rPr lang="en-US" altLang="zh-CN" dirty="0"/>
-              <a:t> a </a:t>
-            </a:r>
-            <a:r>
-              <a:rPr lang="en-US" altLang="zh-CN" dirty="0" smtClean="0"/>
-              <a:t>method name </a:t>
-            </a:r>
+              <a:t> a method name to override a method in a superclass.</a:t>
+            </a:r>
+          </a:p>
+          <a:p>
             <a:r>
               <a:rPr lang="en-US" altLang="zh-CN" dirty="0"/>
-              <a:t>to override a method in a superclass</a:t>
-            </a:r>
-            <a:r>
-              <a:rPr lang="en-US" altLang="zh-CN" dirty="0" smtClean="0"/>
-              <a:t>.</a:t>
-            </a:r>
-          </a:p>
-          <a:p>
+              <a:t>If blocks can be nested, several declarations of the same identifier can appear within a single block. The following syntax results in nested blocks when </a:t>
+            </a:r>
+            <a:r>
+              <a:rPr lang="en-US" altLang="zh-CN" i="1" dirty="0" err="1"/>
+              <a:t>stmts</a:t>
+            </a:r>
             <a:r>
               <a:rPr lang="en-US" altLang="zh-CN" dirty="0"/>
-              <a:t>If blocks can be nested, several declarations of the same identifier can </a:t>
-            </a:r>
-            <a:r>
-              <a:rPr lang="en-US" altLang="zh-CN" dirty="0" smtClean="0"/>
-              <a:t>appear within </a:t>
-            </a:r>
-            <a:r>
-              <a:rPr lang="en-US" altLang="zh-CN" dirty="0"/>
-              <a:t>a single block. The following syntax results in nested blocks when </a:t>
-            </a:r>
-            <a:r>
-              <a:rPr lang="en-US" altLang="zh-CN" i="1" dirty="0" err="1" smtClean="0"/>
-              <a:t>stmts</a:t>
-            </a:r>
-            <a:r>
-              <a:rPr lang="en-US" altLang="zh-CN" dirty="0" smtClean="0"/>
-              <a:t> can </a:t>
-            </a:r>
-            <a:r>
-              <a:rPr lang="en-US" altLang="zh-CN" dirty="0"/>
-              <a:t>generate a block</a:t>
-            </a:r>
-            <a:r>
-              <a:rPr lang="en-US" altLang="zh-CN" dirty="0" smtClean="0"/>
-              <a:t>:</a:t>
+              <a:t> can generate a block:</a:t>
             </a:r>
           </a:p>
           <a:p>
@@ -13368,15 +13273,7 @@
             </a:r>
             <a:r>
               <a:rPr lang="en-US" altLang="zh-CN" dirty="0"/>
-              <a:t> is in the </a:t>
-            </a:r>
-            <a:r>
-              <a:rPr lang="en-US" altLang="zh-CN" dirty="0" smtClean="0"/>
-              <a:t>scope of </a:t>
-            </a:r>
-            <a:r>
-              <a:rPr lang="en-US" altLang="zh-CN" dirty="0"/>
-              <a:t>the most-closely nested declaration of </a:t>
+              <a:t> is in the scope of the most-closely nested declaration of </a:t>
             </a:r>
             <a:r>
               <a:rPr lang="en-US" altLang="zh-CN" i="1" dirty="0"/>
@@ -13384,15 +13281,7 @@
             </a:r>
             <a:r>
               <a:rPr lang="en-US" altLang="zh-CN" dirty="0"/>
-              <a:t>; that is, the </a:t>
-            </a:r>
-            <a:r>
-              <a:rPr lang="en-US" altLang="zh-CN" dirty="0" smtClean="0"/>
-              <a:t>declaration </a:t>
-            </a:r>
-            <a:r>
-              <a:rPr lang="en-US" altLang="zh-CN" dirty="0"/>
-              <a:t>of </a:t>
+              <a:t>; that is, the declaration of </a:t>
             </a:r>
             <a:r>
               <a:rPr lang="en-US" altLang="zh-CN" i="1" dirty="0"/>
@@ -13400,15 +13289,7 @@
             </a:r>
             <a:r>
               <a:rPr lang="en-US" altLang="zh-CN" dirty="0"/>
-              <a:t> </a:t>
-            </a:r>
-            <a:r>
-              <a:rPr lang="en-US" altLang="zh-CN" dirty="0" smtClean="0"/>
-              <a:t>found by </a:t>
-            </a:r>
-            <a:r>
-              <a:rPr lang="en-US" altLang="zh-CN" dirty="0"/>
-              <a:t>examining blocks inside-out, starting with the block in which </a:t>
+              <a:t> found by examining blocks inside-out, starting with the block in which </a:t>
             </a:r>
             <a:r>
               <a:rPr lang="en-US" altLang="zh-CN" i="1" dirty="0"/>
@@ -13418,7 +13299,6 @@
               <a:rPr lang="en-US" altLang="zh-CN" dirty="0"/>
               <a:t> appears.</a:t>
             </a:r>
-            <a:endParaRPr lang="en-US" altLang="zh-CN" dirty="0" smtClean="0"/>
           </a:p>
           <a:p>
             <a:endParaRPr lang="en-US" altLang="zh-CN" dirty="0"/>
@@ -13600,11 +13480,7 @@
           <a:p>
             <a:r>
               <a:rPr lang="en-US" altLang="zh-CN" dirty="0"/>
-              <a:t>8.1 Symbol Table Per </a:t>
-            </a:r>
-            <a:r>
-              <a:rPr lang="en-US" altLang="zh-CN" dirty="0" smtClean="0"/>
-              <a:t>Scope-Implementation</a:t>
+              <a:t>8.1 Symbol Table Per Scope-Implementation</a:t>
             </a:r>
             <a:endParaRPr lang="zh-CN" altLang="en-US" dirty="0"/>
           </a:p>
@@ -13769,14 +13645,7 @@
                 <a:latin typeface="微软雅黑" panose="020B0503020204020204" pitchFamily="34" charset="-122"/>
                 <a:ea typeface="微软雅黑" panose="020B0503020204020204" pitchFamily="34" charset="-122"/>
               </a:rPr>
-              <a:t>Put a new entry in the current table</a:t>
-            </a:r>
-            <a:r>
-              <a:rPr lang="en-US" altLang="zh-CN" dirty="0" smtClean="0">
-                <a:latin typeface="微软雅黑" panose="020B0503020204020204" pitchFamily="34" charset="-122"/>
-                <a:ea typeface="微软雅黑" panose="020B0503020204020204" pitchFamily="34" charset="-122"/>
-              </a:rPr>
-              <a:t>.</a:t>
+              <a:t>Put a new entry in the current table.</a:t>
             </a:r>
             <a:endParaRPr lang="zh-CN" altLang="en-US" dirty="0">
               <a:latin typeface="微软雅黑" panose="020B0503020204020204" pitchFamily="34" charset="-122"/>
@@ -13959,12 +13828,8 @@
           <a:lstStyle/>
           <a:p>
             <a:r>
-              <a:rPr lang="en-US" altLang="zh-CN" dirty="0" smtClean="0"/>
-              <a:t>8.2 </a:t>
-            </a:r>
-            <a:r>
               <a:rPr lang="en-US" altLang="zh-CN" dirty="0"/>
-              <a:t>Storage Organization</a:t>
+              <a:t>8.2 Storage Organization</a:t>
             </a:r>
             <a:endParaRPr lang="zh-CN" altLang="en-US" dirty="0"/>
           </a:p>
@@ -15041,6 +14906,15 @@
 </file>
 
 <file path=customXml/item1.xml><?xml version="1.0" encoding="utf-8"?>
+<?mso-contentType ?>
+<FormTemplates xmlns="http://schemas.microsoft.com/sharepoint/v3/contenttype/forms">
+  <Display>DocumentLibraryForm</Display>
+  <Edit>AssetEditForm</Edit>
+  <New>DocumentLibraryForm</New>
+</FormTemplates>
+</file>
+
+<file path=customXml/item2.xml><?xml version="1.0" encoding="utf-8"?>
 <ct:contentTypeSchema xmlns:ct="http://schemas.microsoft.com/office/2006/metadata/contentType" xmlns:ma="http://schemas.microsoft.com/office/2006/metadata/properties/metaAttributes" ct:_="" ma:_="" ma:contentTypeName="TemplateFile" ma:contentTypeID="0x0101006EDDDB5EE6D98C44930B742096920B300400F5B6D36B3EF94B4E9A635CDF2A18F5B8" ma:contentTypeVersion="72" ma:contentTypeDescription="Create a new document." ma:contentTypeScope="" ma:versionID="a23e56308344d904b51738559c3d67c9">
   <xsd:schema xmlns:xsd="http://www.w3.org/2001/XMLSchema" xmlns:xs="http://www.w3.org/2001/XMLSchema" xmlns:p="http://schemas.microsoft.com/office/2006/metadata/properties" xmlns:ns2="4873beb7-5857-4685-be1f-d57550cc96cc" targetNamespace="http://schemas.microsoft.com/office/2006/metadata/properties" ma:root="true" ma:fieldsID="cd0908cc4600e77bf5da051303e00c8d" ns2:_="">
     <xsd:import namespace="4873beb7-5857-4685-be1f-d57550cc96cc"/>
@@ -16080,15 +15954,6 @@
 </ct:contentTypeSchema>
 </file>
 
-<file path=customXml/item2.xml><?xml version="1.0" encoding="utf-8"?>
-<?mso-contentType ?>
-<FormTemplates xmlns="http://schemas.microsoft.com/sharepoint/v3/contenttype/forms">
-  <Display>DocumentLibraryForm</Display>
-  <Edit>AssetEditForm</Edit>
-  <New>DocumentLibraryForm</New>
-</FormTemplates>
-</file>
-
 <file path=customXml/item3.xml><?xml version="1.0" encoding="utf-8"?>
 <p:properties xmlns:p="http://schemas.microsoft.com/office/2006/metadata/properties" xmlns:xsi="http://www.w3.org/2001/XMLSchema-instance" xmlns:pc="http://schemas.microsoft.com/office/infopath/2007/PartnerControls">
   <documentManagement>
@@ -16216,6 +16081,14 @@
 </file>
 
 <file path=customXml/itemProps1.xml><?xml version="1.0" encoding="utf-8"?>
+<ds:datastoreItem xmlns:ds="http://schemas.openxmlformats.org/officeDocument/2006/customXml" ds:itemID="{561E720F-F05D-4536-9C34-0CFCED65D3B7}">
+  <ds:schemaRefs>
+    <ds:schemaRef ds:uri="http://schemas.microsoft.com/sharepoint/v3/contenttype/forms"/>
+  </ds:schemaRefs>
+</ds:datastoreItem>
+</file>
+
+<file path=customXml/itemProps2.xml><?xml version="1.0" encoding="utf-8"?>
 <ds:datastoreItem xmlns:ds="http://schemas.openxmlformats.org/officeDocument/2006/customXml" ds:itemID="{28C8B9CA-0273-4370-889A-FC05DA5C2FA5}">
   <ds:schemaRefs>
     <ds:schemaRef ds:uri="http://schemas.microsoft.com/office/2006/metadata/contentType"/>
@@ -16229,14 +16102,6 @@
     <ds:schemaRef ds:uri="http://purl.org/dc/elements/1.1/"/>
     <ds:schemaRef ds:uri="http://purl.org/dc/terms/"/>
     <ds:schemaRef ds:uri="http://schemas.microsoft.com/internal/obd"/>
-  </ds:schemaRefs>
-</ds:datastoreItem>
-</file>
-
-<file path=customXml/itemProps2.xml><?xml version="1.0" encoding="utf-8"?>
-<ds:datastoreItem xmlns:ds="http://schemas.openxmlformats.org/officeDocument/2006/customXml" ds:itemID="{561E720F-F05D-4536-9C34-0CFCED65D3B7}">
-  <ds:schemaRefs>
-    <ds:schemaRef ds:uri="http://schemas.microsoft.com/sharepoint/v3/contenttype/forms"/>
   </ds:schemaRefs>
 </ds:datastoreItem>
 </file>

--- a/course/compiler/lecture/(Spring2020)Lecture8.pptx
+++ b/course/compiler/lecture/(Spring2020)Lecture8.pptx
@@ -5,10 +5,10 @@
     <p:sldMasterId id="2147483648" r:id="rId4"/>
   </p:sldMasterIdLst>
   <p:notesMasterIdLst>
-    <p:notesMasterId r:id="rId28"/>
+    <p:notesMasterId r:id="rId34"/>
   </p:notesMasterIdLst>
   <p:handoutMasterIdLst>
-    <p:handoutMasterId r:id="rId29"/>
+    <p:handoutMasterId r:id="rId35"/>
   </p:handoutMasterIdLst>
   <p:sldIdLst>
     <p:sldId id="256" r:id="rId5"/>
@@ -34,6 +34,12 @@
     <p:sldId id="297" r:id="rId25"/>
     <p:sldId id="299" r:id="rId26"/>
     <p:sldId id="298" r:id="rId27"/>
+    <p:sldId id="300" r:id="rId28"/>
+    <p:sldId id="301" r:id="rId29"/>
+    <p:sldId id="303" r:id="rId30"/>
+    <p:sldId id="304" r:id="rId31"/>
+    <p:sldId id="305" r:id="rId32"/>
+    <p:sldId id="302" r:id="rId33"/>
   </p:sldIdLst>
   <p:sldSz cx="9144000" cy="6858000" type="screen4x3"/>
   <p:notesSz cx="6858000" cy="9144000"/>
@@ -7772,7 +7778,7 @@
                 <a:gridCol w="2954709">
                   <a:extLst>
                     <a:ext uri="{9D8B030D-6E8A-4147-A177-3AD203B41FA5}">
-                      <a16:colId xmlns:a16="http://schemas.microsoft.com/office/drawing/2014/main" val="20000"/>
+                      <a16:colId xmlns:a16="http://schemas.microsoft.com/office/drawing/2014/main" xmlns="" val="20000"/>
                     </a:ext>
                   </a:extLst>
                 </a:gridCol>
@@ -7864,7 +7870,7 @@
                 </a:tc>
                 <a:extLst>
                   <a:ext uri="{0D108BD9-81ED-4DB2-BD59-A6C34878D82A}">
-                    <a16:rowId xmlns:a16="http://schemas.microsoft.com/office/drawing/2014/main" val="10000"/>
+                    <a16:rowId xmlns:a16="http://schemas.microsoft.com/office/drawing/2014/main" xmlns="" val="10000"/>
                   </a:ext>
                 </a:extLst>
               </a:tr>
@@ -7935,7 +7941,7 @@
                 </a:tc>
                 <a:extLst>
                   <a:ext uri="{0D108BD9-81ED-4DB2-BD59-A6C34878D82A}">
-                    <a16:rowId xmlns:a16="http://schemas.microsoft.com/office/drawing/2014/main" val="10001"/>
+                    <a16:rowId xmlns:a16="http://schemas.microsoft.com/office/drawing/2014/main" xmlns="" val="10001"/>
                   </a:ext>
                 </a:extLst>
               </a:tr>
@@ -8006,7 +8012,7 @@
                 </a:tc>
                 <a:extLst>
                   <a:ext uri="{0D108BD9-81ED-4DB2-BD59-A6C34878D82A}">
-                    <a16:rowId xmlns:a16="http://schemas.microsoft.com/office/drawing/2014/main" val="10002"/>
+                    <a16:rowId xmlns:a16="http://schemas.microsoft.com/office/drawing/2014/main" xmlns="" val="10002"/>
                   </a:ext>
                 </a:extLst>
               </a:tr>
@@ -8077,7 +8083,7 @@
                 </a:tc>
                 <a:extLst>
                   <a:ext uri="{0D108BD9-81ED-4DB2-BD59-A6C34878D82A}">
-                    <a16:rowId xmlns:a16="http://schemas.microsoft.com/office/drawing/2014/main" val="10003"/>
+                    <a16:rowId xmlns:a16="http://schemas.microsoft.com/office/drawing/2014/main" xmlns="" val="10003"/>
                   </a:ext>
                 </a:extLst>
               </a:tr>
@@ -11084,6 +11090,1152 @@
           </a:p>
         </p:txBody>
       </p:sp>
+      <p:graphicFrame>
+        <p:nvGraphicFramePr>
+          <p:cNvPr id="4" name="Object 4"/>
+          <p:cNvGraphicFramePr>
+            <a:graphicFrameLocks noChangeAspect="1"/>
+          </p:cNvGraphicFramePr>
+          <p:nvPr>
+            <p:extLst>
+              <p:ext uri="{D42A27DB-BD31-4B8C-83A1-F6EECF244321}">
+                <p14:modId xmlns:p14="http://schemas.microsoft.com/office/powerpoint/2010/main" val="3400272580"/>
+              </p:ext>
+            </p:extLst>
+          </p:nvPr>
+        </p:nvGraphicFramePr>
+        <p:xfrm>
+          <a:off x="1572071" y="1541640"/>
+          <a:ext cx="5332932" cy="5225769"/>
+        </p:xfrm>
+        <a:graphic>
+          <a:graphicData uri="http://schemas.openxmlformats.org/presentationml/2006/ole">
+            <mc:AlternateContent xmlns:mc="http://schemas.openxmlformats.org/markup-compatibility/2006">
+              <mc:Choice xmlns:v="urn:schemas-microsoft-com:vml" Requires="v">
+                <p:oleObj spid="_x0000_s1027" name="文档" r:id="rId3" imgW="3675877" imgH="3610332" progId="Word.Document.8">
+                  <p:embed/>
+                </p:oleObj>
+              </mc:Choice>
+              <mc:Fallback>
+                <p:oleObj name="文档" r:id="rId3" imgW="3675877" imgH="3610332" progId="Word.Document.8">
+                  <p:embed/>
+                  <p:pic>
+                    <p:nvPicPr>
+                      <p:cNvPr id="0" name=""/>
+                      <p:cNvPicPr>
+                        <a:picLocks noChangeAspect="1" noChangeArrowheads="1"/>
+                      </p:cNvPicPr>
+                      <p:nvPr/>
+                    </p:nvPicPr>
+                    <p:blipFill>
+                      <a:blip r:embed="rId4">
+                        <a:extLst>
+                          <a:ext uri="{28A0092B-C50C-407E-A947-70E740481C1C}">
+                            <a14:useLocalDpi xmlns:a14="http://schemas.microsoft.com/office/drawing/2010/main" val="0"/>
+                          </a:ext>
+                        </a:extLst>
+                      </a:blip>
+                      <a:srcRect/>
+                      <a:stretch>
+                        <a:fillRect/>
+                      </a:stretch>
+                    </p:blipFill>
+                    <p:spPr bwMode="auto">
+                      <a:xfrm>
+                        <a:off x="1572071" y="1541640"/>
+                        <a:ext cx="5332932" cy="5225769"/>
+                      </a:xfrm>
+                      <a:prstGeom prst="rect">
+                        <a:avLst/>
+                      </a:prstGeom>
+                      <a:noFill/>
+                      <a:ln>
+                        <a:noFill/>
+                      </a:ln>
+                      <a:effectLst/>
+                      <a:extLst/>
+                    </p:spPr>
+                  </p:pic>
+                </p:oleObj>
+              </mc:Fallback>
+            </mc:AlternateContent>
+          </a:graphicData>
+        </a:graphic>
+      </p:graphicFrame>
+    </p:spTree>
+    <p:extLst>
+      <p:ext uri="{BB962C8B-B14F-4D97-AF65-F5344CB8AC3E}">
+        <p14:creationId xmlns:p14="http://schemas.microsoft.com/office/powerpoint/2010/main" val="1389765212"/>
+      </p:ext>
+    </p:extLst>
+  </p:cSld>
+  <p:clrMapOvr>
+    <a:masterClrMapping/>
+  </p:clrMapOvr>
+  <mc:AlternateContent xmlns:mc="http://schemas.openxmlformats.org/markup-compatibility/2006" xmlns:p14="http://schemas.microsoft.com/office/powerpoint/2010/main">
+    <mc:Choice Requires="p14">
+      <p:transition spd="med" p14:dur="700">
+        <p:fade/>
+      </p:transition>
+    </mc:Choice>
+    <mc:Fallback xmlns="">
+      <p:transition spd="med">
+        <p:fade/>
+      </p:transition>
+    </mc:Fallback>
+  </mc:AlternateContent>
+</p:sld>
+</file>
+
+<file path=ppt/slides/slide24.xml><?xml version="1.0" encoding="utf-8"?>
+<p:sld xmlns:a="http://schemas.openxmlformats.org/drawingml/2006/main" xmlns:r="http://schemas.openxmlformats.org/officeDocument/2006/relationships" xmlns:p="http://schemas.openxmlformats.org/presentationml/2006/main">
+  <p:cSld>
+    <p:spTree>
+      <p:nvGrpSpPr>
+        <p:cNvPr id="1" name=""/>
+        <p:cNvGrpSpPr/>
+        <p:nvPr/>
+      </p:nvGrpSpPr>
+      <p:grpSpPr>
+        <a:xfrm>
+          <a:off x="0" y="0"/>
+          <a:ext cx="0" cy="0"/>
+          <a:chOff x="0" y="0"/>
+          <a:chExt cx="0" cy="0"/>
+        </a:xfrm>
+      </p:grpSpPr>
+      <p:sp>
+        <p:nvSpPr>
+          <p:cNvPr id="2" name="标题 1"/>
+          <p:cNvSpPr>
+            <a:spLocks noGrp="1"/>
+          </p:cNvSpPr>
+          <p:nvPr>
+            <p:ph type="title"/>
+          </p:nvPr>
+        </p:nvSpPr>
+        <p:spPr/>
+        <p:txBody>
+          <a:bodyPr/>
+          <a:lstStyle/>
+          <a:p>
+            <a:r>
+              <a:rPr lang="en-US" altLang="zh-CN" dirty="0"/>
+              <a:t>8.4 Fully Static Runtime Environments</a:t>
+            </a:r>
+            <a:endParaRPr lang="zh-CN" altLang="en-US" dirty="0"/>
+          </a:p>
+        </p:txBody>
+      </p:sp>
+      <p:sp>
+        <p:nvSpPr>
+          <p:cNvPr id="4" name="Rectangle 3"/>
+          <p:cNvSpPr txBox="1">
+            <a:spLocks noChangeArrowheads="1"/>
+          </p:cNvSpPr>
+          <p:nvPr/>
+        </p:nvSpPr>
+        <p:spPr bwMode="auto">
+          <a:xfrm>
+            <a:off x="591796" y="1538183"/>
+            <a:ext cx="7772400" cy="5024987"/>
+          </a:xfrm>
+          <a:prstGeom prst="rect">
+            <a:avLst/>
+          </a:prstGeom>
+          <a:noFill/>
+          <a:ln>
+            <a:noFill/>
+          </a:ln>
+          <a:effectLst/>
+          <a:extLst>
+            <a:ext uri="{909E8E84-426E-40DD-AFC4-6F175D3DCCD1}">
+              <a14:hiddenFill xmlns:a14="http://schemas.microsoft.com/office/drawing/2010/main">
+                <a:solidFill>
+                  <a:schemeClr val="accent1"/>
+                </a:solidFill>
+              </a14:hiddenFill>
+            </a:ext>
+            <a:ext uri="{91240B29-F687-4F45-9708-019B960494DF}">
+              <a14:hiddenLine xmlns:a14="http://schemas.microsoft.com/office/drawing/2010/main" w="9525">
+                <a:solidFill>
+                  <a:schemeClr val="tx1"/>
+                </a:solidFill>
+                <a:miter lim="800000"/>
+                <a:headEnd/>
+                <a:tailEnd/>
+              </a14:hiddenLine>
+            </a:ext>
+            <a:ext uri="{AF507438-7753-43E0-B8FC-AC1667EBCBE1}">
+              <a14:hiddenEffects xmlns:a14="http://schemas.microsoft.com/office/drawing/2010/main">
+                <a:effectLst>
+                  <a:outerShdw dist="35921" dir="2700000" algn="ctr" rotWithShape="0">
+                    <a:schemeClr val="bg2"/>
+                  </a:outerShdw>
+                </a:effectLst>
+              </a14:hiddenEffects>
+            </a:ext>
+          </a:extLst>
+        </p:spPr>
+        <p:txBody>
+          <a:bodyPr vert="horz" wrap="square" lIns="91440" tIns="45720" rIns="91440" bIns="45720" numCol="1" anchor="t" anchorCtr="0" compatLnSpc="1">
+            <a:prstTxWarp prst="textNoShape">
+              <a:avLst/>
+            </a:prstTxWarp>
+          </a:bodyPr>
+          <a:lstStyle>
+            <a:lvl1pPr marL="342900" indent="-342900" algn="l" rtl="0" eaLnBrk="0" fontAlgn="base" hangingPunct="0">
+              <a:spcBef>
+                <a:spcPct val="20000"/>
+              </a:spcBef>
+              <a:spcAft>
+                <a:spcPct val="0"/>
+              </a:spcAft>
+              <a:buChar char="•"/>
+              <a:defRPr sz="3200" kern="1200">
+                <a:solidFill>
+                  <a:schemeClr val="tx1"/>
+                </a:solidFill>
+                <a:latin typeface="+mn-lt"/>
+                <a:ea typeface="+mn-ea"/>
+                <a:cs typeface="+mn-cs"/>
+              </a:defRPr>
+            </a:lvl1pPr>
+            <a:lvl2pPr marL="742950" indent="-285750" algn="l" rtl="0" eaLnBrk="0" fontAlgn="base" hangingPunct="0">
+              <a:spcBef>
+                <a:spcPct val="20000"/>
+              </a:spcBef>
+              <a:spcAft>
+                <a:spcPct val="0"/>
+              </a:spcAft>
+              <a:buChar char="–"/>
+              <a:defRPr sz="2800" kern="1200">
+                <a:solidFill>
+                  <a:schemeClr val="tx1"/>
+                </a:solidFill>
+                <a:latin typeface="+mn-lt"/>
+                <a:ea typeface="+mn-ea"/>
+                <a:cs typeface="+mn-cs"/>
+              </a:defRPr>
+            </a:lvl2pPr>
+            <a:lvl3pPr marL="1143000" indent="-228600" algn="l" rtl="0" eaLnBrk="0" fontAlgn="base" hangingPunct="0">
+              <a:spcBef>
+                <a:spcPct val="20000"/>
+              </a:spcBef>
+              <a:spcAft>
+                <a:spcPct val="0"/>
+              </a:spcAft>
+              <a:buChar char="•"/>
+              <a:defRPr sz="2400" kern="1200">
+                <a:solidFill>
+                  <a:schemeClr val="tx1"/>
+                </a:solidFill>
+                <a:latin typeface="+mn-lt"/>
+                <a:ea typeface="+mn-ea"/>
+                <a:cs typeface="+mn-cs"/>
+              </a:defRPr>
+            </a:lvl3pPr>
+            <a:lvl4pPr marL="1600200" indent="-228600" algn="l" rtl="0" eaLnBrk="0" fontAlgn="base" hangingPunct="0">
+              <a:spcBef>
+                <a:spcPct val="20000"/>
+              </a:spcBef>
+              <a:spcAft>
+                <a:spcPct val="0"/>
+              </a:spcAft>
+              <a:buChar char="–"/>
+              <a:defRPr sz="2000" kern="1200">
+                <a:solidFill>
+                  <a:schemeClr val="tx1"/>
+                </a:solidFill>
+                <a:latin typeface="+mn-lt"/>
+                <a:ea typeface="+mn-ea"/>
+                <a:cs typeface="+mn-cs"/>
+              </a:defRPr>
+            </a:lvl4pPr>
+            <a:lvl5pPr marL="2057400" indent="-228600" algn="l" rtl="0" eaLnBrk="0" fontAlgn="base" hangingPunct="0">
+              <a:spcBef>
+                <a:spcPct val="20000"/>
+              </a:spcBef>
+              <a:spcAft>
+                <a:spcPct val="0"/>
+              </a:spcAft>
+              <a:buChar char="»"/>
+              <a:defRPr sz="2000" kern="1200">
+                <a:solidFill>
+                  <a:schemeClr val="tx1"/>
+                </a:solidFill>
+                <a:latin typeface="+mn-lt"/>
+                <a:ea typeface="+mn-ea"/>
+                <a:cs typeface="+mn-cs"/>
+              </a:defRPr>
+            </a:lvl5pPr>
+            <a:lvl6pPr marL="2514600" indent="-228600" algn="l" defTabSz="914400" rtl="0" eaLnBrk="1" latinLnBrk="0" hangingPunct="1">
+              <a:lnSpc>
+                <a:spcPct val="90000"/>
+              </a:lnSpc>
+              <a:spcBef>
+                <a:spcPts val="500"/>
+              </a:spcBef>
+              <a:buFont typeface="Arial" panose="020B0604020202020204" pitchFamily="34" charset="0"/>
+              <a:buChar char="•"/>
+              <a:defRPr sz="1800" kern="1200">
+                <a:solidFill>
+                  <a:schemeClr val="tx1"/>
+                </a:solidFill>
+                <a:latin typeface="+mn-lt"/>
+                <a:ea typeface="+mn-ea"/>
+                <a:cs typeface="+mn-cs"/>
+              </a:defRPr>
+            </a:lvl6pPr>
+            <a:lvl7pPr marL="2971800" indent="-228600" algn="l" defTabSz="914400" rtl="0" eaLnBrk="1" latinLnBrk="0" hangingPunct="1">
+              <a:lnSpc>
+                <a:spcPct val="90000"/>
+              </a:lnSpc>
+              <a:spcBef>
+                <a:spcPts val="500"/>
+              </a:spcBef>
+              <a:buFont typeface="Arial" panose="020B0604020202020204" pitchFamily="34" charset="0"/>
+              <a:buChar char="•"/>
+              <a:defRPr sz="1800" kern="1200">
+                <a:solidFill>
+                  <a:schemeClr val="tx1"/>
+                </a:solidFill>
+                <a:latin typeface="+mn-lt"/>
+                <a:ea typeface="+mn-ea"/>
+                <a:cs typeface="+mn-cs"/>
+              </a:defRPr>
+            </a:lvl7pPr>
+            <a:lvl8pPr marL="3429000" indent="-228600" algn="l" defTabSz="914400" rtl="0" eaLnBrk="1" latinLnBrk="0" hangingPunct="1">
+              <a:lnSpc>
+                <a:spcPct val="90000"/>
+              </a:lnSpc>
+              <a:spcBef>
+                <a:spcPts val="500"/>
+              </a:spcBef>
+              <a:buFont typeface="Arial" panose="020B0604020202020204" pitchFamily="34" charset="0"/>
+              <a:buChar char="•"/>
+              <a:defRPr sz="1800" kern="1200">
+                <a:solidFill>
+                  <a:schemeClr val="tx1"/>
+                </a:solidFill>
+                <a:latin typeface="+mn-lt"/>
+                <a:ea typeface="+mn-ea"/>
+                <a:cs typeface="+mn-cs"/>
+              </a:defRPr>
+            </a:lvl8pPr>
+            <a:lvl9pPr marL="3886200" indent="-228600" algn="l" defTabSz="914400" rtl="0" eaLnBrk="1" latinLnBrk="0" hangingPunct="1">
+              <a:lnSpc>
+                <a:spcPct val="90000"/>
+              </a:lnSpc>
+              <a:spcBef>
+                <a:spcPts val="500"/>
+              </a:spcBef>
+              <a:buFont typeface="Arial" panose="020B0604020202020204" pitchFamily="34" charset="0"/>
+              <a:buChar char="•"/>
+              <a:defRPr sz="1800" kern="1200">
+                <a:solidFill>
+                  <a:schemeClr val="tx1"/>
+                </a:solidFill>
+                <a:latin typeface="+mn-lt"/>
+                <a:ea typeface="+mn-ea"/>
+                <a:cs typeface="+mn-cs"/>
+              </a:defRPr>
+            </a:lvl9pPr>
+          </a:lstStyle>
+          <a:p>
+            <a:pPr marL="342900" marR="0" lvl="0" indent="-342900" algn="l" defTabSz="914400" rtl="0" eaLnBrk="1" fontAlgn="base" latinLnBrk="0" hangingPunct="1">
+              <a:lnSpc>
+                <a:spcPct val="100000"/>
+              </a:lnSpc>
+              <a:spcBef>
+                <a:spcPct val="20000"/>
+              </a:spcBef>
+              <a:spcAft>
+                <a:spcPct val="0"/>
+              </a:spcAft>
+              <a:buClrTx/>
+              <a:buSzTx/>
+              <a:buFontTx/>
+              <a:buChar char="•"/>
+              <a:tabLst/>
+              <a:defRPr/>
+            </a:pPr>
+            <a:r>
+              <a:rPr kumimoji="0" lang="en-US" altLang="zh-CN" sz="2800" b="0" i="0" u="none" strike="noStrike" kern="1200" cap="none" spc="0" normalizeH="0" baseline="0" noProof="0" smtClean="0">
+                <a:ln>
+                  <a:noFill/>
+                </a:ln>
+                <a:solidFill>
+                  <a:srgbClr val="000000"/>
+                </a:solidFill>
+                <a:effectLst/>
+                <a:uLnTx/>
+                <a:uFillTx/>
+                <a:latin typeface="Times New Roman"/>
+                <a:ea typeface="宋体"/>
+                <a:cs typeface="+mn-cs"/>
+              </a:rPr>
+              <a:t>All data are static, remaining fixed in memory for the duration of program execution</a:t>
+            </a:r>
+          </a:p>
+          <a:p>
+            <a:pPr marL="342900" marR="0" lvl="0" indent="-342900" algn="l" defTabSz="914400" rtl="0" eaLnBrk="1" fontAlgn="base" latinLnBrk="0" hangingPunct="1">
+              <a:lnSpc>
+                <a:spcPct val="100000"/>
+              </a:lnSpc>
+              <a:spcBef>
+                <a:spcPct val="20000"/>
+              </a:spcBef>
+              <a:spcAft>
+                <a:spcPct val="0"/>
+              </a:spcAft>
+              <a:buClrTx/>
+              <a:buSzTx/>
+              <a:buFontTx/>
+              <a:buNone/>
+              <a:tabLst/>
+              <a:defRPr/>
+            </a:pPr>
+            <a:endParaRPr kumimoji="0" lang="en-US" altLang="zh-CN" sz="2800" b="0" i="0" u="none" strike="noStrike" kern="1200" cap="none" spc="0" normalizeH="0" baseline="0" noProof="0" smtClean="0">
+              <a:ln>
+                <a:noFill/>
+              </a:ln>
+              <a:solidFill>
+                <a:srgbClr val="000000"/>
+              </a:solidFill>
+              <a:effectLst/>
+              <a:uLnTx/>
+              <a:uFillTx/>
+              <a:latin typeface="Times New Roman"/>
+              <a:ea typeface="宋体"/>
+              <a:cs typeface="+mn-cs"/>
+            </a:endParaRPr>
+          </a:p>
+          <a:p>
+            <a:pPr marL="342900" marR="0" lvl="0" indent="-342900" algn="l" defTabSz="914400" rtl="0" eaLnBrk="1" fontAlgn="base" latinLnBrk="0" hangingPunct="1">
+              <a:lnSpc>
+                <a:spcPct val="100000"/>
+              </a:lnSpc>
+              <a:spcBef>
+                <a:spcPct val="20000"/>
+              </a:spcBef>
+              <a:spcAft>
+                <a:spcPct val="0"/>
+              </a:spcAft>
+              <a:buClrTx/>
+              <a:buSzTx/>
+              <a:buFontTx/>
+              <a:buChar char="•"/>
+              <a:tabLst/>
+              <a:defRPr/>
+            </a:pPr>
+            <a:r>
+              <a:rPr kumimoji="0" lang="en-US" altLang="zh-CN" sz="2800" b="0" i="0" u="none" strike="noStrike" kern="1200" cap="none" spc="0" normalizeH="0" baseline="0" noProof="0" smtClean="0">
+                <a:ln>
+                  <a:noFill/>
+                </a:ln>
+                <a:solidFill>
+                  <a:srgbClr val="000000"/>
+                </a:solidFill>
+                <a:effectLst/>
+                <a:uLnTx/>
+                <a:uFillTx/>
+                <a:latin typeface="Times New Roman"/>
+                <a:ea typeface="宋体"/>
+                <a:cs typeface="+mn-cs"/>
+              </a:rPr>
+              <a:t>For a language, such as FORTRAN77, no pointer or dynamic allocation, no recursive procedure calling</a:t>
+            </a:r>
+          </a:p>
+          <a:p>
+            <a:pPr marL="742950" marR="0" lvl="1" indent="-285750" algn="l" defTabSz="914400" rtl="0" eaLnBrk="1" fontAlgn="base" latinLnBrk="0" hangingPunct="1">
+              <a:lnSpc>
+                <a:spcPct val="100000"/>
+              </a:lnSpc>
+              <a:spcBef>
+                <a:spcPct val="20000"/>
+              </a:spcBef>
+              <a:spcAft>
+                <a:spcPct val="0"/>
+              </a:spcAft>
+              <a:buClrTx/>
+              <a:buSzTx/>
+              <a:buFontTx/>
+              <a:buChar char="–"/>
+              <a:tabLst/>
+              <a:defRPr/>
+            </a:pPr>
+            <a:r>
+              <a:rPr kumimoji="0" lang="en-US" altLang="zh-CN" sz="2400" b="0" i="0" u="none" strike="noStrike" kern="1200" cap="none" spc="0" normalizeH="0" baseline="0" noProof="0" smtClean="0">
+                <a:ln>
+                  <a:noFill/>
+                </a:ln>
+                <a:solidFill>
+                  <a:srgbClr val="000000"/>
+                </a:solidFill>
+                <a:effectLst/>
+                <a:uLnTx/>
+                <a:uFillTx/>
+                <a:latin typeface="Times New Roman"/>
+                <a:ea typeface="宋体"/>
+                <a:cs typeface="+mn-cs"/>
+              </a:rPr>
+              <a:t>The global variables and all variables are allocated statically.</a:t>
+            </a:r>
+          </a:p>
+          <a:p>
+            <a:pPr marL="742950" marR="0" lvl="1" indent="-285750" algn="l" defTabSz="914400" rtl="0" eaLnBrk="1" fontAlgn="base" latinLnBrk="0" hangingPunct="1">
+              <a:lnSpc>
+                <a:spcPct val="100000"/>
+              </a:lnSpc>
+              <a:spcBef>
+                <a:spcPct val="20000"/>
+              </a:spcBef>
+              <a:spcAft>
+                <a:spcPct val="0"/>
+              </a:spcAft>
+              <a:buClrTx/>
+              <a:buSzTx/>
+              <a:buFontTx/>
+              <a:buChar char="–"/>
+              <a:tabLst/>
+              <a:defRPr/>
+            </a:pPr>
+            <a:r>
+              <a:rPr kumimoji="0" lang="en-US" altLang="zh-CN" sz="2400" b="0" i="0" u="none" strike="noStrike" kern="1200" cap="none" spc="0" normalizeH="0" baseline="0" noProof="0" smtClean="0">
+                <a:ln>
+                  <a:noFill/>
+                </a:ln>
+                <a:solidFill>
+                  <a:srgbClr val="000000"/>
+                </a:solidFill>
+                <a:effectLst/>
+                <a:uLnTx/>
+                <a:uFillTx/>
+                <a:latin typeface="Times New Roman"/>
+                <a:ea typeface="宋体"/>
+                <a:cs typeface="+mn-cs"/>
+              </a:rPr>
+              <a:t>Each procedure has only a single activation record.</a:t>
+            </a:r>
+          </a:p>
+          <a:p>
+            <a:pPr marL="742950" marR="0" lvl="1" indent="-285750" algn="l" defTabSz="914400" rtl="0" eaLnBrk="1" fontAlgn="base" latinLnBrk="0" hangingPunct="1">
+              <a:lnSpc>
+                <a:spcPct val="100000"/>
+              </a:lnSpc>
+              <a:spcBef>
+                <a:spcPct val="20000"/>
+              </a:spcBef>
+              <a:spcAft>
+                <a:spcPct val="0"/>
+              </a:spcAft>
+              <a:buClrTx/>
+              <a:buSzTx/>
+              <a:buFontTx/>
+              <a:buChar char="–"/>
+              <a:tabLst/>
+              <a:defRPr/>
+            </a:pPr>
+            <a:r>
+              <a:rPr kumimoji="0" lang="en-US" altLang="zh-CN" sz="2400" b="0" i="0" u="none" strike="noStrike" kern="1200" cap="none" spc="0" normalizeH="0" baseline="0" noProof="0" smtClean="0">
+                <a:ln>
+                  <a:noFill/>
+                </a:ln>
+                <a:solidFill>
+                  <a:srgbClr val="000000"/>
+                </a:solidFill>
+                <a:effectLst/>
+                <a:uLnTx/>
+                <a:uFillTx/>
+                <a:latin typeface="Times New Roman"/>
+                <a:ea typeface="宋体"/>
+                <a:cs typeface="+mn-cs"/>
+              </a:rPr>
+              <a:t>All variable, whether local or global, can be accessed directly via fixed address.</a:t>
+            </a:r>
+            <a:endParaRPr kumimoji="0" lang="en-US" altLang="zh-CN" sz="2400" b="0" i="0" u="none" strike="noStrike" kern="1200" cap="none" spc="0" normalizeH="0" baseline="0" noProof="0" dirty="0" smtClean="0">
+              <a:ln>
+                <a:noFill/>
+              </a:ln>
+              <a:solidFill>
+                <a:srgbClr val="000000"/>
+              </a:solidFill>
+              <a:effectLst/>
+              <a:uLnTx/>
+              <a:uFillTx/>
+              <a:latin typeface="Times New Roman"/>
+              <a:ea typeface="宋体"/>
+              <a:cs typeface="+mn-cs"/>
+            </a:endParaRPr>
+          </a:p>
+        </p:txBody>
+      </p:sp>
+    </p:spTree>
+    <p:extLst>
+      <p:ext uri="{BB962C8B-B14F-4D97-AF65-F5344CB8AC3E}">
+        <p14:creationId xmlns:p14="http://schemas.microsoft.com/office/powerpoint/2010/main" val="176902812"/>
+      </p:ext>
+    </p:extLst>
+  </p:cSld>
+  <p:clrMapOvr>
+    <a:masterClrMapping/>
+  </p:clrMapOvr>
+  <mc:AlternateContent xmlns:mc="http://schemas.openxmlformats.org/markup-compatibility/2006" xmlns:p14="http://schemas.microsoft.com/office/powerpoint/2010/main">
+    <mc:Choice Requires="p14">
+      <p:transition spd="med" p14:dur="700">
+        <p:fade/>
+      </p:transition>
+    </mc:Choice>
+    <mc:Fallback xmlns="">
+      <p:transition spd="med">
+        <p:fade/>
+      </p:transition>
+    </mc:Fallback>
+  </mc:AlternateContent>
+</p:sld>
+</file>
+
+<file path=ppt/slides/slide25.xml><?xml version="1.0" encoding="utf-8"?>
+<p:sld xmlns:a="http://schemas.openxmlformats.org/drawingml/2006/main" xmlns:r="http://schemas.openxmlformats.org/officeDocument/2006/relationships" xmlns:p="http://schemas.openxmlformats.org/presentationml/2006/main">
+  <p:cSld>
+    <p:spTree>
+      <p:nvGrpSpPr>
+        <p:cNvPr id="1" name=""/>
+        <p:cNvGrpSpPr/>
+        <p:nvPr/>
+      </p:nvGrpSpPr>
+      <p:grpSpPr>
+        <a:xfrm>
+          <a:off x="0" y="0"/>
+          <a:ext cx="0" cy="0"/>
+          <a:chOff x="0" y="0"/>
+          <a:chExt cx="0" cy="0"/>
+        </a:xfrm>
+      </p:grpSpPr>
+      <p:sp>
+        <p:nvSpPr>
+          <p:cNvPr id="2" name="标题 1"/>
+          <p:cNvSpPr>
+            <a:spLocks noGrp="1"/>
+          </p:cNvSpPr>
+          <p:nvPr>
+            <p:ph type="title"/>
+          </p:nvPr>
+        </p:nvSpPr>
+        <p:spPr/>
+        <p:txBody>
+          <a:bodyPr/>
+          <a:lstStyle/>
+          <a:p>
+            <a:r>
+              <a:rPr lang="en-US" altLang="zh-CN" dirty="0"/>
+              <a:t>8.4 Fully Static Runtime Environments</a:t>
+            </a:r>
+            <a:endParaRPr lang="zh-CN" altLang="en-US" dirty="0"/>
+          </a:p>
+        </p:txBody>
+      </p:sp>
+      <p:sp>
+        <p:nvSpPr>
+          <p:cNvPr id="4" name="矩形 3"/>
+          <p:cNvSpPr/>
+          <p:nvPr/>
+        </p:nvSpPr>
+        <p:spPr>
+          <a:xfrm>
+            <a:off x="1110952" y="1733375"/>
+            <a:ext cx="6939185" cy="3785652"/>
+          </a:xfrm>
+          <a:prstGeom prst="rect">
+            <a:avLst/>
+          </a:prstGeom>
+        </p:spPr>
+        <p:txBody>
+          <a:bodyPr wrap="square">
+            <a:spAutoFit/>
+          </a:bodyPr>
+          <a:lstStyle/>
+          <a:p>
+            <a:r>
+              <a:rPr lang="en-US" altLang="zh-CN" sz="2000" dirty="0">
+                <a:latin typeface="微软雅黑" panose="020B0503020204020204" pitchFamily="34" charset="-122"/>
+                <a:ea typeface="微软雅黑" panose="020B0503020204020204" pitchFamily="34" charset="-122"/>
+              </a:rPr>
+              <a:t>Relative little overhead in terms of bookkeeping information to retain in each activation record;</a:t>
+            </a:r>
+          </a:p>
+          <a:p>
+            <a:r>
+              <a:rPr lang="en-US" altLang="zh-CN" sz="2000" dirty="0">
+                <a:latin typeface="微软雅黑" panose="020B0503020204020204" pitchFamily="34" charset="-122"/>
+                <a:ea typeface="微软雅黑" panose="020B0503020204020204" pitchFamily="34" charset="-122"/>
+              </a:rPr>
+              <a:t>And no extra information about the environment needs to be kept in an activation record;</a:t>
+            </a:r>
+            <a:endParaRPr lang="zh-CN" altLang="en-US" sz="2000" dirty="0">
+              <a:latin typeface="微软雅黑" panose="020B0503020204020204" pitchFamily="34" charset="-122"/>
+              <a:ea typeface="微软雅黑" panose="020B0503020204020204" pitchFamily="34" charset="-122"/>
+            </a:endParaRPr>
+          </a:p>
+          <a:p>
+            <a:endParaRPr lang="en-US" altLang="zh-CN" sz="2000" dirty="0">
+              <a:latin typeface="微软雅黑" panose="020B0503020204020204" pitchFamily="34" charset="-122"/>
+              <a:ea typeface="微软雅黑" panose="020B0503020204020204" pitchFamily="34" charset="-122"/>
+            </a:endParaRPr>
+          </a:p>
+          <a:p>
+            <a:r>
+              <a:rPr lang="en-US" altLang="zh-CN" sz="2000" dirty="0">
+                <a:latin typeface="微软雅黑" panose="020B0503020204020204" pitchFamily="34" charset="-122"/>
+                <a:ea typeface="微软雅黑" panose="020B0503020204020204" pitchFamily="34" charset="-122"/>
+              </a:rPr>
+              <a:t>The calling sequence is simple.</a:t>
+            </a:r>
+          </a:p>
+          <a:p>
+            <a:pPr marL="800100" lvl="1" indent="-342900">
+              <a:buFont typeface="Wingdings" panose="05000000000000000000" pitchFamily="2" charset="2"/>
+              <a:buChar char="p"/>
+            </a:pPr>
+            <a:r>
+              <a:rPr lang="en-US" altLang="zh-CN" sz="2000" dirty="0">
+                <a:latin typeface="微软雅黑" panose="020B0503020204020204" pitchFamily="34" charset="-122"/>
+                <a:ea typeface="微软雅黑" panose="020B0503020204020204" pitchFamily="34" charset="-122"/>
+              </a:rPr>
+              <a:t>Each argument is computed and stored into its appropriate parameter location;</a:t>
+            </a:r>
+          </a:p>
+          <a:p>
+            <a:pPr marL="800100" lvl="1" indent="-342900">
+              <a:buFont typeface="Wingdings" panose="05000000000000000000" pitchFamily="2" charset="2"/>
+              <a:buChar char="p"/>
+            </a:pPr>
+            <a:r>
+              <a:rPr lang="en-US" altLang="zh-CN" sz="2000" dirty="0">
+                <a:latin typeface="微软雅黑" panose="020B0503020204020204" pitchFamily="34" charset="-122"/>
+                <a:ea typeface="微软雅黑" panose="020B0503020204020204" pitchFamily="34" charset="-122"/>
+              </a:rPr>
+              <a:t>The return address is saved, and jump to the beginning of the code of the </a:t>
+            </a:r>
+            <a:r>
+              <a:rPr lang="en-US" altLang="zh-CN" sz="2000" dirty="0" err="1">
+                <a:latin typeface="微软雅黑" panose="020B0503020204020204" pitchFamily="34" charset="-122"/>
+                <a:ea typeface="微软雅黑" panose="020B0503020204020204" pitchFamily="34" charset="-122"/>
+              </a:rPr>
+              <a:t>callee</a:t>
+            </a:r>
+            <a:r>
+              <a:rPr lang="en-US" altLang="zh-CN" sz="2000" dirty="0">
+                <a:latin typeface="微软雅黑" panose="020B0503020204020204" pitchFamily="34" charset="-122"/>
+                <a:ea typeface="微软雅黑" panose="020B0503020204020204" pitchFamily="34" charset="-122"/>
+              </a:rPr>
+              <a:t>;</a:t>
+            </a:r>
+          </a:p>
+          <a:p>
+            <a:pPr marL="800100" lvl="1" indent="-342900">
+              <a:buFont typeface="Wingdings" panose="05000000000000000000" pitchFamily="2" charset="2"/>
+              <a:buChar char="p"/>
+            </a:pPr>
+            <a:r>
+              <a:rPr lang="en-US" altLang="zh-CN" sz="2000" dirty="0">
+                <a:latin typeface="微软雅黑" panose="020B0503020204020204" pitchFamily="34" charset="-122"/>
+                <a:ea typeface="微软雅黑" panose="020B0503020204020204" pitchFamily="34" charset="-122"/>
+              </a:rPr>
+              <a:t>On return, a simple jump is made to the return address.</a:t>
+            </a:r>
+            <a:endParaRPr lang="zh-CN" altLang="en-US" sz="2000" dirty="0">
+              <a:latin typeface="微软雅黑" panose="020B0503020204020204" pitchFamily="34" charset="-122"/>
+              <a:ea typeface="微软雅黑" panose="020B0503020204020204" pitchFamily="34" charset="-122"/>
+            </a:endParaRPr>
+          </a:p>
+        </p:txBody>
+      </p:sp>
+    </p:spTree>
+    <p:extLst>
+      <p:ext uri="{BB962C8B-B14F-4D97-AF65-F5344CB8AC3E}">
+        <p14:creationId xmlns:p14="http://schemas.microsoft.com/office/powerpoint/2010/main" val="3960352377"/>
+      </p:ext>
+    </p:extLst>
+  </p:cSld>
+  <p:clrMapOvr>
+    <a:masterClrMapping/>
+  </p:clrMapOvr>
+  <mc:AlternateContent xmlns:mc="http://schemas.openxmlformats.org/markup-compatibility/2006" xmlns:p14="http://schemas.microsoft.com/office/powerpoint/2010/main">
+    <mc:Choice Requires="p14">
+      <p:transition spd="med" p14:dur="700">
+        <p:fade/>
+      </p:transition>
+    </mc:Choice>
+    <mc:Fallback xmlns="">
+      <p:transition spd="med">
+        <p:fade/>
+      </p:transition>
+    </mc:Fallback>
+  </mc:AlternateContent>
+</p:sld>
+</file>
+
+<file path=ppt/slides/slide26.xml><?xml version="1.0" encoding="utf-8"?>
+<p:sld xmlns:a="http://schemas.openxmlformats.org/drawingml/2006/main" xmlns:r="http://schemas.openxmlformats.org/officeDocument/2006/relationships" xmlns:p="http://schemas.openxmlformats.org/presentationml/2006/main">
+  <p:cSld>
+    <p:spTree>
+      <p:nvGrpSpPr>
+        <p:cNvPr id="1" name=""/>
+        <p:cNvGrpSpPr/>
+        <p:nvPr/>
+      </p:nvGrpSpPr>
+      <p:grpSpPr>
+        <a:xfrm>
+          <a:off x="0" y="0"/>
+          <a:ext cx="0" cy="0"/>
+          <a:chOff x="0" y="0"/>
+          <a:chExt cx="0" cy="0"/>
+        </a:xfrm>
+      </p:grpSpPr>
+      <p:sp>
+        <p:nvSpPr>
+          <p:cNvPr id="2" name="标题 1"/>
+          <p:cNvSpPr>
+            <a:spLocks noGrp="1"/>
+          </p:cNvSpPr>
+          <p:nvPr>
+            <p:ph type="title"/>
+          </p:nvPr>
+        </p:nvSpPr>
+        <p:spPr/>
+        <p:txBody>
+          <a:bodyPr/>
+          <a:lstStyle/>
+          <a:p>
+            <a:r>
+              <a:rPr lang="en-US" altLang="zh-CN" dirty="0"/>
+              <a:t>8.4 Fully Static Runtime Environments</a:t>
+            </a:r>
+            <a:endParaRPr lang="zh-CN" altLang="en-US" dirty="0"/>
+          </a:p>
+        </p:txBody>
+      </p:sp>
+      <p:graphicFrame>
+        <p:nvGraphicFramePr>
+          <p:cNvPr id="4" name="表格 3"/>
+          <p:cNvGraphicFramePr>
+            <a:graphicFrameLocks noGrp="1"/>
+          </p:cNvGraphicFramePr>
+          <p:nvPr>
+            <p:extLst>
+              <p:ext uri="{D42A27DB-BD31-4B8C-83A1-F6EECF244321}">
+                <p14:modId xmlns:p14="http://schemas.microsoft.com/office/powerpoint/2010/main" val="994488794"/>
+              </p:ext>
+            </p:extLst>
+          </p:nvPr>
+        </p:nvGraphicFramePr>
+        <p:xfrm>
+          <a:off x="2156390" y="2003751"/>
+          <a:ext cx="3364194" cy="1854200"/>
+        </p:xfrm>
+        <a:graphic>
+          <a:graphicData uri="http://schemas.openxmlformats.org/drawingml/2006/table">
+            <a:tbl>
+              <a:tblPr firstRow="1" bandRow="1">
+                <a:tableStyleId>{5940675A-B579-460E-94D1-54222C63F5DA}</a:tableStyleId>
+              </a:tblPr>
+              <a:tblGrid>
+                <a:gridCol w="3364194"/>
+              </a:tblGrid>
+              <a:tr h="370840">
+                <a:tc>
+                  <a:txBody>
+                    <a:bodyPr/>
+                    <a:lstStyle/>
+                    <a:p>
+                      <a:r>
+                        <a:rPr lang="en-US" altLang="zh-CN" dirty="0" smtClean="0"/>
+                        <a:t>Actual</a:t>
+                      </a:r>
+                      <a:r>
+                        <a:rPr lang="en-US" altLang="zh-CN" baseline="0" dirty="0" smtClean="0"/>
+                        <a:t> Parameters</a:t>
+                      </a:r>
+                      <a:endParaRPr lang="zh-CN" altLang="en-US" dirty="0"/>
+                    </a:p>
+                  </a:txBody>
+                  <a:tcPr/>
+                </a:tc>
+              </a:tr>
+              <a:tr h="370840">
+                <a:tc>
+                  <a:txBody>
+                    <a:bodyPr/>
+                    <a:lstStyle/>
+                    <a:p>
+                      <a:r>
+                        <a:rPr lang="en-US" altLang="zh-CN" dirty="0" smtClean="0"/>
+                        <a:t>Return</a:t>
+                      </a:r>
+                      <a:r>
+                        <a:rPr lang="en-US" altLang="zh-CN" baseline="0" dirty="0" smtClean="0"/>
+                        <a:t> value</a:t>
+                      </a:r>
+                      <a:endParaRPr lang="zh-CN" altLang="en-US" dirty="0"/>
+                    </a:p>
+                  </a:txBody>
+                  <a:tcPr/>
+                </a:tc>
+              </a:tr>
+              <a:tr h="370840">
+                <a:tc>
+                  <a:txBody>
+                    <a:bodyPr/>
+                    <a:lstStyle/>
+                    <a:p>
+                      <a:r>
+                        <a:rPr lang="en-US" altLang="zh-CN" dirty="0" smtClean="0"/>
+                        <a:t>Return</a:t>
+                      </a:r>
+                      <a:r>
+                        <a:rPr lang="en-US" altLang="zh-CN" baseline="0" dirty="0" smtClean="0"/>
+                        <a:t> address and Saved Registers</a:t>
+                      </a:r>
+                      <a:endParaRPr lang="zh-CN" altLang="en-US" dirty="0"/>
+                    </a:p>
+                  </a:txBody>
+                  <a:tcPr/>
+                </a:tc>
+              </a:tr>
+              <a:tr h="370840">
+                <a:tc>
+                  <a:txBody>
+                    <a:bodyPr/>
+                    <a:lstStyle/>
+                    <a:p>
+                      <a:r>
+                        <a:rPr lang="en-US" altLang="zh-CN" dirty="0" smtClean="0"/>
+                        <a:t>Local data</a:t>
+                      </a:r>
+                      <a:endParaRPr lang="zh-CN" altLang="en-US" dirty="0"/>
+                    </a:p>
+                  </a:txBody>
+                  <a:tcPr/>
+                </a:tc>
+              </a:tr>
+              <a:tr h="370840">
+                <a:tc>
+                  <a:txBody>
+                    <a:bodyPr/>
+                    <a:lstStyle/>
+                    <a:p>
+                      <a:r>
+                        <a:rPr lang="en-US" altLang="zh-CN" dirty="0" smtClean="0"/>
+                        <a:t>Temporaries</a:t>
+                      </a:r>
+                      <a:endParaRPr lang="zh-CN" altLang="en-US" dirty="0"/>
+                    </a:p>
+                  </a:txBody>
+                  <a:tcPr/>
+                </a:tc>
+              </a:tr>
+            </a:tbl>
+          </a:graphicData>
+        </a:graphic>
+      </p:graphicFrame>
+      <p:sp>
+        <p:nvSpPr>
+          <p:cNvPr id="5" name="文本框 4"/>
+          <p:cNvSpPr txBox="1"/>
+          <p:nvPr/>
+        </p:nvSpPr>
+        <p:spPr>
+          <a:xfrm>
+            <a:off x="2119357" y="1410056"/>
+            <a:ext cx="3762568" cy="369332"/>
+          </a:xfrm>
+          <a:prstGeom prst="rect">
+            <a:avLst/>
+          </a:prstGeom>
+          <a:noFill/>
+        </p:spPr>
+        <p:txBody>
+          <a:bodyPr wrap="none" rtlCol="0">
+            <a:spAutoFit/>
+          </a:bodyPr>
+          <a:lstStyle/>
+          <a:p>
+            <a:r>
+              <a:rPr lang="en-US" altLang="zh-CN" dirty="0" smtClean="0"/>
+              <a:t>Fortran 77  (activation record)</a:t>
+            </a:r>
+            <a:endParaRPr lang="zh-CN" altLang="en-US" dirty="0"/>
+          </a:p>
+        </p:txBody>
+      </p:sp>
+      <p:cxnSp>
+        <p:nvCxnSpPr>
+          <p:cNvPr id="7" name="直接箭头连接符 6"/>
+          <p:cNvCxnSpPr/>
+          <p:nvPr/>
+        </p:nvCxnSpPr>
+        <p:spPr>
+          <a:xfrm>
+            <a:off x="1803162" y="2179177"/>
+            <a:ext cx="0" cy="1110954"/>
+          </a:xfrm>
+          <a:prstGeom prst="straightConnector1">
+            <a:avLst/>
+          </a:prstGeom>
+          <a:ln>
+            <a:solidFill>
+              <a:schemeClr val="accent1"/>
+            </a:solidFill>
+            <a:tailEnd type="triangle"/>
+          </a:ln>
+        </p:spPr>
+        <p:style>
+          <a:lnRef idx="1">
+            <a:schemeClr val="accent1"/>
+          </a:lnRef>
+          <a:fillRef idx="0">
+            <a:schemeClr val="accent1"/>
+          </a:fillRef>
+          <a:effectRef idx="0">
+            <a:schemeClr val="accent1"/>
+          </a:effectRef>
+          <a:fontRef idx="minor">
+            <a:schemeClr val="tx1"/>
+          </a:fontRef>
+        </p:style>
+      </p:cxnSp>
+    </p:spTree>
+    <p:extLst>
+      <p:ext uri="{BB962C8B-B14F-4D97-AF65-F5344CB8AC3E}">
+        <p14:creationId xmlns:p14="http://schemas.microsoft.com/office/powerpoint/2010/main" val="1410873949"/>
+      </p:ext>
+    </p:extLst>
+  </p:cSld>
+  <p:clrMapOvr>
+    <a:masterClrMapping/>
+  </p:clrMapOvr>
+  <mc:AlternateContent xmlns:mc="http://schemas.openxmlformats.org/markup-compatibility/2006" xmlns:p14="http://schemas.microsoft.com/office/powerpoint/2010/main">
+    <mc:Choice Requires="p14">
+      <p:transition spd="med" p14:dur="700">
+        <p:fade/>
+      </p:transition>
+    </mc:Choice>
+    <mc:Fallback xmlns="">
+      <p:transition spd="med">
+        <p:fade/>
+      </p:transition>
+    </mc:Fallback>
+  </mc:AlternateContent>
+</p:sld>
+</file>
+
+<file path=ppt/slides/slide27.xml><?xml version="1.0" encoding="utf-8"?>
+<p:sld xmlns:a="http://schemas.openxmlformats.org/drawingml/2006/main" xmlns:r="http://schemas.openxmlformats.org/officeDocument/2006/relationships" xmlns:p="http://schemas.openxmlformats.org/presentationml/2006/main">
+  <p:cSld>
+    <p:spTree>
+      <p:nvGrpSpPr>
+        <p:cNvPr id="1" name=""/>
+        <p:cNvGrpSpPr/>
+        <p:nvPr/>
+      </p:nvGrpSpPr>
+      <p:grpSpPr>
+        <a:xfrm>
+          <a:off x="0" y="0"/>
+          <a:ext cx="0" cy="0"/>
+          <a:chOff x="0" y="0"/>
+          <a:chExt cx="0" cy="0"/>
+        </a:xfrm>
+      </p:grpSpPr>
+      <p:sp>
+        <p:nvSpPr>
+          <p:cNvPr id="2" name="标题 1"/>
+          <p:cNvSpPr>
+            <a:spLocks noGrp="1"/>
+          </p:cNvSpPr>
+          <p:nvPr>
+            <p:ph type="title"/>
+          </p:nvPr>
+        </p:nvSpPr>
+        <p:spPr/>
+        <p:txBody>
+          <a:bodyPr/>
+          <a:lstStyle/>
+          <a:p>
+            <a:r>
+              <a:rPr lang="en-US" altLang="zh-CN" dirty="0"/>
+              <a:t>8.4 Fully Static Runtime Environments</a:t>
+            </a:r>
+            <a:endParaRPr lang="zh-CN" altLang="en-US" dirty="0"/>
+          </a:p>
+        </p:txBody>
+      </p:sp>
+    </p:spTree>
+    <p:extLst>
+      <p:ext uri="{BB962C8B-B14F-4D97-AF65-F5344CB8AC3E}">
+        <p14:creationId xmlns:p14="http://schemas.microsoft.com/office/powerpoint/2010/main" val="758486079"/>
+      </p:ext>
+    </p:extLst>
+  </p:cSld>
+  <p:clrMapOvr>
+    <a:masterClrMapping/>
+  </p:clrMapOvr>
+  <mc:AlternateContent xmlns:mc="http://schemas.openxmlformats.org/markup-compatibility/2006" xmlns:p14="http://schemas.microsoft.com/office/powerpoint/2010/main">
+    <mc:Choice Requires="p14">
+      <p:transition spd="med" p14:dur="700">
+        <p:fade/>
+      </p:transition>
+    </mc:Choice>
+    <mc:Fallback xmlns="">
+      <p:transition spd="med">
+        <p:fade/>
+      </p:transition>
+    </mc:Fallback>
+  </mc:AlternateContent>
+</p:sld>
+</file>
+
+<file path=ppt/slides/slide28.xml><?xml version="1.0" encoding="utf-8"?>
+<p:sld xmlns:a="http://schemas.openxmlformats.org/drawingml/2006/main" xmlns:r="http://schemas.openxmlformats.org/officeDocument/2006/relationships" xmlns:p="http://schemas.openxmlformats.org/presentationml/2006/main">
+  <p:cSld>
+    <p:spTree>
+      <p:nvGrpSpPr>
+        <p:cNvPr id="1" name=""/>
+        <p:cNvGrpSpPr/>
+        <p:nvPr/>
+      </p:nvGrpSpPr>
+      <p:grpSpPr>
+        <a:xfrm>
+          <a:off x="0" y="0"/>
+          <a:ext cx="0" cy="0"/>
+          <a:chOff x="0" y="0"/>
+          <a:chExt cx="0" cy="0"/>
+        </a:xfrm>
+      </p:grpSpPr>
+      <p:sp>
+        <p:nvSpPr>
+          <p:cNvPr id="2" name="标题 1"/>
+          <p:cNvSpPr>
+            <a:spLocks noGrp="1"/>
+          </p:cNvSpPr>
+          <p:nvPr>
+            <p:ph type="title"/>
+          </p:nvPr>
+        </p:nvSpPr>
+        <p:spPr/>
+        <p:txBody>
+          <a:bodyPr/>
+          <a:lstStyle/>
+          <a:p>
+            <a:r>
+              <a:rPr lang="en-US" altLang="zh-CN" dirty="0"/>
+              <a:t>8.4 Fully Static Runtime Environments</a:t>
+            </a:r>
+            <a:endParaRPr lang="zh-CN" altLang="en-US" dirty="0"/>
+          </a:p>
+        </p:txBody>
+      </p:sp>
       <p:sp>
         <p:nvSpPr>
           <p:cNvPr id="3" name="内容占位符 2"/>
@@ -11099,14 +12251,98 @@
           <a:bodyPr/>
           <a:lstStyle/>
           <a:p>
-            <a:endParaRPr lang="zh-CN" altLang="en-US"/>
+            <a:endParaRPr lang="zh-CN" altLang="en-US" dirty="0"/>
           </a:p>
         </p:txBody>
       </p:sp>
     </p:spTree>
     <p:extLst>
       <p:ext uri="{BB962C8B-B14F-4D97-AF65-F5344CB8AC3E}">
-        <p14:creationId xmlns:p14="http://schemas.microsoft.com/office/powerpoint/2010/main" val="1389765212"/>
+        <p14:creationId xmlns:p14="http://schemas.microsoft.com/office/powerpoint/2010/main" val="3955181131"/>
+      </p:ext>
+    </p:extLst>
+  </p:cSld>
+  <p:clrMapOvr>
+    <a:masterClrMapping/>
+  </p:clrMapOvr>
+  <mc:AlternateContent xmlns:mc="http://schemas.openxmlformats.org/markup-compatibility/2006" xmlns:p14="http://schemas.microsoft.com/office/powerpoint/2010/main">
+    <mc:Choice Requires="p14">
+      <p:transition spd="med" p14:dur="700">
+        <p:fade/>
+      </p:transition>
+    </mc:Choice>
+    <mc:Fallback xmlns="">
+      <p:transition spd="med">
+        <p:fade/>
+      </p:transition>
+    </mc:Fallback>
+  </mc:AlternateContent>
+</p:sld>
+</file>
+
+<file path=ppt/slides/slide29.xml><?xml version="1.0" encoding="utf-8"?>
+<p:sld xmlns:a="http://schemas.openxmlformats.org/drawingml/2006/main" xmlns:r="http://schemas.openxmlformats.org/officeDocument/2006/relationships" xmlns:p="http://schemas.openxmlformats.org/presentationml/2006/main">
+  <p:cSld>
+    <p:spTree>
+      <p:nvGrpSpPr>
+        <p:cNvPr id="1" name=""/>
+        <p:cNvGrpSpPr/>
+        <p:nvPr/>
+      </p:nvGrpSpPr>
+      <p:grpSpPr>
+        <a:xfrm>
+          <a:off x="0" y="0"/>
+          <a:ext cx="0" cy="0"/>
+          <a:chOff x="0" y="0"/>
+          <a:chExt cx="0" cy="0"/>
+        </a:xfrm>
+      </p:grpSpPr>
+      <p:sp>
+        <p:nvSpPr>
+          <p:cNvPr id="2" name="标题 1"/>
+          <p:cNvSpPr>
+            <a:spLocks noGrp="1"/>
+          </p:cNvSpPr>
+          <p:nvPr>
+            <p:ph type="title"/>
+          </p:nvPr>
+        </p:nvSpPr>
+        <p:spPr/>
+        <p:txBody>
+          <a:bodyPr/>
+          <a:lstStyle/>
+          <a:p>
+            <a:r>
+              <a:rPr lang="en-US" altLang="zh-CN" dirty="0"/>
+              <a:t>8.4 Fully Static Runtime Environments</a:t>
+            </a:r>
+            <a:endParaRPr lang="zh-CN" altLang="en-US" dirty="0"/>
+          </a:p>
+        </p:txBody>
+      </p:sp>
+      <p:sp>
+        <p:nvSpPr>
+          <p:cNvPr id="3" name="内容占位符 2"/>
+          <p:cNvSpPr>
+            <a:spLocks noGrp="1"/>
+          </p:cNvSpPr>
+          <p:nvPr>
+            <p:ph idx="1"/>
+          </p:nvPr>
+        </p:nvSpPr>
+        <p:spPr/>
+        <p:txBody>
+          <a:bodyPr/>
+          <a:lstStyle/>
+          <a:p>
+            <a:endParaRPr lang="zh-CN" altLang="en-US" dirty="0"/>
+          </a:p>
+        </p:txBody>
+      </p:sp>
+    </p:spTree>
+    <p:extLst>
+      <p:ext uri="{BB962C8B-B14F-4D97-AF65-F5344CB8AC3E}">
+        <p14:creationId xmlns:p14="http://schemas.microsoft.com/office/powerpoint/2010/main" val="2463276774"/>
       </p:ext>
     </p:extLst>
   </p:cSld>
@@ -11616,28 +12852,28 @@
                 <a:gridCol w="1524000">
                   <a:extLst>
                     <a:ext uri="{9D8B030D-6E8A-4147-A177-3AD203B41FA5}">
-                      <a16:colId xmlns:a16="http://schemas.microsoft.com/office/drawing/2014/main" val="20000"/>
+                      <a16:colId xmlns:a16="http://schemas.microsoft.com/office/drawing/2014/main" xmlns="" val="20000"/>
                     </a:ext>
                   </a:extLst>
                 </a:gridCol>
                 <a:gridCol w="1524000">
                   <a:extLst>
                     <a:ext uri="{9D8B030D-6E8A-4147-A177-3AD203B41FA5}">
-                      <a16:colId xmlns:a16="http://schemas.microsoft.com/office/drawing/2014/main" val="20001"/>
+                      <a16:colId xmlns:a16="http://schemas.microsoft.com/office/drawing/2014/main" xmlns="" val="20001"/>
                     </a:ext>
                   </a:extLst>
                 </a:gridCol>
                 <a:gridCol w="1524000">
                   <a:extLst>
                     <a:ext uri="{9D8B030D-6E8A-4147-A177-3AD203B41FA5}">
-                      <a16:colId xmlns:a16="http://schemas.microsoft.com/office/drawing/2014/main" val="20002"/>
+                      <a16:colId xmlns:a16="http://schemas.microsoft.com/office/drawing/2014/main" xmlns="" val="20002"/>
                     </a:ext>
                   </a:extLst>
                 </a:gridCol>
                 <a:gridCol w="1524000">
                   <a:extLst>
                     <a:ext uri="{9D8B030D-6E8A-4147-A177-3AD203B41FA5}">
-                      <a16:colId xmlns:a16="http://schemas.microsoft.com/office/drawing/2014/main" val="20003"/>
+                      <a16:colId xmlns:a16="http://schemas.microsoft.com/office/drawing/2014/main" xmlns="" val="20003"/>
                     </a:ext>
                   </a:extLst>
                 </a:gridCol>
@@ -11695,7 +12931,7 @@
                 </a:tc>
                 <a:extLst>
                   <a:ext uri="{0D108BD9-81ED-4DB2-BD59-A6C34878D82A}">
-                    <a16:rowId xmlns:a16="http://schemas.microsoft.com/office/drawing/2014/main" val="10000"/>
+                    <a16:rowId xmlns:a16="http://schemas.microsoft.com/office/drawing/2014/main" xmlns="" val="10000"/>
                   </a:ext>
                 </a:extLst>
               </a:tr>
@@ -11758,7 +12994,7 @@
                 </a:tc>
                 <a:extLst>
                   <a:ext uri="{0D108BD9-81ED-4DB2-BD59-A6C34878D82A}">
-                    <a16:rowId xmlns:a16="http://schemas.microsoft.com/office/drawing/2014/main" val="10001"/>
+                    <a16:rowId xmlns:a16="http://schemas.microsoft.com/office/drawing/2014/main" xmlns="" val="10001"/>
                   </a:ext>
                 </a:extLst>
               </a:tr>
@@ -11810,7 +13046,7 @@
                 </a:tc>
                 <a:extLst>
                   <a:ext uri="{0D108BD9-81ED-4DB2-BD59-A6C34878D82A}">
-                    <a16:rowId xmlns:a16="http://schemas.microsoft.com/office/drawing/2014/main" val="10002"/>
+                    <a16:rowId xmlns:a16="http://schemas.microsoft.com/office/drawing/2014/main" xmlns="" val="10002"/>
                   </a:ext>
                 </a:extLst>
               </a:tr>
@@ -11862,7 +13098,7 @@
                 </a:tc>
                 <a:extLst>
                   <a:ext uri="{0D108BD9-81ED-4DB2-BD59-A6C34878D82A}">
-                    <a16:rowId xmlns:a16="http://schemas.microsoft.com/office/drawing/2014/main" val="10003"/>
+                    <a16:rowId xmlns:a16="http://schemas.microsoft.com/office/drawing/2014/main" xmlns="" val="10003"/>
                   </a:ext>
                 </a:extLst>
               </a:tr>
@@ -11922,7 +13158,7 @@
                 </a:tc>
                 <a:extLst>
                   <a:ext uri="{0D108BD9-81ED-4DB2-BD59-A6C34878D82A}">
-                    <a16:rowId xmlns:a16="http://schemas.microsoft.com/office/drawing/2014/main" val="10004"/>
+                    <a16:rowId xmlns:a16="http://schemas.microsoft.com/office/drawing/2014/main" xmlns="" val="10004"/>
                   </a:ext>
                 </a:extLst>
               </a:tr>
@@ -11958,105 +13194,105 @@
                 <a:gridCol w="208280">
                   <a:extLst>
                     <a:ext uri="{9D8B030D-6E8A-4147-A177-3AD203B41FA5}">
-                      <a16:colId xmlns:a16="http://schemas.microsoft.com/office/drawing/2014/main" val="20000"/>
+                      <a16:colId xmlns:a16="http://schemas.microsoft.com/office/drawing/2014/main" xmlns="" val="20000"/>
                     </a:ext>
                   </a:extLst>
                 </a:gridCol>
                 <a:gridCol w="208280">
                   <a:extLst>
                     <a:ext uri="{9D8B030D-6E8A-4147-A177-3AD203B41FA5}">
-                      <a16:colId xmlns:a16="http://schemas.microsoft.com/office/drawing/2014/main" val="20001"/>
+                      <a16:colId xmlns:a16="http://schemas.microsoft.com/office/drawing/2014/main" xmlns="" val="20001"/>
                     </a:ext>
                   </a:extLst>
                 </a:gridCol>
                 <a:gridCol w="208280">
                   <a:extLst>
                     <a:ext uri="{9D8B030D-6E8A-4147-A177-3AD203B41FA5}">
-                      <a16:colId xmlns:a16="http://schemas.microsoft.com/office/drawing/2014/main" val="20002"/>
+                      <a16:colId xmlns:a16="http://schemas.microsoft.com/office/drawing/2014/main" xmlns="" val="20002"/>
                     </a:ext>
                   </a:extLst>
                 </a:gridCol>
                 <a:gridCol w="208280">
                   <a:extLst>
                     <a:ext uri="{9D8B030D-6E8A-4147-A177-3AD203B41FA5}">
-                      <a16:colId xmlns:a16="http://schemas.microsoft.com/office/drawing/2014/main" val="20003"/>
+                      <a16:colId xmlns:a16="http://schemas.microsoft.com/office/drawing/2014/main" xmlns="" val="20003"/>
                     </a:ext>
                   </a:extLst>
                 </a:gridCol>
                 <a:gridCol w="208280">
                   <a:extLst>
                     <a:ext uri="{9D8B030D-6E8A-4147-A177-3AD203B41FA5}">
-                      <a16:colId xmlns:a16="http://schemas.microsoft.com/office/drawing/2014/main" val="20004"/>
+                      <a16:colId xmlns:a16="http://schemas.microsoft.com/office/drawing/2014/main" xmlns="" val="20004"/>
                     </a:ext>
                   </a:extLst>
                 </a:gridCol>
                 <a:gridCol w="208280">
                   <a:extLst>
                     <a:ext uri="{9D8B030D-6E8A-4147-A177-3AD203B41FA5}">
-                      <a16:colId xmlns:a16="http://schemas.microsoft.com/office/drawing/2014/main" val="20005"/>
+                      <a16:colId xmlns:a16="http://schemas.microsoft.com/office/drawing/2014/main" xmlns="" val="20005"/>
                     </a:ext>
                   </a:extLst>
                 </a:gridCol>
                 <a:gridCol w="208280">
                   <a:extLst>
                     <a:ext uri="{9D8B030D-6E8A-4147-A177-3AD203B41FA5}">
-                      <a16:colId xmlns:a16="http://schemas.microsoft.com/office/drawing/2014/main" val="20006"/>
+                      <a16:colId xmlns:a16="http://schemas.microsoft.com/office/drawing/2014/main" xmlns="" val="20006"/>
                     </a:ext>
                   </a:extLst>
                 </a:gridCol>
                 <a:gridCol w="208280">
                   <a:extLst>
                     <a:ext uri="{9D8B030D-6E8A-4147-A177-3AD203B41FA5}">
-                      <a16:colId xmlns:a16="http://schemas.microsoft.com/office/drawing/2014/main" val="20007"/>
+                      <a16:colId xmlns:a16="http://schemas.microsoft.com/office/drawing/2014/main" xmlns="" val="20007"/>
                     </a:ext>
                   </a:extLst>
                 </a:gridCol>
                 <a:gridCol w="208280">
                   <a:extLst>
                     <a:ext uri="{9D8B030D-6E8A-4147-A177-3AD203B41FA5}">
-                      <a16:colId xmlns:a16="http://schemas.microsoft.com/office/drawing/2014/main" val="20008"/>
+                      <a16:colId xmlns:a16="http://schemas.microsoft.com/office/drawing/2014/main" xmlns="" val="20008"/>
                     </a:ext>
                   </a:extLst>
                 </a:gridCol>
                 <a:gridCol w="208280">
                   <a:extLst>
                     <a:ext uri="{9D8B030D-6E8A-4147-A177-3AD203B41FA5}">
-                      <a16:colId xmlns:a16="http://schemas.microsoft.com/office/drawing/2014/main" val="20009"/>
+                      <a16:colId xmlns:a16="http://schemas.microsoft.com/office/drawing/2014/main" xmlns="" val="20009"/>
                     </a:ext>
                   </a:extLst>
                 </a:gridCol>
                 <a:gridCol w="208280">
                   <a:extLst>
                     <a:ext uri="{9D8B030D-6E8A-4147-A177-3AD203B41FA5}">
-                      <a16:colId xmlns:a16="http://schemas.microsoft.com/office/drawing/2014/main" val="20010"/>
+                      <a16:colId xmlns:a16="http://schemas.microsoft.com/office/drawing/2014/main" xmlns="" val="20010"/>
                     </a:ext>
                   </a:extLst>
                 </a:gridCol>
                 <a:gridCol w="208280">
                   <a:extLst>
                     <a:ext uri="{9D8B030D-6E8A-4147-A177-3AD203B41FA5}">
-                      <a16:colId xmlns:a16="http://schemas.microsoft.com/office/drawing/2014/main" val="20011"/>
+                      <a16:colId xmlns:a16="http://schemas.microsoft.com/office/drawing/2014/main" xmlns="" val="20011"/>
                     </a:ext>
                   </a:extLst>
                 </a:gridCol>
                 <a:gridCol w="208280">
                   <a:extLst>
                     <a:ext uri="{9D8B030D-6E8A-4147-A177-3AD203B41FA5}">
-                      <a16:colId xmlns:a16="http://schemas.microsoft.com/office/drawing/2014/main" val="20012"/>
+                      <a16:colId xmlns:a16="http://schemas.microsoft.com/office/drawing/2014/main" xmlns="" val="20012"/>
                     </a:ext>
                   </a:extLst>
                 </a:gridCol>
                 <a:gridCol w="208280">
                   <a:extLst>
                     <a:ext uri="{9D8B030D-6E8A-4147-A177-3AD203B41FA5}">
-                      <a16:colId xmlns:a16="http://schemas.microsoft.com/office/drawing/2014/main" val="20013"/>
+                      <a16:colId xmlns:a16="http://schemas.microsoft.com/office/drawing/2014/main" xmlns="" val="20013"/>
                     </a:ext>
                   </a:extLst>
                 </a:gridCol>
                 <a:gridCol w="208280">
                   <a:extLst>
                     <a:ext uri="{9D8B030D-6E8A-4147-A177-3AD203B41FA5}">
-                      <a16:colId xmlns:a16="http://schemas.microsoft.com/office/drawing/2014/main" val="20014"/>
+                      <a16:colId xmlns:a16="http://schemas.microsoft.com/office/drawing/2014/main" xmlns="" val="20014"/>
                     </a:ext>
                   </a:extLst>
                 </a:gridCol>
@@ -12281,7 +13517,7 @@
                 </a:tc>
                 <a:extLst>
                   <a:ext uri="{0D108BD9-81ED-4DB2-BD59-A6C34878D82A}">
-                    <a16:rowId xmlns:a16="http://schemas.microsoft.com/office/drawing/2014/main" val="10000"/>
+                    <a16:rowId xmlns:a16="http://schemas.microsoft.com/office/drawing/2014/main" xmlns="" val="10000"/>
                   </a:ext>
                 </a:extLst>
               </a:tr>
@@ -12621,28 +13857,28 @@
                 <a:gridCol w="818260">
                   <a:extLst>
                     <a:ext uri="{9D8B030D-6E8A-4147-A177-3AD203B41FA5}">
-                      <a16:colId xmlns:a16="http://schemas.microsoft.com/office/drawing/2014/main" val="20000"/>
+                      <a16:colId xmlns:a16="http://schemas.microsoft.com/office/drawing/2014/main" xmlns="" val="20000"/>
                     </a:ext>
                   </a:extLst>
                 </a:gridCol>
                 <a:gridCol w="818260">
                   <a:extLst>
                     <a:ext uri="{9D8B030D-6E8A-4147-A177-3AD203B41FA5}">
-                      <a16:colId xmlns:a16="http://schemas.microsoft.com/office/drawing/2014/main" val="20001"/>
+                      <a16:colId xmlns:a16="http://schemas.microsoft.com/office/drawing/2014/main" xmlns="" val="20001"/>
                     </a:ext>
                   </a:extLst>
                 </a:gridCol>
                 <a:gridCol w="818260">
                   <a:extLst>
                     <a:ext uri="{9D8B030D-6E8A-4147-A177-3AD203B41FA5}">
-                      <a16:colId xmlns:a16="http://schemas.microsoft.com/office/drawing/2014/main" val="20002"/>
+                      <a16:colId xmlns:a16="http://schemas.microsoft.com/office/drawing/2014/main" xmlns="" val="20002"/>
                     </a:ext>
                   </a:extLst>
                 </a:gridCol>
                 <a:gridCol w="818260">
                   <a:extLst>
                     <a:ext uri="{9D8B030D-6E8A-4147-A177-3AD203B41FA5}">
-                      <a16:colId xmlns:a16="http://schemas.microsoft.com/office/drawing/2014/main" val="20003"/>
+                      <a16:colId xmlns:a16="http://schemas.microsoft.com/office/drawing/2014/main" xmlns="" val="20003"/>
                     </a:ext>
                   </a:extLst>
                 </a:gridCol>
@@ -12704,7 +13940,7 @@
                 </a:tc>
                 <a:extLst>
                   <a:ext uri="{0D108BD9-81ED-4DB2-BD59-A6C34878D82A}">
-                    <a16:rowId xmlns:a16="http://schemas.microsoft.com/office/drawing/2014/main" val="10000"/>
+                    <a16:rowId xmlns:a16="http://schemas.microsoft.com/office/drawing/2014/main" xmlns="" val="10000"/>
                   </a:ext>
                 </a:extLst>
               </a:tr>
@@ -12779,7 +14015,7 @@
                 </a:tc>
                 <a:extLst>
                   <a:ext uri="{0D108BD9-81ED-4DB2-BD59-A6C34878D82A}">
-                    <a16:rowId xmlns:a16="http://schemas.microsoft.com/office/drawing/2014/main" val="10001"/>
+                    <a16:rowId xmlns:a16="http://schemas.microsoft.com/office/drawing/2014/main" xmlns="" val="10001"/>
                   </a:ext>
                 </a:extLst>
               </a:tr>
@@ -12846,7 +14082,7 @@
                 </a:tc>
                 <a:extLst>
                   <a:ext uri="{0D108BD9-81ED-4DB2-BD59-A6C34878D82A}">
-                    <a16:rowId xmlns:a16="http://schemas.microsoft.com/office/drawing/2014/main" val="10002"/>
+                    <a16:rowId xmlns:a16="http://schemas.microsoft.com/office/drawing/2014/main" xmlns="" val="10002"/>
                   </a:ext>
                 </a:extLst>
               </a:tr>
@@ -14915,6 +16151,132 @@
 </file>
 
 <file path=customXml/item2.xml><?xml version="1.0" encoding="utf-8"?>
+<p:properties xmlns:p="http://schemas.microsoft.com/office/2006/metadata/properties" xmlns:xsi="http://www.w3.org/2001/XMLSchema-instance" xmlns:pc="http://schemas.microsoft.com/office/infopath/2007/PartnerControls">
+  <documentManagement>
+    <APDescription xmlns="4873beb7-5857-4685-be1f-d57550cc96cc" xsi:nil="true"/>
+    <AssetExpire xmlns="4873beb7-5857-4685-be1f-d57550cc96cc">2029-01-01T08:00:00+00:00</AssetExpire>
+    <CampaignTagsTaxHTField0 xmlns="4873beb7-5857-4685-be1f-d57550cc96cc">
+      <Terms xmlns="http://schemas.microsoft.com/office/infopath/2007/PartnerControls"/>
+    </CampaignTagsTaxHTField0>
+    <IntlLangReviewDate xmlns="4873beb7-5857-4685-be1f-d57550cc96cc" xsi:nil="true"/>
+    <TPFriendlyName xmlns="4873beb7-5857-4685-be1f-d57550cc96cc" xsi:nil="true"/>
+    <IntlLangReview xmlns="4873beb7-5857-4685-be1f-d57550cc96cc">false</IntlLangReview>
+    <LocLastLocAttemptVersionLookup xmlns="4873beb7-5857-4685-be1f-d57550cc96cc">855024</LocLastLocAttemptVersionLookup>
+    <PolicheckWords xmlns="4873beb7-5857-4685-be1f-d57550cc96cc" xsi:nil="true"/>
+    <SubmitterId xmlns="4873beb7-5857-4685-be1f-d57550cc96cc" xsi:nil="true"/>
+    <AcquiredFrom xmlns="4873beb7-5857-4685-be1f-d57550cc96cc">Internal MS</AcquiredFrom>
+    <EditorialStatus xmlns="4873beb7-5857-4685-be1f-d57550cc96cc">Complete</EditorialStatus>
+    <Markets xmlns="4873beb7-5857-4685-be1f-d57550cc96cc"/>
+    <OriginAsset xmlns="4873beb7-5857-4685-be1f-d57550cc96cc" xsi:nil="true"/>
+    <AssetStart xmlns="4873beb7-5857-4685-be1f-d57550cc96cc">2012-08-31T08:50:00+00:00</AssetStart>
+    <FriendlyTitle xmlns="4873beb7-5857-4685-be1f-d57550cc96cc" xsi:nil="true"/>
+    <MarketSpecific xmlns="4873beb7-5857-4685-be1f-d57550cc96cc">false</MarketSpecific>
+    <TPNamespace xmlns="4873beb7-5857-4685-be1f-d57550cc96cc" xsi:nil="true"/>
+    <PublishStatusLookup xmlns="4873beb7-5857-4685-be1f-d57550cc96cc">
+      <Value>1616423</Value>
+    </PublishStatusLookup>
+    <APAuthor xmlns="4873beb7-5857-4685-be1f-d57550cc96cc">
+      <UserInfo>
+        <DisplayName>REDMOND\kristaa</DisplayName>
+        <AccountId>136</AccountId>
+        <AccountType/>
+      </UserInfo>
+    </APAuthor>
+    <TPCommandLine xmlns="4873beb7-5857-4685-be1f-d57550cc96cc" xsi:nil="true"/>
+    <IntlLangReviewer xmlns="4873beb7-5857-4685-be1f-d57550cc96cc" xsi:nil="true"/>
+    <OpenTemplate xmlns="4873beb7-5857-4685-be1f-d57550cc96cc">true</OpenTemplate>
+    <CSXSubmissionDate xmlns="4873beb7-5857-4685-be1f-d57550cc96cc" xsi:nil="true"/>
+    <TaxCatchAll xmlns="4873beb7-5857-4685-be1f-d57550cc96cc"/>
+    <Manager xmlns="4873beb7-5857-4685-be1f-d57550cc96cc" xsi:nil="true"/>
+    <NumericId xmlns="4873beb7-5857-4685-be1f-d57550cc96cc" xsi:nil="true"/>
+    <ParentAssetId xmlns="4873beb7-5857-4685-be1f-d57550cc96cc" xsi:nil="true"/>
+    <OriginalSourceMarket xmlns="4873beb7-5857-4685-be1f-d57550cc96cc" xsi:nil="true"/>
+    <ApprovalStatus xmlns="4873beb7-5857-4685-be1f-d57550cc96cc">InProgress</ApprovalStatus>
+    <TPComponent xmlns="4873beb7-5857-4685-be1f-d57550cc96cc" xsi:nil="true"/>
+    <EditorialTags xmlns="4873beb7-5857-4685-be1f-d57550cc96cc" xsi:nil="true"/>
+    <TPExecutable xmlns="4873beb7-5857-4685-be1f-d57550cc96cc" xsi:nil="true"/>
+    <TPLaunchHelpLink xmlns="4873beb7-5857-4685-be1f-d57550cc96cc" xsi:nil="true"/>
+    <LocComments xmlns="4873beb7-5857-4685-be1f-d57550cc96cc" xsi:nil="true"/>
+    <LocRecommendedHandoff xmlns="4873beb7-5857-4685-be1f-d57550cc96cc" xsi:nil="true"/>
+    <SourceTitle xmlns="4873beb7-5857-4685-be1f-d57550cc96cc" xsi:nil="true"/>
+    <CSXUpdate xmlns="4873beb7-5857-4685-be1f-d57550cc96cc">false</CSXUpdate>
+    <IntlLocPriority xmlns="4873beb7-5857-4685-be1f-d57550cc96cc" xsi:nil="true"/>
+    <UAProjectedTotalWords xmlns="4873beb7-5857-4685-be1f-d57550cc96cc" xsi:nil="true"/>
+    <AssetType xmlns="4873beb7-5857-4685-be1f-d57550cc96cc">TP</AssetType>
+    <MachineTranslated xmlns="4873beb7-5857-4685-be1f-d57550cc96cc">false</MachineTranslated>
+    <OutputCachingOn xmlns="4873beb7-5857-4685-be1f-d57550cc96cc">false</OutputCachingOn>
+    <TemplateStatus xmlns="4873beb7-5857-4685-be1f-d57550cc96cc">Complete</TemplateStatus>
+    <IsSearchable xmlns="4873beb7-5857-4685-be1f-d57550cc96cc">true</IsSearchable>
+    <ContentItem xmlns="4873beb7-5857-4685-be1f-d57550cc96cc" xsi:nil="true"/>
+    <HandoffToMSDN xmlns="4873beb7-5857-4685-be1f-d57550cc96cc" xsi:nil="true"/>
+    <ShowIn xmlns="4873beb7-5857-4685-be1f-d57550cc96cc">Show everywhere</ShowIn>
+    <ThumbnailAssetId xmlns="4873beb7-5857-4685-be1f-d57550cc96cc" xsi:nil="true"/>
+    <UALocComments xmlns="4873beb7-5857-4685-be1f-d57550cc96cc" xsi:nil="true"/>
+    <UALocRecommendation xmlns="4873beb7-5857-4685-be1f-d57550cc96cc">Localize</UALocRecommendation>
+    <LastModifiedDateTime xmlns="4873beb7-5857-4685-be1f-d57550cc96cc" xsi:nil="true"/>
+    <LegacyData xmlns="4873beb7-5857-4685-be1f-d57550cc96cc" xsi:nil="true"/>
+    <LocManualTestRequired xmlns="4873beb7-5857-4685-be1f-d57550cc96cc">false</LocManualTestRequired>
+    <LocMarketGroupTiers2 xmlns="4873beb7-5857-4685-be1f-d57550cc96cc" xsi:nil="true"/>
+    <ClipArtFilename xmlns="4873beb7-5857-4685-be1f-d57550cc96cc" xsi:nil="true"/>
+    <TPApplication xmlns="4873beb7-5857-4685-be1f-d57550cc96cc" xsi:nil="true"/>
+    <CSXHash xmlns="4873beb7-5857-4685-be1f-d57550cc96cc" xsi:nil="true"/>
+    <DirectSourceMarket xmlns="4873beb7-5857-4685-be1f-d57550cc96cc" xsi:nil="true"/>
+    <PrimaryImageGen xmlns="4873beb7-5857-4685-be1f-d57550cc96cc">true</PrimaryImageGen>
+    <PlannedPubDate xmlns="4873beb7-5857-4685-be1f-d57550cc96cc" xsi:nil="true"/>
+    <CSXSubmissionMarket xmlns="4873beb7-5857-4685-be1f-d57550cc96cc" xsi:nil="true"/>
+    <Downloads xmlns="4873beb7-5857-4685-be1f-d57550cc96cc">0</Downloads>
+    <ArtSampleDocs xmlns="4873beb7-5857-4685-be1f-d57550cc96cc" xsi:nil="true"/>
+    <TrustLevel xmlns="4873beb7-5857-4685-be1f-d57550cc96cc">1 Microsoft Managed Content</TrustLevel>
+    <BlockPublish xmlns="4873beb7-5857-4685-be1f-d57550cc96cc">false</BlockPublish>
+    <TPLaunchHelpLinkType xmlns="4873beb7-5857-4685-be1f-d57550cc96cc">Template</TPLaunchHelpLinkType>
+    <LocalizationTagsTaxHTField0 xmlns="4873beb7-5857-4685-be1f-d57550cc96cc">
+      <Terms xmlns="http://schemas.microsoft.com/office/infopath/2007/PartnerControls"/>
+    </LocalizationTagsTaxHTField0>
+    <BusinessGroup xmlns="4873beb7-5857-4685-be1f-d57550cc96cc" xsi:nil="true"/>
+    <Providers xmlns="4873beb7-5857-4685-be1f-d57550cc96cc" xsi:nil="true"/>
+    <TemplateTemplateType xmlns="4873beb7-5857-4685-be1f-d57550cc96cc">PowerPoint Presentation Template</TemplateTemplateType>
+    <TimesCloned xmlns="4873beb7-5857-4685-be1f-d57550cc96cc" xsi:nil="true"/>
+    <TPAppVersion xmlns="4873beb7-5857-4685-be1f-d57550cc96cc" xsi:nil="true"/>
+    <VoteCount xmlns="4873beb7-5857-4685-be1f-d57550cc96cc" xsi:nil="true"/>
+    <AverageRating xmlns="4873beb7-5857-4685-be1f-d57550cc96cc" xsi:nil="true"/>
+    <FeatureTagsTaxHTField0 xmlns="4873beb7-5857-4685-be1f-d57550cc96cc">
+      <Terms xmlns="http://schemas.microsoft.com/office/infopath/2007/PartnerControls"/>
+    </FeatureTagsTaxHTField0>
+    <Provider xmlns="4873beb7-5857-4685-be1f-d57550cc96cc" xsi:nil="true"/>
+    <UACurrentWords xmlns="4873beb7-5857-4685-be1f-d57550cc96cc" xsi:nil="true"/>
+    <AssetId xmlns="4873beb7-5857-4685-be1f-d57550cc96cc">TP103431361</AssetId>
+    <TPClientViewer xmlns="4873beb7-5857-4685-be1f-d57550cc96cc" xsi:nil="true"/>
+    <DSATActionTaken xmlns="4873beb7-5857-4685-be1f-d57550cc96cc" xsi:nil="true"/>
+    <APEditor xmlns="4873beb7-5857-4685-be1f-d57550cc96cc">
+      <UserInfo>
+        <DisplayName/>
+        <AccountId xsi:nil="true"/>
+        <AccountType/>
+      </UserInfo>
+    </APEditor>
+    <TPInstallLocation xmlns="4873beb7-5857-4685-be1f-d57550cc96cc" xsi:nil="true"/>
+    <OOCacheId xmlns="4873beb7-5857-4685-be1f-d57550cc96cc" xsi:nil="true"/>
+    <IsDeleted xmlns="4873beb7-5857-4685-be1f-d57550cc96cc">false</IsDeleted>
+    <PublishTargets xmlns="4873beb7-5857-4685-be1f-d57550cc96cc">OfficeOnlineVNext</PublishTargets>
+    <ApprovalLog xmlns="4873beb7-5857-4685-be1f-d57550cc96cc" xsi:nil="true"/>
+    <BugNumber xmlns="4873beb7-5857-4685-be1f-d57550cc96cc" xsi:nil="true"/>
+    <CrawlForDependencies xmlns="4873beb7-5857-4685-be1f-d57550cc96cc">false</CrawlForDependencies>
+    <InternalTagsTaxHTField0 xmlns="4873beb7-5857-4685-be1f-d57550cc96cc">
+      <Terms xmlns="http://schemas.microsoft.com/office/infopath/2007/PartnerControls"/>
+    </InternalTagsTaxHTField0>
+    <LastHandOff xmlns="4873beb7-5857-4685-be1f-d57550cc96cc" xsi:nil="true"/>
+    <Milestone xmlns="4873beb7-5857-4685-be1f-d57550cc96cc" xsi:nil="true"/>
+    <OriginalRelease xmlns="4873beb7-5857-4685-be1f-d57550cc96cc">15</OriginalRelease>
+    <RecommendationsModifier xmlns="4873beb7-5857-4685-be1f-d57550cc96cc" xsi:nil="true"/>
+    <ScenarioTagsTaxHTField0 xmlns="4873beb7-5857-4685-be1f-d57550cc96cc">
+      <Terms xmlns="http://schemas.microsoft.com/office/infopath/2007/PartnerControls"/>
+    </ScenarioTagsTaxHTField0>
+    <UANotes xmlns="4873beb7-5857-4685-be1f-d57550cc96cc" xsi:nil="true"/>
+  </documentManagement>
+</p:properties>
+</file>
+
+<file path=customXml/item3.xml><?xml version="1.0" encoding="utf-8"?>
 <ct:contentTypeSchema xmlns:ct="http://schemas.microsoft.com/office/2006/metadata/contentType" xmlns:ma="http://schemas.microsoft.com/office/2006/metadata/properties/metaAttributes" ct:_="" ma:_="" ma:contentTypeName="TemplateFile" ma:contentTypeID="0x0101006EDDDB5EE6D98C44930B742096920B300400F5B6D36B3EF94B4E9A635CDF2A18F5B8" ma:contentTypeVersion="72" ma:contentTypeDescription="Create a new document." ma:contentTypeScope="" ma:versionID="a23e56308344d904b51738559c3d67c9">
   <xsd:schema xmlns:xsd="http://www.w3.org/2001/XMLSchema" xmlns:xs="http://www.w3.org/2001/XMLSchema" xmlns:p="http://schemas.microsoft.com/office/2006/metadata/properties" xmlns:ns2="4873beb7-5857-4685-be1f-d57550cc96cc" targetNamespace="http://schemas.microsoft.com/office/2006/metadata/properties" ma:root="true" ma:fieldsID="cd0908cc4600e77bf5da051303e00c8d" ns2:_="">
     <xsd:import namespace="4873beb7-5857-4685-be1f-d57550cc96cc"/>
@@ -15954,132 +17316,6 @@
 </ct:contentTypeSchema>
 </file>
 
-<file path=customXml/item3.xml><?xml version="1.0" encoding="utf-8"?>
-<p:properties xmlns:p="http://schemas.microsoft.com/office/2006/metadata/properties" xmlns:xsi="http://www.w3.org/2001/XMLSchema-instance" xmlns:pc="http://schemas.microsoft.com/office/infopath/2007/PartnerControls">
-  <documentManagement>
-    <APDescription xmlns="4873beb7-5857-4685-be1f-d57550cc96cc" xsi:nil="true"/>
-    <AssetExpire xmlns="4873beb7-5857-4685-be1f-d57550cc96cc">2029-01-01T08:00:00+00:00</AssetExpire>
-    <CampaignTagsTaxHTField0 xmlns="4873beb7-5857-4685-be1f-d57550cc96cc">
-      <Terms xmlns="http://schemas.microsoft.com/office/infopath/2007/PartnerControls"/>
-    </CampaignTagsTaxHTField0>
-    <IntlLangReviewDate xmlns="4873beb7-5857-4685-be1f-d57550cc96cc" xsi:nil="true"/>
-    <TPFriendlyName xmlns="4873beb7-5857-4685-be1f-d57550cc96cc" xsi:nil="true"/>
-    <IntlLangReview xmlns="4873beb7-5857-4685-be1f-d57550cc96cc">false</IntlLangReview>
-    <LocLastLocAttemptVersionLookup xmlns="4873beb7-5857-4685-be1f-d57550cc96cc">855024</LocLastLocAttemptVersionLookup>
-    <PolicheckWords xmlns="4873beb7-5857-4685-be1f-d57550cc96cc" xsi:nil="true"/>
-    <SubmitterId xmlns="4873beb7-5857-4685-be1f-d57550cc96cc" xsi:nil="true"/>
-    <AcquiredFrom xmlns="4873beb7-5857-4685-be1f-d57550cc96cc">Internal MS</AcquiredFrom>
-    <EditorialStatus xmlns="4873beb7-5857-4685-be1f-d57550cc96cc">Complete</EditorialStatus>
-    <Markets xmlns="4873beb7-5857-4685-be1f-d57550cc96cc"/>
-    <OriginAsset xmlns="4873beb7-5857-4685-be1f-d57550cc96cc" xsi:nil="true"/>
-    <AssetStart xmlns="4873beb7-5857-4685-be1f-d57550cc96cc">2012-08-31T08:50:00+00:00</AssetStart>
-    <FriendlyTitle xmlns="4873beb7-5857-4685-be1f-d57550cc96cc" xsi:nil="true"/>
-    <MarketSpecific xmlns="4873beb7-5857-4685-be1f-d57550cc96cc">false</MarketSpecific>
-    <TPNamespace xmlns="4873beb7-5857-4685-be1f-d57550cc96cc" xsi:nil="true"/>
-    <PublishStatusLookup xmlns="4873beb7-5857-4685-be1f-d57550cc96cc">
-      <Value>1616423</Value>
-    </PublishStatusLookup>
-    <APAuthor xmlns="4873beb7-5857-4685-be1f-d57550cc96cc">
-      <UserInfo>
-        <DisplayName>REDMOND\kristaa</DisplayName>
-        <AccountId>136</AccountId>
-        <AccountType/>
-      </UserInfo>
-    </APAuthor>
-    <TPCommandLine xmlns="4873beb7-5857-4685-be1f-d57550cc96cc" xsi:nil="true"/>
-    <IntlLangReviewer xmlns="4873beb7-5857-4685-be1f-d57550cc96cc" xsi:nil="true"/>
-    <OpenTemplate xmlns="4873beb7-5857-4685-be1f-d57550cc96cc">true</OpenTemplate>
-    <CSXSubmissionDate xmlns="4873beb7-5857-4685-be1f-d57550cc96cc" xsi:nil="true"/>
-    <TaxCatchAll xmlns="4873beb7-5857-4685-be1f-d57550cc96cc"/>
-    <Manager xmlns="4873beb7-5857-4685-be1f-d57550cc96cc" xsi:nil="true"/>
-    <NumericId xmlns="4873beb7-5857-4685-be1f-d57550cc96cc" xsi:nil="true"/>
-    <ParentAssetId xmlns="4873beb7-5857-4685-be1f-d57550cc96cc" xsi:nil="true"/>
-    <OriginalSourceMarket xmlns="4873beb7-5857-4685-be1f-d57550cc96cc" xsi:nil="true"/>
-    <ApprovalStatus xmlns="4873beb7-5857-4685-be1f-d57550cc96cc">InProgress</ApprovalStatus>
-    <TPComponent xmlns="4873beb7-5857-4685-be1f-d57550cc96cc" xsi:nil="true"/>
-    <EditorialTags xmlns="4873beb7-5857-4685-be1f-d57550cc96cc" xsi:nil="true"/>
-    <TPExecutable xmlns="4873beb7-5857-4685-be1f-d57550cc96cc" xsi:nil="true"/>
-    <TPLaunchHelpLink xmlns="4873beb7-5857-4685-be1f-d57550cc96cc" xsi:nil="true"/>
-    <LocComments xmlns="4873beb7-5857-4685-be1f-d57550cc96cc" xsi:nil="true"/>
-    <LocRecommendedHandoff xmlns="4873beb7-5857-4685-be1f-d57550cc96cc" xsi:nil="true"/>
-    <SourceTitle xmlns="4873beb7-5857-4685-be1f-d57550cc96cc" xsi:nil="true"/>
-    <CSXUpdate xmlns="4873beb7-5857-4685-be1f-d57550cc96cc">false</CSXUpdate>
-    <IntlLocPriority xmlns="4873beb7-5857-4685-be1f-d57550cc96cc" xsi:nil="true"/>
-    <UAProjectedTotalWords xmlns="4873beb7-5857-4685-be1f-d57550cc96cc" xsi:nil="true"/>
-    <AssetType xmlns="4873beb7-5857-4685-be1f-d57550cc96cc">TP</AssetType>
-    <MachineTranslated xmlns="4873beb7-5857-4685-be1f-d57550cc96cc">false</MachineTranslated>
-    <OutputCachingOn xmlns="4873beb7-5857-4685-be1f-d57550cc96cc">false</OutputCachingOn>
-    <TemplateStatus xmlns="4873beb7-5857-4685-be1f-d57550cc96cc">Complete</TemplateStatus>
-    <IsSearchable xmlns="4873beb7-5857-4685-be1f-d57550cc96cc">true</IsSearchable>
-    <ContentItem xmlns="4873beb7-5857-4685-be1f-d57550cc96cc" xsi:nil="true"/>
-    <HandoffToMSDN xmlns="4873beb7-5857-4685-be1f-d57550cc96cc" xsi:nil="true"/>
-    <ShowIn xmlns="4873beb7-5857-4685-be1f-d57550cc96cc">Show everywhere</ShowIn>
-    <ThumbnailAssetId xmlns="4873beb7-5857-4685-be1f-d57550cc96cc" xsi:nil="true"/>
-    <UALocComments xmlns="4873beb7-5857-4685-be1f-d57550cc96cc" xsi:nil="true"/>
-    <UALocRecommendation xmlns="4873beb7-5857-4685-be1f-d57550cc96cc">Localize</UALocRecommendation>
-    <LastModifiedDateTime xmlns="4873beb7-5857-4685-be1f-d57550cc96cc" xsi:nil="true"/>
-    <LegacyData xmlns="4873beb7-5857-4685-be1f-d57550cc96cc" xsi:nil="true"/>
-    <LocManualTestRequired xmlns="4873beb7-5857-4685-be1f-d57550cc96cc">false</LocManualTestRequired>
-    <LocMarketGroupTiers2 xmlns="4873beb7-5857-4685-be1f-d57550cc96cc" xsi:nil="true"/>
-    <ClipArtFilename xmlns="4873beb7-5857-4685-be1f-d57550cc96cc" xsi:nil="true"/>
-    <TPApplication xmlns="4873beb7-5857-4685-be1f-d57550cc96cc" xsi:nil="true"/>
-    <CSXHash xmlns="4873beb7-5857-4685-be1f-d57550cc96cc" xsi:nil="true"/>
-    <DirectSourceMarket xmlns="4873beb7-5857-4685-be1f-d57550cc96cc" xsi:nil="true"/>
-    <PrimaryImageGen xmlns="4873beb7-5857-4685-be1f-d57550cc96cc">true</PrimaryImageGen>
-    <PlannedPubDate xmlns="4873beb7-5857-4685-be1f-d57550cc96cc" xsi:nil="true"/>
-    <CSXSubmissionMarket xmlns="4873beb7-5857-4685-be1f-d57550cc96cc" xsi:nil="true"/>
-    <Downloads xmlns="4873beb7-5857-4685-be1f-d57550cc96cc">0</Downloads>
-    <ArtSampleDocs xmlns="4873beb7-5857-4685-be1f-d57550cc96cc" xsi:nil="true"/>
-    <TrustLevel xmlns="4873beb7-5857-4685-be1f-d57550cc96cc">1 Microsoft Managed Content</TrustLevel>
-    <BlockPublish xmlns="4873beb7-5857-4685-be1f-d57550cc96cc">false</BlockPublish>
-    <TPLaunchHelpLinkType xmlns="4873beb7-5857-4685-be1f-d57550cc96cc">Template</TPLaunchHelpLinkType>
-    <LocalizationTagsTaxHTField0 xmlns="4873beb7-5857-4685-be1f-d57550cc96cc">
-      <Terms xmlns="http://schemas.microsoft.com/office/infopath/2007/PartnerControls"/>
-    </LocalizationTagsTaxHTField0>
-    <BusinessGroup xmlns="4873beb7-5857-4685-be1f-d57550cc96cc" xsi:nil="true"/>
-    <Providers xmlns="4873beb7-5857-4685-be1f-d57550cc96cc" xsi:nil="true"/>
-    <TemplateTemplateType xmlns="4873beb7-5857-4685-be1f-d57550cc96cc">PowerPoint Presentation Template</TemplateTemplateType>
-    <TimesCloned xmlns="4873beb7-5857-4685-be1f-d57550cc96cc" xsi:nil="true"/>
-    <TPAppVersion xmlns="4873beb7-5857-4685-be1f-d57550cc96cc" xsi:nil="true"/>
-    <VoteCount xmlns="4873beb7-5857-4685-be1f-d57550cc96cc" xsi:nil="true"/>
-    <AverageRating xmlns="4873beb7-5857-4685-be1f-d57550cc96cc" xsi:nil="true"/>
-    <FeatureTagsTaxHTField0 xmlns="4873beb7-5857-4685-be1f-d57550cc96cc">
-      <Terms xmlns="http://schemas.microsoft.com/office/infopath/2007/PartnerControls"/>
-    </FeatureTagsTaxHTField0>
-    <Provider xmlns="4873beb7-5857-4685-be1f-d57550cc96cc" xsi:nil="true"/>
-    <UACurrentWords xmlns="4873beb7-5857-4685-be1f-d57550cc96cc" xsi:nil="true"/>
-    <AssetId xmlns="4873beb7-5857-4685-be1f-d57550cc96cc">TP103431361</AssetId>
-    <TPClientViewer xmlns="4873beb7-5857-4685-be1f-d57550cc96cc" xsi:nil="true"/>
-    <DSATActionTaken xmlns="4873beb7-5857-4685-be1f-d57550cc96cc" xsi:nil="true"/>
-    <APEditor xmlns="4873beb7-5857-4685-be1f-d57550cc96cc">
-      <UserInfo>
-        <DisplayName/>
-        <AccountId xsi:nil="true"/>
-        <AccountType/>
-      </UserInfo>
-    </APEditor>
-    <TPInstallLocation xmlns="4873beb7-5857-4685-be1f-d57550cc96cc" xsi:nil="true"/>
-    <OOCacheId xmlns="4873beb7-5857-4685-be1f-d57550cc96cc" xsi:nil="true"/>
-    <IsDeleted xmlns="4873beb7-5857-4685-be1f-d57550cc96cc">false</IsDeleted>
-    <PublishTargets xmlns="4873beb7-5857-4685-be1f-d57550cc96cc">OfficeOnlineVNext</PublishTargets>
-    <ApprovalLog xmlns="4873beb7-5857-4685-be1f-d57550cc96cc" xsi:nil="true"/>
-    <BugNumber xmlns="4873beb7-5857-4685-be1f-d57550cc96cc" xsi:nil="true"/>
-    <CrawlForDependencies xmlns="4873beb7-5857-4685-be1f-d57550cc96cc">false</CrawlForDependencies>
-    <InternalTagsTaxHTField0 xmlns="4873beb7-5857-4685-be1f-d57550cc96cc">
-      <Terms xmlns="http://schemas.microsoft.com/office/infopath/2007/PartnerControls"/>
-    </InternalTagsTaxHTField0>
-    <LastHandOff xmlns="4873beb7-5857-4685-be1f-d57550cc96cc" xsi:nil="true"/>
-    <Milestone xmlns="4873beb7-5857-4685-be1f-d57550cc96cc" xsi:nil="true"/>
-    <OriginalRelease xmlns="4873beb7-5857-4685-be1f-d57550cc96cc">15</OriginalRelease>
-    <RecommendationsModifier xmlns="4873beb7-5857-4685-be1f-d57550cc96cc" xsi:nil="true"/>
-    <ScenarioTagsTaxHTField0 xmlns="4873beb7-5857-4685-be1f-d57550cc96cc">
-      <Terms xmlns="http://schemas.microsoft.com/office/infopath/2007/PartnerControls"/>
-    </ScenarioTagsTaxHTField0>
-    <UANotes xmlns="4873beb7-5857-4685-be1f-d57550cc96cc" xsi:nil="true"/>
-  </documentManagement>
-</p:properties>
-</file>
-
 <file path=customXml/itemProps1.xml><?xml version="1.0" encoding="utf-8"?>
 <ds:datastoreItem xmlns:ds="http://schemas.openxmlformats.org/officeDocument/2006/customXml" ds:itemID="{561E720F-F05D-4536-9C34-0CFCED65D3B7}">
   <ds:schemaRefs>
@@ -16089,6 +17325,22 @@
 </file>
 
 <file path=customXml/itemProps2.xml><?xml version="1.0" encoding="utf-8"?>
+<ds:datastoreItem xmlns:ds="http://schemas.openxmlformats.org/officeDocument/2006/customXml" ds:itemID="{8CDDBB83-77C1-4099-A0AA-289882E745E2}">
+  <ds:schemaRefs>
+    <ds:schemaRef ds:uri="http://purl.org/dc/terms/"/>
+    <ds:schemaRef ds:uri="http://purl.org/dc/dcmitype/"/>
+    <ds:schemaRef ds:uri="http://www.w3.org/XML/1998/namespace"/>
+    <ds:schemaRef ds:uri="http://purl.org/dc/elements/1.1/"/>
+    <ds:schemaRef ds:uri="http://schemas.microsoft.com/office/infopath/2007/PartnerControls"/>
+    <ds:schemaRef ds:uri="http://schemas.microsoft.com/office/2006/documentManagement/types"/>
+    <ds:schemaRef ds:uri="http://schemas.openxmlformats.org/package/2006/metadata/core-properties"/>
+    <ds:schemaRef ds:uri="4873beb7-5857-4685-be1f-d57550cc96cc"/>
+    <ds:schemaRef ds:uri="http://schemas.microsoft.com/office/2006/metadata/properties"/>
+  </ds:schemaRefs>
+</ds:datastoreItem>
+</file>
+
+<file path=customXml/itemProps3.xml><?xml version="1.0" encoding="utf-8"?>
 <ds:datastoreItem xmlns:ds="http://schemas.openxmlformats.org/officeDocument/2006/customXml" ds:itemID="{28C8B9CA-0273-4370-889A-FC05DA5C2FA5}">
   <ds:schemaRefs>
     <ds:schemaRef ds:uri="http://schemas.microsoft.com/office/2006/metadata/contentType"/>
@@ -16104,20 +17356,4 @@
     <ds:schemaRef ds:uri="http://schemas.microsoft.com/internal/obd"/>
   </ds:schemaRefs>
 </ds:datastoreItem>
-</file>
-
-<file path=customXml/itemProps3.xml><?xml version="1.0" encoding="utf-8"?>
-<ds:datastoreItem xmlns:ds="http://schemas.openxmlformats.org/officeDocument/2006/customXml" ds:itemID="{8CDDBB83-77C1-4099-A0AA-289882E745E2}">
-  <ds:schemaRefs>
-    <ds:schemaRef ds:uri="http://purl.org/dc/terms/"/>
-    <ds:schemaRef ds:uri="http://purl.org/dc/dcmitype/"/>
-    <ds:schemaRef ds:uri="http://www.w3.org/XML/1998/namespace"/>
-    <ds:schemaRef ds:uri="http://purl.org/dc/elements/1.1/"/>
-    <ds:schemaRef ds:uri="http://schemas.microsoft.com/office/infopath/2007/PartnerControls"/>
-    <ds:schemaRef ds:uri="http://schemas.microsoft.com/office/2006/documentManagement/types"/>
-    <ds:schemaRef ds:uri="http://schemas.openxmlformats.org/package/2006/metadata/core-properties"/>
-    <ds:schemaRef ds:uri="4873beb7-5857-4685-be1f-d57550cc96cc"/>
-    <ds:schemaRef ds:uri="http://schemas.microsoft.com/office/2006/metadata/properties"/>
-  </ds:schemaRefs>
-</ds:datastoreItem>
 </file>
--- a/course/compiler/lecture/(Spring2020)Lecture8.pptx
+++ b/course/compiler/lecture/(Spring2020)Lecture8.pptx
@@ -5,10 +5,10 @@
     <p:sldMasterId id="2147483648" r:id="rId4"/>
   </p:sldMasterIdLst>
   <p:notesMasterIdLst>
-    <p:notesMasterId r:id="rId34"/>
+    <p:notesMasterId r:id="rId39"/>
   </p:notesMasterIdLst>
   <p:handoutMasterIdLst>
-    <p:handoutMasterId r:id="rId35"/>
+    <p:handoutMasterId r:id="rId40"/>
   </p:handoutMasterIdLst>
   <p:sldIdLst>
     <p:sldId id="256" r:id="rId5"/>
@@ -40,6 +40,11 @@
     <p:sldId id="304" r:id="rId31"/>
     <p:sldId id="305" r:id="rId32"/>
     <p:sldId id="302" r:id="rId33"/>
+    <p:sldId id="306" r:id="rId34"/>
+    <p:sldId id="307" r:id="rId35"/>
+    <p:sldId id="308" r:id="rId36"/>
+    <p:sldId id="309" r:id="rId37"/>
+    <p:sldId id="310" r:id="rId38"/>
   </p:sldIdLst>
   <p:sldSz cx="9144000" cy="6858000" type="screen4x3"/>
   <p:notesSz cx="6858000" cy="9144000"/>
@@ -11112,7 +11117,7 @@
           <a:graphicData uri="http://schemas.openxmlformats.org/presentationml/2006/ole">
             <mc:AlternateContent xmlns:mc="http://schemas.openxmlformats.org/markup-compatibility/2006">
               <mc:Choice xmlns:v="urn:schemas-microsoft-com:vml" Requires="v">
-                <p:oleObj spid="_x0000_s1027" name="文档" r:id="rId3" imgW="3675877" imgH="3610332" progId="Word.Document.8">
+                <p:oleObj spid="_x0000_s1033" name="文档" r:id="rId3" imgW="3675877" imgH="3610332" progId="Word.Document.8">
                   <p:embed/>
                 </p:oleObj>
               </mc:Choice>
@@ -12165,9 +12170,660 @@
           <a:p>
             <a:r>
               <a:rPr lang="en-US" altLang="zh-CN" dirty="0"/>
-              <a:t>8.4 Fully Static Runtime Environments</a:t>
+              <a:t>8.5 Stack-Based Runtime Environments</a:t>
             </a:r>
             <a:endParaRPr lang="zh-CN" altLang="en-US" dirty="0"/>
+          </a:p>
+        </p:txBody>
+      </p:sp>
+      <p:sp>
+        <p:nvSpPr>
+          <p:cNvPr id="3" name="Rectangle 3"/>
+          <p:cNvSpPr txBox="1">
+            <a:spLocks noChangeArrowheads="1"/>
+          </p:cNvSpPr>
+          <p:nvPr/>
+        </p:nvSpPr>
+        <p:spPr bwMode="auto">
+          <a:xfrm>
+            <a:off x="702892" y="1457384"/>
+            <a:ext cx="7772400" cy="5330825"/>
+          </a:xfrm>
+          <a:prstGeom prst="rect">
+            <a:avLst/>
+          </a:prstGeom>
+          <a:noFill/>
+          <a:ln>
+            <a:noFill/>
+          </a:ln>
+          <a:effectLst/>
+          <a:extLst>
+            <a:ext uri="{909E8E84-426E-40DD-AFC4-6F175D3DCCD1}">
+              <a14:hiddenFill xmlns:a14="http://schemas.microsoft.com/office/drawing/2010/main">
+                <a:solidFill>
+                  <a:schemeClr val="accent1"/>
+                </a:solidFill>
+              </a14:hiddenFill>
+            </a:ext>
+            <a:ext uri="{91240B29-F687-4F45-9708-019B960494DF}">
+              <a14:hiddenLine xmlns:a14="http://schemas.microsoft.com/office/drawing/2010/main" w="9525">
+                <a:solidFill>
+                  <a:schemeClr val="tx1"/>
+                </a:solidFill>
+                <a:miter lim="800000"/>
+                <a:headEnd/>
+                <a:tailEnd/>
+              </a14:hiddenLine>
+            </a:ext>
+            <a:ext uri="{AF507438-7753-43E0-B8FC-AC1667EBCBE1}">
+              <a14:hiddenEffects xmlns:a14="http://schemas.microsoft.com/office/drawing/2010/main">
+                <a:effectLst>
+                  <a:outerShdw dist="35921" dir="2700000" algn="ctr" rotWithShape="0">
+                    <a:schemeClr val="bg2"/>
+                  </a:outerShdw>
+                </a:effectLst>
+              </a14:hiddenEffects>
+            </a:ext>
+          </a:extLst>
+        </p:spPr>
+        <p:txBody>
+          <a:bodyPr vert="horz" wrap="square" lIns="91440" tIns="45720" rIns="91440" bIns="45720" numCol="1" anchor="t" anchorCtr="0" compatLnSpc="1">
+            <a:prstTxWarp prst="textNoShape">
+              <a:avLst/>
+            </a:prstTxWarp>
+          </a:bodyPr>
+          <a:lstStyle>
+            <a:lvl1pPr marL="342900" indent="-342900" algn="l" rtl="0" eaLnBrk="0" fontAlgn="base" hangingPunct="0">
+              <a:spcBef>
+                <a:spcPct val="20000"/>
+              </a:spcBef>
+              <a:spcAft>
+                <a:spcPct val="0"/>
+              </a:spcAft>
+              <a:buChar char="•"/>
+              <a:defRPr sz="3200" kern="1200">
+                <a:solidFill>
+                  <a:schemeClr val="tx1"/>
+                </a:solidFill>
+                <a:latin typeface="+mn-lt"/>
+                <a:ea typeface="+mn-ea"/>
+                <a:cs typeface="+mn-cs"/>
+              </a:defRPr>
+            </a:lvl1pPr>
+            <a:lvl2pPr marL="742950" indent="-285750" algn="l" rtl="0" eaLnBrk="0" fontAlgn="base" hangingPunct="0">
+              <a:spcBef>
+                <a:spcPct val="20000"/>
+              </a:spcBef>
+              <a:spcAft>
+                <a:spcPct val="0"/>
+              </a:spcAft>
+              <a:buChar char="–"/>
+              <a:defRPr sz="2800" kern="1200">
+                <a:solidFill>
+                  <a:schemeClr val="tx1"/>
+                </a:solidFill>
+                <a:latin typeface="+mn-lt"/>
+                <a:ea typeface="+mn-ea"/>
+                <a:cs typeface="+mn-cs"/>
+              </a:defRPr>
+            </a:lvl2pPr>
+            <a:lvl3pPr marL="1143000" indent="-228600" algn="l" rtl="0" eaLnBrk="0" fontAlgn="base" hangingPunct="0">
+              <a:spcBef>
+                <a:spcPct val="20000"/>
+              </a:spcBef>
+              <a:spcAft>
+                <a:spcPct val="0"/>
+              </a:spcAft>
+              <a:buChar char="•"/>
+              <a:defRPr sz="2400" kern="1200">
+                <a:solidFill>
+                  <a:schemeClr val="tx1"/>
+                </a:solidFill>
+                <a:latin typeface="+mn-lt"/>
+                <a:ea typeface="+mn-ea"/>
+                <a:cs typeface="+mn-cs"/>
+              </a:defRPr>
+            </a:lvl3pPr>
+            <a:lvl4pPr marL="1600200" indent="-228600" algn="l" rtl="0" eaLnBrk="0" fontAlgn="base" hangingPunct="0">
+              <a:spcBef>
+                <a:spcPct val="20000"/>
+              </a:spcBef>
+              <a:spcAft>
+                <a:spcPct val="0"/>
+              </a:spcAft>
+              <a:buChar char="–"/>
+              <a:defRPr sz="2000" kern="1200">
+                <a:solidFill>
+                  <a:schemeClr val="tx1"/>
+                </a:solidFill>
+                <a:latin typeface="+mn-lt"/>
+                <a:ea typeface="+mn-ea"/>
+                <a:cs typeface="+mn-cs"/>
+              </a:defRPr>
+            </a:lvl4pPr>
+            <a:lvl5pPr marL="2057400" indent="-228600" algn="l" rtl="0" eaLnBrk="0" fontAlgn="base" hangingPunct="0">
+              <a:spcBef>
+                <a:spcPct val="20000"/>
+              </a:spcBef>
+              <a:spcAft>
+                <a:spcPct val="0"/>
+              </a:spcAft>
+              <a:buChar char="»"/>
+              <a:defRPr sz="2000" kern="1200">
+                <a:solidFill>
+                  <a:schemeClr val="tx1"/>
+                </a:solidFill>
+                <a:latin typeface="+mn-lt"/>
+                <a:ea typeface="+mn-ea"/>
+                <a:cs typeface="+mn-cs"/>
+              </a:defRPr>
+            </a:lvl5pPr>
+            <a:lvl6pPr marL="2514600" indent="-228600" algn="l" defTabSz="914400" rtl="0" eaLnBrk="1" latinLnBrk="0" hangingPunct="1">
+              <a:lnSpc>
+                <a:spcPct val="90000"/>
+              </a:lnSpc>
+              <a:spcBef>
+                <a:spcPts val="500"/>
+              </a:spcBef>
+              <a:buFont typeface="Arial" panose="020B0604020202020204" pitchFamily="34" charset="0"/>
+              <a:buChar char="•"/>
+              <a:defRPr sz="1800" kern="1200">
+                <a:solidFill>
+                  <a:schemeClr val="tx1"/>
+                </a:solidFill>
+                <a:latin typeface="+mn-lt"/>
+                <a:ea typeface="+mn-ea"/>
+                <a:cs typeface="+mn-cs"/>
+              </a:defRPr>
+            </a:lvl6pPr>
+            <a:lvl7pPr marL="2971800" indent="-228600" algn="l" defTabSz="914400" rtl="0" eaLnBrk="1" latinLnBrk="0" hangingPunct="1">
+              <a:lnSpc>
+                <a:spcPct val="90000"/>
+              </a:lnSpc>
+              <a:spcBef>
+                <a:spcPts val="500"/>
+              </a:spcBef>
+              <a:buFont typeface="Arial" panose="020B0604020202020204" pitchFamily="34" charset="0"/>
+              <a:buChar char="•"/>
+              <a:defRPr sz="1800" kern="1200">
+                <a:solidFill>
+                  <a:schemeClr val="tx1"/>
+                </a:solidFill>
+                <a:latin typeface="+mn-lt"/>
+                <a:ea typeface="+mn-ea"/>
+                <a:cs typeface="+mn-cs"/>
+              </a:defRPr>
+            </a:lvl7pPr>
+            <a:lvl8pPr marL="3429000" indent="-228600" algn="l" defTabSz="914400" rtl="0" eaLnBrk="1" latinLnBrk="0" hangingPunct="1">
+              <a:lnSpc>
+                <a:spcPct val="90000"/>
+              </a:lnSpc>
+              <a:spcBef>
+                <a:spcPts val="500"/>
+              </a:spcBef>
+              <a:buFont typeface="Arial" panose="020B0604020202020204" pitchFamily="34" charset="0"/>
+              <a:buChar char="•"/>
+              <a:defRPr sz="1800" kern="1200">
+                <a:solidFill>
+                  <a:schemeClr val="tx1"/>
+                </a:solidFill>
+                <a:latin typeface="+mn-lt"/>
+                <a:ea typeface="+mn-ea"/>
+                <a:cs typeface="+mn-cs"/>
+              </a:defRPr>
+            </a:lvl8pPr>
+            <a:lvl9pPr marL="3886200" indent="-228600" algn="l" defTabSz="914400" rtl="0" eaLnBrk="1" latinLnBrk="0" hangingPunct="1">
+              <a:lnSpc>
+                <a:spcPct val="90000"/>
+              </a:lnSpc>
+              <a:spcBef>
+                <a:spcPts val="500"/>
+              </a:spcBef>
+              <a:buFont typeface="Arial" panose="020B0604020202020204" pitchFamily="34" charset="0"/>
+              <a:buChar char="•"/>
+              <a:defRPr sz="1800" kern="1200">
+                <a:solidFill>
+                  <a:schemeClr val="tx1"/>
+                </a:solidFill>
+                <a:latin typeface="+mn-lt"/>
+                <a:ea typeface="+mn-ea"/>
+                <a:cs typeface="+mn-cs"/>
+              </a:defRPr>
+            </a:lvl9pPr>
+          </a:lstStyle>
+          <a:p>
+            <a:pPr marL="342900" marR="0" lvl="0" indent="-342900" algn="l" defTabSz="914400" rtl="0" eaLnBrk="1" fontAlgn="base" latinLnBrk="0" hangingPunct="1">
+              <a:lnSpc>
+                <a:spcPct val="80000"/>
+              </a:lnSpc>
+              <a:spcBef>
+                <a:spcPct val="20000"/>
+              </a:spcBef>
+              <a:spcAft>
+                <a:spcPct val="0"/>
+              </a:spcAft>
+              <a:buClrTx/>
+              <a:buSzTx/>
+              <a:buFontTx/>
+              <a:buChar char="•"/>
+              <a:tabLst/>
+              <a:defRPr/>
+            </a:pPr>
+            <a:r>
+              <a:rPr kumimoji="0" lang="en-US" altLang="zh-CN" sz="2800" b="0" i="0" u="none" strike="noStrike" kern="1200" cap="none" spc="0" normalizeH="0" baseline="0" noProof="0" smtClean="0">
+                <a:ln>
+                  <a:noFill/>
+                </a:ln>
+                <a:solidFill>
+                  <a:srgbClr val="000000"/>
+                </a:solidFill>
+                <a:effectLst/>
+                <a:uLnTx/>
+                <a:uFillTx/>
+                <a:latin typeface="Times New Roman"/>
+                <a:ea typeface="宋体"/>
+                <a:cs typeface="+mn-cs"/>
+              </a:rPr>
+              <a:t>For a language, </a:t>
+            </a:r>
+            <a:r>
+              <a:rPr kumimoji="0" lang="en-US" altLang="zh-CN" sz="2800" b="1" i="0" u="none" strike="noStrike" kern="1200" cap="none" spc="0" normalizeH="0" baseline="0" noProof="0" smtClean="0">
+                <a:ln>
+                  <a:noFill/>
+                </a:ln>
+                <a:solidFill>
+                  <a:srgbClr val="000000"/>
+                </a:solidFill>
+                <a:effectLst/>
+                <a:uLnTx/>
+                <a:uFillTx/>
+                <a:latin typeface="Times New Roman"/>
+                <a:ea typeface="宋体"/>
+                <a:cs typeface="+mn-cs"/>
+              </a:rPr>
+              <a:t>in which</a:t>
+            </a:r>
+          </a:p>
+          <a:p>
+            <a:pPr marL="742950" marR="0" lvl="1" indent="-285750" algn="l" defTabSz="914400" rtl="0" eaLnBrk="1" fontAlgn="base" latinLnBrk="0" hangingPunct="1">
+              <a:lnSpc>
+                <a:spcPct val="80000"/>
+              </a:lnSpc>
+              <a:spcBef>
+                <a:spcPct val="20000"/>
+              </a:spcBef>
+              <a:spcAft>
+                <a:spcPct val="0"/>
+              </a:spcAft>
+              <a:buClrTx/>
+              <a:buSzTx/>
+              <a:buFontTx/>
+              <a:buChar char="–"/>
+              <a:tabLst/>
+              <a:defRPr/>
+            </a:pPr>
+            <a:r>
+              <a:rPr kumimoji="0" lang="en-US" altLang="zh-CN" sz="2400" b="0" i="0" u="none" strike="noStrike" kern="1200" cap="none" spc="0" normalizeH="0" baseline="0" noProof="0" smtClean="0">
+                <a:ln>
+                  <a:noFill/>
+                </a:ln>
+                <a:solidFill>
+                  <a:srgbClr val="000000"/>
+                </a:solidFill>
+                <a:effectLst/>
+                <a:uLnTx/>
+                <a:uFillTx/>
+                <a:latin typeface="Times New Roman"/>
+                <a:ea typeface="宋体"/>
+                <a:cs typeface="+mn-cs"/>
+              </a:rPr>
+              <a:t>Recursive calls are allowed;</a:t>
+            </a:r>
+          </a:p>
+          <a:p>
+            <a:pPr marL="742950" marR="0" lvl="1" indent="-285750" algn="l" defTabSz="914400" rtl="0" eaLnBrk="1" fontAlgn="base" latinLnBrk="0" hangingPunct="1">
+              <a:lnSpc>
+                <a:spcPct val="80000"/>
+              </a:lnSpc>
+              <a:spcBef>
+                <a:spcPct val="20000"/>
+              </a:spcBef>
+              <a:spcAft>
+                <a:spcPct val="0"/>
+              </a:spcAft>
+              <a:buClrTx/>
+              <a:buSzTx/>
+              <a:buFontTx/>
+              <a:buChar char="–"/>
+              <a:tabLst/>
+              <a:defRPr/>
+            </a:pPr>
+            <a:r>
+              <a:rPr kumimoji="0" lang="en-US" altLang="zh-CN" sz="2400" b="0" i="0" u="none" strike="noStrike" kern="1200" cap="none" spc="0" normalizeH="0" baseline="0" noProof="0" smtClean="0">
+                <a:ln>
+                  <a:noFill/>
+                </a:ln>
+                <a:solidFill>
+                  <a:srgbClr val="000000"/>
+                </a:solidFill>
+                <a:effectLst/>
+                <a:uLnTx/>
+                <a:uFillTx/>
+                <a:latin typeface="Times New Roman"/>
+                <a:ea typeface="宋体"/>
+                <a:cs typeface="+mn-cs"/>
+              </a:rPr>
+              <a:t>Local variables are newly allocated at each call;</a:t>
+            </a:r>
+          </a:p>
+          <a:p>
+            <a:pPr marL="742950" marR="0" lvl="1" indent="-285750" algn="l" defTabSz="914400" rtl="0" eaLnBrk="1" fontAlgn="base" latinLnBrk="0" hangingPunct="1">
+              <a:lnSpc>
+                <a:spcPct val="80000"/>
+              </a:lnSpc>
+              <a:spcBef>
+                <a:spcPct val="20000"/>
+              </a:spcBef>
+              <a:spcAft>
+                <a:spcPct val="0"/>
+              </a:spcAft>
+              <a:buClrTx/>
+              <a:buSzTx/>
+              <a:buFontTx/>
+              <a:buChar char="–"/>
+              <a:tabLst/>
+              <a:defRPr/>
+            </a:pPr>
+            <a:r>
+              <a:rPr kumimoji="0" lang="en-US" altLang="zh-CN" sz="2400" b="0" i="0" u="none" strike="noStrike" kern="1200" cap="none" spc="0" normalizeH="0" baseline="0" noProof="0" smtClean="0">
+                <a:ln>
+                  <a:noFill/>
+                </a:ln>
+                <a:solidFill>
+                  <a:srgbClr val="000000"/>
+                </a:solidFill>
+                <a:effectLst/>
+                <a:uLnTx/>
+                <a:uFillTx/>
+                <a:latin typeface="Times New Roman"/>
+                <a:ea typeface="宋体"/>
+                <a:cs typeface="+mn-cs"/>
+              </a:rPr>
+              <a:t>Activation records cannot be allocated statically</a:t>
+            </a:r>
+          </a:p>
+          <a:p>
+            <a:pPr marL="742950" marR="0" lvl="1" indent="-285750" algn="l" defTabSz="914400" rtl="0" eaLnBrk="1" fontAlgn="base" latinLnBrk="0" hangingPunct="1">
+              <a:lnSpc>
+                <a:spcPct val="80000"/>
+              </a:lnSpc>
+              <a:spcBef>
+                <a:spcPct val="20000"/>
+              </a:spcBef>
+              <a:spcAft>
+                <a:spcPct val="0"/>
+              </a:spcAft>
+              <a:buClrTx/>
+              <a:buSzTx/>
+              <a:buFontTx/>
+              <a:buChar char="–"/>
+              <a:tabLst/>
+              <a:defRPr/>
+            </a:pPr>
+            <a:endParaRPr kumimoji="0" lang="en-US" altLang="zh-CN" sz="2400" b="0" i="0" u="none" strike="noStrike" kern="1200" cap="none" spc="0" normalizeH="0" baseline="0" noProof="0" smtClean="0">
+              <a:ln>
+                <a:noFill/>
+              </a:ln>
+              <a:solidFill>
+                <a:srgbClr val="000000"/>
+              </a:solidFill>
+              <a:effectLst/>
+              <a:uLnTx/>
+              <a:uFillTx/>
+              <a:latin typeface="Times New Roman"/>
+              <a:ea typeface="宋体"/>
+              <a:cs typeface="+mn-cs"/>
+            </a:endParaRPr>
+          </a:p>
+          <a:p>
+            <a:pPr marL="342900" marR="0" lvl="0" indent="-342900" algn="l" defTabSz="914400" rtl="0" eaLnBrk="1" fontAlgn="base" latinLnBrk="0" hangingPunct="1">
+              <a:lnSpc>
+                <a:spcPct val="80000"/>
+              </a:lnSpc>
+              <a:spcBef>
+                <a:spcPct val="20000"/>
+              </a:spcBef>
+              <a:spcAft>
+                <a:spcPct val="0"/>
+              </a:spcAft>
+              <a:buClrTx/>
+              <a:buSzTx/>
+              <a:buFontTx/>
+              <a:buChar char="•"/>
+              <a:tabLst/>
+              <a:defRPr/>
+            </a:pPr>
+            <a:r>
+              <a:rPr kumimoji="0" lang="en-US" altLang="zh-CN" sz="2800" b="0" i="0" u="none" strike="noStrike" kern="1200" cap="none" spc="0" normalizeH="0" baseline="0" noProof="0" smtClean="0">
+                <a:ln>
+                  <a:noFill/>
+                </a:ln>
+                <a:solidFill>
+                  <a:srgbClr val="000000"/>
+                </a:solidFill>
+                <a:effectLst/>
+                <a:uLnTx/>
+                <a:uFillTx/>
+                <a:latin typeface="Times New Roman"/>
+                <a:ea typeface="宋体"/>
+                <a:cs typeface="+mn-cs"/>
+              </a:rPr>
+              <a:t>Activation records must be </a:t>
+            </a:r>
+            <a:r>
+              <a:rPr kumimoji="0" lang="en-US" altLang="zh-CN" sz="2800" b="1" i="0" u="none" strike="noStrike" kern="1200" cap="none" spc="0" normalizeH="0" baseline="0" noProof="0" smtClean="0">
+                <a:ln>
+                  <a:noFill/>
+                </a:ln>
+                <a:solidFill>
+                  <a:srgbClr val="000000"/>
+                </a:solidFill>
+                <a:effectLst/>
+                <a:uLnTx/>
+                <a:uFillTx/>
+                <a:latin typeface="Times New Roman"/>
+                <a:ea typeface="宋体"/>
+                <a:cs typeface="+mn-cs"/>
+              </a:rPr>
+              <a:t>allocated in a stack-based fashion</a:t>
+            </a:r>
+            <a:endParaRPr kumimoji="0" lang="en-US" altLang="zh-CN" sz="2800" b="0" i="0" u="none" strike="noStrike" kern="1200" cap="none" spc="0" normalizeH="0" baseline="0" noProof="0" smtClean="0">
+              <a:ln>
+                <a:noFill/>
+              </a:ln>
+              <a:solidFill>
+                <a:srgbClr val="000000"/>
+              </a:solidFill>
+              <a:effectLst/>
+              <a:uLnTx/>
+              <a:uFillTx/>
+              <a:latin typeface="Times New Roman"/>
+              <a:ea typeface="宋体"/>
+              <a:cs typeface="+mn-cs"/>
+            </a:endParaRPr>
+          </a:p>
+          <a:p>
+            <a:pPr marL="742950" marR="0" lvl="1" indent="-285750" algn="l" defTabSz="914400" rtl="0" eaLnBrk="1" fontAlgn="base" latinLnBrk="0" hangingPunct="1">
+              <a:lnSpc>
+                <a:spcPct val="80000"/>
+              </a:lnSpc>
+              <a:spcBef>
+                <a:spcPct val="20000"/>
+              </a:spcBef>
+              <a:spcAft>
+                <a:spcPct val="0"/>
+              </a:spcAft>
+              <a:buClrTx/>
+              <a:buSzTx/>
+              <a:buFontTx/>
+              <a:buChar char="–"/>
+              <a:tabLst/>
+              <a:defRPr/>
+            </a:pPr>
+            <a:r>
+              <a:rPr kumimoji="0" lang="en-US" altLang="zh-CN" sz="2400" b="0" i="0" u="none" strike="noStrike" kern="1200" cap="none" spc="0" normalizeH="0" baseline="0" noProof="0" smtClean="0">
+                <a:ln>
+                  <a:noFill/>
+                </a:ln>
+                <a:solidFill>
+                  <a:srgbClr val="000000"/>
+                </a:solidFill>
+                <a:effectLst/>
+                <a:uLnTx/>
+                <a:uFillTx/>
+                <a:latin typeface="Times New Roman"/>
+                <a:ea typeface="宋体"/>
+                <a:cs typeface="+mn-cs"/>
+              </a:rPr>
+              <a:t>The stack of activation records grows and shrinks with the chain of calls in the executing program.</a:t>
+            </a:r>
+          </a:p>
+          <a:p>
+            <a:pPr marL="742950" marR="0" lvl="1" indent="-285750" algn="l" defTabSz="914400" rtl="0" eaLnBrk="1" fontAlgn="base" latinLnBrk="0" hangingPunct="1">
+              <a:lnSpc>
+                <a:spcPct val="80000"/>
+              </a:lnSpc>
+              <a:spcBef>
+                <a:spcPct val="20000"/>
+              </a:spcBef>
+              <a:spcAft>
+                <a:spcPct val="0"/>
+              </a:spcAft>
+              <a:buClrTx/>
+              <a:buSzTx/>
+              <a:buFontTx/>
+              <a:buChar char="–"/>
+              <a:tabLst/>
+              <a:defRPr/>
+            </a:pPr>
+            <a:r>
+              <a:rPr kumimoji="0" lang="en-US" altLang="zh-CN" sz="2400" b="0" i="0" u="none" strike="noStrike" kern="1200" cap="none" spc="0" normalizeH="0" baseline="0" noProof="0" smtClean="0">
+                <a:ln>
+                  <a:noFill/>
+                </a:ln>
+                <a:solidFill>
+                  <a:srgbClr val="000000"/>
+                </a:solidFill>
+                <a:effectLst/>
+                <a:uLnTx/>
+                <a:uFillTx/>
+                <a:latin typeface="Times New Roman"/>
+                <a:ea typeface="宋体"/>
+                <a:cs typeface="+mn-cs"/>
+              </a:rPr>
+              <a:t>Each procedure may have several </a:t>
+            </a:r>
+            <a:r>
+              <a:rPr kumimoji="0" lang="en-US" altLang="zh-CN" sz="2400" b="1" i="0" u="none" strike="noStrike" kern="1200" cap="none" spc="0" normalizeH="0" baseline="0" noProof="0" smtClean="0">
+                <a:ln>
+                  <a:noFill/>
+                </a:ln>
+                <a:solidFill>
+                  <a:srgbClr val="000000"/>
+                </a:solidFill>
+                <a:effectLst/>
+                <a:uLnTx/>
+                <a:uFillTx/>
+                <a:latin typeface="Times New Roman"/>
+                <a:ea typeface="宋体"/>
+                <a:cs typeface="+mn-cs"/>
+              </a:rPr>
+              <a:t>different activation records on the call stack at one time</a:t>
+            </a:r>
+            <a:r>
+              <a:rPr kumimoji="0" lang="en-US" altLang="zh-CN" sz="2400" b="0" i="0" u="none" strike="noStrike" kern="1200" cap="none" spc="0" normalizeH="0" baseline="0" noProof="0" smtClean="0">
+                <a:ln>
+                  <a:noFill/>
+                </a:ln>
+                <a:solidFill>
+                  <a:srgbClr val="000000"/>
+                </a:solidFill>
+                <a:effectLst/>
+                <a:uLnTx/>
+                <a:uFillTx/>
+                <a:latin typeface="Times New Roman"/>
+                <a:ea typeface="宋体"/>
+                <a:cs typeface="+mn-cs"/>
+              </a:rPr>
+              <a:t>, each representing a distinct call.</a:t>
+            </a:r>
+          </a:p>
+          <a:p>
+            <a:pPr marL="742950" marR="0" lvl="1" indent="-285750" algn="l" defTabSz="914400" rtl="0" eaLnBrk="1" fontAlgn="base" latinLnBrk="0" hangingPunct="1">
+              <a:lnSpc>
+                <a:spcPct val="80000"/>
+              </a:lnSpc>
+              <a:spcBef>
+                <a:spcPct val="20000"/>
+              </a:spcBef>
+              <a:spcAft>
+                <a:spcPct val="0"/>
+              </a:spcAft>
+              <a:buClrTx/>
+              <a:buSzTx/>
+              <a:buFontTx/>
+              <a:buChar char="–"/>
+              <a:tabLst/>
+              <a:defRPr/>
+            </a:pPr>
+            <a:r>
+              <a:rPr kumimoji="0" lang="en-US" altLang="zh-CN" sz="2400" b="1" i="0" u="none" strike="noStrike" kern="1200" cap="none" spc="0" normalizeH="0" baseline="0" noProof="0" smtClean="0">
+                <a:ln>
+                  <a:noFill/>
+                </a:ln>
+                <a:solidFill>
+                  <a:srgbClr val="000000"/>
+                </a:solidFill>
+                <a:effectLst/>
+                <a:uLnTx/>
+                <a:uFillTx/>
+                <a:latin typeface="Times New Roman"/>
+                <a:ea typeface="宋体"/>
+                <a:cs typeface="+mn-cs"/>
+              </a:rPr>
+              <a:t>More complex strategy for bookkeeping and variable access,</a:t>
+            </a:r>
+            <a:r>
+              <a:rPr kumimoji="0" lang="en-US" altLang="zh-CN" sz="2400" b="0" i="0" u="none" strike="noStrike" kern="1200" cap="none" spc="0" normalizeH="0" baseline="0" noProof="0" smtClean="0">
+                <a:ln>
+                  <a:noFill/>
+                </a:ln>
+                <a:solidFill>
+                  <a:srgbClr val="000000"/>
+                </a:solidFill>
+                <a:effectLst/>
+                <a:uLnTx/>
+                <a:uFillTx/>
+                <a:latin typeface="Times New Roman"/>
+                <a:ea typeface="宋体"/>
+                <a:cs typeface="+mn-cs"/>
+              </a:rPr>
+              <a:t> which depends heavily on the properties of the language being compiled.</a:t>
+            </a:r>
+            <a:endParaRPr kumimoji="0" lang="zh-CN" altLang="en-US" sz="2400" b="0" i="0" u="none" strike="noStrike" kern="1200" cap="none" spc="0" normalizeH="0" baseline="0" noProof="0" dirty="0" smtClean="0">
+              <a:ln>
+                <a:noFill/>
+              </a:ln>
+              <a:solidFill>
+                <a:srgbClr val="000000"/>
+              </a:solidFill>
+              <a:effectLst/>
+              <a:uLnTx/>
+              <a:uFillTx/>
+              <a:latin typeface="Times New Roman"/>
+              <a:ea typeface="宋体"/>
+              <a:cs typeface="+mn-cs"/>
+            </a:endParaRPr>
           </a:p>
         </p:txBody>
       </p:sp>
@@ -12230,7 +12886,7 @@
           <a:p>
             <a:r>
               <a:rPr lang="en-US" altLang="zh-CN" dirty="0"/>
-              <a:t>8.4 Fully Static Runtime Environments</a:t>
+              <a:t>8.5 Stack-Based Runtime Environments-Without Local Procedures</a:t>
             </a:r>
             <a:endParaRPr lang="zh-CN" altLang="en-US" dirty="0"/>
           </a:p>
@@ -12238,20 +12894,442 @@
       </p:sp>
       <p:sp>
         <p:nvSpPr>
-          <p:cNvPr id="3" name="内容占位符 2"/>
-          <p:cNvSpPr>
-            <a:spLocks noGrp="1"/>
+          <p:cNvPr id="4" name="Rectangle 3"/>
+          <p:cNvSpPr txBox="1">
+            <a:spLocks noChangeArrowheads="1"/>
           </p:cNvSpPr>
-          <p:nvPr>
-            <p:ph idx="1"/>
-          </p:nvPr>
+          <p:nvPr/>
         </p:nvSpPr>
-        <p:spPr/>
+        <p:spPr bwMode="auto">
+          <a:xfrm>
+            <a:off x="660163" y="1619754"/>
+            <a:ext cx="7772400" cy="4900687"/>
+          </a:xfrm>
+          <a:prstGeom prst="rect">
+            <a:avLst/>
+          </a:prstGeom>
+          <a:noFill/>
+          <a:ln>
+            <a:noFill/>
+          </a:ln>
+          <a:effectLst/>
+          <a:extLst>
+            <a:ext uri="{909E8E84-426E-40DD-AFC4-6F175D3DCCD1}">
+              <a14:hiddenFill xmlns:a14="http://schemas.microsoft.com/office/drawing/2010/main">
+                <a:solidFill>
+                  <a:schemeClr val="accent1"/>
+                </a:solidFill>
+              </a14:hiddenFill>
+            </a:ext>
+            <a:ext uri="{91240B29-F687-4F45-9708-019B960494DF}">
+              <a14:hiddenLine xmlns:a14="http://schemas.microsoft.com/office/drawing/2010/main" w="9525">
+                <a:solidFill>
+                  <a:schemeClr val="tx1"/>
+                </a:solidFill>
+                <a:miter lim="800000"/>
+                <a:headEnd/>
+                <a:tailEnd/>
+              </a14:hiddenLine>
+            </a:ext>
+            <a:ext uri="{AF507438-7753-43E0-B8FC-AC1667EBCBE1}">
+              <a14:hiddenEffects xmlns:a14="http://schemas.microsoft.com/office/drawing/2010/main">
+                <a:effectLst>
+                  <a:outerShdw dist="35921" dir="2700000" algn="ctr" rotWithShape="0">
+                    <a:schemeClr val="bg2"/>
+                  </a:outerShdw>
+                </a:effectLst>
+              </a14:hiddenEffects>
+            </a:ext>
+          </a:extLst>
+        </p:spPr>
         <p:txBody>
-          <a:bodyPr/>
-          <a:lstStyle/>
-          <a:p>
-            <a:endParaRPr lang="zh-CN" altLang="en-US" dirty="0"/>
+          <a:bodyPr vert="horz" wrap="square" lIns="91440" tIns="45720" rIns="91440" bIns="45720" numCol="1" anchor="t" anchorCtr="0" compatLnSpc="1">
+            <a:prstTxWarp prst="textNoShape">
+              <a:avLst/>
+            </a:prstTxWarp>
+          </a:bodyPr>
+          <a:lstStyle>
+            <a:lvl1pPr marL="342900" indent="-342900" algn="l" rtl="0" eaLnBrk="0" fontAlgn="base" hangingPunct="0">
+              <a:spcBef>
+                <a:spcPct val="20000"/>
+              </a:spcBef>
+              <a:spcAft>
+                <a:spcPct val="0"/>
+              </a:spcAft>
+              <a:buChar char="•"/>
+              <a:defRPr sz="3200" kern="1200">
+                <a:solidFill>
+                  <a:schemeClr val="tx1"/>
+                </a:solidFill>
+                <a:latin typeface="+mn-lt"/>
+                <a:ea typeface="+mn-ea"/>
+                <a:cs typeface="+mn-cs"/>
+              </a:defRPr>
+            </a:lvl1pPr>
+            <a:lvl2pPr marL="742950" indent="-285750" algn="l" rtl="0" eaLnBrk="0" fontAlgn="base" hangingPunct="0">
+              <a:spcBef>
+                <a:spcPct val="20000"/>
+              </a:spcBef>
+              <a:spcAft>
+                <a:spcPct val="0"/>
+              </a:spcAft>
+              <a:buChar char="–"/>
+              <a:defRPr sz="2800" kern="1200">
+                <a:solidFill>
+                  <a:schemeClr val="tx1"/>
+                </a:solidFill>
+                <a:latin typeface="+mn-lt"/>
+                <a:ea typeface="+mn-ea"/>
+                <a:cs typeface="+mn-cs"/>
+              </a:defRPr>
+            </a:lvl2pPr>
+            <a:lvl3pPr marL="1143000" indent="-228600" algn="l" rtl="0" eaLnBrk="0" fontAlgn="base" hangingPunct="0">
+              <a:spcBef>
+                <a:spcPct val="20000"/>
+              </a:spcBef>
+              <a:spcAft>
+                <a:spcPct val="0"/>
+              </a:spcAft>
+              <a:buChar char="•"/>
+              <a:defRPr sz="2400" kern="1200">
+                <a:solidFill>
+                  <a:schemeClr val="tx1"/>
+                </a:solidFill>
+                <a:latin typeface="+mn-lt"/>
+                <a:ea typeface="+mn-ea"/>
+                <a:cs typeface="+mn-cs"/>
+              </a:defRPr>
+            </a:lvl3pPr>
+            <a:lvl4pPr marL="1600200" indent="-228600" algn="l" rtl="0" eaLnBrk="0" fontAlgn="base" hangingPunct="0">
+              <a:spcBef>
+                <a:spcPct val="20000"/>
+              </a:spcBef>
+              <a:spcAft>
+                <a:spcPct val="0"/>
+              </a:spcAft>
+              <a:buChar char="–"/>
+              <a:defRPr sz="2000" kern="1200">
+                <a:solidFill>
+                  <a:schemeClr val="tx1"/>
+                </a:solidFill>
+                <a:latin typeface="+mn-lt"/>
+                <a:ea typeface="+mn-ea"/>
+                <a:cs typeface="+mn-cs"/>
+              </a:defRPr>
+            </a:lvl4pPr>
+            <a:lvl5pPr marL="2057400" indent="-228600" algn="l" rtl="0" eaLnBrk="0" fontAlgn="base" hangingPunct="0">
+              <a:spcBef>
+                <a:spcPct val="20000"/>
+              </a:spcBef>
+              <a:spcAft>
+                <a:spcPct val="0"/>
+              </a:spcAft>
+              <a:buChar char="»"/>
+              <a:defRPr sz="2000" kern="1200">
+                <a:solidFill>
+                  <a:schemeClr val="tx1"/>
+                </a:solidFill>
+                <a:latin typeface="+mn-lt"/>
+                <a:ea typeface="+mn-ea"/>
+                <a:cs typeface="+mn-cs"/>
+              </a:defRPr>
+            </a:lvl5pPr>
+            <a:lvl6pPr marL="2514600" indent="-228600" algn="l" defTabSz="914400" rtl="0" eaLnBrk="1" latinLnBrk="0" hangingPunct="1">
+              <a:lnSpc>
+                <a:spcPct val="90000"/>
+              </a:lnSpc>
+              <a:spcBef>
+                <a:spcPts val="500"/>
+              </a:spcBef>
+              <a:buFont typeface="Arial" panose="020B0604020202020204" pitchFamily="34" charset="0"/>
+              <a:buChar char="•"/>
+              <a:defRPr sz="1800" kern="1200">
+                <a:solidFill>
+                  <a:schemeClr val="tx1"/>
+                </a:solidFill>
+                <a:latin typeface="+mn-lt"/>
+                <a:ea typeface="+mn-ea"/>
+                <a:cs typeface="+mn-cs"/>
+              </a:defRPr>
+            </a:lvl6pPr>
+            <a:lvl7pPr marL="2971800" indent="-228600" algn="l" defTabSz="914400" rtl="0" eaLnBrk="1" latinLnBrk="0" hangingPunct="1">
+              <a:lnSpc>
+                <a:spcPct val="90000"/>
+              </a:lnSpc>
+              <a:spcBef>
+                <a:spcPts val="500"/>
+              </a:spcBef>
+              <a:buFont typeface="Arial" panose="020B0604020202020204" pitchFamily="34" charset="0"/>
+              <a:buChar char="•"/>
+              <a:defRPr sz="1800" kern="1200">
+                <a:solidFill>
+                  <a:schemeClr val="tx1"/>
+                </a:solidFill>
+                <a:latin typeface="+mn-lt"/>
+                <a:ea typeface="+mn-ea"/>
+                <a:cs typeface="+mn-cs"/>
+              </a:defRPr>
+            </a:lvl7pPr>
+            <a:lvl8pPr marL="3429000" indent="-228600" algn="l" defTabSz="914400" rtl="0" eaLnBrk="1" latinLnBrk="0" hangingPunct="1">
+              <a:lnSpc>
+                <a:spcPct val="90000"/>
+              </a:lnSpc>
+              <a:spcBef>
+                <a:spcPts val="500"/>
+              </a:spcBef>
+              <a:buFont typeface="Arial" panose="020B0604020202020204" pitchFamily="34" charset="0"/>
+              <a:buChar char="•"/>
+              <a:defRPr sz="1800" kern="1200">
+                <a:solidFill>
+                  <a:schemeClr val="tx1"/>
+                </a:solidFill>
+                <a:latin typeface="+mn-lt"/>
+                <a:ea typeface="+mn-ea"/>
+                <a:cs typeface="+mn-cs"/>
+              </a:defRPr>
+            </a:lvl8pPr>
+            <a:lvl9pPr marL="3886200" indent="-228600" algn="l" defTabSz="914400" rtl="0" eaLnBrk="1" latinLnBrk="0" hangingPunct="1">
+              <a:lnSpc>
+                <a:spcPct val="90000"/>
+              </a:lnSpc>
+              <a:spcBef>
+                <a:spcPts val="500"/>
+              </a:spcBef>
+              <a:buFont typeface="Arial" panose="020B0604020202020204" pitchFamily="34" charset="0"/>
+              <a:buChar char="•"/>
+              <a:defRPr sz="1800" kern="1200">
+                <a:solidFill>
+                  <a:schemeClr val="tx1"/>
+                </a:solidFill>
+                <a:latin typeface="+mn-lt"/>
+                <a:ea typeface="+mn-ea"/>
+                <a:cs typeface="+mn-cs"/>
+              </a:defRPr>
+            </a:lvl9pPr>
+          </a:lstStyle>
+          <a:p>
+            <a:pPr marL="342900" marR="0" lvl="0" indent="-342900" algn="l" defTabSz="914400" rtl="0" eaLnBrk="1" fontAlgn="base" latinLnBrk="0" hangingPunct="1">
+              <a:lnSpc>
+                <a:spcPct val="100000"/>
+              </a:lnSpc>
+              <a:spcBef>
+                <a:spcPct val="20000"/>
+              </a:spcBef>
+              <a:spcAft>
+                <a:spcPct val="0"/>
+              </a:spcAft>
+              <a:buClrTx/>
+              <a:buSzTx/>
+              <a:buFontTx/>
+              <a:buChar char="•"/>
+              <a:tabLst/>
+              <a:defRPr/>
+            </a:pPr>
+            <a:r>
+              <a:rPr kumimoji="0" lang="en-US" altLang="zh-CN" sz="2800" b="0" i="0" u="none" strike="noStrike" kern="1200" cap="none" spc="0" normalizeH="0" baseline="0" noProof="0" smtClean="0">
+                <a:ln>
+                  <a:noFill/>
+                </a:ln>
+                <a:solidFill>
+                  <a:srgbClr val="000000"/>
+                </a:solidFill>
+                <a:effectLst/>
+                <a:uLnTx/>
+                <a:uFillTx/>
+                <a:latin typeface="Times New Roman"/>
+                <a:ea typeface="宋体"/>
+                <a:cs typeface="+mn-cs"/>
+              </a:rPr>
+              <a:t>In a language where all properties are global (such as C language), the stack-based environment requires two things:</a:t>
+            </a:r>
+          </a:p>
+          <a:p>
+            <a:pPr marL="963613" marR="0" lvl="1" indent="-506413" algn="l" defTabSz="914400" rtl="0" eaLnBrk="1" fontAlgn="base" latinLnBrk="0" hangingPunct="1">
+              <a:lnSpc>
+                <a:spcPct val="100000"/>
+              </a:lnSpc>
+              <a:spcBef>
+                <a:spcPct val="20000"/>
+              </a:spcBef>
+              <a:spcAft>
+                <a:spcPct val="0"/>
+              </a:spcAft>
+              <a:buClrTx/>
+              <a:buSzTx/>
+              <a:buFontTx/>
+              <a:buNone/>
+              <a:tabLst/>
+              <a:defRPr/>
+            </a:pPr>
+            <a:r>
+              <a:rPr kumimoji="0" lang="en-US" altLang="zh-CN" sz="2800" b="0" i="0" u="none" strike="noStrike" kern="1200" cap="none" spc="0" normalizeH="0" baseline="0" noProof="0" smtClean="0">
+                <a:ln>
+                  <a:noFill/>
+                </a:ln>
+                <a:solidFill>
+                  <a:srgbClr val="000000"/>
+                </a:solidFill>
+                <a:effectLst/>
+                <a:uLnTx/>
+                <a:uFillTx/>
+                <a:latin typeface="Times New Roman"/>
+                <a:ea typeface="宋体"/>
+                <a:cs typeface="+mn-cs"/>
+              </a:rPr>
+              <a:t>(1) </a:t>
+            </a:r>
+            <a:r>
+              <a:rPr kumimoji="0" lang="en-US" altLang="zh-CN" sz="2800" b="1" i="0" u="none" strike="noStrike" kern="1200" cap="none" spc="0" normalizeH="0" baseline="0" noProof="0" smtClean="0">
+                <a:ln>
+                  <a:noFill/>
+                </a:ln>
+                <a:solidFill>
+                  <a:srgbClr val="000000"/>
+                </a:solidFill>
+                <a:effectLst/>
+                <a:uLnTx/>
+                <a:uFillTx/>
+                <a:latin typeface="Times New Roman"/>
+                <a:ea typeface="宋体"/>
+                <a:cs typeface="+mn-cs"/>
+              </a:rPr>
+              <a:t>Frame pointer or fp</a:t>
+            </a:r>
+            <a:r>
+              <a:rPr kumimoji="0" lang="en-US" altLang="zh-CN" sz="2800" b="0" i="0" u="none" strike="noStrike" kern="1200" cap="none" spc="0" normalizeH="0" baseline="0" noProof="0" smtClean="0">
+                <a:ln>
+                  <a:noFill/>
+                </a:ln>
+                <a:solidFill>
+                  <a:srgbClr val="000000"/>
+                </a:solidFill>
+                <a:effectLst/>
+                <a:uLnTx/>
+                <a:uFillTx/>
+                <a:latin typeface="Times New Roman"/>
+                <a:ea typeface="宋体"/>
+                <a:cs typeface="+mn-cs"/>
+              </a:rPr>
+              <a:t>, a pointer to the current activation record to allow access to local variable; </a:t>
+            </a:r>
+            <a:r>
+              <a:rPr kumimoji="0" lang="en-US" altLang="zh-CN" sz="2800" b="1" i="0" u="none" strike="noStrike" kern="1200" cap="none" spc="0" normalizeH="0" baseline="0" noProof="0" smtClean="0">
+                <a:ln>
+                  <a:noFill/>
+                </a:ln>
+                <a:solidFill>
+                  <a:srgbClr val="000000"/>
+                </a:solidFill>
+                <a:effectLst/>
+                <a:uLnTx/>
+                <a:uFillTx/>
+                <a:latin typeface="Times New Roman"/>
+                <a:ea typeface="宋体"/>
+                <a:cs typeface="+mn-cs"/>
+              </a:rPr>
+              <a:t>Control link or dynamic link</a:t>
+            </a:r>
+            <a:r>
+              <a:rPr kumimoji="0" lang="en-US" altLang="zh-CN" sz="2800" b="0" i="0" u="none" strike="noStrike" kern="1200" cap="none" spc="0" normalizeH="0" baseline="0" noProof="0" smtClean="0">
+                <a:ln>
+                  <a:noFill/>
+                </a:ln>
+                <a:solidFill>
+                  <a:srgbClr val="000000"/>
+                </a:solidFill>
+                <a:effectLst/>
+                <a:uLnTx/>
+                <a:uFillTx/>
+                <a:latin typeface="Times New Roman"/>
+                <a:ea typeface="宋体"/>
+                <a:cs typeface="+mn-cs"/>
+              </a:rPr>
+              <a:t>, a point to a record of the immediately preceding activation</a:t>
+            </a:r>
+          </a:p>
+          <a:p>
+            <a:pPr marL="963613" marR="0" lvl="1" indent="-506413" algn="l" defTabSz="914400" rtl="0" eaLnBrk="1" fontAlgn="base" latinLnBrk="0" hangingPunct="1">
+              <a:lnSpc>
+                <a:spcPct val="100000"/>
+              </a:lnSpc>
+              <a:spcBef>
+                <a:spcPct val="20000"/>
+              </a:spcBef>
+              <a:spcAft>
+                <a:spcPct val="0"/>
+              </a:spcAft>
+              <a:buClrTx/>
+              <a:buSzTx/>
+              <a:buFontTx/>
+              <a:buNone/>
+              <a:tabLst/>
+              <a:defRPr/>
+            </a:pPr>
+            <a:r>
+              <a:rPr kumimoji="0" lang="en-US" altLang="zh-CN" sz="2800" b="0" i="0" u="none" strike="noStrike" kern="1200" cap="none" spc="0" normalizeH="0" baseline="0" noProof="0" smtClean="0">
+                <a:ln>
+                  <a:noFill/>
+                </a:ln>
+                <a:solidFill>
+                  <a:srgbClr val="000000"/>
+                </a:solidFill>
+                <a:effectLst/>
+                <a:uLnTx/>
+                <a:uFillTx/>
+                <a:latin typeface="Times New Roman"/>
+                <a:ea typeface="宋体"/>
+                <a:cs typeface="+mn-cs"/>
+              </a:rPr>
+              <a:t>(2) </a:t>
+            </a:r>
+            <a:r>
+              <a:rPr kumimoji="0" lang="en-US" altLang="zh-CN" sz="2800" b="1" i="0" u="none" strike="noStrike" kern="1200" cap="none" spc="0" normalizeH="0" baseline="0" noProof="0" smtClean="0">
+                <a:ln>
+                  <a:noFill/>
+                </a:ln>
+                <a:solidFill>
+                  <a:srgbClr val="000000"/>
+                </a:solidFill>
+                <a:effectLst/>
+                <a:uLnTx/>
+                <a:uFillTx/>
+                <a:latin typeface="Times New Roman"/>
+                <a:ea typeface="宋体"/>
+                <a:cs typeface="+mn-cs"/>
+              </a:rPr>
+              <a:t>Stack pointer or sp</a:t>
+            </a:r>
+            <a:r>
+              <a:rPr kumimoji="0" lang="en-US" altLang="zh-CN" sz="2800" b="0" i="0" u="none" strike="noStrike" kern="1200" cap="none" spc="0" normalizeH="0" baseline="0" noProof="0" smtClean="0">
+                <a:ln>
+                  <a:noFill/>
+                </a:ln>
+                <a:solidFill>
+                  <a:srgbClr val="000000"/>
+                </a:solidFill>
+                <a:effectLst/>
+                <a:uLnTx/>
+                <a:uFillTx/>
+                <a:latin typeface="Times New Roman"/>
+                <a:ea typeface="宋体"/>
+                <a:cs typeface="+mn-cs"/>
+              </a:rPr>
+              <a:t>, a point to the last location allocated on the call stack</a:t>
+            </a:r>
+            <a:endParaRPr kumimoji="0" lang="zh-CN" altLang="en-US" sz="2800" b="0" i="0" u="none" strike="noStrike" kern="1200" cap="none" spc="0" normalizeH="0" baseline="0" noProof="0" dirty="0" smtClean="0">
+              <a:ln>
+                <a:noFill/>
+              </a:ln>
+              <a:solidFill>
+                <a:srgbClr val="000000"/>
+              </a:solidFill>
+              <a:effectLst/>
+              <a:uLnTx/>
+              <a:uFillTx/>
+              <a:latin typeface="Times New Roman"/>
+              <a:ea typeface="宋体"/>
+              <a:cs typeface="+mn-cs"/>
+            </a:endParaRPr>
           </a:p>
         </p:txBody>
       </p:sp>
@@ -12314,7 +13392,7 @@
           <a:p>
             <a:r>
               <a:rPr lang="en-US" altLang="zh-CN" dirty="0"/>
-              <a:t>8.4 Fully Static Runtime Environments</a:t>
+              <a:t>8.5 Stack-Based Runtime Environments-Without Local Procedures</a:t>
             </a:r>
             <a:endParaRPr lang="zh-CN" altLang="en-US" dirty="0"/>
           </a:p>
@@ -12322,20 +13400,549 @@
       </p:sp>
       <p:sp>
         <p:nvSpPr>
-          <p:cNvPr id="3" name="内容占位符 2"/>
-          <p:cNvSpPr>
-            <a:spLocks noGrp="1"/>
+          <p:cNvPr id="4" name="Rectangle 3"/>
+          <p:cNvSpPr txBox="1">
+            <a:spLocks noChangeArrowheads="1"/>
           </p:cNvSpPr>
-          <p:nvPr>
-            <p:ph idx="1"/>
-          </p:nvPr>
+          <p:nvPr/>
         </p:nvSpPr>
-        <p:spPr/>
+        <p:spPr>
+          <a:xfrm>
+            <a:off x="728529" y="1500113"/>
+            <a:ext cx="7772400" cy="5165607"/>
+          </a:xfrm>
+          <a:prstGeom prst="rect">
+            <a:avLst/>
+          </a:prstGeom>
+        </p:spPr>
         <p:txBody>
-          <a:bodyPr/>
-          <a:lstStyle/>
-          <a:p>
-            <a:endParaRPr lang="zh-CN" altLang="en-US" dirty="0"/>
+          <a:bodyPr vert="horz" lIns="0" tIns="45720" rIns="0" bIns="45720" rtlCol="0">
+            <a:normAutofit fontScale="70000" lnSpcReduction="20000"/>
+          </a:bodyPr>
+          <a:lstStyle>
+            <a:lvl1pPr marL="171450" indent="-171450" algn="l" defTabSz="685800" rtl="0" eaLnBrk="1" latinLnBrk="0" hangingPunct="1">
+              <a:lnSpc>
+                <a:spcPct val="90000"/>
+              </a:lnSpc>
+              <a:spcBef>
+                <a:spcPts val="1350"/>
+              </a:spcBef>
+              <a:buFont typeface="Wingdings" panose="05000000000000000000" pitchFamily="2" charset="2"/>
+              <a:buChar char="§"/>
+              <a:defRPr sz="1500" kern="1200">
+                <a:solidFill>
+                  <a:schemeClr val="tx1"/>
+                </a:solidFill>
+                <a:latin typeface="微软雅黑" panose="020B0503020204020204" pitchFamily="34" charset="-122"/>
+                <a:ea typeface="微软雅黑" panose="020B0503020204020204" pitchFamily="34" charset="-122"/>
+                <a:cs typeface="+mn-cs"/>
+              </a:defRPr>
+            </a:lvl1pPr>
+            <a:lvl2pPr marL="514350" indent="-171450" algn="l" defTabSz="685800" rtl="0" eaLnBrk="1" latinLnBrk="0" hangingPunct="1">
+              <a:lnSpc>
+                <a:spcPct val="90000"/>
+              </a:lnSpc>
+              <a:spcBef>
+                <a:spcPts val="450"/>
+              </a:spcBef>
+              <a:buFont typeface="Wingdings" panose="05000000000000000000" pitchFamily="2" charset="2"/>
+              <a:buChar char="§"/>
+              <a:defRPr sz="1200" kern="1200">
+                <a:solidFill>
+                  <a:schemeClr val="tx1"/>
+                </a:solidFill>
+                <a:latin typeface="微软雅黑" panose="020B0503020204020204" pitchFamily="34" charset="-122"/>
+                <a:ea typeface="微软雅黑" panose="020B0503020204020204" pitchFamily="34" charset="-122"/>
+                <a:cs typeface="+mn-cs"/>
+              </a:defRPr>
+            </a:lvl2pPr>
+            <a:lvl3pPr marL="857250" indent="-171450" algn="l" defTabSz="685800" rtl="0" eaLnBrk="1" latinLnBrk="0" hangingPunct="1">
+              <a:lnSpc>
+                <a:spcPct val="90000"/>
+              </a:lnSpc>
+              <a:spcBef>
+                <a:spcPts val="450"/>
+              </a:spcBef>
+              <a:buFont typeface="Wingdings" panose="05000000000000000000" pitchFamily="2" charset="2"/>
+              <a:buChar char="§"/>
+              <a:defRPr sz="1050" kern="1200">
+                <a:solidFill>
+                  <a:schemeClr val="tx1"/>
+                </a:solidFill>
+                <a:latin typeface="微软雅黑" panose="020B0503020204020204" pitchFamily="34" charset="-122"/>
+                <a:ea typeface="微软雅黑" panose="020B0503020204020204" pitchFamily="34" charset="-122"/>
+                <a:cs typeface="+mn-cs"/>
+              </a:defRPr>
+            </a:lvl3pPr>
+            <a:lvl4pPr marL="1200150" indent="-171450" algn="l" defTabSz="685800" rtl="0" eaLnBrk="1" latinLnBrk="0" hangingPunct="1">
+              <a:lnSpc>
+                <a:spcPct val="90000"/>
+              </a:lnSpc>
+              <a:spcBef>
+                <a:spcPts val="450"/>
+              </a:spcBef>
+              <a:buFont typeface="Wingdings" panose="05000000000000000000" pitchFamily="2" charset="2"/>
+              <a:buChar char="§"/>
+              <a:defRPr sz="1050" kern="1200">
+                <a:solidFill>
+                  <a:schemeClr val="tx1"/>
+                </a:solidFill>
+                <a:latin typeface="微软雅黑" panose="020B0503020204020204" pitchFamily="34" charset="-122"/>
+                <a:ea typeface="微软雅黑" panose="020B0503020204020204" pitchFamily="34" charset="-122"/>
+                <a:cs typeface="+mn-cs"/>
+              </a:defRPr>
+            </a:lvl4pPr>
+            <a:lvl5pPr marL="1543050" indent="-171450" algn="l" defTabSz="685800" rtl="0" eaLnBrk="1" latinLnBrk="0" hangingPunct="1">
+              <a:lnSpc>
+                <a:spcPct val="90000"/>
+              </a:lnSpc>
+              <a:spcBef>
+                <a:spcPts val="450"/>
+              </a:spcBef>
+              <a:buFont typeface="Wingdings" panose="05000000000000000000" pitchFamily="2" charset="2"/>
+              <a:buChar char="§"/>
+              <a:defRPr sz="1050" kern="1200">
+                <a:solidFill>
+                  <a:schemeClr val="tx1"/>
+                </a:solidFill>
+                <a:latin typeface="微软雅黑" panose="020B0503020204020204" pitchFamily="34" charset="-122"/>
+                <a:ea typeface="微软雅黑" panose="020B0503020204020204" pitchFamily="34" charset="-122"/>
+                <a:cs typeface="+mn-cs"/>
+              </a:defRPr>
+            </a:lvl5pPr>
+            <a:lvl6pPr marL="1885950" indent="-171450" algn="l" defTabSz="685800" rtl="0" eaLnBrk="1" latinLnBrk="0" hangingPunct="1">
+              <a:lnSpc>
+                <a:spcPct val="90000"/>
+              </a:lnSpc>
+              <a:spcBef>
+                <a:spcPts val="375"/>
+              </a:spcBef>
+              <a:buFont typeface="Wingdings" panose="05000000000000000000" pitchFamily="2" charset="2"/>
+              <a:buChar char="§"/>
+              <a:defRPr sz="1050" kern="1200">
+                <a:solidFill>
+                  <a:schemeClr val="tx1"/>
+                </a:solidFill>
+                <a:latin typeface="微软雅黑" panose="020B0503020204020204" pitchFamily="34" charset="-122"/>
+                <a:ea typeface="微软雅黑" panose="020B0503020204020204" pitchFamily="34" charset="-122"/>
+                <a:cs typeface="+mn-cs"/>
+              </a:defRPr>
+            </a:lvl6pPr>
+            <a:lvl7pPr marL="2228850" indent="-171450" algn="l" defTabSz="685800" rtl="0" eaLnBrk="1" latinLnBrk="0" hangingPunct="1">
+              <a:lnSpc>
+                <a:spcPct val="90000"/>
+              </a:lnSpc>
+              <a:spcBef>
+                <a:spcPts val="375"/>
+              </a:spcBef>
+              <a:buFont typeface="Wingdings" panose="05000000000000000000" pitchFamily="2" charset="2"/>
+              <a:buChar char="§"/>
+              <a:defRPr sz="1050" kern="1200">
+                <a:solidFill>
+                  <a:schemeClr val="tx1"/>
+                </a:solidFill>
+                <a:latin typeface="微软雅黑" panose="020B0503020204020204" pitchFamily="34" charset="-122"/>
+                <a:ea typeface="微软雅黑" panose="020B0503020204020204" pitchFamily="34" charset="-122"/>
+                <a:cs typeface="+mn-cs"/>
+              </a:defRPr>
+            </a:lvl7pPr>
+            <a:lvl8pPr marL="2571750" indent="-171450" algn="l" defTabSz="685800" rtl="0" eaLnBrk="1" latinLnBrk="0" hangingPunct="1">
+              <a:lnSpc>
+                <a:spcPct val="90000"/>
+              </a:lnSpc>
+              <a:spcBef>
+                <a:spcPts val="375"/>
+              </a:spcBef>
+              <a:buFont typeface="Wingdings" panose="05000000000000000000" pitchFamily="2" charset="2"/>
+              <a:buChar char="§"/>
+              <a:defRPr sz="1050" kern="1200">
+                <a:solidFill>
+                  <a:schemeClr val="tx1"/>
+                </a:solidFill>
+                <a:latin typeface="微软雅黑" panose="020B0503020204020204" pitchFamily="34" charset="-122"/>
+                <a:ea typeface="微软雅黑" panose="020B0503020204020204" pitchFamily="34" charset="-122"/>
+                <a:cs typeface="+mn-cs"/>
+              </a:defRPr>
+            </a:lvl8pPr>
+            <a:lvl9pPr marL="2914650" indent="-171450" algn="l" defTabSz="685800" rtl="0" eaLnBrk="1" latinLnBrk="0" hangingPunct="1">
+              <a:lnSpc>
+                <a:spcPct val="90000"/>
+              </a:lnSpc>
+              <a:spcBef>
+                <a:spcPts val="375"/>
+              </a:spcBef>
+              <a:buFont typeface="Wingdings" panose="05000000000000000000" pitchFamily="2" charset="2"/>
+              <a:buChar char="§"/>
+              <a:defRPr sz="1050" kern="1200">
+                <a:solidFill>
+                  <a:schemeClr val="tx1"/>
+                </a:solidFill>
+                <a:latin typeface="微软雅黑" panose="020B0503020204020204" pitchFamily="34" charset="-122"/>
+                <a:ea typeface="微软雅黑" panose="020B0503020204020204" pitchFamily="34" charset="-122"/>
+                <a:cs typeface="+mn-cs"/>
+              </a:defRPr>
+            </a:lvl9pPr>
+          </a:lstStyle>
+          <a:p>
+            <a:pPr>
+              <a:lnSpc>
+                <a:spcPct val="110000"/>
+              </a:lnSpc>
+            </a:pPr>
+            <a:r>
+              <a:rPr lang="en-US" altLang="zh-CN" sz="2400" b="1" dirty="0" smtClean="0"/>
+              <a:t>Example:</a:t>
+            </a:r>
+            <a:r>
+              <a:rPr lang="en-US" altLang="zh-CN" sz="2400" dirty="0" smtClean="0"/>
+              <a:t> The simple recursive implementation of Euclid</a:t>
+            </a:r>
+            <a:r>
+              <a:rPr lang="en-US" altLang="zh-CN" sz="2400" dirty="0" smtClean="0">
+                <a:latin typeface="Arial" panose="020B0604020202020204" pitchFamily="34" charset="0"/>
+              </a:rPr>
+              <a:t>’</a:t>
+            </a:r>
+            <a:r>
+              <a:rPr lang="en-US" altLang="zh-CN" sz="2400" dirty="0" smtClean="0"/>
+              <a:t>s algorithm to compute the greatest common divisor of two non-negative integer</a:t>
+            </a:r>
+          </a:p>
+          <a:p>
+            <a:pPr lvl="1">
+              <a:lnSpc>
+                <a:spcPct val="120000"/>
+              </a:lnSpc>
+              <a:buFontTx/>
+              <a:buNone/>
+            </a:pPr>
+            <a:r>
+              <a:rPr lang="en-US" altLang="zh-CN" sz="1800" dirty="0" smtClean="0"/>
+              <a:t>	</a:t>
+            </a:r>
+          </a:p>
+          <a:p>
+            <a:pPr lvl="1">
+              <a:lnSpc>
+                <a:spcPct val="120000"/>
+              </a:lnSpc>
+              <a:buFontTx/>
+              <a:buNone/>
+            </a:pPr>
+            <a:r>
+              <a:rPr lang="en-US" altLang="zh-CN" sz="2200" dirty="0" smtClean="0"/>
+              <a:t>    # include &lt;</a:t>
+            </a:r>
+            <a:r>
+              <a:rPr lang="en-US" altLang="zh-CN" sz="2200" dirty="0" err="1" smtClean="0"/>
+              <a:t>stdio.h</a:t>
+            </a:r>
+            <a:r>
+              <a:rPr lang="en-US" altLang="zh-CN" sz="2200" dirty="0" smtClean="0"/>
+              <a:t>&gt;</a:t>
+            </a:r>
+          </a:p>
+          <a:p>
+            <a:pPr lvl="1">
+              <a:lnSpc>
+                <a:spcPct val="120000"/>
+              </a:lnSpc>
+              <a:buFontTx/>
+              <a:buNone/>
+            </a:pPr>
+            <a:r>
+              <a:rPr lang="en-US" altLang="zh-CN" sz="2200" dirty="0" smtClean="0"/>
+              <a:t>	</a:t>
+            </a:r>
+            <a:r>
+              <a:rPr lang="en-US" altLang="zh-CN" sz="2200" dirty="0" err="1" smtClean="0"/>
+              <a:t>int</a:t>
+            </a:r>
+            <a:r>
+              <a:rPr lang="en-US" altLang="zh-CN" sz="2200" dirty="0" smtClean="0"/>
+              <a:t> </a:t>
+            </a:r>
+            <a:r>
+              <a:rPr lang="en-US" altLang="zh-CN" sz="2200" dirty="0" err="1" smtClean="0"/>
+              <a:t>x,y</a:t>
+            </a:r>
+            <a:r>
+              <a:rPr lang="en-US" altLang="zh-CN" sz="2200" dirty="0" smtClean="0"/>
+              <a:t>;</a:t>
+            </a:r>
+          </a:p>
+          <a:p>
+            <a:pPr lvl="1">
+              <a:lnSpc>
+                <a:spcPct val="120000"/>
+              </a:lnSpc>
+              <a:buFontTx/>
+              <a:buNone/>
+            </a:pPr>
+            <a:r>
+              <a:rPr lang="en-US" altLang="zh-CN" sz="2200" dirty="0" smtClean="0"/>
+              <a:t>	</a:t>
+            </a:r>
+            <a:r>
+              <a:rPr lang="en-US" altLang="zh-CN" sz="2200" dirty="0" err="1" smtClean="0"/>
+              <a:t>int</a:t>
+            </a:r>
+            <a:r>
+              <a:rPr lang="en-US" altLang="zh-CN" sz="2200" dirty="0" smtClean="0"/>
+              <a:t> </a:t>
+            </a:r>
+            <a:r>
+              <a:rPr lang="en-US" altLang="zh-CN" sz="2200" dirty="0" err="1" smtClean="0"/>
+              <a:t>gcd</a:t>
+            </a:r>
+            <a:r>
+              <a:rPr lang="en-US" altLang="zh-CN" sz="2200" dirty="0" smtClean="0"/>
+              <a:t>(</a:t>
+            </a:r>
+            <a:r>
+              <a:rPr lang="en-US" altLang="zh-CN" sz="2200" dirty="0" err="1" smtClean="0"/>
+              <a:t>int</a:t>
+            </a:r>
+            <a:r>
+              <a:rPr lang="en-US" altLang="zh-CN" sz="2200" dirty="0" smtClean="0"/>
+              <a:t> </a:t>
+            </a:r>
+            <a:r>
+              <a:rPr lang="en-US" altLang="zh-CN" sz="2200" dirty="0" err="1" smtClean="0"/>
+              <a:t>u,int</a:t>
+            </a:r>
+            <a:r>
+              <a:rPr lang="en-US" altLang="zh-CN" sz="2200" dirty="0" smtClean="0"/>
+              <a:t> v)</a:t>
+            </a:r>
+          </a:p>
+          <a:p>
+            <a:pPr lvl="1">
+              <a:lnSpc>
+                <a:spcPct val="120000"/>
+              </a:lnSpc>
+              <a:buFontTx/>
+              <a:buNone/>
+            </a:pPr>
+            <a:r>
+              <a:rPr lang="en-US" altLang="zh-CN" sz="2200" dirty="0" smtClean="0"/>
+              <a:t>	{   if (v==0) return u;</a:t>
+            </a:r>
+          </a:p>
+          <a:p>
+            <a:pPr lvl="1">
+              <a:lnSpc>
+                <a:spcPct val="120000"/>
+              </a:lnSpc>
+              <a:buFontTx/>
+              <a:buNone/>
+            </a:pPr>
+            <a:r>
+              <a:rPr lang="en-US" altLang="zh-CN" sz="2200" dirty="0" smtClean="0"/>
+              <a:t>		  else return </a:t>
+            </a:r>
+            <a:r>
+              <a:rPr lang="en-US" altLang="zh-CN" sz="2200" dirty="0" err="1" smtClean="0"/>
+              <a:t>gcd</a:t>
+            </a:r>
+            <a:r>
+              <a:rPr lang="en-US" altLang="zh-CN" sz="2200" dirty="0" smtClean="0"/>
+              <a:t>(</a:t>
+            </a:r>
+            <a:r>
+              <a:rPr lang="en-US" altLang="zh-CN" sz="2200" dirty="0" err="1" smtClean="0"/>
+              <a:t>v,u%v</a:t>
+            </a:r>
+            <a:r>
+              <a:rPr lang="en-US" altLang="zh-CN" sz="2200" dirty="0" smtClean="0"/>
+              <a:t>);</a:t>
+            </a:r>
+          </a:p>
+          <a:p>
+            <a:pPr lvl="1">
+              <a:lnSpc>
+                <a:spcPct val="120000"/>
+              </a:lnSpc>
+              <a:buFontTx/>
+              <a:buNone/>
+            </a:pPr>
+            <a:r>
+              <a:rPr lang="en-US" altLang="zh-CN" sz="2200" dirty="0" smtClean="0"/>
+              <a:t>	}</a:t>
+            </a:r>
+          </a:p>
+          <a:p>
+            <a:pPr lvl="1">
+              <a:lnSpc>
+                <a:spcPct val="120000"/>
+              </a:lnSpc>
+              <a:buFontTx/>
+              <a:buNone/>
+            </a:pPr>
+            <a:r>
+              <a:rPr lang="en-US" altLang="zh-CN" sz="2200" dirty="0" smtClean="0"/>
+              <a:t>	main()</a:t>
+            </a:r>
+          </a:p>
+          <a:p>
+            <a:pPr lvl="1">
+              <a:lnSpc>
+                <a:spcPct val="120000"/>
+              </a:lnSpc>
+              <a:buFontTx/>
+              <a:buNone/>
+            </a:pPr>
+            <a:r>
+              <a:rPr lang="en-US" altLang="zh-CN" sz="2200" dirty="0" smtClean="0"/>
+              <a:t>	{   </a:t>
+            </a:r>
+            <a:r>
+              <a:rPr lang="en-US" altLang="zh-CN" sz="2200" dirty="0" err="1" smtClean="0"/>
+              <a:t>scanf</a:t>
+            </a:r>
+            <a:r>
+              <a:rPr lang="en-US" altLang="zh-CN" sz="2200" dirty="0" smtClean="0"/>
+              <a:t>(</a:t>
+            </a:r>
+            <a:r>
+              <a:rPr lang="en-US" altLang="zh-CN" sz="2200" dirty="0" smtClean="0">
+                <a:latin typeface="Arial" panose="020B0604020202020204" pitchFamily="34" charset="0"/>
+              </a:rPr>
+              <a:t>“</a:t>
+            </a:r>
+            <a:r>
+              <a:rPr lang="en-US" altLang="zh-CN" sz="2200" dirty="0" smtClean="0"/>
+              <a:t>%</a:t>
+            </a:r>
+            <a:r>
+              <a:rPr lang="en-US" altLang="zh-CN" sz="2200" dirty="0" err="1" smtClean="0"/>
+              <a:t>d%d</a:t>
+            </a:r>
+            <a:r>
+              <a:rPr lang="en-US" altLang="zh-CN" sz="2200" dirty="0" smtClean="0">
+                <a:latin typeface="Arial" panose="020B0604020202020204" pitchFamily="34" charset="0"/>
+              </a:rPr>
+              <a:t>”</a:t>
+            </a:r>
+            <a:r>
+              <a:rPr lang="en-US" altLang="zh-CN" sz="2200" dirty="0" smtClean="0"/>
+              <a:t>,&amp;</a:t>
+            </a:r>
+            <a:r>
+              <a:rPr lang="en-US" altLang="zh-CN" sz="2200" dirty="0" err="1" smtClean="0"/>
+              <a:t>x,&amp;y</a:t>
+            </a:r>
+            <a:r>
+              <a:rPr lang="en-US" altLang="zh-CN" sz="2200" dirty="0" smtClean="0"/>
+              <a:t>);</a:t>
+            </a:r>
+          </a:p>
+          <a:p>
+            <a:pPr lvl="1">
+              <a:lnSpc>
+                <a:spcPct val="120000"/>
+              </a:lnSpc>
+              <a:buFontTx/>
+              <a:buNone/>
+            </a:pPr>
+            <a:r>
+              <a:rPr lang="en-US" altLang="zh-CN" sz="2200" dirty="0" smtClean="0"/>
+              <a:t>	    </a:t>
+            </a:r>
+            <a:r>
+              <a:rPr lang="en-US" altLang="zh-CN" sz="2200" dirty="0" err="1" smtClean="0"/>
+              <a:t>printf</a:t>
+            </a:r>
+            <a:r>
+              <a:rPr lang="en-US" altLang="zh-CN" sz="2200" dirty="0" smtClean="0"/>
+              <a:t>(</a:t>
+            </a:r>
+            <a:r>
+              <a:rPr lang="en-US" altLang="zh-CN" sz="2200" dirty="0" smtClean="0">
+                <a:latin typeface="Arial" panose="020B0604020202020204" pitchFamily="34" charset="0"/>
+              </a:rPr>
+              <a:t>“</a:t>
+            </a:r>
+            <a:r>
+              <a:rPr lang="en-US" altLang="zh-CN" sz="2200" dirty="0" smtClean="0"/>
+              <a:t>%d\n</a:t>
+            </a:r>
+            <a:r>
+              <a:rPr lang="en-US" altLang="zh-CN" sz="2200" dirty="0" smtClean="0">
+                <a:latin typeface="Arial" panose="020B0604020202020204" pitchFamily="34" charset="0"/>
+              </a:rPr>
+              <a:t>”</a:t>
+            </a:r>
+            <a:r>
+              <a:rPr lang="en-US" altLang="zh-CN" sz="2200" dirty="0" smtClean="0"/>
+              <a:t>,</a:t>
+            </a:r>
+            <a:r>
+              <a:rPr lang="en-US" altLang="zh-CN" sz="2200" dirty="0" err="1" smtClean="0"/>
+              <a:t>gcd</a:t>
+            </a:r>
+            <a:r>
+              <a:rPr lang="en-US" altLang="zh-CN" sz="2200" dirty="0" smtClean="0"/>
+              <a:t>(</a:t>
+            </a:r>
+            <a:r>
+              <a:rPr lang="en-US" altLang="zh-CN" sz="2200" dirty="0" err="1" smtClean="0"/>
+              <a:t>x,y</a:t>
+            </a:r>
+            <a:r>
+              <a:rPr lang="en-US" altLang="zh-CN" sz="2200" dirty="0" smtClean="0"/>
+              <a:t>));</a:t>
+            </a:r>
+          </a:p>
+          <a:p>
+            <a:pPr lvl="1">
+              <a:lnSpc>
+                <a:spcPct val="120000"/>
+              </a:lnSpc>
+              <a:buFontTx/>
+              <a:buNone/>
+            </a:pPr>
+            <a:r>
+              <a:rPr lang="en-US" altLang="zh-CN" sz="2200" dirty="0" smtClean="0"/>
+              <a:t>	    return 0;</a:t>
+            </a:r>
+          </a:p>
+          <a:p>
+            <a:pPr lvl="1">
+              <a:lnSpc>
+                <a:spcPct val="120000"/>
+              </a:lnSpc>
+              <a:buFontTx/>
+              <a:buNone/>
+            </a:pPr>
+            <a:r>
+              <a:rPr lang="en-US" altLang="zh-CN" sz="1800" dirty="0" smtClean="0"/>
+              <a:t>	}</a:t>
+            </a:r>
+          </a:p>
+          <a:p>
+            <a:pPr lvl="1">
+              <a:lnSpc>
+                <a:spcPct val="120000"/>
+              </a:lnSpc>
+              <a:buFontTx/>
+              <a:buNone/>
+            </a:pPr>
+            <a:endParaRPr lang="en-US" altLang="zh-CN" sz="1800" dirty="0" smtClean="0"/>
+          </a:p>
+          <a:p>
+            <a:pPr>
+              <a:lnSpc>
+                <a:spcPct val="120000"/>
+              </a:lnSpc>
+              <a:buFontTx/>
+              <a:buNone/>
+            </a:pPr>
+            <a:r>
+              <a:rPr lang="en-US" altLang="zh-CN" sz="2400" dirty="0" smtClean="0"/>
+              <a:t>Suppose the user inputs the values 15 and 10 to this program. </a:t>
+            </a:r>
+            <a:endParaRPr lang="zh-CN" altLang="en-US" sz="2400" dirty="0" smtClean="0"/>
           </a:p>
         </p:txBody>
       </p:sp>
@@ -12490,6 +14097,1448 @@
     <p:extLst>
       <p:ext uri="{BB962C8B-B14F-4D97-AF65-F5344CB8AC3E}">
         <p14:creationId xmlns:p14="http://schemas.microsoft.com/office/powerpoint/2010/main" val="1955709725"/>
+      </p:ext>
+    </p:extLst>
+  </p:cSld>
+  <p:clrMapOvr>
+    <a:masterClrMapping/>
+  </p:clrMapOvr>
+  <mc:AlternateContent xmlns:mc="http://schemas.openxmlformats.org/markup-compatibility/2006" xmlns:p14="http://schemas.microsoft.com/office/powerpoint/2010/main">
+    <mc:Choice Requires="p14">
+      <p:transition spd="med" p14:dur="700">
+        <p:fade/>
+      </p:transition>
+    </mc:Choice>
+    <mc:Fallback xmlns="">
+      <p:transition spd="med">
+        <p:fade/>
+      </p:transition>
+    </mc:Fallback>
+  </mc:AlternateContent>
+</p:sld>
+</file>
+
+<file path=ppt/slides/slide30.xml><?xml version="1.0" encoding="utf-8"?>
+<p:sld xmlns:a="http://schemas.openxmlformats.org/drawingml/2006/main" xmlns:r="http://schemas.openxmlformats.org/officeDocument/2006/relationships" xmlns:p="http://schemas.openxmlformats.org/presentationml/2006/main">
+  <p:cSld>
+    <p:spTree>
+      <p:nvGrpSpPr>
+        <p:cNvPr id="1" name=""/>
+        <p:cNvGrpSpPr/>
+        <p:nvPr/>
+      </p:nvGrpSpPr>
+      <p:grpSpPr>
+        <a:xfrm>
+          <a:off x="0" y="0"/>
+          <a:ext cx="0" cy="0"/>
+          <a:chOff x="0" y="0"/>
+          <a:chExt cx="0" cy="0"/>
+        </a:xfrm>
+      </p:grpSpPr>
+      <p:sp>
+        <p:nvSpPr>
+          <p:cNvPr id="6" name="标题 5"/>
+          <p:cNvSpPr>
+            <a:spLocks noGrp="1"/>
+          </p:cNvSpPr>
+          <p:nvPr>
+            <p:ph type="title"/>
+          </p:nvPr>
+        </p:nvSpPr>
+        <p:spPr/>
+        <p:txBody>
+          <a:bodyPr/>
+          <a:lstStyle/>
+          <a:p>
+            <a:r>
+              <a:rPr lang="en-US" altLang="zh-CN" dirty="0"/>
+              <a:t>8.5 Stack-Based Runtime Environments-Without Local Procedures</a:t>
+            </a:r>
+            <a:endParaRPr lang="zh-CN" altLang="en-US" dirty="0"/>
+          </a:p>
+        </p:txBody>
+      </p:sp>
+      <p:graphicFrame>
+        <p:nvGraphicFramePr>
+          <p:cNvPr id="7" name="Object 103"/>
+          <p:cNvGraphicFramePr>
+            <a:graphicFrameLocks noChangeAspect="1"/>
+          </p:cNvGraphicFramePr>
+          <p:nvPr>
+            <p:extLst>
+              <p:ext uri="{D42A27DB-BD31-4B8C-83A1-F6EECF244321}">
+                <p14:modId xmlns:p14="http://schemas.microsoft.com/office/powerpoint/2010/main" val="2377505436"/>
+              </p:ext>
+            </p:extLst>
+          </p:nvPr>
+        </p:nvGraphicFramePr>
+        <p:xfrm>
+          <a:off x="877888" y="1385888"/>
+          <a:ext cx="6300787" cy="5151437"/>
+        </p:xfrm>
+        <a:graphic>
+          <a:graphicData uri="http://schemas.openxmlformats.org/presentationml/2006/ole">
+            <mc:AlternateContent xmlns:mc="http://schemas.openxmlformats.org/markup-compatibility/2006">
+              <mc:Choice xmlns:v="urn:schemas-microsoft-com:vml" Requires="v">
+                <p:oleObj spid="_x0000_s2053" name="Document" r:id="rId3" imgW="5177134" imgH="4205301" progId="Word.Document.8">
+                  <p:embed/>
+                </p:oleObj>
+              </mc:Choice>
+              <mc:Fallback>
+                <p:oleObj name="Document" r:id="rId3" imgW="5177134" imgH="4205301" progId="Word.Document.8">
+                  <p:embed/>
+                  <p:pic>
+                    <p:nvPicPr>
+                      <p:cNvPr id="0" name=""/>
+                      <p:cNvPicPr>
+                        <a:picLocks noChangeAspect="1" noChangeArrowheads="1"/>
+                      </p:cNvPicPr>
+                      <p:nvPr/>
+                    </p:nvPicPr>
+                    <p:blipFill>
+                      <a:blip r:embed="rId4"/>
+                      <a:srcRect/>
+                      <a:stretch>
+                        <a:fillRect/>
+                      </a:stretch>
+                    </p:blipFill>
+                    <p:spPr bwMode="auto">
+                      <a:xfrm>
+                        <a:off x="877888" y="1385888"/>
+                        <a:ext cx="6300787" cy="5151437"/>
+                      </a:xfrm>
+                      <a:prstGeom prst="rect">
+                        <a:avLst/>
+                      </a:prstGeom>
+                      <a:noFill/>
+                      <a:ln>
+                        <a:noFill/>
+                      </a:ln>
+                      <a:effectLst/>
+                      <a:extLst/>
+                    </p:spPr>
+                  </p:pic>
+                </p:oleObj>
+              </mc:Fallback>
+            </mc:AlternateContent>
+          </a:graphicData>
+        </a:graphic>
+      </p:graphicFrame>
+    </p:spTree>
+    <p:extLst>
+      <p:ext uri="{BB962C8B-B14F-4D97-AF65-F5344CB8AC3E}">
+        <p14:creationId xmlns:p14="http://schemas.microsoft.com/office/powerpoint/2010/main" val="439972250"/>
+      </p:ext>
+    </p:extLst>
+  </p:cSld>
+  <p:clrMapOvr>
+    <a:masterClrMapping/>
+  </p:clrMapOvr>
+  <mc:AlternateContent xmlns:mc="http://schemas.openxmlformats.org/markup-compatibility/2006" xmlns:p14="http://schemas.microsoft.com/office/powerpoint/2010/main">
+    <mc:Choice Requires="p14">
+      <p:transition spd="med" p14:dur="700">
+        <p:fade/>
+      </p:transition>
+    </mc:Choice>
+    <mc:Fallback xmlns="">
+      <p:transition spd="med">
+        <p:fade/>
+      </p:transition>
+    </mc:Fallback>
+  </mc:AlternateContent>
+</p:sld>
+</file>
+
+<file path=ppt/slides/slide31.xml><?xml version="1.0" encoding="utf-8"?>
+<p:sld xmlns:a="http://schemas.openxmlformats.org/drawingml/2006/main" xmlns:r="http://schemas.openxmlformats.org/officeDocument/2006/relationships" xmlns:p="http://schemas.openxmlformats.org/presentationml/2006/main">
+  <p:cSld>
+    <p:spTree>
+      <p:nvGrpSpPr>
+        <p:cNvPr id="1" name=""/>
+        <p:cNvGrpSpPr/>
+        <p:nvPr/>
+      </p:nvGrpSpPr>
+      <p:grpSpPr>
+        <a:xfrm>
+          <a:off x="0" y="0"/>
+          <a:ext cx="0" cy="0"/>
+          <a:chOff x="0" y="0"/>
+          <a:chExt cx="0" cy="0"/>
+        </a:xfrm>
+      </p:grpSpPr>
+      <p:sp>
+        <p:nvSpPr>
+          <p:cNvPr id="6" name="标题 5"/>
+          <p:cNvSpPr>
+            <a:spLocks noGrp="1"/>
+          </p:cNvSpPr>
+          <p:nvPr>
+            <p:ph type="title"/>
+          </p:nvPr>
+        </p:nvSpPr>
+        <p:spPr/>
+        <p:txBody>
+          <a:bodyPr/>
+          <a:lstStyle/>
+          <a:p>
+            <a:r>
+              <a:rPr lang="en-US" altLang="zh-CN" dirty="0"/>
+              <a:t>8.5 Stack-Based Runtime Environments-Without Local Procedures</a:t>
+            </a:r>
+            <a:endParaRPr lang="zh-CN" altLang="en-US" dirty="0"/>
+          </a:p>
+        </p:txBody>
+      </p:sp>
+      <p:sp>
+        <p:nvSpPr>
+          <p:cNvPr id="2" name="矩形 1"/>
+          <p:cNvSpPr/>
+          <p:nvPr/>
+        </p:nvSpPr>
+        <p:spPr>
+          <a:xfrm>
+            <a:off x="841759" y="1400664"/>
+            <a:ext cx="7575847" cy="5324535"/>
+          </a:xfrm>
+          <a:prstGeom prst="rect">
+            <a:avLst/>
+          </a:prstGeom>
+        </p:spPr>
+        <p:txBody>
+          <a:bodyPr wrap="square">
+            <a:spAutoFit/>
+          </a:bodyPr>
+          <a:lstStyle/>
+          <a:p>
+            <a:pPr marL="342900" lvl="0" indent="-342900" fontAlgn="base">
+              <a:lnSpc>
+                <a:spcPct val="80000"/>
+              </a:lnSpc>
+              <a:spcBef>
+                <a:spcPct val="20000"/>
+              </a:spcBef>
+              <a:spcAft>
+                <a:spcPct val="0"/>
+              </a:spcAft>
+            </a:pPr>
+            <a:r>
+              <a:rPr lang="en-US" altLang="zh-CN" sz="2000" b="1" dirty="0">
+                <a:solidFill>
+                  <a:srgbClr val="000000"/>
+                </a:solidFill>
+                <a:latin typeface="Times New Roman"/>
+                <a:ea typeface="宋体"/>
+              </a:rPr>
+              <a:t>Example</a:t>
+            </a:r>
+            <a:r>
+              <a:rPr lang="en-US" altLang="zh-CN" b="1" dirty="0">
+                <a:solidFill>
+                  <a:srgbClr val="000000"/>
+                </a:solidFill>
+                <a:latin typeface="Times New Roman"/>
+                <a:ea typeface="宋体"/>
+              </a:rPr>
+              <a:t>:             </a:t>
+            </a:r>
+            <a:r>
+              <a:rPr lang="en-US" altLang="zh-CN" b="1" dirty="0" err="1" smtClean="0">
+                <a:solidFill>
+                  <a:srgbClr val="000000"/>
+                </a:solidFill>
+                <a:latin typeface="Times New Roman"/>
+                <a:ea typeface="宋体"/>
+              </a:rPr>
+              <a:t>int</a:t>
+            </a:r>
+            <a:r>
+              <a:rPr lang="en-US" altLang="zh-CN" b="1" dirty="0" smtClean="0">
+                <a:solidFill>
+                  <a:srgbClr val="000000"/>
+                </a:solidFill>
+                <a:latin typeface="Times New Roman"/>
+                <a:ea typeface="宋体"/>
+              </a:rPr>
+              <a:t> </a:t>
+            </a:r>
+            <a:r>
+              <a:rPr lang="en-US" altLang="zh-CN" b="1" dirty="0">
+                <a:solidFill>
+                  <a:srgbClr val="000000"/>
+                </a:solidFill>
+                <a:latin typeface="Times New Roman"/>
+                <a:ea typeface="宋体"/>
+              </a:rPr>
+              <a:t>x=2;</a:t>
+            </a:r>
+          </a:p>
+          <a:p>
+            <a:pPr marL="342900" lvl="0" indent="-342900" fontAlgn="base">
+              <a:lnSpc>
+                <a:spcPct val="80000"/>
+              </a:lnSpc>
+              <a:spcBef>
+                <a:spcPct val="20000"/>
+              </a:spcBef>
+              <a:spcAft>
+                <a:spcPct val="0"/>
+              </a:spcAft>
+            </a:pPr>
+            <a:r>
+              <a:rPr lang="en-US" altLang="zh-CN" b="1" dirty="0">
+                <a:solidFill>
+                  <a:srgbClr val="000000"/>
+                </a:solidFill>
+                <a:latin typeface="Times New Roman"/>
+                <a:ea typeface="宋体"/>
+              </a:rPr>
+              <a:t>			</a:t>
+            </a:r>
+            <a:r>
+              <a:rPr lang="en-US" altLang="zh-CN" b="1" dirty="0" smtClean="0">
+                <a:solidFill>
+                  <a:srgbClr val="000000"/>
+                </a:solidFill>
+                <a:latin typeface="Times New Roman"/>
+                <a:ea typeface="宋体"/>
+              </a:rPr>
+              <a:t>void </a:t>
+            </a:r>
+            <a:r>
+              <a:rPr lang="en-US" altLang="zh-CN" b="1" dirty="0">
+                <a:solidFill>
+                  <a:srgbClr val="000000"/>
+                </a:solidFill>
+                <a:latin typeface="Times New Roman"/>
+                <a:ea typeface="宋体"/>
+              </a:rPr>
+              <a:t>g(</a:t>
+            </a:r>
+            <a:r>
+              <a:rPr lang="en-US" altLang="zh-CN" b="1" dirty="0" err="1">
+                <a:solidFill>
+                  <a:srgbClr val="000000"/>
+                </a:solidFill>
+                <a:latin typeface="Times New Roman"/>
+                <a:ea typeface="宋体"/>
+              </a:rPr>
+              <a:t>int</a:t>
+            </a:r>
+            <a:r>
+              <a:rPr lang="en-US" altLang="zh-CN" b="1" dirty="0">
+                <a:solidFill>
+                  <a:srgbClr val="000000"/>
+                </a:solidFill>
+                <a:latin typeface="Times New Roman"/>
+                <a:ea typeface="宋体"/>
+              </a:rPr>
+              <a:t>);/*prototype*/</a:t>
+            </a:r>
+          </a:p>
+          <a:p>
+            <a:pPr marL="342900" lvl="0" indent="-342900" fontAlgn="base">
+              <a:lnSpc>
+                <a:spcPct val="80000"/>
+              </a:lnSpc>
+              <a:spcBef>
+                <a:spcPct val="20000"/>
+              </a:spcBef>
+              <a:spcAft>
+                <a:spcPct val="0"/>
+              </a:spcAft>
+            </a:pPr>
+            <a:r>
+              <a:rPr lang="en-US" altLang="zh-CN" b="1" dirty="0">
+                <a:solidFill>
+                  <a:srgbClr val="000000"/>
+                </a:solidFill>
+                <a:latin typeface="Times New Roman"/>
+                <a:ea typeface="宋体"/>
+              </a:rPr>
+              <a:t>			</a:t>
+            </a:r>
+            <a:r>
+              <a:rPr lang="en-US" altLang="zh-CN" b="1" dirty="0" smtClean="0">
+                <a:solidFill>
+                  <a:srgbClr val="000000"/>
+                </a:solidFill>
+                <a:latin typeface="Times New Roman"/>
+                <a:ea typeface="宋体"/>
+              </a:rPr>
+              <a:t>void </a:t>
+            </a:r>
+            <a:r>
+              <a:rPr lang="en-US" altLang="zh-CN" b="1" dirty="0">
+                <a:solidFill>
+                  <a:srgbClr val="000000"/>
+                </a:solidFill>
+                <a:latin typeface="Times New Roman"/>
+                <a:ea typeface="宋体"/>
+              </a:rPr>
+              <a:t>f(</a:t>
+            </a:r>
+            <a:r>
+              <a:rPr lang="en-US" altLang="zh-CN" b="1" dirty="0" err="1">
+                <a:solidFill>
+                  <a:srgbClr val="000000"/>
+                </a:solidFill>
+                <a:latin typeface="Times New Roman"/>
+                <a:ea typeface="宋体"/>
+              </a:rPr>
+              <a:t>int</a:t>
+            </a:r>
+            <a:r>
+              <a:rPr lang="en-US" altLang="zh-CN" b="1" dirty="0">
+                <a:solidFill>
+                  <a:srgbClr val="000000"/>
+                </a:solidFill>
+                <a:latin typeface="Times New Roman"/>
+                <a:ea typeface="宋体"/>
+              </a:rPr>
+              <a:t> n)</a:t>
+            </a:r>
+          </a:p>
+          <a:p>
+            <a:pPr marL="342900" lvl="0" indent="-342900" fontAlgn="base">
+              <a:lnSpc>
+                <a:spcPct val="80000"/>
+              </a:lnSpc>
+              <a:spcBef>
+                <a:spcPct val="20000"/>
+              </a:spcBef>
+              <a:spcAft>
+                <a:spcPct val="0"/>
+              </a:spcAft>
+            </a:pPr>
+            <a:r>
+              <a:rPr lang="en-US" altLang="zh-CN" b="1" dirty="0">
+                <a:solidFill>
+                  <a:srgbClr val="000000"/>
+                </a:solidFill>
+                <a:latin typeface="Times New Roman"/>
+                <a:ea typeface="宋体"/>
+              </a:rPr>
+              <a:t>			</a:t>
+            </a:r>
+            <a:r>
+              <a:rPr lang="en-US" altLang="zh-CN" b="1" dirty="0" smtClean="0">
+                <a:solidFill>
+                  <a:srgbClr val="000000"/>
+                </a:solidFill>
+                <a:latin typeface="Times New Roman"/>
+                <a:ea typeface="宋体"/>
+              </a:rPr>
+              <a:t>{   static </a:t>
+            </a:r>
+            <a:r>
+              <a:rPr lang="en-US" altLang="zh-CN" b="1" dirty="0" err="1">
+                <a:solidFill>
+                  <a:srgbClr val="000000"/>
+                </a:solidFill>
+                <a:latin typeface="Times New Roman"/>
+                <a:ea typeface="宋体"/>
+              </a:rPr>
+              <a:t>int</a:t>
+            </a:r>
+            <a:r>
+              <a:rPr lang="en-US" altLang="zh-CN" b="1" dirty="0">
+                <a:solidFill>
+                  <a:srgbClr val="000000"/>
+                </a:solidFill>
+                <a:latin typeface="Times New Roman"/>
+                <a:ea typeface="宋体"/>
+              </a:rPr>
+              <a:t> x=1;</a:t>
+            </a:r>
+          </a:p>
+          <a:p>
+            <a:pPr marL="342900" lvl="0" indent="-342900" fontAlgn="base">
+              <a:lnSpc>
+                <a:spcPct val="80000"/>
+              </a:lnSpc>
+              <a:spcBef>
+                <a:spcPct val="20000"/>
+              </a:spcBef>
+              <a:spcAft>
+                <a:spcPct val="0"/>
+              </a:spcAft>
+            </a:pPr>
+            <a:r>
+              <a:rPr lang="en-US" altLang="zh-CN" b="1" dirty="0">
+                <a:solidFill>
+                  <a:srgbClr val="000000"/>
+                </a:solidFill>
+                <a:latin typeface="Times New Roman"/>
+                <a:ea typeface="宋体"/>
+              </a:rPr>
+              <a:t>			 </a:t>
+            </a:r>
+            <a:r>
+              <a:rPr lang="en-US" altLang="zh-CN" b="1" dirty="0" smtClean="0">
+                <a:solidFill>
+                  <a:srgbClr val="000000"/>
+                </a:solidFill>
+                <a:latin typeface="Times New Roman"/>
+                <a:ea typeface="宋体"/>
+              </a:rPr>
+              <a:t>    g(n</a:t>
+            </a:r>
+            <a:r>
+              <a:rPr lang="en-US" altLang="zh-CN" b="1" dirty="0">
+                <a:solidFill>
+                  <a:srgbClr val="000000"/>
+                </a:solidFill>
+                <a:latin typeface="Times New Roman"/>
+                <a:ea typeface="宋体"/>
+              </a:rPr>
+              <a:t>);</a:t>
+            </a:r>
+          </a:p>
+          <a:p>
+            <a:pPr marL="342900" lvl="0" indent="-342900" fontAlgn="base">
+              <a:lnSpc>
+                <a:spcPct val="80000"/>
+              </a:lnSpc>
+              <a:spcBef>
+                <a:spcPct val="20000"/>
+              </a:spcBef>
+              <a:spcAft>
+                <a:spcPct val="0"/>
+              </a:spcAft>
+            </a:pPr>
+            <a:r>
+              <a:rPr lang="en-US" altLang="zh-CN" b="1" dirty="0">
+                <a:solidFill>
+                  <a:srgbClr val="000000"/>
+                </a:solidFill>
+                <a:latin typeface="Times New Roman"/>
+                <a:ea typeface="宋体"/>
+              </a:rPr>
+              <a:t>			</a:t>
+            </a:r>
+            <a:r>
+              <a:rPr lang="en-US" altLang="zh-CN" b="1" dirty="0" smtClean="0">
+                <a:solidFill>
+                  <a:srgbClr val="000000"/>
+                </a:solidFill>
+                <a:latin typeface="Times New Roman"/>
+                <a:ea typeface="宋体"/>
+              </a:rPr>
+              <a:t>     </a:t>
+            </a:r>
+            <a:r>
+              <a:rPr lang="en-US" altLang="zh-CN" b="1" dirty="0">
+                <a:solidFill>
+                  <a:srgbClr val="000000"/>
+                </a:solidFill>
+                <a:latin typeface="Times New Roman"/>
+                <a:ea typeface="宋体"/>
+              </a:rPr>
+              <a:t>x--;</a:t>
+            </a:r>
+          </a:p>
+          <a:p>
+            <a:pPr marL="342900" lvl="0" indent="-342900" fontAlgn="base">
+              <a:lnSpc>
+                <a:spcPct val="80000"/>
+              </a:lnSpc>
+              <a:spcBef>
+                <a:spcPct val="20000"/>
+              </a:spcBef>
+              <a:spcAft>
+                <a:spcPct val="0"/>
+              </a:spcAft>
+            </a:pPr>
+            <a:r>
+              <a:rPr lang="en-US" altLang="zh-CN" b="1" dirty="0">
+                <a:solidFill>
+                  <a:srgbClr val="000000"/>
+                </a:solidFill>
+                <a:latin typeface="Times New Roman"/>
+                <a:ea typeface="宋体"/>
+              </a:rPr>
+              <a:t>			}</a:t>
+            </a:r>
+          </a:p>
+          <a:p>
+            <a:pPr marL="342900" lvl="0" indent="-342900" fontAlgn="base">
+              <a:lnSpc>
+                <a:spcPct val="80000"/>
+              </a:lnSpc>
+              <a:spcBef>
+                <a:spcPct val="20000"/>
+              </a:spcBef>
+              <a:spcAft>
+                <a:spcPct val="0"/>
+              </a:spcAft>
+            </a:pPr>
+            <a:r>
+              <a:rPr lang="en-US" altLang="zh-CN" b="1" dirty="0">
+                <a:solidFill>
+                  <a:srgbClr val="000000"/>
+                </a:solidFill>
+                <a:latin typeface="Times New Roman"/>
+                <a:ea typeface="宋体"/>
+              </a:rPr>
+              <a:t>			void g(</a:t>
+            </a:r>
+            <a:r>
+              <a:rPr lang="en-US" altLang="zh-CN" b="1" dirty="0" err="1">
+                <a:solidFill>
+                  <a:srgbClr val="000000"/>
+                </a:solidFill>
+                <a:latin typeface="Times New Roman"/>
+                <a:ea typeface="宋体"/>
+              </a:rPr>
+              <a:t>int</a:t>
+            </a:r>
+            <a:r>
+              <a:rPr lang="en-US" altLang="zh-CN" b="1" dirty="0">
+                <a:solidFill>
+                  <a:srgbClr val="000000"/>
+                </a:solidFill>
+                <a:latin typeface="Times New Roman"/>
+                <a:ea typeface="宋体"/>
+              </a:rPr>
+              <a:t> m)</a:t>
+            </a:r>
+          </a:p>
+          <a:p>
+            <a:pPr marL="342900" lvl="0" indent="-342900" fontAlgn="base">
+              <a:lnSpc>
+                <a:spcPct val="80000"/>
+              </a:lnSpc>
+              <a:spcBef>
+                <a:spcPct val="20000"/>
+              </a:spcBef>
+              <a:spcAft>
+                <a:spcPct val="0"/>
+              </a:spcAft>
+            </a:pPr>
+            <a:r>
+              <a:rPr lang="en-US" altLang="zh-CN" b="1" dirty="0">
+                <a:solidFill>
+                  <a:srgbClr val="000000"/>
+                </a:solidFill>
+                <a:latin typeface="Times New Roman"/>
+                <a:ea typeface="宋体"/>
+              </a:rPr>
+              <a:t>			</a:t>
+            </a:r>
+            <a:r>
+              <a:rPr lang="en-US" altLang="zh-CN" b="1" dirty="0" smtClean="0">
+                <a:solidFill>
+                  <a:srgbClr val="000000"/>
+                </a:solidFill>
+                <a:latin typeface="Times New Roman"/>
+                <a:ea typeface="宋体"/>
+              </a:rPr>
+              <a:t>{    </a:t>
+            </a:r>
+            <a:r>
+              <a:rPr lang="en-US" altLang="zh-CN" b="1" dirty="0" err="1" smtClean="0">
+                <a:solidFill>
+                  <a:srgbClr val="000000"/>
+                </a:solidFill>
+                <a:latin typeface="Times New Roman"/>
+                <a:ea typeface="宋体"/>
+              </a:rPr>
+              <a:t>int</a:t>
+            </a:r>
+            <a:r>
+              <a:rPr lang="en-US" altLang="zh-CN" b="1" dirty="0" smtClean="0">
+                <a:solidFill>
+                  <a:srgbClr val="000000"/>
+                </a:solidFill>
+                <a:latin typeface="Times New Roman"/>
+                <a:ea typeface="宋体"/>
+              </a:rPr>
+              <a:t> </a:t>
+            </a:r>
+            <a:r>
+              <a:rPr lang="en-US" altLang="zh-CN" b="1" dirty="0">
+                <a:solidFill>
+                  <a:srgbClr val="000000"/>
+                </a:solidFill>
+                <a:latin typeface="Times New Roman"/>
+                <a:ea typeface="宋体"/>
+              </a:rPr>
+              <a:t>y=m-1;</a:t>
+            </a:r>
+          </a:p>
+          <a:p>
+            <a:pPr marL="342900" lvl="0" indent="-342900" fontAlgn="base">
+              <a:lnSpc>
+                <a:spcPct val="80000"/>
+              </a:lnSpc>
+              <a:spcBef>
+                <a:spcPct val="20000"/>
+              </a:spcBef>
+              <a:spcAft>
+                <a:spcPct val="0"/>
+              </a:spcAft>
+            </a:pPr>
+            <a:r>
+              <a:rPr lang="en-US" altLang="zh-CN" b="1" dirty="0">
+                <a:solidFill>
+                  <a:srgbClr val="000000"/>
+                </a:solidFill>
+                <a:latin typeface="Times New Roman"/>
+                <a:ea typeface="宋体"/>
+              </a:rPr>
+              <a:t>			</a:t>
+            </a:r>
+            <a:r>
+              <a:rPr lang="en-US" altLang="zh-CN" b="1" dirty="0" smtClean="0">
+                <a:solidFill>
+                  <a:srgbClr val="000000"/>
+                </a:solidFill>
+                <a:latin typeface="Times New Roman"/>
+                <a:ea typeface="宋体"/>
+              </a:rPr>
+              <a:t>     </a:t>
+            </a:r>
+            <a:r>
+              <a:rPr lang="en-US" altLang="zh-CN" b="1" dirty="0">
+                <a:solidFill>
+                  <a:srgbClr val="000000"/>
+                </a:solidFill>
+                <a:latin typeface="Times New Roman"/>
+                <a:ea typeface="宋体"/>
+              </a:rPr>
+              <a:t>if (y&gt;0)</a:t>
+            </a:r>
+          </a:p>
+          <a:p>
+            <a:pPr marL="342900" lvl="0" indent="-342900" fontAlgn="base">
+              <a:lnSpc>
+                <a:spcPct val="80000"/>
+              </a:lnSpc>
+              <a:spcBef>
+                <a:spcPct val="20000"/>
+              </a:spcBef>
+              <a:spcAft>
+                <a:spcPct val="0"/>
+              </a:spcAft>
+            </a:pPr>
+            <a:r>
+              <a:rPr lang="en-US" altLang="zh-CN" b="1" dirty="0">
+                <a:solidFill>
+                  <a:srgbClr val="000000"/>
+                </a:solidFill>
+                <a:latin typeface="Times New Roman"/>
+                <a:ea typeface="宋体"/>
+              </a:rPr>
+              <a:t>			 </a:t>
+            </a:r>
+            <a:r>
+              <a:rPr lang="en-US" altLang="zh-CN" b="1" dirty="0" smtClean="0">
+                <a:solidFill>
+                  <a:srgbClr val="000000"/>
+                </a:solidFill>
+                <a:latin typeface="Times New Roman"/>
+                <a:ea typeface="宋体"/>
+              </a:rPr>
+              <a:t>       {    f(y</a:t>
+            </a:r>
+            <a:r>
+              <a:rPr lang="en-US" altLang="zh-CN" b="1" dirty="0">
+                <a:solidFill>
+                  <a:srgbClr val="000000"/>
+                </a:solidFill>
+                <a:latin typeface="Times New Roman"/>
+                <a:ea typeface="宋体"/>
+              </a:rPr>
+              <a:t>);</a:t>
+            </a:r>
+          </a:p>
+          <a:p>
+            <a:pPr marL="342900" lvl="0" indent="-342900" fontAlgn="base">
+              <a:lnSpc>
+                <a:spcPct val="80000"/>
+              </a:lnSpc>
+              <a:spcBef>
+                <a:spcPct val="20000"/>
+              </a:spcBef>
+              <a:spcAft>
+                <a:spcPct val="0"/>
+              </a:spcAft>
+            </a:pPr>
+            <a:r>
+              <a:rPr lang="en-US" altLang="zh-CN" b="1" dirty="0">
+                <a:solidFill>
+                  <a:srgbClr val="000000"/>
+                </a:solidFill>
+                <a:latin typeface="Times New Roman"/>
+                <a:ea typeface="宋体"/>
+              </a:rPr>
+              <a:t>			  </a:t>
+            </a:r>
+            <a:r>
+              <a:rPr lang="en-US" altLang="zh-CN" b="1" dirty="0" smtClean="0">
+                <a:solidFill>
+                  <a:srgbClr val="000000"/>
+                </a:solidFill>
+                <a:latin typeface="Times New Roman"/>
+                <a:ea typeface="宋体"/>
+              </a:rPr>
+              <a:t>            x-</a:t>
+            </a:r>
+            <a:r>
+              <a:rPr lang="en-US" altLang="zh-CN" b="1" dirty="0">
+                <a:solidFill>
+                  <a:srgbClr val="000000"/>
+                </a:solidFill>
+                <a:latin typeface="Times New Roman"/>
+                <a:ea typeface="宋体"/>
+              </a:rPr>
+              <a:t>-;</a:t>
+            </a:r>
+          </a:p>
+          <a:p>
+            <a:pPr marL="342900" lvl="0" indent="-342900" fontAlgn="base">
+              <a:lnSpc>
+                <a:spcPct val="80000"/>
+              </a:lnSpc>
+              <a:spcBef>
+                <a:spcPct val="20000"/>
+              </a:spcBef>
+              <a:spcAft>
+                <a:spcPct val="0"/>
+              </a:spcAft>
+            </a:pPr>
+            <a:r>
+              <a:rPr lang="en-US" altLang="zh-CN" b="1" dirty="0">
+                <a:solidFill>
+                  <a:srgbClr val="000000"/>
+                </a:solidFill>
+                <a:latin typeface="Times New Roman"/>
+                <a:ea typeface="宋体"/>
+              </a:rPr>
+              <a:t>			 </a:t>
+            </a:r>
+            <a:r>
+              <a:rPr lang="en-US" altLang="zh-CN" b="1" dirty="0" smtClean="0">
+                <a:solidFill>
+                  <a:srgbClr val="000000"/>
+                </a:solidFill>
+                <a:latin typeface="Times New Roman"/>
+                <a:ea typeface="宋体"/>
+              </a:rPr>
+              <a:t>             </a:t>
+            </a:r>
+            <a:r>
+              <a:rPr lang="en-US" altLang="zh-CN" b="1" dirty="0">
+                <a:solidFill>
+                  <a:srgbClr val="000000"/>
+                </a:solidFill>
+                <a:latin typeface="Times New Roman"/>
+                <a:ea typeface="宋体"/>
+              </a:rPr>
+              <a:t>g(y);</a:t>
+            </a:r>
+          </a:p>
+          <a:p>
+            <a:pPr marL="342900" lvl="0" indent="-342900" fontAlgn="base">
+              <a:lnSpc>
+                <a:spcPct val="80000"/>
+              </a:lnSpc>
+              <a:spcBef>
+                <a:spcPct val="20000"/>
+              </a:spcBef>
+              <a:spcAft>
+                <a:spcPct val="0"/>
+              </a:spcAft>
+            </a:pPr>
+            <a:r>
+              <a:rPr lang="en-US" altLang="zh-CN" b="1" dirty="0">
+                <a:solidFill>
+                  <a:srgbClr val="000000"/>
+                </a:solidFill>
+                <a:latin typeface="Times New Roman"/>
+                <a:ea typeface="宋体"/>
+              </a:rPr>
+              <a:t>			 </a:t>
+            </a:r>
+            <a:r>
+              <a:rPr lang="en-US" altLang="zh-CN" b="1" dirty="0" smtClean="0">
+                <a:solidFill>
+                  <a:srgbClr val="000000"/>
+                </a:solidFill>
+                <a:latin typeface="Times New Roman"/>
+                <a:ea typeface="宋体"/>
+              </a:rPr>
+              <a:t>       }</a:t>
+            </a:r>
+            <a:endParaRPr lang="en-US" altLang="zh-CN" b="1" dirty="0">
+              <a:solidFill>
+                <a:srgbClr val="000000"/>
+              </a:solidFill>
+              <a:latin typeface="Times New Roman"/>
+              <a:ea typeface="宋体"/>
+            </a:endParaRPr>
+          </a:p>
+          <a:p>
+            <a:pPr marL="342900" lvl="0" indent="-342900" fontAlgn="base">
+              <a:lnSpc>
+                <a:spcPct val="80000"/>
+              </a:lnSpc>
+              <a:spcBef>
+                <a:spcPct val="20000"/>
+              </a:spcBef>
+              <a:spcAft>
+                <a:spcPct val="0"/>
+              </a:spcAft>
+            </a:pPr>
+            <a:r>
+              <a:rPr lang="en-US" altLang="zh-CN" b="1" dirty="0">
+                <a:solidFill>
+                  <a:srgbClr val="000000"/>
+                </a:solidFill>
+                <a:latin typeface="Times New Roman"/>
+                <a:ea typeface="宋体"/>
+              </a:rPr>
+              <a:t>			}</a:t>
+            </a:r>
+          </a:p>
+          <a:p>
+            <a:pPr marL="342900" lvl="0" indent="-342900" fontAlgn="base">
+              <a:lnSpc>
+                <a:spcPct val="80000"/>
+              </a:lnSpc>
+              <a:spcBef>
+                <a:spcPct val="20000"/>
+              </a:spcBef>
+              <a:spcAft>
+                <a:spcPct val="0"/>
+              </a:spcAft>
+            </a:pPr>
+            <a:r>
+              <a:rPr lang="en-US" altLang="zh-CN" b="1" dirty="0">
+                <a:solidFill>
+                  <a:srgbClr val="000000"/>
+                </a:solidFill>
+                <a:latin typeface="Times New Roman"/>
+                <a:ea typeface="宋体"/>
+              </a:rPr>
+              <a:t>			main( )</a:t>
+            </a:r>
+          </a:p>
+          <a:p>
+            <a:pPr marL="342900" lvl="0" indent="-342900" fontAlgn="base">
+              <a:lnSpc>
+                <a:spcPct val="80000"/>
+              </a:lnSpc>
+              <a:spcBef>
+                <a:spcPct val="20000"/>
+              </a:spcBef>
+              <a:spcAft>
+                <a:spcPct val="0"/>
+              </a:spcAft>
+            </a:pPr>
+            <a:r>
+              <a:rPr lang="en-US" altLang="zh-CN" b="1" dirty="0">
+                <a:solidFill>
+                  <a:srgbClr val="000000"/>
+                </a:solidFill>
+                <a:latin typeface="Times New Roman"/>
+                <a:ea typeface="宋体"/>
+              </a:rPr>
+              <a:t>			</a:t>
+            </a:r>
+            <a:r>
+              <a:rPr lang="en-US" altLang="zh-CN" b="1" dirty="0" smtClean="0">
+                <a:solidFill>
+                  <a:srgbClr val="000000"/>
+                </a:solidFill>
+                <a:latin typeface="Times New Roman"/>
+                <a:ea typeface="宋体"/>
+              </a:rPr>
+              <a:t>{        g(x</a:t>
+            </a:r>
+            <a:r>
+              <a:rPr lang="en-US" altLang="zh-CN" b="1" dirty="0">
+                <a:solidFill>
+                  <a:srgbClr val="000000"/>
+                </a:solidFill>
+                <a:latin typeface="Times New Roman"/>
+                <a:ea typeface="宋体"/>
+              </a:rPr>
+              <a:t>);</a:t>
+            </a:r>
+          </a:p>
+          <a:p>
+            <a:pPr marL="342900" lvl="0" indent="-342900" fontAlgn="base">
+              <a:lnSpc>
+                <a:spcPct val="80000"/>
+              </a:lnSpc>
+              <a:spcBef>
+                <a:spcPct val="20000"/>
+              </a:spcBef>
+              <a:spcAft>
+                <a:spcPct val="0"/>
+              </a:spcAft>
+            </a:pPr>
+            <a:r>
+              <a:rPr lang="en-US" altLang="zh-CN" b="1" dirty="0">
+                <a:solidFill>
+                  <a:srgbClr val="000000"/>
+                </a:solidFill>
+                <a:latin typeface="Times New Roman"/>
+                <a:ea typeface="宋体"/>
+              </a:rPr>
+              <a:t>			 </a:t>
+            </a:r>
+            <a:r>
+              <a:rPr lang="en-US" altLang="zh-CN" b="1" dirty="0" smtClean="0">
+                <a:solidFill>
+                  <a:srgbClr val="000000"/>
+                </a:solidFill>
+                <a:latin typeface="Times New Roman"/>
+                <a:ea typeface="宋体"/>
+              </a:rPr>
+              <a:t>         return </a:t>
+            </a:r>
+            <a:r>
+              <a:rPr lang="en-US" altLang="zh-CN" b="1" dirty="0">
+                <a:solidFill>
+                  <a:srgbClr val="000000"/>
+                </a:solidFill>
+                <a:latin typeface="Times New Roman"/>
+                <a:ea typeface="宋体"/>
+              </a:rPr>
+              <a:t>0;</a:t>
+            </a:r>
+          </a:p>
+          <a:p>
+            <a:pPr marL="342900" lvl="0" indent="-342900" fontAlgn="base">
+              <a:lnSpc>
+                <a:spcPct val="80000"/>
+              </a:lnSpc>
+              <a:spcBef>
+                <a:spcPct val="20000"/>
+              </a:spcBef>
+              <a:spcAft>
+                <a:spcPct val="0"/>
+              </a:spcAft>
+            </a:pPr>
+            <a:r>
+              <a:rPr lang="en-US" altLang="zh-CN" b="1" dirty="0">
+                <a:solidFill>
+                  <a:srgbClr val="000000"/>
+                </a:solidFill>
+                <a:latin typeface="Times New Roman"/>
+                <a:ea typeface="宋体"/>
+              </a:rPr>
+              <a:t>			}</a:t>
+            </a:r>
+            <a:endParaRPr lang="zh-CN" altLang="en-US" b="1" dirty="0">
+              <a:solidFill>
+                <a:srgbClr val="000000"/>
+              </a:solidFill>
+              <a:latin typeface="Times New Roman"/>
+              <a:ea typeface="宋体"/>
+            </a:endParaRPr>
+          </a:p>
+        </p:txBody>
+      </p:sp>
+    </p:spTree>
+    <p:extLst>
+      <p:ext uri="{BB962C8B-B14F-4D97-AF65-F5344CB8AC3E}">
+        <p14:creationId xmlns:p14="http://schemas.microsoft.com/office/powerpoint/2010/main" val="2770860263"/>
+      </p:ext>
+    </p:extLst>
+  </p:cSld>
+  <p:clrMapOvr>
+    <a:masterClrMapping/>
+  </p:clrMapOvr>
+  <mc:AlternateContent xmlns:mc="http://schemas.openxmlformats.org/markup-compatibility/2006" xmlns:p14="http://schemas.microsoft.com/office/powerpoint/2010/main">
+    <mc:Choice Requires="p14">
+      <p:transition spd="med" p14:dur="700">
+        <p:fade/>
+      </p:transition>
+    </mc:Choice>
+    <mc:Fallback xmlns="">
+      <p:transition spd="med">
+        <p:fade/>
+      </p:transition>
+    </mc:Fallback>
+  </mc:AlternateContent>
+</p:sld>
+</file>
+
+<file path=ppt/slides/slide32.xml><?xml version="1.0" encoding="utf-8"?>
+<p:sld xmlns:a="http://schemas.openxmlformats.org/drawingml/2006/main" xmlns:r="http://schemas.openxmlformats.org/officeDocument/2006/relationships" xmlns:p="http://schemas.openxmlformats.org/presentationml/2006/main">
+  <p:cSld>
+    <p:spTree>
+      <p:nvGrpSpPr>
+        <p:cNvPr id="1" name=""/>
+        <p:cNvGrpSpPr/>
+        <p:nvPr/>
+      </p:nvGrpSpPr>
+      <p:grpSpPr>
+        <a:xfrm>
+          <a:off x="0" y="0"/>
+          <a:ext cx="0" cy="0"/>
+          <a:chOff x="0" y="0"/>
+          <a:chExt cx="0" cy="0"/>
+        </a:xfrm>
+      </p:grpSpPr>
+      <p:sp>
+        <p:nvSpPr>
+          <p:cNvPr id="6" name="标题 5"/>
+          <p:cNvSpPr>
+            <a:spLocks noGrp="1"/>
+          </p:cNvSpPr>
+          <p:nvPr>
+            <p:ph type="title"/>
+          </p:nvPr>
+        </p:nvSpPr>
+        <p:spPr/>
+        <p:txBody>
+          <a:bodyPr/>
+          <a:lstStyle/>
+          <a:p>
+            <a:r>
+              <a:rPr lang="en-US" altLang="zh-CN" dirty="0"/>
+              <a:t>8.5 Stack-Based Runtime Environments-Without Local Procedures</a:t>
+            </a:r>
+            <a:endParaRPr lang="zh-CN" altLang="en-US" dirty="0"/>
+          </a:p>
+        </p:txBody>
+      </p:sp>
+      <p:graphicFrame>
+        <p:nvGraphicFramePr>
+          <p:cNvPr id="4" name="Object 4"/>
+          <p:cNvGraphicFramePr>
+            <a:graphicFrameLocks noChangeAspect="1"/>
+          </p:cNvGraphicFramePr>
+          <p:nvPr>
+            <p:extLst>
+              <p:ext uri="{D42A27DB-BD31-4B8C-83A1-F6EECF244321}">
+                <p14:modId xmlns:p14="http://schemas.microsoft.com/office/powerpoint/2010/main" val="554084041"/>
+              </p:ext>
+            </p:extLst>
+          </p:nvPr>
+        </p:nvGraphicFramePr>
+        <p:xfrm>
+          <a:off x="1385888" y="1584325"/>
+          <a:ext cx="5983287" cy="4833938"/>
+        </p:xfrm>
+        <a:graphic>
+          <a:graphicData uri="http://schemas.openxmlformats.org/presentationml/2006/ole">
+            <mc:AlternateContent xmlns:mc="http://schemas.openxmlformats.org/markup-compatibility/2006">
+              <mc:Choice xmlns:v="urn:schemas-microsoft-com:vml" Requires="v">
+                <p:oleObj spid="_x0000_s3075" name="Document" r:id="rId3" imgW="4987011" imgH="4006934" progId="Word.Document.8">
+                  <p:embed/>
+                </p:oleObj>
+              </mc:Choice>
+              <mc:Fallback>
+                <p:oleObj name="Document" r:id="rId3" imgW="4987011" imgH="4006934" progId="Word.Document.8">
+                  <p:embed/>
+                  <p:pic>
+                    <p:nvPicPr>
+                      <p:cNvPr id="0" name=""/>
+                      <p:cNvPicPr>
+                        <a:picLocks noChangeAspect="1" noChangeArrowheads="1"/>
+                      </p:cNvPicPr>
+                      <p:nvPr/>
+                    </p:nvPicPr>
+                    <p:blipFill>
+                      <a:blip r:embed="rId4"/>
+                      <a:srcRect/>
+                      <a:stretch>
+                        <a:fillRect/>
+                      </a:stretch>
+                    </p:blipFill>
+                    <p:spPr bwMode="auto">
+                      <a:xfrm>
+                        <a:off x="1385888" y="1584325"/>
+                        <a:ext cx="5983287" cy="4833938"/>
+                      </a:xfrm>
+                      <a:prstGeom prst="rect">
+                        <a:avLst/>
+                      </a:prstGeom>
+                      <a:noFill/>
+                      <a:ln>
+                        <a:noFill/>
+                      </a:ln>
+                      <a:effectLst/>
+                      <a:extLst/>
+                    </p:spPr>
+                  </p:pic>
+                </p:oleObj>
+              </mc:Fallback>
+            </mc:AlternateContent>
+          </a:graphicData>
+        </a:graphic>
+      </p:graphicFrame>
+    </p:spTree>
+    <p:extLst>
+      <p:ext uri="{BB962C8B-B14F-4D97-AF65-F5344CB8AC3E}">
+        <p14:creationId xmlns:p14="http://schemas.microsoft.com/office/powerpoint/2010/main" val="1972334244"/>
+      </p:ext>
+    </p:extLst>
+  </p:cSld>
+  <p:clrMapOvr>
+    <a:masterClrMapping/>
+  </p:clrMapOvr>
+  <mc:AlternateContent xmlns:mc="http://schemas.openxmlformats.org/markup-compatibility/2006" xmlns:p14="http://schemas.microsoft.com/office/powerpoint/2010/main">
+    <mc:Choice Requires="p14">
+      <p:transition spd="med" p14:dur="700">
+        <p:fade/>
+      </p:transition>
+    </mc:Choice>
+    <mc:Fallback xmlns="">
+      <p:transition spd="med">
+        <p:fade/>
+      </p:transition>
+    </mc:Fallback>
+  </mc:AlternateContent>
+</p:sld>
+</file>
+
+<file path=ppt/slides/slide33.xml><?xml version="1.0" encoding="utf-8"?>
+<p:sld xmlns:a="http://schemas.openxmlformats.org/drawingml/2006/main" xmlns:r="http://schemas.openxmlformats.org/officeDocument/2006/relationships" xmlns:p="http://schemas.openxmlformats.org/presentationml/2006/main">
+  <p:cSld>
+    <p:spTree>
+      <p:nvGrpSpPr>
+        <p:cNvPr id="1" name=""/>
+        <p:cNvGrpSpPr/>
+        <p:nvPr/>
+      </p:nvGrpSpPr>
+      <p:grpSpPr>
+        <a:xfrm>
+          <a:off x="0" y="0"/>
+          <a:ext cx="0" cy="0"/>
+          <a:chOff x="0" y="0"/>
+          <a:chExt cx="0" cy="0"/>
+        </a:xfrm>
+      </p:grpSpPr>
+      <p:sp>
+        <p:nvSpPr>
+          <p:cNvPr id="6" name="标题 5"/>
+          <p:cNvSpPr>
+            <a:spLocks noGrp="1"/>
+          </p:cNvSpPr>
+          <p:nvPr>
+            <p:ph type="title"/>
+          </p:nvPr>
+        </p:nvSpPr>
+        <p:spPr/>
+        <p:txBody>
+          <a:bodyPr/>
+          <a:lstStyle/>
+          <a:p>
+            <a:r>
+              <a:rPr lang="en-US" altLang="zh-CN" dirty="0"/>
+              <a:t>8.5 Stack-Based Runtime Environments-Without Local Procedures</a:t>
+            </a:r>
+            <a:endParaRPr lang="zh-CN" altLang="en-US" dirty="0"/>
+          </a:p>
+        </p:txBody>
+      </p:sp>
+      <p:graphicFrame>
+        <p:nvGraphicFramePr>
+          <p:cNvPr id="5" name="Object 4"/>
+          <p:cNvGraphicFramePr>
+            <a:graphicFrameLocks noChangeAspect="1"/>
+          </p:cNvGraphicFramePr>
+          <p:nvPr>
+            <p:extLst>
+              <p:ext uri="{D42A27DB-BD31-4B8C-83A1-F6EECF244321}">
+                <p14:modId xmlns:p14="http://schemas.microsoft.com/office/powerpoint/2010/main" val="3567556554"/>
+              </p:ext>
+            </p:extLst>
+          </p:nvPr>
+        </p:nvGraphicFramePr>
+        <p:xfrm>
+          <a:off x="655208" y="1459283"/>
+          <a:ext cx="7958954" cy="5226934"/>
+        </p:xfrm>
+        <a:graphic>
+          <a:graphicData uri="http://schemas.openxmlformats.org/presentationml/2006/ole">
+            <mc:AlternateContent xmlns:mc="http://schemas.openxmlformats.org/markup-compatibility/2006">
+              <mc:Choice xmlns:v="urn:schemas-microsoft-com:vml" Requires="v">
+                <p:oleObj spid="_x0000_s4099" name="Document" r:id="rId3" imgW="5208640" imgH="3406074" progId="Word.Document.8">
+                  <p:embed/>
+                </p:oleObj>
+              </mc:Choice>
+              <mc:Fallback>
+                <p:oleObj name="Document" r:id="rId3" imgW="5208640" imgH="3406074" progId="Word.Document.8">
+                  <p:embed/>
+                  <p:pic>
+                    <p:nvPicPr>
+                      <p:cNvPr id="0" name=""/>
+                      <p:cNvPicPr>
+                        <a:picLocks noChangeAspect="1" noChangeArrowheads="1"/>
+                      </p:cNvPicPr>
+                      <p:nvPr/>
+                    </p:nvPicPr>
+                    <p:blipFill>
+                      <a:blip r:embed="rId4"/>
+                      <a:srcRect/>
+                      <a:stretch>
+                        <a:fillRect/>
+                      </a:stretch>
+                    </p:blipFill>
+                    <p:spPr bwMode="auto">
+                      <a:xfrm>
+                        <a:off x="655208" y="1459283"/>
+                        <a:ext cx="7958954" cy="5226934"/>
+                      </a:xfrm>
+                      <a:prstGeom prst="rect">
+                        <a:avLst/>
+                      </a:prstGeom>
+                      <a:noFill/>
+                      <a:ln>
+                        <a:noFill/>
+                      </a:ln>
+                      <a:effectLst/>
+                      <a:extLst/>
+                    </p:spPr>
+                  </p:pic>
+                </p:oleObj>
+              </mc:Fallback>
+            </mc:AlternateContent>
+          </a:graphicData>
+        </a:graphic>
+      </p:graphicFrame>
+    </p:spTree>
+    <p:extLst>
+      <p:ext uri="{BB962C8B-B14F-4D97-AF65-F5344CB8AC3E}">
+        <p14:creationId xmlns:p14="http://schemas.microsoft.com/office/powerpoint/2010/main" val="1568644437"/>
+      </p:ext>
+    </p:extLst>
+  </p:cSld>
+  <p:clrMapOvr>
+    <a:masterClrMapping/>
+  </p:clrMapOvr>
+  <mc:AlternateContent xmlns:mc="http://schemas.openxmlformats.org/markup-compatibility/2006" xmlns:p14="http://schemas.microsoft.com/office/powerpoint/2010/main">
+    <mc:Choice Requires="p14">
+      <p:transition spd="med" p14:dur="700">
+        <p:fade/>
+      </p:transition>
+    </mc:Choice>
+    <mc:Fallback xmlns="">
+      <p:transition spd="med">
+        <p:fade/>
+      </p:transition>
+    </mc:Fallback>
+  </mc:AlternateContent>
+</p:sld>
+</file>
+
+<file path=ppt/slides/slide34.xml><?xml version="1.0" encoding="utf-8"?>
+<p:sld xmlns:a="http://schemas.openxmlformats.org/drawingml/2006/main" xmlns:r="http://schemas.openxmlformats.org/officeDocument/2006/relationships" xmlns:p="http://schemas.openxmlformats.org/presentationml/2006/main">
+  <p:cSld>
+    <p:spTree>
+      <p:nvGrpSpPr>
+        <p:cNvPr id="1" name=""/>
+        <p:cNvGrpSpPr/>
+        <p:nvPr/>
+      </p:nvGrpSpPr>
+      <p:grpSpPr>
+        <a:xfrm>
+          <a:off x="0" y="0"/>
+          <a:ext cx="0" cy="0"/>
+          <a:chOff x="0" y="0"/>
+          <a:chExt cx="0" cy="0"/>
+        </a:xfrm>
+      </p:grpSpPr>
+      <p:sp>
+        <p:nvSpPr>
+          <p:cNvPr id="2" name="标题 1"/>
+          <p:cNvSpPr>
+            <a:spLocks noGrp="1"/>
+          </p:cNvSpPr>
+          <p:nvPr>
+            <p:ph type="title"/>
+          </p:nvPr>
+        </p:nvSpPr>
+        <p:spPr/>
+        <p:txBody>
+          <a:bodyPr/>
+          <a:lstStyle/>
+          <a:p>
+            <a:r>
+              <a:rPr lang="en-US" altLang="zh-CN" dirty="0"/>
+              <a:t>8.5 Stack-Based Runtime Environments-Without Local Procedures</a:t>
+            </a:r>
+            <a:endParaRPr lang="zh-CN" altLang="en-US" dirty="0"/>
+          </a:p>
+        </p:txBody>
+      </p:sp>
+      <p:graphicFrame>
+        <p:nvGraphicFramePr>
+          <p:cNvPr id="4" name="Object 4"/>
+          <p:cNvGraphicFramePr>
+            <a:graphicFrameLocks noChangeAspect="1"/>
+          </p:cNvGraphicFramePr>
+          <p:nvPr>
+            <p:extLst>
+              <p:ext uri="{D42A27DB-BD31-4B8C-83A1-F6EECF244321}">
+                <p14:modId xmlns:p14="http://schemas.microsoft.com/office/powerpoint/2010/main" val="455985340"/>
+              </p:ext>
+            </p:extLst>
+          </p:nvPr>
+        </p:nvGraphicFramePr>
+        <p:xfrm>
+          <a:off x="969622" y="1751888"/>
+          <a:ext cx="6969617" cy="4657458"/>
+        </p:xfrm>
+        <a:graphic>
+          <a:graphicData uri="http://schemas.openxmlformats.org/presentationml/2006/ole">
+            <mc:AlternateContent xmlns:mc="http://schemas.openxmlformats.org/markup-compatibility/2006">
+              <mc:Choice xmlns:v="urn:schemas-microsoft-com:vml" Requires="v">
+                <p:oleObj spid="_x0000_s5122" name="Document" r:id="rId3" imgW="4783127" imgH="3182866" progId="Word.Document.8">
+                  <p:embed/>
+                </p:oleObj>
+              </mc:Choice>
+              <mc:Fallback>
+                <p:oleObj name="Document" r:id="rId3" imgW="4783127" imgH="3182866" progId="Word.Document.8">
+                  <p:embed/>
+                  <p:pic>
+                    <p:nvPicPr>
+                      <p:cNvPr id="0" name=""/>
+                      <p:cNvPicPr>
+                        <a:picLocks noChangeAspect="1" noChangeArrowheads="1"/>
+                      </p:cNvPicPr>
+                      <p:nvPr/>
+                    </p:nvPicPr>
+                    <p:blipFill>
+                      <a:blip r:embed="rId4"/>
+                      <a:srcRect/>
+                      <a:stretch>
+                        <a:fillRect/>
+                      </a:stretch>
+                    </p:blipFill>
+                    <p:spPr bwMode="auto">
+                      <a:xfrm>
+                        <a:off x="969622" y="1751888"/>
+                        <a:ext cx="6969617" cy="4657458"/>
+                      </a:xfrm>
+                      <a:prstGeom prst="rect">
+                        <a:avLst/>
+                      </a:prstGeom>
+                      <a:noFill/>
+                      <a:ln>
+                        <a:noFill/>
+                      </a:ln>
+                      <a:effectLst/>
+                      <a:extLst/>
+                    </p:spPr>
+                  </p:pic>
+                </p:oleObj>
+              </mc:Fallback>
+            </mc:AlternateContent>
+          </a:graphicData>
+        </a:graphic>
+      </p:graphicFrame>
+    </p:spTree>
+    <p:extLst>
+      <p:ext uri="{BB962C8B-B14F-4D97-AF65-F5344CB8AC3E}">
+        <p14:creationId xmlns:p14="http://schemas.microsoft.com/office/powerpoint/2010/main" val="3129298434"/>
       </p:ext>
     </p:extLst>
   </p:cSld>
@@ -13845,7 +16894,7 @@
         </p:nvGraphicFramePr>
         <p:xfrm>
           <a:off x="4691639" y="4541855"/>
-          <a:ext cx="3273040" cy="1244600"/>
+          <a:ext cx="3273040" cy="1112520"/>
         </p:xfrm>
         <a:graphic>
           <a:graphicData uri="http://schemas.openxmlformats.org/drawingml/2006/table">
